--- a/Thesis/Disputation/PowerPointPresentation/V2_Dispo_HFU_Design.pptx
+++ b/Thesis/Disputation/PowerPointPresentation/V2_Dispo_HFU_Design.pptx
@@ -5,7 +5,7 @@
     <p:sldMasterId id="2147483648" r:id="rId1"/>
   </p:sldMasterIdLst>
   <p:notesMasterIdLst>
-    <p:notesMasterId r:id="rId27"/>
+    <p:notesMasterId r:id="rId25"/>
   </p:notesMasterIdLst>
   <p:sldIdLst>
     <p:sldId id="293" r:id="rId2"/>
@@ -23,16 +23,14 @@
     <p:sldId id="308" r:id="rId14"/>
     <p:sldId id="309" r:id="rId15"/>
     <p:sldId id="310" r:id="rId16"/>
-    <p:sldId id="315" r:id="rId17"/>
-    <p:sldId id="316" r:id="rId18"/>
-    <p:sldId id="317" r:id="rId19"/>
-    <p:sldId id="311" r:id="rId20"/>
-    <p:sldId id="304" r:id="rId21"/>
-    <p:sldId id="306" r:id="rId22"/>
-    <p:sldId id="307" r:id="rId23"/>
-    <p:sldId id="313" r:id="rId24"/>
-    <p:sldId id="314" r:id="rId25"/>
-    <p:sldId id="312" r:id="rId26"/>
+    <p:sldId id="311" r:id="rId17"/>
+    <p:sldId id="304" r:id="rId18"/>
+    <p:sldId id="306" r:id="rId19"/>
+    <p:sldId id="307" r:id="rId20"/>
+    <p:sldId id="313" r:id="rId21"/>
+    <p:sldId id="314" r:id="rId22"/>
+    <p:sldId id="312" r:id="rId23"/>
+    <p:sldId id="318" r:id="rId24"/>
   </p:sldIdLst>
   <p:sldSz cx="9144000" cy="6858000" type="screen4x3"/>
   <p:notesSz cx="6858000" cy="9144000"/>
@@ -694,8 +692,64 @@
                 <a:ea typeface="ＭＳ Ｐゴシック" pitchFamily="-112" charset="-128"/>
                 <a:cs typeface="+mn-cs"/>
               </a:rPr>
+              <a:t>Mein Thema der Abeit war die Szenenrekonstruktion und Kamerakalibrierung aus heterogenen stereoskopischen Bildquellen</a:t>
+            </a:r>
+          </a:p>
+          <a:p>
+            <a:endParaRPr lang="de-DE" sz="1200" b="0" i="0" u="none" strike="noStrike" kern="1200" baseline="0" dirty="0">
+              <a:solidFill>
+                <a:schemeClr val="tx1"/>
+              </a:solidFill>
+              <a:latin typeface="Arial" charset="0"/>
+              <a:ea typeface="ＭＳ Ｐゴシック" pitchFamily="-112" charset="-128"/>
+              <a:cs typeface="+mn-cs"/>
+            </a:endParaRPr>
+          </a:p>
+          <a:p>
+            <a:r>
+              <a:rPr lang="de-DE" sz="1200" b="0" i="0" u="none" strike="noStrike" kern="1200" baseline="0" dirty="0">
+                <a:solidFill>
+                  <a:schemeClr val="tx1"/>
+                </a:solidFill>
+                <a:latin typeface="Arial" charset="0"/>
+                <a:ea typeface="ＭＳ Ｐゴシック" pitchFamily="-112" charset="-128"/>
+                <a:cs typeface="+mn-cs"/>
+              </a:rPr>
+              <a:t>Die Szenenrekonstruktion und die Kamerakalibrierung sind Themenbereiche der sogenannten Computer Vision</a:t>
+            </a:r>
+          </a:p>
+          <a:p>
+            <a:endParaRPr lang="de-DE" sz="1200" b="0" i="0" u="none" strike="noStrike" kern="1200" baseline="0" dirty="0">
+              <a:solidFill>
+                <a:schemeClr val="tx1"/>
+              </a:solidFill>
+              <a:latin typeface="Arial" charset="0"/>
+              <a:ea typeface="ＭＳ Ｐゴシック" pitchFamily="-112" charset="-128"/>
+              <a:cs typeface="+mn-cs"/>
+            </a:endParaRPr>
+          </a:p>
+          <a:p>
+            <a:r>
+              <a:rPr lang="de-DE" sz="1200" b="0" i="0" u="none" strike="noStrike" kern="1200" baseline="0" dirty="0">
+                <a:solidFill>
+                  <a:schemeClr val="tx1"/>
+                </a:solidFill>
+                <a:latin typeface="Arial" charset="0"/>
+                <a:ea typeface="ＭＳ Ｐゴシック" pitchFamily="-112" charset="-128"/>
+                <a:cs typeface="+mn-cs"/>
+              </a:rPr>
               <a:t>Die Computer Vision ist ein Fachbereich der Computer Science mit dem Fokus auf die Entwicklung von künstlicher Intelligenz, die ein visuelles Verständnis ihrer Umgebung besitzen. Folglich wird in der Computer Vision der Weg von visuellen Eindrücken oder Bildern aus der Realität in den Rechner beschrieben . </a:t>
             </a:r>
+          </a:p>
+          <a:p>
+            <a:endParaRPr lang="de-DE" sz="1200" b="0" i="0" u="none" strike="noStrike" kern="1200" baseline="0" dirty="0">
+              <a:solidFill>
+                <a:schemeClr val="tx1"/>
+              </a:solidFill>
+              <a:latin typeface="Arial" charset="0"/>
+              <a:ea typeface="ＭＳ Ｐゴシック" pitchFamily="-112" charset="-128"/>
+              <a:cs typeface="+mn-cs"/>
+            </a:endParaRPr>
           </a:p>
           <a:p>
             <a:endParaRPr lang="de-DE" sz="1200" b="0" i="0" u="none" strike="noStrike" kern="1200" baseline="0" dirty="0">
@@ -2296,15 +2350,7 @@
           <a:bodyPr/>
           <a:lstStyle/>
           <a:p>
-            <a:r>
-              <a:rPr lang="de-DE" dirty="0">
-                <a:ea typeface="ＭＳ Ｐゴシック" pitchFamily="34" charset="-128"/>
-              </a:rPr>
-              <a:t>Samposon approximation</a:t>
-            </a:r>
-          </a:p>
-          <a:p>
-            <a:endParaRPr lang="de-DE" dirty="0">
+            <a:endParaRPr lang="de-DE">
               <a:ea typeface="ＭＳ Ｐゴシック" pitchFamily="34" charset="-128"/>
             </a:endParaRPr>
           </a:p>
@@ -2350,7 +2396,7 @@
     </p:spTree>
     <p:extLst>
       <p:ext uri="{BB962C8B-B14F-4D97-AF65-F5344CB8AC3E}">
-        <p14:creationId xmlns:p14="http://schemas.microsoft.com/office/powerpoint/2010/main" val="638816037"/>
+        <p14:creationId xmlns:p14="http://schemas.microsoft.com/office/powerpoint/2010/main" val="2785607804"/>
       </p:ext>
     </p:extLst>
   </p:cSld>
@@ -2454,7 +2500,7 @@
     </p:spTree>
     <p:extLst>
       <p:ext uri="{BB962C8B-B14F-4D97-AF65-F5344CB8AC3E}">
-        <p14:creationId xmlns:p14="http://schemas.microsoft.com/office/powerpoint/2010/main" val="119722400"/>
+        <p14:creationId xmlns:p14="http://schemas.microsoft.com/office/powerpoint/2010/main" val="1128083003"/>
       </p:ext>
     </p:extLst>
   </p:cSld>
@@ -2512,7 +2558,7 @@
           <a:bodyPr/>
           <a:lstStyle/>
           <a:p>
-            <a:endParaRPr lang="de-DE">
+            <a:endParaRPr lang="de-DE" dirty="0">
               <a:ea typeface="ＭＳ Ｐゴシック" pitchFamily="34" charset="-128"/>
             </a:endParaRPr>
           </a:p>
@@ -2558,7 +2604,7 @@
     </p:spTree>
     <p:extLst>
       <p:ext uri="{BB962C8B-B14F-4D97-AF65-F5344CB8AC3E}">
-        <p14:creationId xmlns:p14="http://schemas.microsoft.com/office/powerpoint/2010/main" val="3147809677"/>
+        <p14:creationId xmlns:p14="http://schemas.microsoft.com/office/powerpoint/2010/main" val="2376772806"/>
       </p:ext>
     </p:extLst>
   </p:cSld>
@@ -2662,7 +2708,7 @@
     </p:spTree>
     <p:extLst>
       <p:ext uri="{BB962C8B-B14F-4D97-AF65-F5344CB8AC3E}">
-        <p14:creationId xmlns:p14="http://schemas.microsoft.com/office/powerpoint/2010/main" val="2785607804"/>
+        <p14:creationId xmlns:p14="http://schemas.microsoft.com/office/powerpoint/2010/main" val="2044746924"/>
       </p:ext>
     </p:extLst>
   </p:cSld>
@@ -2804,7 +2850,7 @@
                 <a:ea typeface="ＭＳ Ｐゴシック" pitchFamily="-112" charset="-128"/>
                 <a:cs typeface="+mn-cs"/>
               </a:rPr>
-              <a:t>Das entwickeln solcher Maschinen und den damit verbundenen Grundprinzipien und Programmen sind die Forschungsmittelpunkte von aktuellen Anwendungsbereichen wie dem Autonomen Fahren, Motion- Capturing, Bewegungserkennungen oder Service Robotern.</a:t>
+              <a:t>Das entwickeln solcher Maschinen und den damit verbundenen Grundprinzipien und Programmen sind die Forschungsmittelpunkte von aktuellen Anwendungsbereichen wie dem Autonomen Fahren, Motion- Capturing, Bewegungserkennungen oder Service Robotern oder dem Auswerten von Drohnenbildern</a:t>
             </a:r>
           </a:p>
           <a:p>
@@ -2988,7 +3034,7 @@
     </p:spTree>
     <p:extLst>
       <p:ext uri="{BB962C8B-B14F-4D97-AF65-F5344CB8AC3E}">
-        <p14:creationId xmlns:p14="http://schemas.microsoft.com/office/powerpoint/2010/main" val="1128083003"/>
+        <p14:creationId xmlns:p14="http://schemas.microsoft.com/office/powerpoint/2010/main" val="1684978929"/>
       </p:ext>
     </p:extLst>
   </p:cSld>
@@ -3046,7 +3092,7 @@
           <a:bodyPr/>
           <a:lstStyle/>
           <a:p>
-            <a:endParaRPr lang="de-DE" dirty="0">
+            <a:endParaRPr lang="de-DE">
               <a:ea typeface="ＭＳ Ｐゴシック" pitchFamily="34" charset="-128"/>
             </a:endParaRPr>
           </a:p>
@@ -3092,7 +3138,7 @@
     </p:spTree>
     <p:extLst>
       <p:ext uri="{BB962C8B-B14F-4D97-AF65-F5344CB8AC3E}">
-        <p14:creationId xmlns:p14="http://schemas.microsoft.com/office/powerpoint/2010/main" val="2376772806"/>
+        <p14:creationId xmlns:p14="http://schemas.microsoft.com/office/powerpoint/2010/main" val="2916396771"/>
       </p:ext>
     </p:extLst>
   </p:cSld>
@@ -3196,7 +3242,7 @@
     </p:spTree>
     <p:extLst>
       <p:ext uri="{BB962C8B-B14F-4D97-AF65-F5344CB8AC3E}">
-        <p14:creationId xmlns:p14="http://schemas.microsoft.com/office/powerpoint/2010/main" val="2044746924"/>
+        <p14:creationId xmlns:p14="http://schemas.microsoft.com/office/powerpoint/2010/main" val="1454031859"/>
       </p:ext>
     </p:extLst>
   </p:cSld>
@@ -3300,215 +3346,7 @@
     </p:spTree>
     <p:extLst>
       <p:ext uri="{BB962C8B-B14F-4D97-AF65-F5344CB8AC3E}">
-        <p14:creationId xmlns:p14="http://schemas.microsoft.com/office/powerpoint/2010/main" val="1684978929"/>
-      </p:ext>
-    </p:extLst>
-  </p:cSld>
-  <p:clrMapOvr>
-    <a:masterClrMapping/>
-  </p:clrMapOvr>
-</p:notes>
-</file>
-
-<file path=ppt/notesSlides/notesSlide24.xml><?xml version="1.0" encoding="utf-8"?>
-<p:notes xmlns:a="http://schemas.openxmlformats.org/drawingml/2006/main" xmlns:r="http://schemas.openxmlformats.org/officeDocument/2006/relationships" xmlns:p="http://schemas.openxmlformats.org/presentationml/2006/main">
-  <p:cSld>
-    <p:spTree>
-      <p:nvGrpSpPr>
-        <p:cNvPr id="1" name=""/>
-        <p:cNvGrpSpPr/>
-        <p:nvPr/>
-      </p:nvGrpSpPr>
-      <p:grpSpPr>
-        <a:xfrm>
-          <a:off x="0" y="0"/>
-          <a:ext cx="0" cy="0"/>
-          <a:chOff x="0" y="0"/>
-          <a:chExt cx="0" cy="0"/>
-        </a:xfrm>
-      </p:grpSpPr>
-      <p:sp>
-        <p:nvSpPr>
-          <p:cNvPr id="38914" name="Folienbildplatzhalter 1"/>
-          <p:cNvSpPr>
-            <a:spLocks noGrp="1" noRot="1" noChangeAspect="1" noTextEdit="1"/>
-          </p:cNvSpPr>
-          <p:nvPr>
-            <p:ph type="sldImg"/>
-          </p:nvPr>
-        </p:nvSpPr>
-        <p:spPr>
-          <a:ln/>
-        </p:spPr>
-      </p:sp>
-      <p:sp>
-        <p:nvSpPr>
-          <p:cNvPr id="38915" name="Notizenplatzhalter 2"/>
-          <p:cNvSpPr>
-            <a:spLocks noGrp="1"/>
-          </p:cNvSpPr>
-          <p:nvPr>
-            <p:ph type="body" idx="1"/>
-          </p:nvPr>
-        </p:nvSpPr>
-        <p:spPr>
-          <a:noFill/>
-        </p:spPr>
-        <p:txBody>
-          <a:bodyPr/>
-          <a:lstStyle/>
-          <a:p>
-            <a:endParaRPr lang="de-DE">
-              <a:ea typeface="ＭＳ Ｐゴシック" pitchFamily="34" charset="-128"/>
-            </a:endParaRPr>
-          </a:p>
-        </p:txBody>
-      </p:sp>
-      <p:sp>
-        <p:nvSpPr>
-          <p:cNvPr id="38916" name="Foliennummernplatzhalter 3"/>
-          <p:cNvSpPr>
-            <a:spLocks noGrp="1"/>
-          </p:cNvSpPr>
-          <p:nvPr>
-            <p:ph type="sldNum" sz="quarter" idx="5"/>
-          </p:nvPr>
-        </p:nvSpPr>
-        <p:spPr>
-          <a:noFill/>
-          <a:ln>
-            <a:miter lim="800000"/>
-            <a:headEnd/>
-            <a:tailEnd/>
-          </a:ln>
-        </p:spPr>
-        <p:txBody>
-          <a:bodyPr/>
-          <a:lstStyle/>
-          <a:p>
-            <a:fld id="{B99247C0-3395-4CA9-990C-9699B55FB1A5}" type="slidenum">
-              <a:rPr lang="de-DE" smtClean="0">
-                <a:latin typeface="Arial Narrow" pitchFamily="34" charset="0"/>
-                <a:ea typeface="ＭＳ Ｐゴシック" pitchFamily="34" charset="-128"/>
-              </a:rPr>
-              <a:pPr/>
-              <a:t>24</a:t>
-            </a:fld>
-            <a:endParaRPr lang="de-DE">
-              <a:latin typeface="Arial Narrow" pitchFamily="34" charset="0"/>
-              <a:ea typeface="ＭＳ Ｐゴシック" pitchFamily="34" charset="-128"/>
-            </a:endParaRPr>
-          </a:p>
-        </p:txBody>
-      </p:sp>
-    </p:spTree>
-    <p:extLst>
-      <p:ext uri="{BB962C8B-B14F-4D97-AF65-F5344CB8AC3E}">
-        <p14:creationId xmlns:p14="http://schemas.microsoft.com/office/powerpoint/2010/main" val="2916396771"/>
-      </p:ext>
-    </p:extLst>
-  </p:cSld>
-  <p:clrMapOvr>
-    <a:masterClrMapping/>
-  </p:clrMapOvr>
-</p:notes>
-</file>
-
-<file path=ppt/notesSlides/notesSlide25.xml><?xml version="1.0" encoding="utf-8"?>
-<p:notes xmlns:a="http://schemas.openxmlformats.org/drawingml/2006/main" xmlns:r="http://schemas.openxmlformats.org/officeDocument/2006/relationships" xmlns:p="http://schemas.openxmlformats.org/presentationml/2006/main">
-  <p:cSld>
-    <p:spTree>
-      <p:nvGrpSpPr>
-        <p:cNvPr id="1" name=""/>
-        <p:cNvGrpSpPr/>
-        <p:nvPr/>
-      </p:nvGrpSpPr>
-      <p:grpSpPr>
-        <a:xfrm>
-          <a:off x="0" y="0"/>
-          <a:ext cx="0" cy="0"/>
-          <a:chOff x="0" y="0"/>
-          <a:chExt cx="0" cy="0"/>
-        </a:xfrm>
-      </p:grpSpPr>
-      <p:sp>
-        <p:nvSpPr>
-          <p:cNvPr id="38914" name="Folienbildplatzhalter 1"/>
-          <p:cNvSpPr>
-            <a:spLocks noGrp="1" noRot="1" noChangeAspect="1" noTextEdit="1"/>
-          </p:cNvSpPr>
-          <p:nvPr>
-            <p:ph type="sldImg"/>
-          </p:nvPr>
-        </p:nvSpPr>
-        <p:spPr>
-          <a:ln/>
-        </p:spPr>
-      </p:sp>
-      <p:sp>
-        <p:nvSpPr>
-          <p:cNvPr id="38915" name="Notizenplatzhalter 2"/>
-          <p:cNvSpPr>
-            <a:spLocks noGrp="1"/>
-          </p:cNvSpPr>
-          <p:nvPr>
-            <p:ph type="body" idx="1"/>
-          </p:nvPr>
-        </p:nvSpPr>
-        <p:spPr>
-          <a:noFill/>
-        </p:spPr>
-        <p:txBody>
-          <a:bodyPr/>
-          <a:lstStyle/>
-          <a:p>
-            <a:endParaRPr lang="de-DE">
-              <a:ea typeface="ＭＳ Ｐゴシック" pitchFamily="34" charset="-128"/>
-            </a:endParaRPr>
-          </a:p>
-        </p:txBody>
-      </p:sp>
-      <p:sp>
-        <p:nvSpPr>
-          <p:cNvPr id="38916" name="Foliennummernplatzhalter 3"/>
-          <p:cNvSpPr>
-            <a:spLocks noGrp="1"/>
-          </p:cNvSpPr>
-          <p:nvPr>
-            <p:ph type="sldNum" sz="quarter" idx="5"/>
-          </p:nvPr>
-        </p:nvSpPr>
-        <p:spPr>
-          <a:noFill/>
-          <a:ln>
-            <a:miter lim="800000"/>
-            <a:headEnd/>
-            <a:tailEnd/>
-          </a:ln>
-        </p:spPr>
-        <p:txBody>
-          <a:bodyPr/>
-          <a:lstStyle/>
-          <a:p>
-            <a:fld id="{B99247C0-3395-4CA9-990C-9699B55FB1A5}" type="slidenum">
-              <a:rPr lang="de-DE" smtClean="0">
-                <a:latin typeface="Arial Narrow" pitchFamily="34" charset="0"/>
-                <a:ea typeface="ＭＳ Ｐゴシック" pitchFamily="34" charset="-128"/>
-              </a:rPr>
-              <a:pPr/>
-              <a:t>25</a:t>
-            </a:fld>
-            <a:endParaRPr lang="de-DE">
-              <a:latin typeface="Arial Narrow" pitchFamily="34" charset="0"/>
-              <a:ea typeface="ＭＳ Ｐゴシック" pitchFamily="34" charset="-128"/>
-            </a:endParaRPr>
-          </a:p>
-        </p:txBody>
-      </p:sp>
-    </p:spTree>
-    <p:extLst>
-      <p:ext uri="{BB962C8B-B14F-4D97-AF65-F5344CB8AC3E}">
-        <p14:creationId xmlns:p14="http://schemas.microsoft.com/office/powerpoint/2010/main" val="1454031859"/>
+        <p14:creationId xmlns:p14="http://schemas.microsoft.com/office/powerpoint/2010/main" val="2275599209"/>
       </p:ext>
     </p:extLst>
   </p:cSld>
@@ -3574,6 +3412,18 @@
               <a:rPr lang="de-DE" dirty="0">
                 <a:ea typeface="ＭＳ Ｐゴシック" pitchFamily="34" charset="-128"/>
               </a:rPr>
+              <a:t>Wieso nehmen wir stereoskoische Bildquellen?</a:t>
+            </a:r>
+          </a:p>
+          <a:p>
+            <a:pPr marL="628650" lvl="1" indent="-171450">
+              <a:buFont typeface="Arial" panose="020B0604020202020204" pitchFamily="34" charset="0"/>
+              <a:buChar char="•"/>
+            </a:pPr>
+            <a:r>
+              <a:rPr lang="de-DE" dirty="0">
+                <a:ea typeface="ＭＳ Ｐゴシック" pitchFamily="34" charset="-128"/>
+              </a:rPr>
               <a:t>Bildtiefe aus einem Bild nicht möglich </a:t>
             </a:r>
           </a:p>
@@ -3603,7 +3453,7 @@
               <a:rPr lang="de-DE" dirty="0">
                 <a:ea typeface="ＭＳ Ｐゴシック" pitchFamily="34" charset="-128"/>
               </a:rPr>
-              <a:t>Die Rekonstruktion in dieser Arbeit wurde anahnd von Stereoskopischen Bilddaten entwickelt</a:t>
+              <a:t>Die Rekonstruktion in dieser Arbeit wurde anahnd von stereoskopischen Bilddaten entwickelt</a:t>
             </a:r>
           </a:p>
           <a:p>
@@ -3661,17 +3511,21 @@
                 <a:ea typeface="ＭＳ Ｐゴシック" pitchFamily="34" charset="-128"/>
                 <a:sym typeface="Wingdings" panose="05000000000000000000" pitchFamily="2" charset="2"/>
               </a:rPr>
-              <a:t>Das weitläfuigte Ziel welches mit dem in dieser Masterarbeit erarbeiteten Ansatz verfolgt werden soll, ist es aus 2D Informationen von Kameras unterschiedlicher Auflösung und Art (Infrarot und RGB) eine 3D Szene rekonstruieren zu können </a:t>
-            </a:r>
-          </a:p>
-          <a:p>
+              <a:t>Das weitläfuigte Ziel welches mit dem in dieser Masterarbeit erarbeiteten Ansatz verfolgt werden soll, ist es aus 2D Informationen von Kameras unterschiedlicher Auflösung und Art (Infrarot und RGB) eine 3D Szene bzw 3D-Szenenpunkte rekonstruieren zu können </a:t>
+            </a:r>
+          </a:p>
+          <a:p>
+            <a:pPr marL="628650" lvl="1" indent="-171450">
+              <a:buFont typeface="Arial" panose="020B0604020202020204" pitchFamily="34" charset="0"/>
+              <a:buChar char="•"/>
+            </a:pPr>
             <a:endParaRPr lang="de-DE" dirty="0">
               <a:ea typeface="ＭＳ Ｐゴシック" pitchFamily="34" charset="-128"/>
               <a:sym typeface="Wingdings" panose="05000000000000000000" pitchFamily="2" charset="2"/>
             </a:endParaRPr>
           </a:p>
           <a:p>
-            <a:pPr marL="171450" indent="-171450">
+            <a:pPr marL="171450" lvl="0" indent="-171450">
               <a:buFont typeface="Arial" panose="020B0604020202020204" pitchFamily="34" charset="0"/>
               <a:buChar char="•"/>
             </a:pPr>
@@ -3680,7 +3534,20 @@
                 <a:ea typeface="ＭＳ Ｐゴシック" pitchFamily="34" charset="-128"/>
                 <a:sym typeface="Wingdings" panose="05000000000000000000" pitchFamily="2" charset="2"/>
               </a:rPr>
-              <a:t>Viele kommerziell verwendete Programme setzten vorraus dass die eingehenden Bilddaten aus Bildern gleicher Auflösung kommen</a:t>
+              <a:t>Wieso der Fokus auf unterschiedliche Kameraauflösungen?</a:t>
+            </a:r>
+          </a:p>
+          <a:p>
+            <a:pPr marL="171450" indent="-171450">
+              <a:buFont typeface="Arial" panose="020B0604020202020204" pitchFamily="34" charset="0"/>
+              <a:buChar char="•"/>
+            </a:pPr>
+            <a:r>
+              <a:rPr lang="de-DE" dirty="0">
+                <a:ea typeface="ＭＳ Ｐゴシック" pitchFamily="34" charset="-128"/>
+                <a:sym typeface="Wingdings" panose="05000000000000000000" pitchFamily="2" charset="2"/>
+              </a:rPr>
+              <a:t>Viele kommerziell verwendete Programme setzten vorraus dass die eingehenden Bilddaten aus Kameras gleicher Auflösung kommen</a:t>
             </a:r>
           </a:p>
           <a:p>
@@ -3739,7 +3606,31 @@
               <a:rPr lang="de-DE" dirty="0">
                 <a:ea typeface="ＭＳ Ｐゴシック" pitchFamily="34" charset="-128"/>
               </a:rPr>
-              <a:t>Extrinsische Kameraparameter sollen bestimmt werden </a:t>
+              <a:t>Extrinsische Kameraparameter sollen bestimmt werden</a:t>
+            </a:r>
+          </a:p>
+          <a:p>
+            <a:pPr marL="628650" lvl="1" indent="-171450">
+              <a:buFont typeface="Arial" panose="020B0604020202020204" pitchFamily="34" charset="0"/>
+              <a:buChar char="•"/>
+            </a:pPr>
+            <a:r>
+              <a:rPr lang="de-DE" dirty="0">
+                <a:ea typeface="ＭＳ Ｐゴシック" pitchFamily="34" charset="-128"/>
+              </a:rPr>
+              <a:t>Intrinsische Kameraparameter werden als bekannt vorrausgesetzt</a:t>
+            </a:r>
+          </a:p>
+          <a:p>
+            <a:pPr marL="1085850" lvl="2" indent="-171450">
+              <a:buFont typeface="Arial" panose="020B0604020202020204" pitchFamily="34" charset="0"/>
+              <a:buChar char="•"/>
+            </a:pPr>
+            <a:r>
+              <a:rPr lang="de-DE" dirty="0">
+                <a:ea typeface="ＭＳ Ｐゴシック" pitchFamily="34" charset="-128"/>
+              </a:rPr>
+              <a:t> (Was diese genau sind darauf wird später eingegangen!!)</a:t>
             </a:r>
           </a:p>
         </p:txBody>
@@ -3837,7 +3728,245 @@
           <a:bodyPr/>
           <a:lstStyle/>
           <a:p>
-            <a:endParaRPr lang="de-DE">
+            <a:r>
+              <a:rPr lang="de-DE" dirty="0">
+                <a:ea typeface="ＭＳ Ｐゴシック" pitchFamily="34" charset="-128"/>
+              </a:rPr>
+              <a:t>Die einzelnen Themen der Masterthesis umfassen vier wichtige Grundbausteine, welche im folgenden erläutert werden</a:t>
+            </a:r>
+          </a:p>
+          <a:p>
+            <a:endParaRPr lang="de-DE" dirty="0">
+              <a:ea typeface="ＭＳ Ｐゴシック" pitchFamily="34" charset="-128"/>
+            </a:endParaRPr>
+          </a:p>
+          <a:p>
+            <a:r>
+              <a:rPr lang="de-DE" dirty="0">
+                <a:ea typeface="ＭＳ Ｐゴシック" pitchFamily="34" charset="-128"/>
+              </a:rPr>
+              <a:t>Grundlagen:</a:t>
+            </a:r>
+          </a:p>
+          <a:p>
+            <a:pPr marL="171450" indent="-171450">
+              <a:buFont typeface="Arial" panose="020B0604020202020204" pitchFamily="34" charset="0"/>
+              <a:buChar char="•"/>
+            </a:pPr>
+            <a:r>
+              <a:rPr lang="de-DE" dirty="0">
+                <a:ea typeface="ＭＳ Ｐゴシック" pitchFamily="34" charset="-128"/>
+              </a:rPr>
+              <a:t>Zunächst wird das verwendete Kameramodell vorgestellt, an welchem sich der Algorthmus orientiert</a:t>
+            </a:r>
+          </a:p>
+          <a:p>
+            <a:pPr marL="171450" indent="-171450">
+              <a:buFont typeface="Arial" panose="020B0604020202020204" pitchFamily="34" charset="0"/>
+              <a:buChar char="•"/>
+            </a:pPr>
+            <a:r>
+              <a:rPr lang="de-DE" dirty="0">
+                <a:ea typeface="ＭＳ Ｐゴシック" pitchFamily="34" charset="-128"/>
+              </a:rPr>
+              <a:t>Wichtig ist auch ein Grundlegendes Verständist der Fundamental und der essentiellen Matrix, welche für die Kamerakalibrierung sowie fpr die Szenenrekonstruktion eine wichtige Rolle spielen</a:t>
+            </a:r>
+          </a:p>
+          <a:p>
+            <a:pPr marL="171450" indent="-171450">
+              <a:buFont typeface="Arial" panose="020B0604020202020204" pitchFamily="34" charset="0"/>
+              <a:buChar char="•"/>
+            </a:pPr>
+            <a:endParaRPr lang="de-DE" dirty="0">
+              <a:ea typeface="ＭＳ Ｐゴシック" pitchFamily="34" charset="-128"/>
+            </a:endParaRPr>
+          </a:p>
+          <a:p>
+            <a:pPr marL="0" indent="0">
+              <a:buFont typeface="Arial" panose="020B0604020202020204" pitchFamily="34" charset="0"/>
+              <a:buNone/>
+            </a:pPr>
+            <a:r>
+              <a:rPr lang="de-DE" dirty="0">
+                <a:ea typeface="ＭＳ Ｐゴシック" pitchFamily="34" charset="-128"/>
+              </a:rPr>
+              <a:t>Synthetische Rekonstruktion:</a:t>
+            </a:r>
+          </a:p>
+          <a:p>
+            <a:pPr marL="171450" indent="-171450">
+              <a:buFont typeface="Arial" panose="020B0604020202020204" pitchFamily="34" charset="0"/>
+              <a:buChar char="•"/>
+            </a:pPr>
+            <a:r>
+              <a:rPr lang="de-DE" dirty="0">
+                <a:ea typeface="ＭＳ Ｐゴシック" pitchFamily="34" charset="-128"/>
+              </a:rPr>
+              <a:t>Arbeitsprozess des Algorithmus wird anhand eines synthetisch aufgebauten 3D- Szene mit virtuellen Kameras erklärt </a:t>
+            </a:r>
+          </a:p>
+          <a:p>
+            <a:pPr marL="171450" indent="-171450">
+              <a:buFont typeface="Arial" panose="020B0604020202020204" pitchFamily="34" charset="0"/>
+              <a:buChar char="•"/>
+            </a:pPr>
+            <a:endParaRPr lang="de-DE" dirty="0">
+              <a:ea typeface="ＭＳ Ｐゴシック" pitchFamily="34" charset="-128"/>
+            </a:endParaRPr>
+          </a:p>
+          <a:p>
+            <a:pPr marL="0" indent="0">
+              <a:buFont typeface="Arial" panose="020B0604020202020204" pitchFamily="34" charset="0"/>
+              <a:buNone/>
+            </a:pPr>
+            <a:r>
+              <a:rPr lang="de-DE" dirty="0">
+                <a:ea typeface="ＭＳ Ｐゴシック" pitchFamily="34" charset="-128"/>
+              </a:rPr>
+              <a:t>Reale Rekonstruktion:</a:t>
+            </a:r>
+          </a:p>
+          <a:p>
+            <a:pPr marL="171450" indent="-171450">
+              <a:buFont typeface="Arial" panose="020B0604020202020204" pitchFamily="34" charset="0"/>
+              <a:buChar char="•"/>
+            </a:pPr>
+            <a:r>
+              <a:rPr lang="de-DE" dirty="0">
+                <a:ea typeface="ＭＳ Ｐゴシック" pitchFamily="34" charset="-128"/>
+              </a:rPr>
+              <a:t>Anwendug des Algorithmus auf ein reales Stereobildpaar</a:t>
+            </a:r>
+          </a:p>
+          <a:p>
+            <a:pPr marL="171450" indent="-171450">
+              <a:buFont typeface="Arial" panose="020B0604020202020204" pitchFamily="34" charset="0"/>
+              <a:buChar char="•"/>
+            </a:pPr>
+            <a:r>
+              <a:rPr lang="de-DE" dirty="0">
+                <a:ea typeface="ＭＳ Ｐゴシック" pitchFamily="34" charset="-128"/>
+              </a:rPr>
+              <a:t>Genauere erläuterung was bei realen Stereobildpaaren beachtet werden muss (in Bezug auf die Bildfehler)</a:t>
+            </a:r>
+          </a:p>
+          <a:p>
+            <a:pPr marL="171450" indent="-171450">
+              <a:buFont typeface="Arial" panose="020B0604020202020204" pitchFamily="34" charset="0"/>
+              <a:buChar char="•"/>
+            </a:pPr>
+            <a:endParaRPr lang="de-DE" dirty="0">
+              <a:ea typeface="ＭＳ Ｐゴシック" pitchFamily="34" charset="-128"/>
+            </a:endParaRPr>
+          </a:p>
+          <a:p>
+            <a:pPr marL="0" indent="0">
+              <a:buFont typeface="Arial" panose="020B0604020202020204" pitchFamily="34" charset="0"/>
+              <a:buNone/>
+            </a:pPr>
+            <a:r>
+              <a:rPr lang="de-DE" dirty="0">
+                <a:ea typeface="ＭＳ Ｐゴシック" pitchFamily="34" charset="-128"/>
+              </a:rPr>
+              <a:t>Auswirkung unterschiedlicher Auflösungen:</a:t>
+            </a:r>
+          </a:p>
+          <a:p>
+            <a:pPr marL="171450" indent="-171450">
+              <a:buFont typeface="Arial" panose="020B0604020202020204" pitchFamily="34" charset="0"/>
+              <a:buChar char="•"/>
+            </a:pPr>
+            <a:r>
+              <a:rPr lang="de-DE" dirty="0">
+                <a:ea typeface="ＭＳ Ｐゴシック" pitchFamily="34" charset="-128"/>
+              </a:rPr>
+              <a:t>Aufzeigen der Auswirkung von unterschiedlichen Kameraauflösungen bei dem entwickelten Algorithmus</a:t>
+            </a:r>
+          </a:p>
+          <a:p>
+            <a:pPr marL="171450" indent="-171450">
+              <a:buFont typeface="Arial" panose="020B0604020202020204" pitchFamily="34" charset="0"/>
+              <a:buChar char="•"/>
+            </a:pPr>
+            <a:endParaRPr lang="de-DE" dirty="0">
+              <a:ea typeface="ＭＳ Ｐゴシック" pitchFamily="34" charset="-128"/>
+            </a:endParaRPr>
+          </a:p>
+          <a:p>
+            <a:pPr marL="0" indent="0">
+              <a:buFont typeface="Arial" panose="020B0604020202020204" pitchFamily="34" charset="0"/>
+              <a:buNone/>
+            </a:pPr>
+            <a:r>
+              <a:rPr lang="de-DE" dirty="0">
+                <a:ea typeface="ＭＳ Ｐゴシック" pitchFamily="34" charset="-128"/>
+              </a:rPr>
+              <a:t>Rekonstruktion mit Rektifizierung:</a:t>
+            </a:r>
+          </a:p>
+          <a:p>
+            <a:pPr marL="171450" indent="-171450">
+              <a:buFont typeface="Arial" panose="020B0604020202020204" pitchFamily="34" charset="0"/>
+              <a:buChar char="•"/>
+            </a:pPr>
+            <a:r>
+              <a:rPr lang="de-DE" dirty="0">
+                <a:ea typeface="ＭＳ Ｐゴシック" pitchFamily="34" charset="-128"/>
+              </a:rPr>
+              <a:t>Analyse der Szenenrekonstruktion mit rektifizierten Bildern</a:t>
+            </a:r>
+          </a:p>
+          <a:p>
+            <a:pPr marL="171450" indent="-171450">
+              <a:buFont typeface="Arial" panose="020B0604020202020204" pitchFamily="34" charset="0"/>
+              <a:buChar char="•"/>
+            </a:pPr>
+            <a:r>
+              <a:rPr lang="de-DE" dirty="0">
+                <a:ea typeface="ＭＳ Ｐゴシック" pitchFamily="34" charset="-128"/>
+              </a:rPr>
+              <a:t>Was genau sind rektifizierte Bilder</a:t>
+            </a:r>
+          </a:p>
+          <a:p>
+            <a:pPr marL="171450" indent="-171450">
+              <a:buFont typeface="Arial" panose="020B0604020202020204" pitchFamily="34" charset="0"/>
+              <a:buChar char="•"/>
+            </a:pPr>
+            <a:r>
+              <a:rPr lang="de-DE" dirty="0">
+                <a:ea typeface="ＭＳ Ｐゴシック" pitchFamily="34" charset="-128"/>
+              </a:rPr>
+              <a:t>Wie funktioniert die Rekonstruktion</a:t>
+            </a:r>
+          </a:p>
+          <a:p>
+            <a:pPr marL="171450" indent="-171450">
+              <a:buFont typeface="Arial" panose="020B0604020202020204" pitchFamily="34" charset="0"/>
+              <a:buChar char="•"/>
+            </a:pPr>
+            <a:r>
+              <a:rPr lang="de-DE" dirty="0">
+                <a:ea typeface="ＭＳ Ｐゴシック" pitchFamily="34" charset="-128"/>
+              </a:rPr>
+              <a:t>Sind unterschiedliche Auflösungen möglich</a:t>
+            </a:r>
+          </a:p>
+          <a:p>
+            <a:pPr marL="171450" indent="-171450">
+              <a:buFont typeface="Arial" panose="020B0604020202020204" pitchFamily="34" charset="0"/>
+              <a:buChar char="•"/>
+            </a:pPr>
+            <a:endParaRPr lang="de-DE" dirty="0">
+              <a:ea typeface="ＭＳ Ｐゴシック" pitchFamily="34" charset="-128"/>
+            </a:endParaRPr>
+          </a:p>
+          <a:p>
+            <a:pPr marL="171450" indent="-171450">
+              <a:buFont typeface="Arial" panose="020B0604020202020204" pitchFamily="34" charset="0"/>
+              <a:buChar char="•"/>
+            </a:pPr>
+            <a:endParaRPr lang="de-DE" dirty="0">
               <a:ea typeface="ＭＳ Ｐゴシック" pitchFamily="34" charset="-128"/>
             </a:endParaRPr>
           </a:p>
@@ -3970,36 +4099,13 @@
             </a:r>
           </a:p>
           <a:p>
+            <a:pPr marL="171450" indent="-171450">
+              <a:buFont typeface="Arial" panose="020B0604020202020204" pitchFamily="34" charset="0"/>
+              <a:buChar char="•"/>
+            </a:pPr>
             <a:endParaRPr lang="de-DE" dirty="0">
               <a:ea typeface="ＭＳ Ｐゴシック" pitchFamily="34" charset="-128"/>
             </a:endParaRPr>
-          </a:p>
-          <a:p>
-            <a:pPr marL="171450" indent="-171450">
-              <a:buFont typeface="Arial" panose="020B0604020202020204" pitchFamily="34" charset="0"/>
-              <a:buChar char="•"/>
-            </a:pPr>
-            <a:endParaRPr lang="de-DE" dirty="0"/>
-          </a:p>
-          <a:p>
-            <a:pPr marL="171450" indent="-171450">
-              <a:buFont typeface="Arial" panose="020B0604020202020204" pitchFamily="34" charset="0"/>
-              <a:buChar char="•"/>
-            </a:pPr>
-            <a:r>
-              <a:rPr lang="de-DE" dirty="0"/>
-              <a:t>Zeta beschreibt die Brennweite in mm</a:t>
-            </a:r>
-          </a:p>
-          <a:p>
-            <a:pPr marL="171450" indent="-171450">
-              <a:buFont typeface="Arial" panose="020B0604020202020204" pitchFamily="34" charset="0"/>
-              <a:buChar char="•"/>
-            </a:pPr>
-            <a:r>
-              <a:rPr lang="de-DE" dirty="0"/>
-              <a:t>Z ist die Hauptachse</a:t>
-            </a:r>
           </a:p>
           <a:p>
             <a:pPr marL="171450" marR="0" lvl="0" indent="-171450" algn="l" defTabSz="914400" rtl="0" eaLnBrk="0" fontAlgn="base" latinLnBrk="0" hangingPunct="0">
@@ -4021,7 +4127,7 @@
             </a:pPr>
             <a:r>
               <a:rPr lang="de-DE" dirty="0"/>
-              <a:t>C beschreibt das Kamerazentrum und ist gleichzeitig der Urspurng des Kamerakoordiantensystems</a:t>
+              <a:t>Wir betrachten zunächst eine der Kameras C oder C‘ genauer und definieren anhand dieser das Lochkameramodelll (nächstes Bild einblenden)</a:t>
             </a:r>
           </a:p>
           <a:p>
@@ -4029,9 +4135,54 @@
               <a:buFont typeface="Arial" panose="020B0604020202020204" pitchFamily="34" charset="0"/>
               <a:buChar char="•"/>
             </a:pPr>
+            <a:endParaRPr lang="de-DE" dirty="0">
+              <a:ea typeface="ＭＳ Ｐゴシック" pitchFamily="34" charset="-128"/>
+            </a:endParaRPr>
+          </a:p>
+          <a:p>
+            <a:pPr marL="171450" marR="0" lvl="0" indent="-171450" algn="l" defTabSz="914400" rtl="0" eaLnBrk="0" fontAlgn="base" latinLnBrk="0" hangingPunct="0">
+              <a:lnSpc>
+                <a:spcPct val="100000"/>
+              </a:lnSpc>
+              <a:spcBef>
+                <a:spcPct val="30000"/>
+              </a:spcBef>
+              <a:spcAft>
+                <a:spcPct val="0"/>
+              </a:spcAft>
+              <a:buClrTx/>
+              <a:buSzTx/>
+              <a:buFont typeface="Arial" panose="020B0604020202020204" pitchFamily="34" charset="0"/>
+              <a:buChar char="•"/>
+              <a:tabLst/>
+              <a:defRPr/>
+            </a:pPr>
             <a:r>
               <a:rPr lang="de-DE" dirty="0"/>
               <a:t>Die Bildebene ist die Ebene auf welcher das projizierte Bild ensteht</a:t>
+            </a:r>
+          </a:p>
+          <a:p>
+            <a:pPr marL="171450" marR="0" lvl="0" indent="-171450" algn="l" defTabSz="914400" rtl="0" eaLnBrk="0" fontAlgn="base" latinLnBrk="0" hangingPunct="0">
+              <a:lnSpc>
+                <a:spcPct val="100000"/>
+              </a:lnSpc>
+              <a:spcBef>
+                <a:spcPct val="30000"/>
+              </a:spcBef>
+              <a:spcAft>
+                <a:spcPct val="0"/>
+              </a:spcAft>
+              <a:buClrTx/>
+              <a:buSzTx/>
+              <a:buFont typeface="Arial" panose="020B0604020202020204" pitchFamily="34" charset="0"/>
+              <a:buChar char="•"/>
+              <a:tabLst/>
+              <a:defRPr/>
+            </a:pPr>
+            <a:r>
+              <a:rPr lang="de-DE" dirty="0"/>
+              <a:t>C beschreibt das Kamerazentrum und ist gleichzeitig der Urspurng des Kamerakoordiantensystems</a:t>
             </a:r>
           </a:p>
           <a:p>
@@ -4041,7 +4192,7 @@
             </a:pPr>
             <a:r>
               <a:rPr lang="de-DE" dirty="0"/>
-              <a:t>HP ist der Hauptpunkt, er entsteht dort, wo die Hauptachse die Bildebene schneidet</a:t>
+              <a:t>Zeta beschreibt die Brennweite in mm</a:t>
             </a:r>
           </a:p>
           <a:p>
@@ -4051,7 +4202,7 @@
             </a:pPr>
             <a:r>
               <a:rPr lang="de-DE" dirty="0"/>
-              <a:t>M ist ein 3D-Objektpunkt in Raum </a:t>
+              <a:t>Z ist die Hauptachse</a:t>
             </a:r>
           </a:p>
           <a:p>
@@ -4061,7 +4212,7 @@
             </a:pPr>
             <a:r>
               <a:rPr lang="de-DE" dirty="0"/>
-              <a:t>m ist der von M auf die Bildebene projizierte 2D Bildpunkt</a:t>
+              <a:t>HP ist der Hauptpunkt, er entsteht dort, wo die Hauptachse die Bildebene schneidet</a:t>
             </a:r>
           </a:p>
           <a:p>
@@ -4188,6 +4339,36 @@
               <a:buChar char="•"/>
             </a:pPr>
             <a:endParaRPr lang="de-DE" dirty="0"/>
+          </a:p>
+          <a:p>
+            <a:pPr marL="171450" indent="-171450">
+              <a:buFont typeface="Arial" panose="020B0604020202020204" pitchFamily="34" charset="0"/>
+              <a:buChar char="•"/>
+            </a:pPr>
+            <a:r>
+              <a:rPr lang="de-DE" dirty="0"/>
+              <a:t>M ist ein 3D-Objektpunkt in Raum und zunächst in Weltkoordinaten</a:t>
+            </a:r>
+          </a:p>
+          <a:p>
+            <a:pPr marL="171450" indent="-171450">
+              <a:buFont typeface="Arial" panose="020B0604020202020204" pitchFamily="34" charset="0"/>
+              <a:buChar char="•"/>
+            </a:pPr>
+            <a:r>
+              <a:rPr lang="de-DE" dirty="0"/>
+              <a:t>Dieser wird bei der Projektion auf den Sensor einer Kamera zunächst in das Kamerakoordiantensystem transformiert, danach auf die 2D-Bildebene projiziert und zuletzt in das Sensorkoordinatensystem transformiert</a:t>
+            </a:r>
+          </a:p>
+          <a:p>
+            <a:pPr marL="171450" indent="-171450">
+              <a:buFont typeface="Arial" panose="020B0604020202020204" pitchFamily="34" charset="0"/>
+              <a:buChar char="•"/>
+            </a:pPr>
+            <a:r>
+              <a:rPr lang="de-DE" dirty="0"/>
+              <a:t>m ist dann der von M auf d en Sensor projizierte 2D Bildpunkt</a:t>
+            </a:r>
           </a:p>
           <a:p>
             <a:pPr marL="171450" indent="-171450">
@@ -4306,9 +4487,102 @@
           <a:bodyPr/>
           <a:lstStyle/>
           <a:p>
-            <a:endParaRPr lang="de-DE">
+            <a:pPr marL="171450" indent="-171450">
+              <a:buFont typeface="Arial" panose="020B0604020202020204" pitchFamily="34" charset="0"/>
+              <a:buChar char="•"/>
+            </a:pPr>
+            <a:r>
+              <a:rPr lang="de-DE" dirty="0">
+                <a:ea typeface="ＭＳ Ｐゴシック" pitchFamily="34" charset="-128"/>
+              </a:rPr>
+              <a:t>P setzt sich zusamme aus den extrinsischen Kameraparametern welche durch eine Rotationsmatrix R und eine Translation in diesem Falle C entsteht. (Anhand des bildes erklären, danach nächstes Bild)</a:t>
+            </a:r>
+          </a:p>
+          <a:p>
+            <a:pPr marL="171450" indent="-171450">
+              <a:buFont typeface="Arial" panose="020B0604020202020204" pitchFamily="34" charset="0"/>
+              <a:buChar char="•"/>
+            </a:pPr>
+            <a:r>
+              <a:rPr lang="de-DE" dirty="0">
+                <a:ea typeface="ＭＳ Ｐゴシック" pitchFamily="34" charset="-128"/>
+              </a:rPr>
+              <a:t>Des Weiteren beinhaltet P noch die intrinsischen Kameraparameter, welche in der Matrix K zusammengefasst werden.</a:t>
+            </a:r>
+          </a:p>
+          <a:p>
+            <a:pPr marL="171450" indent="-171450">
+              <a:buFont typeface="Arial" panose="020B0604020202020204" pitchFamily="34" charset="0"/>
+              <a:buChar char="•"/>
+            </a:pPr>
+            <a:r>
+              <a:rPr lang="de-DE" dirty="0">
+                <a:ea typeface="ＭＳ Ｐゴシック" pitchFamily="34" charset="-128"/>
+              </a:rPr>
+              <a:t>Diese lässt sich aus der Projektion der 3D-Kamerakoordianten in die 2-D Bildkoordinaten durch K_0 und der anschließenden Transformation in das Sensorkoordinatensystem mit T zusammensetzten.</a:t>
+            </a:r>
+          </a:p>
+          <a:p>
+            <a:pPr marL="628650" lvl="1" indent="-171450">
+              <a:buFont typeface="Arial" panose="020B0604020202020204" pitchFamily="34" charset="0"/>
+              <a:buChar char="•"/>
+            </a:pPr>
+            <a:r>
+              <a:rPr lang="de-DE" dirty="0">
+                <a:ea typeface="ＭＳ Ｐゴシック" pitchFamily="34" charset="-128"/>
+              </a:rPr>
+              <a:t>K_x und k_y sind die längen der Pixelkanten und zeta_x und zeta_b ist die Brennweite der Kamera in mm ausgedürckt. Handelt es sich bei dem Sensor nicht um quadratische Pixel so unterscheiden sich die k werte voeneinander und die Brennweite bekommt in Pixel ausgedrückt in x und y richtung andere Werte (dient der skalierung)</a:t>
+            </a:r>
+          </a:p>
+          <a:p>
+            <a:pPr marL="628650" lvl="1" indent="-171450">
+              <a:buFont typeface="Arial" panose="020B0604020202020204" pitchFamily="34" charset="0"/>
+              <a:buChar char="•"/>
+            </a:pPr>
+            <a:endParaRPr lang="de-DE" dirty="0">
               <a:ea typeface="ＭＳ Ｐゴシック" pitchFamily="34" charset="-128"/>
             </a:endParaRPr>
+          </a:p>
+          <a:p>
+            <a:pPr marL="628650" lvl="1" indent="-171450">
+              <a:buFont typeface="Arial" panose="020B0604020202020204" pitchFamily="34" charset="0"/>
+              <a:buChar char="•"/>
+            </a:pPr>
+            <a:endParaRPr lang="de-DE" dirty="0">
+              <a:ea typeface="ＭＳ Ｐゴシック" pitchFamily="34" charset="-128"/>
+            </a:endParaRPr>
+          </a:p>
+          <a:p>
+            <a:pPr marL="171450" lvl="0" indent="-171450">
+              <a:buFont typeface="Arial" panose="020B0604020202020204" pitchFamily="34" charset="0"/>
+              <a:buChar char="•"/>
+            </a:pPr>
+            <a:r>
+              <a:rPr lang="de-DE" dirty="0">
+                <a:ea typeface="ＭＳ Ｐゴシック" pitchFamily="34" charset="-128"/>
+              </a:rPr>
+              <a:t>ÜBERLEITUNG:</a:t>
+            </a:r>
+          </a:p>
+          <a:p>
+            <a:pPr marL="171450" lvl="0" indent="-171450">
+              <a:buFont typeface="Arial" panose="020B0604020202020204" pitchFamily="34" charset="0"/>
+              <a:buChar char="•"/>
+            </a:pPr>
+            <a:r>
+              <a:rPr lang="de-DE" dirty="0">
+                <a:ea typeface="ＭＳ Ｐゴシック" pitchFamily="34" charset="-128"/>
+              </a:rPr>
+              <a:t>Mit hilfe dieser Grundlagen, soll nun eine Abbildungsvorschrift eines 3D Punkte in zwei verschiedene Kameras hergeleitet werden. Hierzu bedienen wir uns der sogenannten epipolargeometrie.(nächste Folie)</a:t>
+            </a:r>
+          </a:p>
+          <a:p>
+            <a:r>
+              <a:rPr lang="de-DE" dirty="0">
+                <a:ea typeface="ＭＳ Ｐゴシック" pitchFamily="34" charset="-128"/>
+              </a:rPr>
+              <a:t>	</a:t>
+            </a:r>
           </a:p>
         </p:txBody>
       </p:sp>
@@ -4461,7 +4735,10 @@
               <a:buFont typeface="Arial" panose="020B0604020202020204" pitchFamily="34" charset="0"/>
               <a:buChar char="•"/>
             </a:pPr>
-            <a:endParaRPr lang="de-DE" dirty="0"/>
+            <a:r>
+              <a:rPr lang="de-DE" dirty="0"/>
+              <a:t>C und C‘ sind die jeweiligen Projektionszentren, sie werden durch die sogenannten Basislinie verbunden</a:t>
+            </a:r>
           </a:p>
           <a:p>
             <a:pPr marL="171450" indent="-171450">
@@ -4470,7 +4747,7 @@
             </a:pPr>
             <a:r>
               <a:rPr lang="de-DE" dirty="0"/>
-              <a:t>Die oben beschriebene Gleichung definiert das Dreieck welches die sogenannte Epipolarebene aufspannt.</a:t>
+              <a:t>I und I‘ sind die Bildebenen der beiden Kameras, der Punkt an welcher die Basislinie die Bildebenen schneidet werden als Epipole e und e‘ bezeichnet.</a:t>
             </a:r>
           </a:p>
           <a:p>
@@ -4480,7 +4757,7 @@
             </a:pPr>
             <a:r>
               <a:rPr lang="de-DE" dirty="0"/>
-              <a:t>Die Schnittpunkte der Basislinie welche die Kamerzentren C und C‘ verbindet, mit der jeweiligen BildebeneI und I‘ werden als Epipole e und e‘ bezeichnet</a:t>
+              <a:t>Durch die Epipole verlaufen alle Epipolarlinien l und l‘ </a:t>
             </a:r>
           </a:p>
           <a:p>
@@ -4490,13 +4767,50 @@
             </a:pPr>
             <a:r>
               <a:rPr lang="de-DE" dirty="0"/>
-              <a:t>Die Schnittgerade der Epipolarebene mit I und I‘ bilden die sogenannten Epipolarlinien l und l‘</a:t>
+              <a:t>Die Epipolarlinien enstehen indem eine Gerade durch denen Bildpunkt m und den Epipol e und entsprechend für e‘ und m‘ gezochen wird</a:t>
             </a:r>
           </a:p>
           <a:p>
             <a:pPr marL="171450" indent="-171450">
               <a:buFont typeface="Arial" panose="020B0604020202020204" pitchFamily="34" charset="0"/>
               <a:buChar char="•"/>
+            </a:pPr>
+            <a:r>
+              <a:rPr lang="de-DE" dirty="0"/>
+              <a:t>Die Vekoren MC, CC‘ und MC‘ bilden ein Dreieck, welches die sogenannte Epipolarebene ist</a:t>
+            </a:r>
+          </a:p>
+          <a:p>
+            <a:pPr marL="171450" indent="-171450">
+              <a:buFont typeface="Arial" panose="020B0604020202020204" pitchFamily="34" charset="0"/>
+              <a:buChar char="•"/>
+            </a:pPr>
+            <a:endParaRPr lang="de-DE" dirty="0"/>
+          </a:p>
+          <a:p>
+            <a:pPr marL="171450" indent="-171450">
+              <a:buFont typeface="Arial" panose="020B0604020202020204" pitchFamily="34" charset="0"/>
+              <a:buChar char="•"/>
+            </a:pPr>
+            <a:r>
+              <a:rPr lang="de-DE" dirty="0"/>
+              <a:t>Diese geometrischen Eigenschaften definieren die Epipolargeometrie und beschreiben die Die Abbildungsvorschrift eines Punktes in zwei Kameras</a:t>
+            </a:r>
+          </a:p>
+          <a:p>
+            <a:pPr marL="171450" indent="-171450">
+              <a:buFont typeface="Arial" panose="020B0604020202020204" pitchFamily="34" charset="0"/>
+              <a:buChar char="•"/>
+            </a:pPr>
+            <a:r>
+              <a:rPr lang="de-DE" dirty="0"/>
+              <a:t>Um eine algemeine Abbildungsvorschrift für mehrere Punkte im Raum mit unterschiedlichen Tiefen zu bekommen schauen wir uns das nächste Bild an.</a:t>
+            </a:r>
+          </a:p>
+          <a:p>
+            <a:pPr marL="0" indent="0">
+              <a:buFont typeface="Arial" panose="020B0604020202020204" pitchFamily="34" charset="0"/>
+              <a:buNone/>
             </a:pPr>
             <a:endParaRPr lang="de-DE" dirty="0"/>
           </a:p>
@@ -4544,7 +4858,7 @@
                 <a:ea typeface="ＭＳ Ｐゴシック" pitchFamily="-112" charset="-128"/>
                 <a:cs typeface="+mn-cs"/>
               </a:rPr>
-              <a:t>Ein Bildpunkt mi auf der Bildebene I wird zuerst auf die Gerade, die durch mi und C geht abgebildet. Die Gerade stellt alle moglichen Ursprungspunkte zu mi dar. Dies ist durch die drei moglichen Punkte M1,M2, M3 dargestellt. Jeder dieser Punkte wird nun wiederum auf I projiziert. Die so entstandenen Punkte liegen alle auf der Epipolarlinie l‘</a:t>
+              <a:t>Ein Bildpunkt mi auf der Bildebene I wird zuerst auf die Gerade, die durch mi und C geht abgebildet. Die Gerade stellt alle möglichen Ursprungspunkte zu mi dar. Dies ist durch die drei möglichen Punkte M1,M2, M3 dargestellt. Jeder dieser Punkte wird nun wiederum auf I projiziert. Die so entstandenen Punkte liegen alle auf der Epipolarlinie l‘. Somit kann allgemeint beh</a:t>
             </a:r>
           </a:p>
           <a:p>
@@ -4724,7 +5038,19 @@
               <a:rPr lang="de-DE" dirty="0">
                 <a:ea typeface="ＭＳ Ｐゴシック" pitchFamily="34" charset="-128"/>
               </a:rPr>
-              <a:t>die Fundamentalmatrix fassen die extrinsischen und intrinsischen Kameraparameter in sich zusammen </a:t>
+              <a:t>die Fundamentalmatrix fasst die extrinsischen und intrinsischen Kameraparameter in sich zusammen </a:t>
+            </a:r>
+          </a:p>
+          <a:p>
+            <a:pPr marL="628650" lvl="1" indent="-171450">
+              <a:buFont typeface="Arial" panose="020B0604020202020204" pitchFamily="34" charset="0"/>
+              <a:buChar char="•"/>
+            </a:pPr>
+            <a:r>
+              <a:rPr lang="de-DE" dirty="0">
+                <a:ea typeface="ＭＳ Ｐゴシック" pitchFamily="34" charset="-128"/>
+              </a:rPr>
+              <a:t>Man kann grob mathematisch behaupten dass die Projektionsmatrizen P und P‘ beider Kameras in F vereint sind.</a:t>
             </a:r>
           </a:p>
           <a:p>
@@ -4769,7 +5095,7 @@
               <a:rPr lang="de-DE" dirty="0">
                 <a:ea typeface="ＭＳ Ｐゴシック" pitchFamily="34" charset="-128"/>
               </a:rPr>
-              <a:t>Die Gleichungen auf der Folie werden als die sogennannten epipolaren Bedinungen bezeichnet</a:t>
+              <a:t>Die in rot eingerahmten Gleichungen auf der Folie werden als die sogennannten epipolaren Bedinungen bezeichnet</a:t>
             </a:r>
           </a:p>
           <a:p>
@@ -4813,6 +5139,32 @@
             </a:endParaRPr>
           </a:p>
           <a:p>
+            <a:r>
+              <a:rPr lang="de-DE" dirty="0">
+                <a:ea typeface="ＭＳ Ｐゴシック" pitchFamily="34" charset="-128"/>
+              </a:rPr>
+              <a:t>Die beiden anderen Gleichungen unten, können über die Abbildungsvorschriften hergelgeitet werden und sagen aus, dass der rechte bzw der linke Kern der Fundamentalmatrix die jeweiligen Epipole ergibt.</a:t>
+            </a:r>
+          </a:p>
+          <a:p>
+            <a:r>
+              <a:rPr lang="de-DE" dirty="0">
+                <a:ea typeface="ＭＳ Ｐゴシック" pitchFamily="34" charset="-128"/>
+              </a:rPr>
+              <a:t>Die zweiten Gleichungen beschreiben die Abbilung eines Punktes m in I auf eine Linie l‘ auf der anderen Bildebene I‘</a:t>
+            </a:r>
+          </a:p>
+          <a:p>
+            <a:endParaRPr lang="de-DE" dirty="0">
+              <a:ea typeface="ＭＳ Ｐゴシック" pitchFamily="34" charset="-128"/>
+            </a:endParaRPr>
+          </a:p>
+          <a:p>
+            <a:endParaRPr lang="de-DE" dirty="0">
+              <a:ea typeface="ＭＳ Ｐゴシック" pitchFamily="34" charset="-128"/>
+            </a:endParaRPr>
+          </a:p>
+          <a:p>
             <a:endParaRPr lang="de-DE" dirty="0">
               <a:ea typeface="ＭＳ Ｐゴシック" pitchFamily="34" charset="-128"/>
             </a:endParaRPr>
@@ -4898,6 +5250,75 @@
               </a:rPr>
               <a:t>Die zu einem Punkt korrespondierende Epipolarlinie ergibt sich durch die Verrechnung mit F (bzw halt E bei normierten Bildkoordinaten) (Vergleichbar mit der Abbildungsvorschrift von Homographien)</a:t>
             </a:r>
+          </a:p>
+          <a:p>
+            <a:pPr marL="171450" indent="-171450">
+              <a:buFont typeface="Arial" panose="020B0604020202020204" pitchFamily="34" charset="0"/>
+              <a:buChar char="•"/>
+            </a:pPr>
+            <a:endParaRPr lang="de-DE" dirty="0">
+              <a:ea typeface="ＭＳ Ｐゴシック" pitchFamily="34" charset="-128"/>
+            </a:endParaRPr>
+          </a:p>
+          <a:p>
+            <a:pPr marL="171450" indent="-171450">
+              <a:buFont typeface="Arial" panose="020B0604020202020204" pitchFamily="34" charset="0"/>
+              <a:buChar char="•"/>
+            </a:pPr>
+            <a:endParaRPr lang="de-DE" dirty="0">
+              <a:ea typeface="ＭＳ Ｐゴシック" pitchFamily="34" charset="-128"/>
+            </a:endParaRPr>
+          </a:p>
+          <a:p>
+            <a:pPr marL="0" indent="0">
+              <a:buFont typeface="Arial" panose="020B0604020202020204" pitchFamily="34" charset="0"/>
+              <a:buNone/>
+            </a:pPr>
+            <a:r>
+              <a:rPr lang="de-DE" dirty="0">
+                <a:ea typeface="ＭＳ Ｐゴシック" pitchFamily="34" charset="-128"/>
+              </a:rPr>
+              <a:t>ÜBERLEITUNG:</a:t>
+            </a:r>
+          </a:p>
+          <a:p>
+            <a:pPr marL="0" indent="0">
+              <a:buFont typeface="Arial" panose="020B0604020202020204" pitchFamily="34" charset="0"/>
+              <a:buNone/>
+            </a:pPr>
+            <a:endParaRPr lang="de-DE" dirty="0">
+              <a:ea typeface="ＭＳ Ｐゴシック" pitchFamily="34" charset="-128"/>
+            </a:endParaRPr>
+          </a:p>
+          <a:p>
+            <a:pPr marL="0" indent="0">
+              <a:buFont typeface="Arial" panose="020B0604020202020204" pitchFamily="34" charset="0"/>
+              <a:buNone/>
+            </a:pPr>
+            <a:r>
+              <a:rPr lang="de-DE" dirty="0">
+                <a:ea typeface="ＭＳ Ｐゴシック" pitchFamily="34" charset="-128"/>
+              </a:rPr>
+              <a:t>Da nun bekannt ist, wie die abgebildeten Punkte zueinander geometrisch in Verbindung stehen, wurde dieses Wissen genutzt, um ein synthetischen Beispiel für die Szenenrekonstruktion zu implementieren.</a:t>
+            </a:r>
+          </a:p>
+          <a:p>
+            <a:pPr marL="0" indent="0">
+              <a:buFont typeface="Arial" panose="020B0604020202020204" pitchFamily="34" charset="0"/>
+              <a:buNone/>
+            </a:pPr>
+            <a:endParaRPr lang="de-DE" dirty="0">
+              <a:ea typeface="ＭＳ Ｐゴシック" pitchFamily="34" charset="-128"/>
+            </a:endParaRPr>
+          </a:p>
+          <a:p>
+            <a:pPr marL="0" indent="0">
+              <a:buFont typeface="Arial" panose="020B0604020202020204" pitchFamily="34" charset="0"/>
+              <a:buNone/>
+            </a:pPr>
+            <a:endParaRPr lang="de-DE" dirty="0">
+              <a:ea typeface="ＭＳ Ｐゴシック" pitchFamily="34" charset="-128"/>
+            </a:endParaRPr>
           </a:p>
         </p:txBody>
       </p:sp>
@@ -5033,7 +5454,21 @@
             </a:r>
           </a:p>
           <a:p>
+            <a:pPr marL="171450" indent="-171450">
+              <a:buFont typeface="Arial" panose="020B0604020202020204" pitchFamily="34" charset="0"/>
+              <a:buChar char="•"/>
+            </a:pPr>
             <a:endParaRPr lang="de-DE" sz="1200" b="0" i="0" u="none" strike="noStrike" kern="1200" baseline="0" dirty="0">
+              <a:solidFill>
+                <a:schemeClr val="tx1"/>
+              </a:solidFill>
+              <a:latin typeface="Arial" charset="0"/>
+              <a:ea typeface="ＭＳ Ｐゴシック" pitchFamily="-112" charset="-128"/>
+              <a:cs typeface="+mn-cs"/>
+            </a:endParaRPr>
+          </a:p>
+          <a:p>
+            <a:endParaRPr lang="de-DE" sz="1200" b="0" i="0" u="sng" strike="noStrike" kern="1200" baseline="0" dirty="0">
               <a:solidFill>
                 <a:schemeClr val="tx1"/>
               </a:solidFill>
@@ -5400,7 +5835,7 @@
               <a:pPr>
                 <a:defRPr/>
               </a:pPr>
-              <a:t>25.06.2018</a:t>
+              <a:t>26.06.2018</a:t>
             </a:fld>
             <a:endParaRPr lang="de-DE" dirty="0"/>
           </a:p>
@@ -5810,7 +6245,7 @@
               <a:pPr>
                 <a:defRPr/>
               </a:pPr>
-              <a:t>25.06.2018</a:t>
+              <a:t>26.06.2018</a:t>
             </a:fld>
             <a:endParaRPr lang="de-DE" dirty="0"/>
           </a:p>
@@ -6245,7 +6680,7 @@
               <a:pPr>
                 <a:defRPr/>
               </a:pPr>
-              <a:t>25.06.2018</a:t>
+              <a:t>26.06.2018</a:t>
             </a:fld>
             <a:endParaRPr lang="de-DE" dirty="0"/>
           </a:p>
@@ -6697,7 +7132,7 @@
               <a:pPr>
                 <a:defRPr/>
               </a:pPr>
-              <a:t>25.06.2018</a:t>
+              <a:t>26.06.2018</a:t>
             </a:fld>
             <a:endParaRPr lang="de-DE" dirty="0"/>
           </a:p>
@@ -6840,7 +7275,7 @@
               <a:pPr>
                 <a:defRPr/>
               </a:pPr>
-              <a:t>25.06.2018</a:t>
+              <a:t>26.06.2018</a:t>
             </a:fld>
             <a:endParaRPr lang="de-DE" dirty="0"/>
           </a:p>
@@ -7583,7 +8018,7 @@
               <a:pPr>
                 <a:defRPr/>
               </a:pPr>
-              <a:t>25.06.2018</a:t>
+              <a:t>26.06.2018</a:t>
             </a:fld>
             <a:endParaRPr lang="de-DE" dirty="0"/>
           </a:p>
@@ -11199,1029 +11634,6 @@
       </p:grpSpPr>
       <p:sp>
         <p:nvSpPr>
-          <p:cNvPr id="15" name="Content Placeholder 14">
-            <a:extLst>
-              <a:ext uri="{FF2B5EF4-FFF2-40B4-BE49-F238E27FC236}">
-                <a16:creationId xmlns:a16="http://schemas.microsoft.com/office/drawing/2014/main" id="{8C2E98DE-0644-4CDA-B8EC-1C4E40E7B845}"/>
-              </a:ext>
-            </a:extLst>
-          </p:cNvPr>
-          <p:cNvSpPr>
-            <a:spLocks noGrp="1"/>
-          </p:cNvSpPr>
-          <p:nvPr>
-            <p:ph idx="1"/>
-          </p:nvPr>
-        </p:nvSpPr>
-        <p:spPr/>
-        <p:txBody>
-          <a:bodyPr/>
-          <a:lstStyle/>
-          <a:p>
-            <a:endParaRPr lang="de-DE" dirty="0"/>
-          </a:p>
-        </p:txBody>
-      </p:sp>
-      <p:sp>
-        <p:nvSpPr>
-          <p:cNvPr id="15367" name="Foliennummernplatzhalter 3"/>
-          <p:cNvSpPr>
-            <a:spLocks noGrp="1"/>
-          </p:cNvSpPr>
-          <p:nvPr>
-            <p:ph type="sldNum" sz="quarter" idx="12"/>
-          </p:nvPr>
-        </p:nvSpPr>
-        <p:spPr/>
-        <p:txBody>
-          <a:bodyPr/>
-          <a:lstStyle/>
-          <a:p>
-            <a:fld id="{00A3E6BF-A18C-4ADA-B4DF-837CA5AC6C3B}" type="slidenum">
-              <a:rPr lang="de-DE" smtClean="0"/>
-              <a:pPr/>
-              <a:t>16</a:t>
-            </a:fld>
-            <a:endParaRPr lang="de-DE"/>
-          </a:p>
-        </p:txBody>
-      </p:sp>
-      <p:sp>
-        <p:nvSpPr>
-          <p:cNvPr id="7" name="Footer Placeholder 4">
-            <a:extLst>
-              <a:ext uri="{FF2B5EF4-FFF2-40B4-BE49-F238E27FC236}">
-                <a16:creationId xmlns:a16="http://schemas.microsoft.com/office/drawing/2014/main" id="{C4C146E8-EC73-46FC-8B03-58FA3D7A2538}"/>
-              </a:ext>
-            </a:extLst>
-          </p:cNvPr>
-          <p:cNvSpPr>
-            <a:spLocks noGrp="1"/>
-          </p:cNvSpPr>
-          <p:nvPr>
-            <p:ph type="ftr" sz="quarter" idx="11"/>
-          </p:nvPr>
-        </p:nvSpPr>
-        <p:spPr>
-          <a:xfrm>
-            <a:off x="539750" y="6365875"/>
-            <a:ext cx="2016125" cy="365125"/>
-          </a:xfrm>
-        </p:spPr>
-        <p:txBody>
-          <a:bodyPr/>
-          <a:lstStyle/>
-          <a:p>
-            <a:pPr>
-              <a:defRPr/>
-            </a:pPr>
-            <a:r>
-              <a:rPr lang="de-DE" dirty="0"/>
-              <a:t>Hochschule Furtwangen, </a:t>
-            </a:r>
-          </a:p>
-        </p:txBody>
-      </p:sp>
-      <p:sp>
-        <p:nvSpPr>
-          <p:cNvPr id="10" name="Date Placeholder 3">
-            <a:extLst>
-              <a:ext uri="{FF2B5EF4-FFF2-40B4-BE49-F238E27FC236}">
-                <a16:creationId xmlns:a16="http://schemas.microsoft.com/office/drawing/2014/main" id="{9B700400-1A71-4C80-BEBE-35AB1FB575DB}"/>
-              </a:ext>
-            </a:extLst>
-          </p:cNvPr>
-          <p:cNvSpPr>
-            <a:spLocks noGrp="1"/>
-          </p:cNvSpPr>
-          <p:nvPr>
-            <p:ph type="dt" sz="half" idx="10"/>
-          </p:nvPr>
-        </p:nvSpPr>
-        <p:spPr>
-          <a:xfrm>
-            <a:off x="7667625" y="6378575"/>
-            <a:ext cx="865188" cy="365125"/>
-          </a:xfrm>
-        </p:spPr>
-        <p:txBody>
-          <a:bodyPr/>
-          <a:lstStyle/>
-          <a:p>
-            <a:pPr>
-              <a:defRPr/>
-            </a:pPr>
-            <a:r>
-              <a:rPr lang="de-DE" dirty="0"/>
-              <a:t>04.07.18</a:t>
-            </a:r>
-          </a:p>
-        </p:txBody>
-      </p:sp>
-      <p:sp>
-        <p:nvSpPr>
-          <p:cNvPr id="8" name="Title 8">
-            <a:extLst>
-              <a:ext uri="{FF2B5EF4-FFF2-40B4-BE49-F238E27FC236}">
-                <a16:creationId xmlns:a16="http://schemas.microsoft.com/office/drawing/2014/main" id="{5BE2C875-9F41-46E9-AA81-E10B28EBD98E}"/>
-              </a:ext>
-            </a:extLst>
-          </p:cNvPr>
-          <p:cNvSpPr txBox="1">
-            <a:spLocks/>
-          </p:cNvSpPr>
-          <p:nvPr/>
-        </p:nvSpPr>
-        <p:spPr bwMode="auto">
-          <a:xfrm>
-            <a:off x="623888" y="547688"/>
-            <a:ext cx="7772400" cy="533400"/>
-          </a:xfrm>
-          <a:prstGeom prst="rect">
-            <a:avLst/>
-          </a:prstGeom>
-          <a:noFill/>
-          <a:ln w="9525">
-            <a:noFill/>
-            <a:miter lim="800000"/>
-            <a:headEnd/>
-            <a:tailEnd/>
-          </a:ln>
-        </p:spPr>
-        <p:txBody>
-          <a:bodyPr vert="horz" wrap="square" lIns="0" tIns="0" rIns="0" bIns="0" numCol="1" anchor="ctr" anchorCtr="0" compatLnSpc="1">
-            <a:prstTxWarp prst="textNoShape">
-              <a:avLst/>
-            </a:prstTxWarp>
-          </a:bodyPr>
-          <a:lstStyle>
-            <a:lvl1pPr algn="l" rtl="0" eaLnBrk="0" fontAlgn="base" hangingPunct="0">
-              <a:spcBef>
-                <a:spcPct val="0"/>
-              </a:spcBef>
-              <a:spcAft>
-                <a:spcPct val="0"/>
-              </a:spcAft>
-              <a:defRPr sz="2800">
-                <a:solidFill>
-                  <a:srgbClr val="444A4B"/>
-                </a:solidFill>
-                <a:latin typeface="+mj-lt"/>
-                <a:ea typeface="+mj-ea"/>
-                <a:cs typeface="+mj-cs"/>
-              </a:defRPr>
-            </a:lvl1pPr>
-            <a:lvl2pPr algn="l" rtl="0" eaLnBrk="0" fontAlgn="base" hangingPunct="0">
-              <a:spcBef>
-                <a:spcPct val="0"/>
-              </a:spcBef>
-              <a:spcAft>
-                <a:spcPct val="0"/>
-              </a:spcAft>
-              <a:defRPr sz="2800">
-                <a:solidFill>
-                  <a:srgbClr val="444A4B"/>
-                </a:solidFill>
-                <a:latin typeface="Arial Narrow" pitchFamily="-112" charset="0"/>
-                <a:ea typeface="ＭＳ Ｐゴシック" pitchFamily="-112" charset="-128"/>
-              </a:defRPr>
-            </a:lvl2pPr>
-            <a:lvl3pPr algn="l" rtl="0" eaLnBrk="0" fontAlgn="base" hangingPunct="0">
-              <a:spcBef>
-                <a:spcPct val="0"/>
-              </a:spcBef>
-              <a:spcAft>
-                <a:spcPct val="0"/>
-              </a:spcAft>
-              <a:defRPr sz="2800">
-                <a:solidFill>
-                  <a:srgbClr val="444A4B"/>
-                </a:solidFill>
-                <a:latin typeface="Arial Narrow" pitchFamily="-112" charset="0"/>
-                <a:ea typeface="ＭＳ Ｐゴシック" pitchFamily="-112" charset="-128"/>
-              </a:defRPr>
-            </a:lvl3pPr>
-            <a:lvl4pPr algn="l" rtl="0" eaLnBrk="0" fontAlgn="base" hangingPunct="0">
-              <a:spcBef>
-                <a:spcPct val="0"/>
-              </a:spcBef>
-              <a:spcAft>
-                <a:spcPct val="0"/>
-              </a:spcAft>
-              <a:defRPr sz="2800">
-                <a:solidFill>
-                  <a:srgbClr val="444A4B"/>
-                </a:solidFill>
-                <a:latin typeface="Arial Narrow" pitchFamily="-112" charset="0"/>
-                <a:ea typeface="ＭＳ Ｐゴシック" pitchFamily="-112" charset="-128"/>
-              </a:defRPr>
-            </a:lvl4pPr>
-            <a:lvl5pPr algn="l" rtl="0" eaLnBrk="0" fontAlgn="base" hangingPunct="0">
-              <a:spcBef>
-                <a:spcPct val="0"/>
-              </a:spcBef>
-              <a:spcAft>
-                <a:spcPct val="0"/>
-              </a:spcAft>
-              <a:defRPr sz="2800">
-                <a:solidFill>
-                  <a:srgbClr val="444A4B"/>
-                </a:solidFill>
-                <a:latin typeface="Arial Narrow" pitchFamily="-112" charset="0"/>
-                <a:ea typeface="ＭＳ Ｐゴシック" pitchFamily="-112" charset="-128"/>
-              </a:defRPr>
-            </a:lvl5pPr>
-            <a:lvl6pPr marL="457200" algn="l" rtl="0" fontAlgn="base">
-              <a:spcBef>
-                <a:spcPct val="0"/>
-              </a:spcBef>
-              <a:spcAft>
-                <a:spcPct val="0"/>
-              </a:spcAft>
-              <a:defRPr sz="2800">
-                <a:solidFill>
-                  <a:srgbClr val="444A4B"/>
-                </a:solidFill>
-                <a:latin typeface="Arial Narrow" pitchFamily="-112" charset="0"/>
-                <a:ea typeface="ＭＳ Ｐゴシック" pitchFamily="-112" charset="-128"/>
-              </a:defRPr>
-            </a:lvl6pPr>
-            <a:lvl7pPr marL="914400" algn="l" rtl="0" fontAlgn="base">
-              <a:spcBef>
-                <a:spcPct val="0"/>
-              </a:spcBef>
-              <a:spcAft>
-                <a:spcPct val="0"/>
-              </a:spcAft>
-              <a:defRPr sz="2800">
-                <a:solidFill>
-                  <a:srgbClr val="444A4B"/>
-                </a:solidFill>
-                <a:latin typeface="Arial Narrow" pitchFamily="-112" charset="0"/>
-                <a:ea typeface="ＭＳ Ｐゴシック" pitchFamily="-112" charset="-128"/>
-              </a:defRPr>
-            </a:lvl7pPr>
-            <a:lvl8pPr marL="1371600" algn="l" rtl="0" fontAlgn="base">
-              <a:spcBef>
-                <a:spcPct val="0"/>
-              </a:spcBef>
-              <a:spcAft>
-                <a:spcPct val="0"/>
-              </a:spcAft>
-              <a:defRPr sz="2800">
-                <a:solidFill>
-                  <a:srgbClr val="444A4B"/>
-                </a:solidFill>
-                <a:latin typeface="Arial Narrow" pitchFamily="-112" charset="0"/>
-                <a:ea typeface="ＭＳ Ｐゴシック" pitchFamily="-112" charset="-128"/>
-              </a:defRPr>
-            </a:lvl8pPr>
-            <a:lvl9pPr marL="1828800" algn="l" rtl="0" fontAlgn="base">
-              <a:spcBef>
-                <a:spcPct val="0"/>
-              </a:spcBef>
-              <a:spcAft>
-                <a:spcPct val="0"/>
-              </a:spcAft>
-              <a:defRPr sz="2800">
-                <a:solidFill>
-                  <a:srgbClr val="444A4B"/>
-                </a:solidFill>
-                <a:latin typeface="Arial Narrow" pitchFamily="-112" charset="0"/>
-                <a:ea typeface="ＭＳ Ｐゴシック" pitchFamily="-112" charset="-128"/>
-              </a:defRPr>
-            </a:lvl9pPr>
-          </a:lstStyle>
-          <a:p>
-            <a:pPr>
-              <a:lnSpc>
-                <a:spcPct val="100000"/>
-              </a:lnSpc>
-            </a:pPr>
-            <a:r>
-              <a:rPr lang="de-DE" b="1" u="none" kern="0" dirty="0">
-                <a:latin typeface="Calibri" panose="020F0502020204030204" pitchFamily="34" charset="0"/>
-                <a:cs typeface="Calibri" panose="020F0502020204030204" pitchFamily="34" charset="0"/>
-              </a:rPr>
-              <a:t>Reale Rekonstruktion</a:t>
-            </a:r>
-          </a:p>
-        </p:txBody>
-      </p:sp>
-    </p:spTree>
-    <p:extLst>
-      <p:ext uri="{BB962C8B-B14F-4D97-AF65-F5344CB8AC3E}">
-        <p14:creationId xmlns:p14="http://schemas.microsoft.com/office/powerpoint/2010/main" val="1548102814"/>
-      </p:ext>
-    </p:extLst>
-  </p:cSld>
-  <p:clrMapOvr>
-    <a:masterClrMapping/>
-  </p:clrMapOvr>
-</p:sld>
-</file>
-
-<file path=ppt/slides/slide17.xml><?xml version="1.0" encoding="utf-8"?>
-<p:sld xmlns:a="http://schemas.openxmlformats.org/drawingml/2006/main" xmlns:r="http://schemas.openxmlformats.org/officeDocument/2006/relationships" xmlns:p="http://schemas.openxmlformats.org/presentationml/2006/main">
-  <p:cSld>
-    <p:spTree>
-      <p:nvGrpSpPr>
-        <p:cNvPr id="1" name=""/>
-        <p:cNvGrpSpPr/>
-        <p:nvPr/>
-      </p:nvGrpSpPr>
-      <p:grpSpPr>
-        <a:xfrm>
-          <a:off x="0" y="0"/>
-          <a:ext cx="0" cy="0"/>
-          <a:chOff x="0" y="0"/>
-          <a:chExt cx="0" cy="0"/>
-        </a:xfrm>
-      </p:grpSpPr>
-      <p:sp>
-        <p:nvSpPr>
-          <p:cNvPr id="15" name="Content Placeholder 14">
-            <a:extLst>
-              <a:ext uri="{FF2B5EF4-FFF2-40B4-BE49-F238E27FC236}">
-                <a16:creationId xmlns:a16="http://schemas.microsoft.com/office/drawing/2014/main" id="{8C2E98DE-0644-4CDA-B8EC-1C4E40E7B845}"/>
-              </a:ext>
-            </a:extLst>
-          </p:cNvPr>
-          <p:cNvSpPr>
-            <a:spLocks noGrp="1"/>
-          </p:cNvSpPr>
-          <p:nvPr>
-            <p:ph idx="1"/>
-          </p:nvPr>
-        </p:nvSpPr>
-        <p:spPr/>
-        <p:txBody>
-          <a:bodyPr/>
-          <a:lstStyle/>
-          <a:p>
-            <a:endParaRPr lang="de-DE" dirty="0"/>
-          </a:p>
-        </p:txBody>
-      </p:sp>
-      <p:sp>
-        <p:nvSpPr>
-          <p:cNvPr id="15367" name="Foliennummernplatzhalter 3"/>
-          <p:cNvSpPr>
-            <a:spLocks noGrp="1"/>
-          </p:cNvSpPr>
-          <p:nvPr>
-            <p:ph type="sldNum" sz="quarter" idx="12"/>
-          </p:nvPr>
-        </p:nvSpPr>
-        <p:spPr/>
-        <p:txBody>
-          <a:bodyPr/>
-          <a:lstStyle/>
-          <a:p>
-            <a:fld id="{00A3E6BF-A18C-4ADA-B4DF-837CA5AC6C3B}" type="slidenum">
-              <a:rPr lang="de-DE" smtClean="0"/>
-              <a:pPr/>
-              <a:t>17</a:t>
-            </a:fld>
-            <a:endParaRPr lang="de-DE"/>
-          </a:p>
-        </p:txBody>
-      </p:sp>
-      <p:sp>
-        <p:nvSpPr>
-          <p:cNvPr id="7" name="Footer Placeholder 4">
-            <a:extLst>
-              <a:ext uri="{FF2B5EF4-FFF2-40B4-BE49-F238E27FC236}">
-                <a16:creationId xmlns:a16="http://schemas.microsoft.com/office/drawing/2014/main" id="{C4C146E8-EC73-46FC-8B03-58FA3D7A2538}"/>
-              </a:ext>
-            </a:extLst>
-          </p:cNvPr>
-          <p:cNvSpPr>
-            <a:spLocks noGrp="1"/>
-          </p:cNvSpPr>
-          <p:nvPr>
-            <p:ph type="ftr" sz="quarter" idx="11"/>
-          </p:nvPr>
-        </p:nvSpPr>
-        <p:spPr>
-          <a:xfrm>
-            <a:off x="539750" y="6365875"/>
-            <a:ext cx="2016125" cy="365125"/>
-          </a:xfrm>
-        </p:spPr>
-        <p:txBody>
-          <a:bodyPr/>
-          <a:lstStyle/>
-          <a:p>
-            <a:pPr>
-              <a:defRPr/>
-            </a:pPr>
-            <a:r>
-              <a:rPr lang="de-DE" dirty="0"/>
-              <a:t>Hochschule Furtwangen, </a:t>
-            </a:r>
-          </a:p>
-        </p:txBody>
-      </p:sp>
-      <p:sp>
-        <p:nvSpPr>
-          <p:cNvPr id="10" name="Date Placeholder 3">
-            <a:extLst>
-              <a:ext uri="{FF2B5EF4-FFF2-40B4-BE49-F238E27FC236}">
-                <a16:creationId xmlns:a16="http://schemas.microsoft.com/office/drawing/2014/main" id="{9B700400-1A71-4C80-BEBE-35AB1FB575DB}"/>
-              </a:ext>
-            </a:extLst>
-          </p:cNvPr>
-          <p:cNvSpPr>
-            <a:spLocks noGrp="1"/>
-          </p:cNvSpPr>
-          <p:nvPr>
-            <p:ph type="dt" sz="half" idx="10"/>
-          </p:nvPr>
-        </p:nvSpPr>
-        <p:spPr>
-          <a:xfrm>
-            <a:off x="7667625" y="6378575"/>
-            <a:ext cx="865188" cy="365125"/>
-          </a:xfrm>
-        </p:spPr>
-        <p:txBody>
-          <a:bodyPr/>
-          <a:lstStyle/>
-          <a:p>
-            <a:pPr>
-              <a:defRPr/>
-            </a:pPr>
-            <a:r>
-              <a:rPr lang="de-DE" dirty="0"/>
-              <a:t>04.07.18</a:t>
-            </a:r>
-          </a:p>
-        </p:txBody>
-      </p:sp>
-      <p:sp>
-        <p:nvSpPr>
-          <p:cNvPr id="8" name="Title 8">
-            <a:extLst>
-              <a:ext uri="{FF2B5EF4-FFF2-40B4-BE49-F238E27FC236}">
-                <a16:creationId xmlns:a16="http://schemas.microsoft.com/office/drawing/2014/main" id="{5BE2C875-9F41-46E9-AA81-E10B28EBD98E}"/>
-              </a:ext>
-            </a:extLst>
-          </p:cNvPr>
-          <p:cNvSpPr txBox="1">
-            <a:spLocks/>
-          </p:cNvSpPr>
-          <p:nvPr/>
-        </p:nvSpPr>
-        <p:spPr bwMode="auto">
-          <a:xfrm>
-            <a:off x="623888" y="547688"/>
-            <a:ext cx="7772400" cy="533400"/>
-          </a:xfrm>
-          <a:prstGeom prst="rect">
-            <a:avLst/>
-          </a:prstGeom>
-          <a:noFill/>
-          <a:ln w="9525">
-            <a:noFill/>
-            <a:miter lim="800000"/>
-            <a:headEnd/>
-            <a:tailEnd/>
-          </a:ln>
-        </p:spPr>
-        <p:txBody>
-          <a:bodyPr vert="horz" wrap="square" lIns="0" tIns="0" rIns="0" bIns="0" numCol="1" anchor="ctr" anchorCtr="0" compatLnSpc="1">
-            <a:prstTxWarp prst="textNoShape">
-              <a:avLst/>
-            </a:prstTxWarp>
-          </a:bodyPr>
-          <a:lstStyle>
-            <a:lvl1pPr algn="l" rtl="0" eaLnBrk="0" fontAlgn="base" hangingPunct="0">
-              <a:spcBef>
-                <a:spcPct val="0"/>
-              </a:spcBef>
-              <a:spcAft>
-                <a:spcPct val="0"/>
-              </a:spcAft>
-              <a:defRPr sz="2800">
-                <a:solidFill>
-                  <a:srgbClr val="444A4B"/>
-                </a:solidFill>
-                <a:latin typeface="+mj-lt"/>
-                <a:ea typeface="+mj-ea"/>
-                <a:cs typeface="+mj-cs"/>
-              </a:defRPr>
-            </a:lvl1pPr>
-            <a:lvl2pPr algn="l" rtl="0" eaLnBrk="0" fontAlgn="base" hangingPunct="0">
-              <a:spcBef>
-                <a:spcPct val="0"/>
-              </a:spcBef>
-              <a:spcAft>
-                <a:spcPct val="0"/>
-              </a:spcAft>
-              <a:defRPr sz="2800">
-                <a:solidFill>
-                  <a:srgbClr val="444A4B"/>
-                </a:solidFill>
-                <a:latin typeface="Arial Narrow" pitchFamily="-112" charset="0"/>
-                <a:ea typeface="ＭＳ Ｐゴシック" pitchFamily="-112" charset="-128"/>
-              </a:defRPr>
-            </a:lvl2pPr>
-            <a:lvl3pPr algn="l" rtl="0" eaLnBrk="0" fontAlgn="base" hangingPunct="0">
-              <a:spcBef>
-                <a:spcPct val="0"/>
-              </a:spcBef>
-              <a:spcAft>
-                <a:spcPct val="0"/>
-              </a:spcAft>
-              <a:defRPr sz="2800">
-                <a:solidFill>
-                  <a:srgbClr val="444A4B"/>
-                </a:solidFill>
-                <a:latin typeface="Arial Narrow" pitchFamily="-112" charset="0"/>
-                <a:ea typeface="ＭＳ Ｐゴシック" pitchFamily="-112" charset="-128"/>
-              </a:defRPr>
-            </a:lvl3pPr>
-            <a:lvl4pPr algn="l" rtl="0" eaLnBrk="0" fontAlgn="base" hangingPunct="0">
-              <a:spcBef>
-                <a:spcPct val="0"/>
-              </a:spcBef>
-              <a:spcAft>
-                <a:spcPct val="0"/>
-              </a:spcAft>
-              <a:defRPr sz="2800">
-                <a:solidFill>
-                  <a:srgbClr val="444A4B"/>
-                </a:solidFill>
-                <a:latin typeface="Arial Narrow" pitchFamily="-112" charset="0"/>
-                <a:ea typeface="ＭＳ Ｐゴシック" pitchFamily="-112" charset="-128"/>
-              </a:defRPr>
-            </a:lvl4pPr>
-            <a:lvl5pPr algn="l" rtl="0" eaLnBrk="0" fontAlgn="base" hangingPunct="0">
-              <a:spcBef>
-                <a:spcPct val="0"/>
-              </a:spcBef>
-              <a:spcAft>
-                <a:spcPct val="0"/>
-              </a:spcAft>
-              <a:defRPr sz="2800">
-                <a:solidFill>
-                  <a:srgbClr val="444A4B"/>
-                </a:solidFill>
-                <a:latin typeface="Arial Narrow" pitchFamily="-112" charset="0"/>
-                <a:ea typeface="ＭＳ Ｐゴシック" pitchFamily="-112" charset="-128"/>
-              </a:defRPr>
-            </a:lvl5pPr>
-            <a:lvl6pPr marL="457200" algn="l" rtl="0" fontAlgn="base">
-              <a:spcBef>
-                <a:spcPct val="0"/>
-              </a:spcBef>
-              <a:spcAft>
-                <a:spcPct val="0"/>
-              </a:spcAft>
-              <a:defRPr sz="2800">
-                <a:solidFill>
-                  <a:srgbClr val="444A4B"/>
-                </a:solidFill>
-                <a:latin typeface="Arial Narrow" pitchFamily="-112" charset="0"/>
-                <a:ea typeface="ＭＳ Ｐゴシック" pitchFamily="-112" charset="-128"/>
-              </a:defRPr>
-            </a:lvl6pPr>
-            <a:lvl7pPr marL="914400" algn="l" rtl="0" fontAlgn="base">
-              <a:spcBef>
-                <a:spcPct val="0"/>
-              </a:spcBef>
-              <a:spcAft>
-                <a:spcPct val="0"/>
-              </a:spcAft>
-              <a:defRPr sz="2800">
-                <a:solidFill>
-                  <a:srgbClr val="444A4B"/>
-                </a:solidFill>
-                <a:latin typeface="Arial Narrow" pitchFamily="-112" charset="0"/>
-                <a:ea typeface="ＭＳ Ｐゴシック" pitchFamily="-112" charset="-128"/>
-              </a:defRPr>
-            </a:lvl7pPr>
-            <a:lvl8pPr marL="1371600" algn="l" rtl="0" fontAlgn="base">
-              <a:spcBef>
-                <a:spcPct val="0"/>
-              </a:spcBef>
-              <a:spcAft>
-                <a:spcPct val="0"/>
-              </a:spcAft>
-              <a:defRPr sz="2800">
-                <a:solidFill>
-                  <a:srgbClr val="444A4B"/>
-                </a:solidFill>
-                <a:latin typeface="Arial Narrow" pitchFamily="-112" charset="0"/>
-                <a:ea typeface="ＭＳ Ｐゴシック" pitchFamily="-112" charset="-128"/>
-              </a:defRPr>
-            </a:lvl8pPr>
-            <a:lvl9pPr marL="1828800" algn="l" rtl="0" fontAlgn="base">
-              <a:spcBef>
-                <a:spcPct val="0"/>
-              </a:spcBef>
-              <a:spcAft>
-                <a:spcPct val="0"/>
-              </a:spcAft>
-              <a:defRPr sz="2800">
-                <a:solidFill>
-                  <a:srgbClr val="444A4B"/>
-                </a:solidFill>
-                <a:latin typeface="Arial Narrow" pitchFamily="-112" charset="0"/>
-                <a:ea typeface="ＭＳ Ｐゴシック" pitchFamily="-112" charset="-128"/>
-              </a:defRPr>
-            </a:lvl9pPr>
-          </a:lstStyle>
-          <a:p>
-            <a:pPr>
-              <a:lnSpc>
-                <a:spcPct val="100000"/>
-              </a:lnSpc>
-            </a:pPr>
-            <a:r>
-              <a:rPr lang="de-DE" b="1" u="none" kern="0" dirty="0">
-                <a:latin typeface="Calibri" panose="020F0502020204030204" pitchFamily="34" charset="0"/>
-                <a:cs typeface="Calibri" panose="020F0502020204030204" pitchFamily="34" charset="0"/>
-              </a:rPr>
-              <a:t>Reale Rekonstruktion</a:t>
-            </a:r>
-          </a:p>
-        </p:txBody>
-      </p:sp>
-    </p:spTree>
-    <p:extLst>
-      <p:ext uri="{BB962C8B-B14F-4D97-AF65-F5344CB8AC3E}">
-        <p14:creationId xmlns:p14="http://schemas.microsoft.com/office/powerpoint/2010/main" val="487902083"/>
-      </p:ext>
-    </p:extLst>
-  </p:cSld>
-  <p:clrMapOvr>
-    <a:masterClrMapping/>
-  </p:clrMapOvr>
-</p:sld>
-</file>
-
-<file path=ppt/slides/slide18.xml><?xml version="1.0" encoding="utf-8"?>
-<p:sld xmlns:a="http://schemas.openxmlformats.org/drawingml/2006/main" xmlns:r="http://schemas.openxmlformats.org/officeDocument/2006/relationships" xmlns:p="http://schemas.openxmlformats.org/presentationml/2006/main">
-  <p:cSld>
-    <p:spTree>
-      <p:nvGrpSpPr>
-        <p:cNvPr id="1" name=""/>
-        <p:cNvGrpSpPr/>
-        <p:nvPr/>
-      </p:nvGrpSpPr>
-      <p:grpSpPr>
-        <a:xfrm>
-          <a:off x="0" y="0"/>
-          <a:ext cx="0" cy="0"/>
-          <a:chOff x="0" y="0"/>
-          <a:chExt cx="0" cy="0"/>
-        </a:xfrm>
-      </p:grpSpPr>
-      <p:sp>
-        <p:nvSpPr>
-          <p:cNvPr id="15" name="Content Placeholder 14">
-            <a:extLst>
-              <a:ext uri="{FF2B5EF4-FFF2-40B4-BE49-F238E27FC236}">
-                <a16:creationId xmlns:a16="http://schemas.microsoft.com/office/drawing/2014/main" id="{8C2E98DE-0644-4CDA-B8EC-1C4E40E7B845}"/>
-              </a:ext>
-            </a:extLst>
-          </p:cNvPr>
-          <p:cNvSpPr>
-            <a:spLocks noGrp="1"/>
-          </p:cNvSpPr>
-          <p:nvPr>
-            <p:ph idx="1"/>
-          </p:nvPr>
-        </p:nvSpPr>
-        <p:spPr/>
-        <p:txBody>
-          <a:bodyPr/>
-          <a:lstStyle/>
-          <a:p>
-            <a:endParaRPr lang="de-DE" dirty="0"/>
-          </a:p>
-        </p:txBody>
-      </p:sp>
-      <p:sp>
-        <p:nvSpPr>
-          <p:cNvPr id="15367" name="Foliennummernplatzhalter 3"/>
-          <p:cNvSpPr>
-            <a:spLocks noGrp="1"/>
-          </p:cNvSpPr>
-          <p:nvPr>
-            <p:ph type="sldNum" sz="quarter" idx="12"/>
-          </p:nvPr>
-        </p:nvSpPr>
-        <p:spPr/>
-        <p:txBody>
-          <a:bodyPr/>
-          <a:lstStyle/>
-          <a:p>
-            <a:fld id="{00A3E6BF-A18C-4ADA-B4DF-837CA5AC6C3B}" type="slidenum">
-              <a:rPr lang="de-DE" smtClean="0"/>
-              <a:pPr/>
-              <a:t>18</a:t>
-            </a:fld>
-            <a:endParaRPr lang="de-DE"/>
-          </a:p>
-        </p:txBody>
-      </p:sp>
-      <p:sp>
-        <p:nvSpPr>
-          <p:cNvPr id="7" name="Footer Placeholder 4">
-            <a:extLst>
-              <a:ext uri="{FF2B5EF4-FFF2-40B4-BE49-F238E27FC236}">
-                <a16:creationId xmlns:a16="http://schemas.microsoft.com/office/drawing/2014/main" id="{C4C146E8-EC73-46FC-8B03-58FA3D7A2538}"/>
-              </a:ext>
-            </a:extLst>
-          </p:cNvPr>
-          <p:cNvSpPr>
-            <a:spLocks noGrp="1"/>
-          </p:cNvSpPr>
-          <p:nvPr>
-            <p:ph type="ftr" sz="quarter" idx="11"/>
-          </p:nvPr>
-        </p:nvSpPr>
-        <p:spPr>
-          <a:xfrm>
-            <a:off x="539750" y="6365875"/>
-            <a:ext cx="2016125" cy="365125"/>
-          </a:xfrm>
-        </p:spPr>
-        <p:txBody>
-          <a:bodyPr/>
-          <a:lstStyle/>
-          <a:p>
-            <a:pPr>
-              <a:defRPr/>
-            </a:pPr>
-            <a:r>
-              <a:rPr lang="de-DE" dirty="0"/>
-              <a:t>Hochschule Furtwangen, </a:t>
-            </a:r>
-          </a:p>
-        </p:txBody>
-      </p:sp>
-      <p:sp>
-        <p:nvSpPr>
-          <p:cNvPr id="10" name="Date Placeholder 3">
-            <a:extLst>
-              <a:ext uri="{FF2B5EF4-FFF2-40B4-BE49-F238E27FC236}">
-                <a16:creationId xmlns:a16="http://schemas.microsoft.com/office/drawing/2014/main" id="{9B700400-1A71-4C80-BEBE-35AB1FB575DB}"/>
-              </a:ext>
-            </a:extLst>
-          </p:cNvPr>
-          <p:cNvSpPr>
-            <a:spLocks noGrp="1"/>
-          </p:cNvSpPr>
-          <p:nvPr>
-            <p:ph type="dt" sz="half" idx="10"/>
-          </p:nvPr>
-        </p:nvSpPr>
-        <p:spPr>
-          <a:xfrm>
-            <a:off x="7667625" y="6378575"/>
-            <a:ext cx="865188" cy="365125"/>
-          </a:xfrm>
-        </p:spPr>
-        <p:txBody>
-          <a:bodyPr/>
-          <a:lstStyle/>
-          <a:p>
-            <a:pPr>
-              <a:defRPr/>
-            </a:pPr>
-            <a:r>
-              <a:rPr lang="de-DE" dirty="0"/>
-              <a:t>04.07.18</a:t>
-            </a:r>
-          </a:p>
-        </p:txBody>
-      </p:sp>
-      <p:sp>
-        <p:nvSpPr>
-          <p:cNvPr id="8" name="Title 8">
-            <a:extLst>
-              <a:ext uri="{FF2B5EF4-FFF2-40B4-BE49-F238E27FC236}">
-                <a16:creationId xmlns:a16="http://schemas.microsoft.com/office/drawing/2014/main" id="{5BE2C875-9F41-46E9-AA81-E10B28EBD98E}"/>
-              </a:ext>
-            </a:extLst>
-          </p:cNvPr>
-          <p:cNvSpPr txBox="1">
-            <a:spLocks/>
-          </p:cNvSpPr>
-          <p:nvPr/>
-        </p:nvSpPr>
-        <p:spPr bwMode="auto">
-          <a:xfrm>
-            <a:off x="623888" y="547688"/>
-            <a:ext cx="7772400" cy="533400"/>
-          </a:xfrm>
-          <a:prstGeom prst="rect">
-            <a:avLst/>
-          </a:prstGeom>
-          <a:noFill/>
-          <a:ln w="9525">
-            <a:noFill/>
-            <a:miter lim="800000"/>
-            <a:headEnd/>
-            <a:tailEnd/>
-          </a:ln>
-        </p:spPr>
-        <p:txBody>
-          <a:bodyPr vert="horz" wrap="square" lIns="0" tIns="0" rIns="0" bIns="0" numCol="1" anchor="ctr" anchorCtr="0" compatLnSpc="1">
-            <a:prstTxWarp prst="textNoShape">
-              <a:avLst/>
-            </a:prstTxWarp>
-          </a:bodyPr>
-          <a:lstStyle>
-            <a:lvl1pPr algn="l" rtl="0" eaLnBrk="0" fontAlgn="base" hangingPunct="0">
-              <a:spcBef>
-                <a:spcPct val="0"/>
-              </a:spcBef>
-              <a:spcAft>
-                <a:spcPct val="0"/>
-              </a:spcAft>
-              <a:defRPr sz="2800">
-                <a:solidFill>
-                  <a:srgbClr val="444A4B"/>
-                </a:solidFill>
-                <a:latin typeface="+mj-lt"/>
-                <a:ea typeface="+mj-ea"/>
-                <a:cs typeface="+mj-cs"/>
-              </a:defRPr>
-            </a:lvl1pPr>
-            <a:lvl2pPr algn="l" rtl="0" eaLnBrk="0" fontAlgn="base" hangingPunct="0">
-              <a:spcBef>
-                <a:spcPct val="0"/>
-              </a:spcBef>
-              <a:spcAft>
-                <a:spcPct val="0"/>
-              </a:spcAft>
-              <a:defRPr sz="2800">
-                <a:solidFill>
-                  <a:srgbClr val="444A4B"/>
-                </a:solidFill>
-                <a:latin typeface="Arial Narrow" pitchFamily="-112" charset="0"/>
-                <a:ea typeface="ＭＳ Ｐゴシック" pitchFamily="-112" charset="-128"/>
-              </a:defRPr>
-            </a:lvl2pPr>
-            <a:lvl3pPr algn="l" rtl="0" eaLnBrk="0" fontAlgn="base" hangingPunct="0">
-              <a:spcBef>
-                <a:spcPct val="0"/>
-              </a:spcBef>
-              <a:spcAft>
-                <a:spcPct val="0"/>
-              </a:spcAft>
-              <a:defRPr sz="2800">
-                <a:solidFill>
-                  <a:srgbClr val="444A4B"/>
-                </a:solidFill>
-                <a:latin typeface="Arial Narrow" pitchFamily="-112" charset="0"/>
-                <a:ea typeface="ＭＳ Ｐゴシック" pitchFamily="-112" charset="-128"/>
-              </a:defRPr>
-            </a:lvl3pPr>
-            <a:lvl4pPr algn="l" rtl="0" eaLnBrk="0" fontAlgn="base" hangingPunct="0">
-              <a:spcBef>
-                <a:spcPct val="0"/>
-              </a:spcBef>
-              <a:spcAft>
-                <a:spcPct val="0"/>
-              </a:spcAft>
-              <a:defRPr sz="2800">
-                <a:solidFill>
-                  <a:srgbClr val="444A4B"/>
-                </a:solidFill>
-                <a:latin typeface="Arial Narrow" pitchFamily="-112" charset="0"/>
-                <a:ea typeface="ＭＳ Ｐゴシック" pitchFamily="-112" charset="-128"/>
-              </a:defRPr>
-            </a:lvl4pPr>
-            <a:lvl5pPr algn="l" rtl="0" eaLnBrk="0" fontAlgn="base" hangingPunct="0">
-              <a:spcBef>
-                <a:spcPct val="0"/>
-              </a:spcBef>
-              <a:spcAft>
-                <a:spcPct val="0"/>
-              </a:spcAft>
-              <a:defRPr sz="2800">
-                <a:solidFill>
-                  <a:srgbClr val="444A4B"/>
-                </a:solidFill>
-                <a:latin typeface="Arial Narrow" pitchFamily="-112" charset="0"/>
-                <a:ea typeface="ＭＳ Ｐゴシック" pitchFamily="-112" charset="-128"/>
-              </a:defRPr>
-            </a:lvl5pPr>
-            <a:lvl6pPr marL="457200" algn="l" rtl="0" fontAlgn="base">
-              <a:spcBef>
-                <a:spcPct val="0"/>
-              </a:spcBef>
-              <a:spcAft>
-                <a:spcPct val="0"/>
-              </a:spcAft>
-              <a:defRPr sz="2800">
-                <a:solidFill>
-                  <a:srgbClr val="444A4B"/>
-                </a:solidFill>
-                <a:latin typeface="Arial Narrow" pitchFamily="-112" charset="0"/>
-                <a:ea typeface="ＭＳ Ｐゴシック" pitchFamily="-112" charset="-128"/>
-              </a:defRPr>
-            </a:lvl6pPr>
-            <a:lvl7pPr marL="914400" algn="l" rtl="0" fontAlgn="base">
-              <a:spcBef>
-                <a:spcPct val="0"/>
-              </a:spcBef>
-              <a:spcAft>
-                <a:spcPct val="0"/>
-              </a:spcAft>
-              <a:defRPr sz="2800">
-                <a:solidFill>
-                  <a:srgbClr val="444A4B"/>
-                </a:solidFill>
-                <a:latin typeface="Arial Narrow" pitchFamily="-112" charset="0"/>
-                <a:ea typeface="ＭＳ Ｐゴシック" pitchFamily="-112" charset="-128"/>
-              </a:defRPr>
-            </a:lvl7pPr>
-            <a:lvl8pPr marL="1371600" algn="l" rtl="0" fontAlgn="base">
-              <a:spcBef>
-                <a:spcPct val="0"/>
-              </a:spcBef>
-              <a:spcAft>
-                <a:spcPct val="0"/>
-              </a:spcAft>
-              <a:defRPr sz="2800">
-                <a:solidFill>
-                  <a:srgbClr val="444A4B"/>
-                </a:solidFill>
-                <a:latin typeface="Arial Narrow" pitchFamily="-112" charset="0"/>
-                <a:ea typeface="ＭＳ Ｐゴシック" pitchFamily="-112" charset="-128"/>
-              </a:defRPr>
-            </a:lvl8pPr>
-            <a:lvl9pPr marL="1828800" algn="l" rtl="0" fontAlgn="base">
-              <a:spcBef>
-                <a:spcPct val="0"/>
-              </a:spcBef>
-              <a:spcAft>
-                <a:spcPct val="0"/>
-              </a:spcAft>
-              <a:defRPr sz="2800">
-                <a:solidFill>
-                  <a:srgbClr val="444A4B"/>
-                </a:solidFill>
-                <a:latin typeface="Arial Narrow" pitchFamily="-112" charset="0"/>
-                <a:ea typeface="ＭＳ Ｐゴシック" pitchFamily="-112" charset="-128"/>
-              </a:defRPr>
-            </a:lvl9pPr>
-          </a:lstStyle>
-          <a:p>
-            <a:pPr>
-              <a:lnSpc>
-                <a:spcPct val="100000"/>
-              </a:lnSpc>
-            </a:pPr>
-            <a:r>
-              <a:rPr lang="de-DE" b="1" u="none" kern="0" dirty="0">
-                <a:latin typeface="Calibri" panose="020F0502020204030204" pitchFamily="34" charset="0"/>
-                <a:cs typeface="Calibri" panose="020F0502020204030204" pitchFamily="34" charset="0"/>
-              </a:rPr>
-              <a:t>Reale Rekonstruktion</a:t>
-            </a:r>
-          </a:p>
-        </p:txBody>
-      </p:sp>
-    </p:spTree>
-    <p:extLst>
-      <p:ext uri="{BB962C8B-B14F-4D97-AF65-F5344CB8AC3E}">
-        <p14:creationId xmlns:p14="http://schemas.microsoft.com/office/powerpoint/2010/main" val="643034042"/>
-      </p:ext>
-    </p:extLst>
-  </p:cSld>
-  <p:clrMapOvr>
-    <a:masterClrMapping/>
-  </p:clrMapOvr>
-</p:sld>
-</file>
-
-<file path=ppt/slides/slide19.xml><?xml version="1.0" encoding="utf-8"?>
-<p:sld xmlns:a="http://schemas.openxmlformats.org/drawingml/2006/main" xmlns:r="http://schemas.openxmlformats.org/officeDocument/2006/relationships" xmlns:p="http://schemas.openxmlformats.org/presentationml/2006/main">
-  <p:cSld>
-    <p:spTree>
-      <p:nvGrpSpPr>
-        <p:cNvPr id="1" name=""/>
-        <p:cNvGrpSpPr/>
-        <p:nvPr/>
-      </p:nvGrpSpPr>
-      <p:grpSpPr>
-        <a:xfrm>
-          <a:off x="0" y="0"/>
-          <a:ext cx="0" cy="0"/>
-          <a:chOff x="0" y="0"/>
-          <a:chExt cx="0" cy="0"/>
-        </a:xfrm>
-      </p:grpSpPr>
-      <p:sp>
-        <p:nvSpPr>
           <p:cNvPr id="9" name="Title 8">
             <a:extLst>
               <a:ext uri="{FF2B5EF4-FFF2-40B4-BE49-F238E27FC236}">
@@ -12269,7 +11681,7 @@
             <a:fld id="{00A3E6BF-A18C-4ADA-B4DF-837CA5AC6C3B}" type="slidenum">
               <a:rPr lang="de-DE" smtClean="0"/>
               <a:pPr/>
-              <a:t>19</a:t>
+              <a:t>16</a:t>
             </a:fld>
             <a:endParaRPr lang="de-DE"/>
           </a:p>
@@ -12521,7 +11933,7 @@
               <a:pPr>
                 <a:defRPr/>
               </a:pPr>
-              <a:t>19</a:t>
+              <a:t>16</a:t>
             </a:fld>
             <a:endParaRPr lang="de-DE" dirty="0"/>
           </a:p>
@@ -12675,6 +12087,960 @@
 </p:sld>
 </file>
 
+<file path=ppt/slides/slide17.xml><?xml version="1.0" encoding="utf-8"?>
+<p:sld xmlns:a="http://schemas.openxmlformats.org/drawingml/2006/main" xmlns:r="http://schemas.openxmlformats.org/officeDocument/2006/relationships" xmlns:p="http://schemas.openxmlformats.org/presentationml/2006/main">
+  <p:cSld>
+    <p:spTree>
+      <p:nvGrpSpPr>
+        <p:cNvPr id="1" name=""/>
+        <p:cNvGrpSpPr/>
+        <p:nvPr/>
+      </p:nvGrpSpPr>
+      <p:grpSpPr>
+        <a:xfrm>
+          <a:off x="0" y="0"/>
+          <a:ext cx="0" cy="0"/>
+          <a:chOff x="0" y="0"/>
+          <a:chExt cx="0" cy="0"/>
+        </a:xfrm>
+      </p:grpSpPr>
+      <p:sp>
+        <p:nvSpPr>
+          <p:cNvPr id="9" name="Title 8">
+            <a:extLst>
+              <a:ext uri="{FF2B5EF4-FFF2-40B4-BE49-F238E27FC236}">
+                <a16:creationId xmlns:a16="http://schemas.microsoft.com/office/drawing/2014/main" id="{C958DD35-CA26-4605-9283-1C48AD4D2871}"/>
+              </a:ext>
+            </a:extLst>
+          </p:cNvPr>
+          <p:cNvSpPr>
+            <a:spLocks noGrp="1"/>
+          </p:cNvSpPr>
+          <p:nvPr>
+            <p:ph type="title"/>
+          </p:nvPr>
+        </p:nvSpPr>
+        <p:spPr/>
+        <p:txBody>
+          <a:bodyPr/>
+          <a:lstStyle/>
+          <a:p>
+            <a:r>
+              <a:rPr lang="de-DE" dirty="0"/>
+              <a:t>BackUpSlides</a:t>
+            </a:r>
+          </a:p>
+        </p:txBody>
+      </p:sp>
+      <p:sp>
+        <p:nvSpPr>
+          <p:cNvPr id="15367" name="Foliennummernplatzhalter 3"/>
+          <p:cNvSpPr>
+            <a:spLocks noGrp="1"/>
+          </p:cNvSpPr>
+          <p:nvPr>
+            <p:ph type="sldNum" sz="quarter" idx="12"/>
+          </p:nvPr>
+        </p:nvSpPr>
+        <p:spPr/>
+        <p:txBody>
+          <a:bodyPr/>
+          <a:lstStyle/>
+          <a:p>
+            <a:fld id="{00A3E6BF-A18C-4ADA-B4DF-837CA5AC6C3B}" type="slidenum">
+              <a:rPr lang="de-DE" smtClean="0"/>
+              <a:pPr/>
+              <a:t>17</a:t>
+            </a:fld>
+            <a:endParaRPr lang="de-DE"/>
+          </a:p>
+        </p:txBody>
+      </p:sp>
+      <p:sp>
+        <p:nvSpPr>
+          <p:cNvPr id="7" name="Footer Placeholder 4">
+            <a:extLst>
+              <a:ext uri="{FF2B5EF4-FFF2-40B4-BE49-F238E27FC236}">
+                <a16:creationId xmlns:a16="http://schemas.microsoft.com/office/drawing/2014/main" id="{C4C146E8-EC73-46FC-8B03-58FA3D7A2538}"/>
+              </a:ext>
+            </a:extLst>
+          </p:cNvPr>
+          <p:cNvSpPr>
+            <a:spLocks noGrp="1"/>
+          </p:cNvSpPr>
+          <p:nvPr>
+            <p:ph type="ftr" sz="quarter" idx="11"/>
+          </p:nvPr>
+        </p:nvSpPr>
+        <p:spPr>
+          <a:xfrm>
+            <a:off x="539750" y="6365875"/>
+            <a:ext cx="2016125" cy="365125"/>
+          </a:xfrm>
+        </p:spPr>
+        <p:txBody>
+          <a:bodyPr/>
+          <a:lstStyle/>
+          <a:p>
+            <a:pPr>
+              <a:defRPr/>
+            </a:pPr>
+            <a:r>
+              <a:rPr lang="de-DE" dirty="0"/>
+              <a:t>Hochschule Furtwangen, </a:t>
+            </a:r>
+          </a:p>
+        </p:txBody>
+      </p:sp>
+      <p:sp>
+        <p:nvSpPr>
+          <p:cNvPr id="10" name="Date Placeholder 3">
+            <a:extLst>
+              <a:ext uri="{FF2B5EF4-FFF2-40B4-BE49-F238E27FC236}">
+                <a16:creationId xmlns:a16="http://schemas.microsoft.com/office/drawing/2014/main" id="{9B700400-1A71-4C80-BEBE-35AB1FB575DB}"/>
+              </a:ext>
+            </a:extLst>
+          </p:cNvPr>
+          <p:cNvSpPr>
+            <a:spLocks noGrp="1"/>
+          </p:cNvSpPr>
+          <p:nvPr>
+            <p:ph type="dt" sz="half" idx="10"/>
+          </p:nvPr>
+        </p:nvSpPr>
+        <p:spPr>
+          <a:xfrm>
+            <a:off x="7667625" y="6378575"/>
+            <a:ext cx="865188" cy="365125"/>
+          </a:xfrm>
+        </p:spPr>
+        <p:txBody>
+          <a:bodyPr/>
+          <a:lstStyle/>
+          <a:p>
+            <a:pPr>
+              <a:defRPr/>
+            </a:pPr>
+            <a:r>
+              <a:rPr lang="de-DE" dirty="0"/>
+              <a:t>04.07.18</a:t>
+            </a:r>
+          </a:p>
+        </p:txBody>
+      </p:sp>
+      <p:sp>
+        <p:nvSpPr>
+          <p:cNvPr id="8" name="Content Placeholder 2">
+            <a:extLst>
+              <a:ext uri="{FF2B5EF4-FFF2-40B4-BE49-F238E27FC236}">
+                <a16:creationId xmlns:a16="http://schemas.microsoft.com/office/drawing/2014/main" id="{074A7574-DF88-43AA-8461-57C2485230EC}"/>
+              </a:ext>
+            </a:extLst>
+          </p:cNvPr>
+          <p:cNvSpPr txBox="1">
+            <a:spLocks/>
+          </p:cNvSpPr>
+          <p:nvPr/>
+        </p:nvSpPr>
+        <p:spPr bwMode="auto">
+          <a:xfrm>
+            <a:off x="180976" y="1028700"/>
+            <a:ext cx="8351837" cy="4038600"/>
+          </a:xfrm>
+          <a:prstGeom prst="rect">
+            <a:avLst/>
+          </a:prstGeom>
+          <a:noFill/>
+          <a:ln w="9525">
+            <a:noFill/>
+            <a:miter lim="800000"/>
+            <a:headEnd/>
+            <a:tailEnd/>
+          </a:ln>
+        </p:spPr>
+        <p:txBody>
+          <a:bodyPr vert="horz" wrap="square" lIns="0" tIns="0" rIns="0" bIns="0" numCol="1" anchor="t" anchorCtr="0" compatLnSpc="1">
+            <a:prstTxWarp prst="textNoShape">
+              <a:avLst/>
+            </a:prstTxWarp>
+          </a:bodyPr>
+          <a:lstStyle>
+            <a:lvl1pPr marL="342900" indent="-342900" algn="l" rtl="0" eaLnBrk="0" fontAlgn="base" hangingPunct="0">
+              <a:spcBef>
+                <a:spcPct val="20000"/>
+              </a:spcBef>
+              <a:spcAft>
+                <a:spcPct val="0"/>
+              </a:spcAft>
+              <a:defRPr sz="1600">
+                <a:solidFill>
+                  <a:schemeClr val="tx1"/>
+                </a:solidFill>
+                <a:latin typeface="+mn-lt"/>
+                <a:ea typeface="+mn-ea"/>
+                <a:cs typeface="+mn-cs"/>
+              </a:defRPr>
+            </a:lvl1pPr>
+            <a:lvl2pPr marL="742950" indent="-285750" algn="l" rtl="0" eaLnBrk="0" fontAlgn="base" hangingPunct="0">
+              <a:spcBef>
+                <a:spcPct val="20000"/>
+              </a:spcBef>
+              <a:spcAft>
+                <a:spcPct val="0"/>
+              </a:spcAft>
+              <a:defRPr sz="2800">
+                <a:solidFill>
+                  <a:schemeClr val="tx1"/>
+                </a:solidFill>
+                <a:latin typeface="Arial" charset="0"/>
+                <a:ea typeface="+mn-ea"/>
+              </a:defRPr>
+            </a:lvl2pPr>
+            <a:lvl3pPr marL="1143000" indent="-228600" algn="l" rtl="0" eaLnBrk="0" fontAlgn="base" hangingPunct="0">
+              <a:spcBef>
+                <a:spcPct val="20000"/>
+              </a:spcBef>
+              <a:spcAft>
+                <a:spcPct val="0"/>
+              </a:spcAft>
+              <a:defRPr sz="2400">
+                <a:solidFill>
+                  <a:schemeClr val="tx1"/>
+                </a:solidFill>
+                <a:latin typeface="Arial" charset="0"/>
+                <a:ea typeface="+mn-ea"/>
+              </a:defRPr>
+            </a:lvl3pPr>
+            <a:lvl4pPr marL="1600200" indent="-228600" algn="l" rtl="0" eaLnBrk="0" fontAlgn="base" hangingPunct="0">
+              <a:spcBef>
+                <a:spcPct val="20000"/>
+              </a:spcBef>
+              <a:spcAft>
+                <a:spcPct val="0"/>
+              </a:spcAft>
+              <a:defRPr sz="2000">
+                <a:solidFill>
+                  <a:schemeClr val="tx1"/>
+                </a:solidFill>
+                <a:latin typeface="Arial" charset="0"/>
+                <a:ea typeface="+mn-ea"/>
+              </a:defRPr>
+            </a:lvl4pPr>
+            <a:lvl5pPr marL="2057400" indent="-228600" algn="l" rtl="0" eaLnBrk="0" fontAlgn="base" hangingPunct="0">
+              <a:spcBef>
+                <a:spcPct val="20000"/>
+              </a:spcBef>
+              <a:spcAft>
+                <a:spcPct val="0"/>
+              </a:spcAft>
+              <a:defRPr sz="2000">
+                <a:solidFill>
+                  <a:schemeClr val="tx1"/>
+                </a:solidFill>
+                <a:latin typeface="Arial" charset="0"/>
+                <a:ea typeface="+mn-ea"/>
+              </a:defRPr>
+            </a:lvl5pPr>
+            <a:lvl6pPr marL="2514600" indent="-228600" algn="l" rtl="0" fontAlgn="base">
+              <a:spcBef>
+                <a:spcPct val="20000"/>
+              </a:spcBef>
+              <a:spcAft>
+                <a:spcPct val="0"/>
+              </a:spcAft>
+              <a:defRPr sz="2000">
+                <a:solidFill>
+                  <a:schemeClr val="tx1"/>
+                </a:solidFill>
+                <a:latin typeface="Arial" charset="0"/>
+                <a:ea typeface="+mn-ea"/>
+              </a:defRPr>
+            </a:lvl6pPr>
+            <a:lvl7pPr marL="2971800" indent="-228600" algn="l" rtl="0" fontAlgn="base">
+              <a:spcBef>
+                <a:spcPct val="20000"/>
+              </a:spcBef>
+              <a:spcAft>
+                <a:spcPct val="0"/>
+              </a:spcAft>
+              <a:defRPr sz="2000">
+                <a:solidFill>
+                  <a:schemeClr val="tx1"/>
+                </a:solidFill>
+                <a:latin typeface="Arial" charset="0"/>
+                <a:ea typeface="+mn-ea"/>
+              </a:defRPr>
+            </a:lvl7pPr>
+            <a:lvl8pPr marL="3429000" indent="-228600" algn="l" rtl="0" fontAlgn="base">
+              <a:spcBef>
+                <a:spcPct val="20000"/>
+              </a:spcBef>
+              <a:spcAft>
+                <a:spcPct val="0"/>
+              </a:spcAft>
+              <a:defRPr sz="2000">
+                <a:solidFill>
+                  <a:schemeClr val="tx1"/>
+                </a:solidFill>
+                <a:latin typeface="Arial" charset="0"/>
+                <a:ea typeface="+mn-ea"/>
+              </a:defRPr>
+            </a:lvl8pPr>
+            <a:lvl9pPr marL="3886200" indent="-228600" algn="l" rtl="0" fontAlgn="base">
+              <a:spcBef>
+                <a:spcPct val="20000"/>
+              </a:spcBef>
+              <a:spcAft>
+                <a:spcPct val="0"/>
+              </a:spcAft>
+              <a:defRPr sz="2000">
+                <a:solidFill>
+                  <a:schemeClr val="tx1"/>
+                </a:solidFill>
+                <a:latin typeface="Arial" charset="0"/>
+                <a:ea typeface="+mn-ea"/>
+              </a:defRPr>
+            </a:lvl9pPr>
+          </a:lstStyle>
+          <a:p>
+            <a:pPr>
+              <a:lnSpc>
+                <a:spcPct val="100000"/>
+              </a:lnSpc>
+              <a:buFont typeface="Arial" panose="020B0604020202020204" pitchFamily="34" charset="0"/>
+              <a:buChar char="•"/>
+            </a:pPr>
+            <a:r>
+              <a:rPr lang="de-DE" sz="2400" u="none" kern="0" dirty="0">
+                <a:latin typeface="Calibri (Body)"/>
+              </a:rPr>
+              <a:t>Fundamental Matrix und Essentielle Matrix</a:t>
+            </a:r>
+          </a:p>
+          <a:p>
+            <a:pPr marL="457200" lvl="1" indent="0">
+              <a:lnSpc>
+                <a:spcPct val="100000"/>
+              </a:lnSpc>
+            </a:pPr>
+            <a:endParaRPr lang="de-DE" sz="2400" u="none" kern="0" dirty="0">
+              <a:latin typeface="Calibri (Body)"/>
+            </a:endParaRPr>
+          </a:p>
+        </p:txBody>
+      </p:sp>
+      <p:pic>
+        <p:nvPicPr>
+          <p:cNvPr id="11" name="Picture 10">
+            <a:extLst>
+              <a:ext uri="{FF2B5EF4-FFF2-40B4-BE49-F238E27FC236}">
+                <a16:creationId xmlns:a16="http://schemas.microsoft.com/office/drawing/2014/main" id="{ECE6BAF7-E018-4C0D-819F-1F383417E19E}"/>
+              </a:ext>
+            </a:extLst>
+          </p:cNvPr>
+          <p:cNvPicPr>
+            <a:picLocks noChangeAspect="1"/>
+          </p:cNvPicPr>
+          <p:nvPr/>
+        </p:nvPicPr>
+        <p:blipFill>
+          <a:blip r:embed="rId3">
+            <a:extLst>
+              <a:ext uri="{28A0092B-C50C-407E-A947-70E740481C1C}">
+                <a14:useLocalDpi xmlns:a14="http://schemas.microsoft.com/office/drawing/2010/main" val="0"/>
+              </a:ext>
+            </a:extLst>
+          </a:blip>
+          <a:stretch>
+            <a:fillRect/>
+          </a:stretch>
+        </p:blipFill>
+        <p:spPr>
+          <a:xfrm>
+            <a:off x="675625" y="1803491"/>
+            <a:ext cx="7687748" cy="1848108"/>
+          </a:xfrm>
+          <a:prstGeom prst="rect">
+            <a:avLst/>
+          </a:prstGeom>
+        </p:spPr>
+      </p:pic>
+      <p:pic>
+        <p:nvPicPr>
+          <p:cNvPr id="12" name="Picture 11">
+            <a:extLst>
+              <a:ext uri="{FF2B5EF4-FFF2-40B4-BE49-F238E27FC236}">
+                <a16:creationId xmlns:a16="http://schemas.microsoft.com/office/drawing/2014/main" id="{4B89C6B8-D846-4B21-AAA2-6CDAC6D3D172}"/>
+              </a:ext>
+            </a:extLst>
+          </p:cNvPr>
+          <p:cNvPicPr>
+            <a:picLocks noChangeAspect="1"/>
+          </p:cNvPicPr>
+          <p:nvPr/>
+        </p:nvPicPr>
+        <p:blipFill rotWithShape="1">
+          <a:blip r:embed="rId4">
+            <a:extLst>
+              <a:ext uri="{28A0092B-C50C-407E-A947-70E740481C1C}">
+                <a14:useLocalDpi xmlns:a14="http://schemas.microsoft.com/office/drawing/2010/main" val="0"/>
+              </a:ext>
+            </a:extLst>
+          </a:blip>
+          <a:srcRect b="21049"/>
+          <a:stretch/>
+        </p:blipFill>
+        <p:spPr>
+          <a:xfrm>
+            <a:off x="1882039" y="3751611"/>
+            <a:ext cx="5274921" cy="1999337"/>
+          </a:xfrm>
+          <a:prstGeom prst="rect">
+            <a:avLst/>
+          </a:prstGeom>
+        </p:spPr>
+      </p:pic>
+    </p:spTree>
+    <p:extLst>
+      <p:ext uri="{BB962C8B-B14F-4D97-AF65-F5344CB8AC3E}">
+        <p14:creationId xmlns:p14="http://schemas.microsoft.com/office/powerpoint/2010/main" val="1465671791"/>
+      </p:ext>
+    </p:extLst>
+  </p:cSld>
+  <p:clrMapOvr>
+    <a:masterClrMapping/>
+  </p:clrMapOvr>
+</p:sld>
+</file>
+
+<file path=ppt/slides/slide18.xml><?xml version="1.0" encoding="utf-8"?>
+<p:sld xmlns:a="http://schemas.openxmlformats.org/drawingml/2006/main" xmlns:r="http://schemas.openxmlformats.org/officeDocument/2006/relationships" xmlns:p="http://schemas.openxmlformats.org/presentationml/2006/main">
+  <p:cSld>
+    <p:spTree>
+      <p:nvGrpSpPr>
+        <p:cNvPr id="1" name=""/>
+        <p:cNvGrpSpPr/>
+        <p:nvPr/>
+      </p:nvGrpSpPr>
+      <p:grpSpPr>
+        <a:xfrm>
+          <a:off x="0" y="0"/>
+          <a:ext cx="0" cy="0"/>
+          <a:chOff x="0" y="0"/>
+          <a:chExt cx="0" cy="0"/>
+        </a:xfrm>
+      </p:grpSpPr>
+      <p:sp>
+        <p:nvSpPr>
+          <p:cNvPr id="9" name="Title 8">
+            <a:extLst>
+              <a:ext uri="{FF2B5EF4-FFF2-40B4-BE49-F238E27FC236}">
+                <a16:creationId xmlns:a16="http://schemas.microsoft.com/office/drawing/2014/main" id="{C958DD35-CA26-4605-9283-1C48AD4D2871}"/>
+              </a:ext>
+            </a:extLst>
+          </p:cNvPr>
+          <p:cNvSpPr>
+            <a:spLocks noGrp="1"/>
+          </p:cNvSpPr>
+          <p:nvPr>
+            <p:ph type="title"/>
+          </p:nvPr>
+        </p:nvSpPr>
+        <p:spPr/>
+        <p:txBody>
+          <a:bodyPr/>
+          <a:lstStyle/>
+          <a:p>
+            <a:r>
+              <a:rPr lang="de-DE" dirty="0"/>
+              <a:t>BackUpSlides</a:t>
+            </a:r>
+          </a:p>
+        </p:txBody>
+      </p:sp>
+      <p:sp>
+        <p:nvSpPr>
+          <p:cNvPr id="15367" name="Foliennummernplatzhalter 3"/>
+          <p:cNvSpPr>
+            <a:spLocks noGrp="1"/>
+          </p:cNvSpPr>
+          <p:nvPr>
+            <p:ph type="sldNum" sz="quarter" idx="12"/>
+          </p:nvPr>
+        </p:nvSpPr>
+        <p:spPr/>
+        <p:txBody>
+          <a:bodyPr/>
+          <a:lstStyle/>
+          <a:p>
+            <a:fld id="{00A3E6BF-A18C-4ADA-B4DF-837CA5AC6C3B}" type="slidenum">
+              <a:rPr lang="de-DE" smtClean="0"/>
+              <a:pPr/>
+              <a:t>18</a:t>
+            </a:fld>
+            <a:endParaRPr lang="de-DE"/>
+          </a:p>
+        </p:txBody>
+      </p:sp>
+      <p:sp>
+        <p:nvSpPr>
+          <p:cNvPr id="7" name="Footer Placeholder 4">
+            <a:extLst>
+              <a:ext uri="{FF2B5EF4-FFF2-40B4-BE49-F238E27FC236}">
+                <a16:creationId xmlns:a16="http://schemas.microsoft.com/office/drawing/2014/main" id="{C4C146E8-EC73-46FC-8B03-58FA3D7A2538}"/>
+              </a:ext>
+            </a:extLst>
+          </p:cNvPr>
+          <p:cNvSpPr>
+            <a:spLocks noGrp="1"/>
+          </p:cNvSpPr>
+          <p:nvPr>
+            <p:ph type="ftr" sz="quarter" idx="11"/>
+          </p:nvPr>
+        </p:nvSpPr>
+        <p:spPr>
+          <a:xfrm>
+            <a:off x="539750" y="6365875"/>
+            <a:ext cx="2016125" cy="365125"/>
+          </a:xfrm>
+        </p:spPr>
+        <p:txBody>
+          <a:bodyPr/>
+          <a:lstStyle/>
+          <a:p>
+            <a:pPr>
+              <a:defRPr/>
+            </a:pPr>
+            <a:r>
+              <a:rPr lang="de-DE" dirty="0"/>
+              <a:t>Hochschule Furtwangen, </a:t>
+            </a:r>
+          </a:p>
+        </p:txBody>
+      </p:sp>
+      <p:sp>
+        <p:nvSpPr>
+          <p:cNvPr id="10" name="Date Placeholder 3">
+            <a:extLst>
+              <a:ext uri="{FF2B5EF4-FFF2-40B4-BE49-F238E27FC236}">
+                <a16:creationId xmlns:a16="http://schemas.microsoft.com/office/drawing/2014/main" id="{9B700400-1A71-4C80-BEBE-35AB1FB575DB}"/>
+              </a:ext>
+            </a:extLst>
+          </p:cNvPr>
+          <p:cNvSpPr>
+            <a:spLocks noGrp="1"/>
+          </p:cNvSpPr>
+          <p:nvPr>
+            <p:ph type="dt" sz="half" idx="10"/>
+          </p:nvPr>
+        </p:nvSpPr>
+        <p:spPr>
+          <a:xfrm>
+            <a:off x="7667625" y="6378575"/>
+            <a:ext cx="865188" cy="365125"/>
+          </a:xfrm>
+        </p:spPr>
+        <p:txBody>
+          <a:bodyPr/>
+          <a:lstStyle/>
+          <a:p>
+            <a:pPr>
+              <a:defRPr/>
+            </a:pPr>
+            <a:r>
+              <a:rPr lang="de-DE" dirty="0"/>
+              <a:t>04.07.18</a:t>
+            </a:r>
+          </a:p>
+        </p:txBody>
+      </p:sp>
+      <p:pic>
+        <p:nvPicPr>
+          <p:cNvPr id="13" name="Content Placeholder 7">
+            <a:extLst>
+              <a:ext uri="{FF2B5EF4-FFF2-40B4-BE49-F238E27FC236}">
+                <a16:creationId xmlns:a16="http://schemas.microsoft.com/office/drawing/2014/main" id="{39383731-182C-4A9B-B7D7-D715C35AFE87}"/>
+              </a:ext>
+            </a:extLst>
+          </p:cNvPr>
+          <p:cNvPicPr>
+            <a:picLocks noGrp="1" noChangeAspect="1"/>
+          </p:cNvPicPr>
+          <p:nvPr>
+            <p:ph idx="1"/>
+          </p:nvPr>
+        </p:nvPicPr>
+        <p:blipFill>
+          <a:blip r:embed="rId3">
+            <a:extLst>
+              <a:ext uri="{28A0092B-C50C-407E-A947-70E740481C1C}">
+                <a14:useLocalDpi xmlns:a14="http://schemas.microsoft.com/office/drawing/2010/main" val="0"/>
+              </a:ext>
+            </a:extLst>
+          </a:blip>
+          <a:stretch>
+            <a:fillRect/>
+          </a:stretch>
+        </p:blipFill>
+        <p:spPr>
+          <a:xfrm>
+            <a:off x="1893979" y="1124744"/>
+            <a:ext cx="5356042" cy="1287574"/>
+          </a:xfrm>
+        </p:spPr>
+      </p:pic>
+      <p:pic>
+        <p:nvPicPr>
+          <p:cNvPr id="14" name="Picture 13">
+            <a:extLst>
+              <a:ext uri="{FF2B5EF4-FFF2-40B4-BE49-F238E27FC236}">
+                <a16:creationId xmlns:a16="http://schemas.microsoft.com/office/drawing/2014/main" id="{24FDD988-FEC4-449D-82D4-FDC6325CEB84}"/>
+              </a:ext>
+            </a:extLst>
+          </p:cNvPr>
+          <p:cNvPicPr>
+            <a:picLocks noChangeAspect="1"/>
+          </p:cNvPicPr>
+          <p:nvPr/>
+        </p:nvPicPr>
+        <p:blipFill>
+          <a:blip r:embed="rId4">
+            <a:extLst>
+              <a:ext uri="{28A0092B-C50C-407E-A947-70E740481C1C}">
+                <a14:useLocalDpi xmlns:a14="http://schemas.microsoft.com/office/drawing/2010/main" val="0"/>
+              </a:ext>
+            </a:extLst>
+          </a:blip>
+          <a:stretch>
+            <a:fillRect/>
+          </a:stretch>
+        </p:blipFill>
+        <p:spPr>
+          <a:xfrm>
+            <a:off x="3275856" y="2467067"/>
+            <a:ext cx="2430056" cy="852889"/>
+          </a:xfrm>
+          <a:prstGeom prst="rect">
+            <a:avLst/>
+          </a:prstGeom>
+        </p:spPr>
+      </p:pic>
+      <p:pic>
+        <p:nvPicPr>
+          <p:cNvPr id="15" name="Picture 14">
+            <a:extLst>
+              <a:ext uri="{FF2B5EF4-FFF2-40B4-BE49-F238E27FC236}">
+                <a16:creationId xmlns:a16="http://schemas.microsoft.com/office/drawing/2014/main" id="{59A17358-ED22-4159-8B93-C58623973DF3}"/>
+              </a:ext>
+            </a:extLst>
+          </p:cNvPr>
+          <p:cNvPicPr>
+            <a:picLocks noChangeAspect="1"/>
+          </p:cNvPicPr>
+          <p:nvPr/>
+        </p:nvPicPr>
+        <p:blipFill>
+          <a:blip r:embed="rId5">
+            <a:extLst>
+              <a:ext uri="{28A0092B-C50C-407E-A947-70E740481C1C}">
+                <a14:useLocalDpi xmlns:a14="http://schemas.microsoft.com/office/drawing/2010/main" val="0"/>
+              </a:ext>
+            </a:extLst>
+          </a:blip>
+          <a:stretch>
+            <a:fillRect/>
+          </a:stretch>
+        </p:blipFill>
+        <p:spPr>
+          <a:xfrm>
+            <a:off x="2799821" y="3353363"/>
+            <a:ext cx="3382126" cy="659228"/>
+          </a:xfrm>
+          <a:prstGeom prst="rect">
+            <a:avLst/>
+          </a:prstGeom>
+        </p:spPr>
+      </p:pic>
+      <p:pic>
+        <p:nvPicPr>
+          <p:cNvPr id="16" name="Picture 15">
+            <a:extLst>
+              <a:ext uri="{FF2B5EF4-FFF2-40B4-BE49-F238E27FC236}">
+                <a16:creationId xmlns:a16="http://schemas.microsoft.com/office/drawing/2014/main" id="{AF66AFCB-1043-4D7B-97FA-1F7CCDA4135D}"/>
+              </a:ext>
+            </a:extLst>
+          </p:cNvPr>
+          <p:cNvPicPr>
+            <a:picLocks noChangeAspect="1"/>
+          </p:cNvPicPr>
+          <p:nvPr/>
+        </p:nvPicPr>
+        <p:blipFill>
+          <a:blip r:embed="rId6">
+            <a:extLst>
+              <a:ext uri="{28A0092B-C50C-407E-A947-70E740481C1C}">
+                <a14:useLocalDpi xmlns:a14="http://schemas.microsoft.com/office/drawing/2010/main" val="0"/>
+              </a:ext>
+            </a:extLst>
+          </a:blip>
+          <a:stretch>
+            <a:fillRect/>
+          </a:stretch>
+        </p:blipFill>
+        <p:spPr>
+          <a:xfrm>
+            <a:off x="1978814" y="4063970"/>
+            <a:ext cx="5024136" cy="876209"/>
+          </a:xfrm>
+          <a:prstGeom prst="rect">
+            <a:avLst/>
+          </a:prstGeom>
+        </p:spPr>
+      </p:pic>
+      <p:pic>
+        <p:nvPicPr>
+          <p:cNvPr id="17" name="Picture 16">
+            <a:extLst>
+              <a:ext uri="{FF2B5EF4-FFF2-40B4-BE49-F238E27FC236}">
+                <a16:creationId xmlns:a16="http://schemas.microsoft.com/office/drawing/2014/main" id="{F1D32D67-1833-4C92-B7EA-CCC217190518}"/>
+              </a:ext>
+            </a:extLst>
+          </p:cNvPr>
+          <p:cNvPicPr>
+            <a:picLocks noChangeAspect="1"/>
+          </p:cNvPicPr>
+          <p:nvPr/>
+        </p:nvPicPr>
+        <p:blipFill>
+          <a:blip r:embed="rId7">
+            <a:extLst>
+              <a:ext uri="{28A0092B-C50C-407E-A947-70E740481C1C}">
+                <a14:useLocalDpi xmlns:a14="http://schemas.microsoft.com/office/drawing/2010/main" val="0"/>
+              </a:ext>
+            </a:extLst>
+          </a:blip>
+          <a:stretch>
+            <a:fillRect/>
+          </a:stretch>
+        </p:blipFill>
+        <p:spPr>
+          <a:xfrm>
+            <a:off x="3114327" y="4989241"/>
+            <a:ext cx="2753109" cy="847843"/>
+          </a:xfrm>
+          <a:prstGeom prst="rect">
+            <a:avLst/>
+          </a:prstGeom>
+        </p:spPr>
+      </p:pic>
+    </p:spTree>
+    <p:extLst>
+      <p:ext uri="{BB962C8B-B14F-4D97-AF65-F5344CB8AC3E}">
+        <p14:creationId xmlns:p14="http://schemas.microsoft.com/office/powerpoint/2010/main" val="3394268361"/>
+      </p:ext>
+    </p:extLst>
+  </p:cSld>
+  <p:clrMapOvr>
+    <a:masterClrMapping/>
+  </p:clrMapOvr>
+</p:sld>
+</file>
+
+<file path=ppt/slides/slide19.xml><?xml version="1.0" encoding="utf-8"?>
+<p:sld xmlns:a="http://schemas.openxmlformats.org/drawingml/2006/main" xmlns:r="http://schemas.openxmlformats.org/officeDocument/2006/relationships" xmlns:p="http://schemas.openxmlformats.org/presentationml/2006/main">
+  <p:cSld>
+    <p:spTree>
+      <p:nvGrpSpPr>
+        <p:cNvPr id="1" name=""/>
+        <p:cNvGrpSpPr/>
+        <p:nvPr/>
+      </p:nvGrpSpPr>
+      <p:grpSpPr>
+        <a:xfrm>
+          <a:off x="0" y="0"/>
+          <a:ext cx="0" cy="0"/>
+          <a:chOff x="0" y="0"/>
+          <a:chExt cx="0" cy="0"/>
+        </a:xfrm>
+      </p:grpSpPr>
+      <p:sp>
+        <p:nvSpPr>
+          <p:cNvPr id="9" name="Title 8">
+            <a:extLst>
+              <a:ext uri="{FF2B5EF4-FFF2-40B4-BE49-F238E27FC236}">
+                <a16:creationId xmlns:a16="http://schemas.microsoft.com/office/drawing/2014/main" id="{C958DD35-CA26-4605-9283-1C48AD4D2871}"/>
+              </a:ext>
+            </a:extLst>
+          </p:cNvPr>
+          <p:cNvSpPr>
+            <a:spLocks noGrp="1"/>
+          </p:cNvSpPr>
+          <p:nvPr>
+            <p:ph type="title"/>
+          </p:nvPr>
+        </p:nvSpPr>
+        <p:spPr/>
+        <p:txBody>
+          <a:bodyPr/>
+          <a:lstStyle/>
+          <a:p>
+            <a:r>
+              <a:rPr lang="de-DE" dirty="0"/>
+              <a:t>BackUpSlides</a:t>
+            </a:r>
+          </a:p>
+        </p:txBody>
+      </p:sp>
+      <p:sp>
+        <p:nvSpPr>
+          <p:cNvPr id="15367" name="Foliennummernplatzhalter 3"/>
+          <p:cNvSpPr>
+            <a:spLocks noGrp="1"/>
+          </p:cNvSpPr>
+          <p:nvPr>
+            <p:ph type="sldNum" sz="quarter" idx="12"/>
+          </p:nvPr>
+        </p:nvSpPr>
+        <p:spPr/>
+        <p:txBody>
+          <a:bodyPr/>
+          <a:lstStyle/>
+          <a:p>
+            <a:fld id="{00A3E6BF-A18C-4ADA-B4DF-837CA5AC6C3B}" type="slidenum">
+              <a:rPr lang="de-DE" smtClean="0"/>
+              <a:pPr/>
+              <a:t>19</a:t>
+            </a:fld>
+            <a:endParaRPr lang="de-DE"/>
+          </a:p>
+        </p:txBody>
+      </p:sp>
+      <p:sp>
+        <p:nvSpPr>
+          <p:cNvPr id="7" name="Footer Placeholder 4">
+            <a:extLst>
+              <a:ext uri="{FF2B5EF4-FFF2-40B4-BE49-F238E27FC236}">
+                <a16:creationId xmlns:a16="http://schemas.microsoft.com/office/drawing/2014/main" id="{C4C146E8-EC73-46FC-8B03-58FA3D7A2538}"/>
+              </a:ext>
+            </a:extLst>
+          </p:cNvPr>
+          <p:cNvSpPr>
+            <a:spLocks noGrp="1"/>
+          </p:cNvSpPr>
+          <p:nvPr>
+            <p:ph type="ftr" sz="quarter" idx="11"/>
+          </p:nvPr>
+        </p:nvSpPr>
+        <p:spPr>
+          <a:xfrm>
+            <a:off x="539750" y="6365875"/>
+            <a:ext cx="2016125" cy="365125"/>
+          </a:xfrm>
+        </p:spPr>
+        <p:txBody>
+          <a:bodyPr/>
+          <a:lstStyle/>
+          <a:p>
+            <a:pPr>
+              <a:defRPr/>
+            </a:pPr>
+            <a:r>
+              <a:rPr lang="de-DE" dirty="0"/>
+              <a:t>Hochschule Furtwangen, </a:t>
+            </a:r>
+          </a:p>
+        </p:txBody>
+      </p:sp>
+      <p:sp>
+        <p:nvSpPr>
+          <p:cNvPr id="10" name="Date Placeholder 3">
+            <a:extLst>
+              <a:ext uri="{FF2B5EF4-FFF2-40B4-BE49-F238E27FC236}">
+                <a16:creationId xmlns:a16="http://schemas.microsoft.com/office/drawing/2014/main" id="{9B700400-1A71-4C80-BEBE-35AB1FB575DB}"/>
+              </a:ext>
+            </a:extLst>
+          </p:cNvPr>
+          <p:cNvSpPr>
+            <a:spLocks noGrp="1"/>
+          </p:cNvSpPr>
+          <p:nvPr>
+            <p:ph type="dt" sz="half" idx="10"/>
+          </p:nvPr>
+        </p:nvSpPr>
+        <p:spPr>
+          <a:xfrm>
+            <a:off x="7667625" y="6378575"/>
+            <a:ext cx="865188" cy="365125"/>
+          </a:xfrm>
+        </p:spPr>
+        <p:txBody>
+          <a:bodyPr/>
+          <a:lstStyle/>
+          <a:p>
+            <a:pPr>
+              <a:defRPr/>
+            </a:pPr>
+            <a:r>
+              <a:rPr lang="de-DE" dirty="0"/>
+              <a:t>04.07.18</a:t>
+            </a:r>
+          </a:p>
+        </p:txBody>
+      </p:sp>
+      <p:sp>
+        <p:nvSpPr>
+          <p:cNvPr id="2" name="TextBox 1">
+            <a:extLst>
+              <a:ext uri="{FF2B5EF4-FFF2-40B4-BE49-F238E27FC236}">
+                <a16:creationId xmlns:a16="http://schemas.microsoft.com/office/drawing/2014/main" id="{F6329C1B-3711-4DAD-A239-6C5455594232}"/>
+              </a:ext>
+            </a:extLst>
+          </p:cNvPr>
+          <p:cNvSpPr txBox="1"/>
+          <p:nvPr/>
+        </p:nvSpPr>
+        <p:spPr>
+          <a:xfrm>
+            <a:off x="1187624" y="1988840"/>
+            <a:ext cx="6624736" cy="344710"/>
+          </a:xfrm>
+          <a:prstGeom prst="rect">
+            <a:avLst/>
+          </a:prstGeom>
+          <a:noFill/>
+        </p:spPr>
+        <p:txBody>
+          <a:bodyPr wrap="square" rtlCol="0">
+            <a:spAutoFit/>
+          </a:bodyPr>
+          <a:lstStyle/>
+          <a:p>
+            <a:r>
+              <a:rPr lang="de-DE" sz="2000" u="none" dirty="0">
+                <a:solidFill>
+                  <a:schemeClr val="tx1"/>
+                </a:solidFill>
+                <a:latin typeface="Calibri" panose="020F0502020204030204" pitchFamily="34" charset="0"/>
+                <a:cs typeface="Calibri" panose="020F0502020204030204" pitchFamily="34" charset="0"/>
+              </a:rPr>
+              <a:t>Homographien</a:t>
+            </a:r>
+          </a:p>
+        </p:txBody>
+      </p:sp>
+    </p:spTree>
+    <p:extLst>
+      <p:ext uri="{BB962C8B-B14F-4D97-AF65-F5344CB8AC3E}">
+        <p14:creationId xmlns:p14="http://schemas.microsoft.com/office/powerpoint/2010/main" val="614113190"/>
+      </p:ext>
+    </p:extLst>
+  </p:cSld>
+  <p:clrMapOvr>
+    <a:masterClrMapping/>
+  </p:clrMapOvr>
+</p:sld>
+</file>
+
 <file path=ppt/slides/slide2.xml><?xml version="1.0" encoding="utf-8"?>
 <p:sld xmlns:a="http://schemas.openxmlformats.org/drawingml/2006/main" xmlns:r="http://schemas.openxmlformats.org/officeDocument/2006/relationships" xmlns:p="http://schemas.openxmlformats.org/presentationml/2006/main">
   <p:cSld>
@@ -12721,7 +13087,7 @@
               <a:pPr>
                 <a:defRPr/>
               </a:pPr>
-              <a:t>25.06.2018</a:t>
+              <a:t>26.06.2018</a:t>
             </a:fld>
             <a:endParaRPr lang="de-DE" dirty="0"/>
           </a:p>
@@ -13056,280 +13422,49 @@
       </p:sp>
       <p:sp>
         <p:nvSpPr>
-          <p:cNvPr id="8" name="Content Placeholder 2">
+          <p:cNvPr id="2" name="TextBox 1">
             <a:extLst>
               <a:ext uri="{FF2B5EF4-FFF2-40B4-BE49-F238E27FC236}">
-                <a16:creationId xmlns:a16="http://schemas.microsoft.com/office/drawing/2014/main" id="{074A7574-DF88-43AA-8461-57C2485230EC}"/>
+                <a16:creationId xmlns:a16="http://schemas.microsoft.com/office/drawing/2014/main" id="{F6329C1B-3711-4DAD-A239-6C5455594232}"/>
               </a:ext>
             </a:extLst>
           </p:cNvPr>
-          <p:cNvSpPr txBox="1">
-            <a:spLocks/>
-          </p:cNvSpPr>
+          <p:cNvSpPr txBox="1"/>
           <p:nvPr/>
         </p:nvSpPr>
-        <p:spPr bwMode="auto">
+        <p:spPr>
           <a:xfrm>
-            <a:off x="180976" y="1028700"/>
-            <a:ext cx="8351837" cy="4038600"/>
+            <a:off x="1187624" y="1988840"/>
+            <a:ext cx="6624736" cy="344710"/>
           </a:xfrm>
           <a:prstGeom prst="rect">
             <a:avLst/>
           </a:prstGeom>
           <a:noFill/>
-          <a:ln w="9525">
-            <a:noFill/>
-            <a:miter lim="800000"/>
-            <a:headEnd/>
-            <a:tailEnd/>
-          </a:ln>
-        </p:spPr>
-        <p:txBody>
-          <a:bodyPr vert="horz" wrap="square" lIns="0" tIns="0" rIns="0" bIns="0" numCol="1" anchor="t" anchorCtr="0" compatLnSpc="1">
-            <a:prstTxWarp prst="textNoShape">
-              <a:avLst/>
-            </a:prstTxWarp>
+        </p:spPr>
+        <p:txBody>
+          <a:bodyPr wrap="square" rtlCol="0">
+            <a:spAutoFit/>
           </a:bodyPr>
-          <a:lstStyle>
-            <a:lvl1pPr marL="342900" indent="-342900" algn="l" rtl="0" eaLnBrk="0" fontAlgn="base" hangingPunct="0">
-              <a:spcBef>
-                <a:spcPct val="20000"/>
-              </a:spcBef>
-              <a:spcAft>
-                <a:spcPct val="0"/>
-              </a:spcAft>
-              <a:defRPr sz="1600">
+          <a:lstStyle/>
+          <a:p>
+            <a:r>
+              <a:rPr lang="de-DE" sz="2000" u="none" dirty="0">
                 <a:solidFill>
                   <a:schemeClr val="tx1"/>
                 </a:solidFill>
-                <a:latin typeface="+mn-lt"/>
-                <a:ea typeface="+mn-ea"/>
-                <a:cs typeface="+mn-cs"/>
-              </a:defRPr>
-            </a:lvl1pPr>
-            <a:lvl2pPr marL="742950" indent="-285750" algn="l" rtl="0" eaLnBrk="0" fontAlgn="base" hangingPunct="0">
-              <a:spcBef>
-                <a:spcPct val="20000"/>
-              </a:spcBef>
-              <a:spcAft>
-                <a:spcPct val="0"/>
-              </a:spcAft>
-              <a:defRPr sz="2800">
-                <a:solidFill>
-                  <a:schemeClr val="tx1"/>
-                </a:solidFill>
-                <a:latin typeface="Arial" charset="0"/>
-                <a:ea typeface="+mn-ea"/>
-              </a:defRPr>
-            </a:lvl2pPr>
-            <a:lvl3pPr marL="1143000" indent="-228600" algn="l" rtl="0" eaLnBrk="0" fontAlgn="base" hangingPunct="0">
-              <a:spcBef>
-                <a:spcPct val="20000"/>
-              </a:spcBef>
-              <a:spcAft>
-                <a:spcPct val="0"/>
-              </a:spcAft>
-              <a:defRPr sz="2400">
-                <a:solidFill>
-                  <a:schemeClr val="tx1"/>
-                </a:solidFill>
-                <a:latin typeface="Arial" charset="0"/>
-                <a:ea typeface="+mn-ea"/>
-              </a:defRPr>
-            </a:lvl3pPr>
-            <a:lvl4pPr marL="1600200" indent="-228600" algn="l" rtl="0" eaLnBrk="0" fontAlgn="base" hangingPunct="0">
-              <a:spcBef>
-                <a:spcPct val="20000"/>
-              </a:spcBef>
-              <a:spcAft>
-                <a:spcPct val="0"/>
-              </a:spcAft>
-              <a:defRPr sz="2000">
-                <a:solidFill>
-                  <a:schemeClr val="tx1"/>
-                </a:solidFill>
-                <a:latin typeface="Arial" charset="0"/>
-                <a:ea typeface="+mn-ea"/>
-              </a:defRPr>
-            </a:lvl4pPr>
-            <a:lvl5pPr marL="2057400" indent="-228600" algn="l" rtl="0" eaLnBrk="0" fontAlgn="base" hangingPunct="0">
-              <a:spcBef>
-                <a:spcPct val="20000"/>
-              </a:spcBef>
-              <a:spcAft>
-                <a:spcPct val="0"/>
-              </a:spcAft>
-              <a:defRPr sz="2000">
-                <a:solidFill>
-                  <a:schemeClr val="tx1"/>
-                </a:solidFill>
-                <a:latin typeface="Arial" charset="0"/>
-                <a:ea typeface="+mn-ea"/>
-              </a:defRPr>
-            </a:lvl5pPr>
-            <a:lvl6pPr marL="2514600" indent="-228600" algn="l" rtl="0" fontAlgn="base">
-              <a:spcBef>
-                <a:spcPct val="20000"/>
-              </a:spcBef>
-              <a:spcAft>
-                <a:spcPct val="0"/>
-              </a:spcAft>
-              <a:defRPr sz="2000">
-                <a:solidFill>
-                  <a:schemeClr val="tx1"/>
-                </a:solidFill>
-                <a:latin typeface="Arial" charset="0"/>
-                <a:ea typeface="+mn-ea"/>
-              </a:defRPr>
-            </a:lvl6pPr>
-            <a:lvl7pPr marL="2971800" indent="-228600" algn="l" rtl="0" fontAlgn="base">
-              <a:spcBef>
-                <a:spcPct val="20000"/>
-              </a:spcBef>
-              <a:spcAft>
-                <a:spcPct val="0"/>
-              </a:spcAft>
-              <a:defRPr sz="2000">
-                <a:solidFill>
-                  <a:schemeClr val="tx1"/>
-                </a:solidFill>
-                <a:latin typeface="Arial" charset="0"/>
-                <a:ea typeface="+mn-ea"/>
-              </a:defRPr>
-            </a:lvl7pPr>
-            <a:lvl8pPr marL="3429000" indent="-228600" algn="l" rtl="0" fontAlgn="base">
-              <a:spcBef>
-                <a:spcPct val="20000"/>
-              </a:spcBef>
-              <a:spcAft>
-                <a:spcPct val="0"/>
-              </a:spcAft>
-              <a:defRPr sz="2000">
-                <a:solidFill>
-                  <a:schemeClr val="tx1"/>
-                </a:solidFill>
-                <a:latin typeface="Arial" charset="0"/>
-                <a:ea typeface="+mn-ea"/>
-              </a:defRPr>
-            </a:lvl8pPr>
-            <a:lvl9pPr marL="3886200" indent="-228600" algn="l" rtl="0" fontAlgn="base">
-              <a:spcBef>
-                <a:spcPct val="20000"/>
-              </a:spcBef>
-              <a:spcAft>
-                <a:spcPct val="0"/>
-              </a:spcAft>
-              <a:defRPr sz="2000">
-                <a:solidFill>
-                  <a:schemeClr val="tx1"/>
-                </a:solidFill>
-                <a:latin typeface="Arial" charset="0"/>
-                <a:ea typeface="+mn-ea"/>
-              </a:defRPr>
-            </a:lvl9pPr>
-          </a:lstStyle>
-          <a:p>
-            <a:pPr>
-              <a:lnSpc>
-                <a:spcPct val="100000"/>
-              </a:lnSpc>
-              <a:buFont typeface="Arial" panose="020B0604020202020204" pitchFamily="34" charset="0"/>
-              <a:buChar char="•"/>
-            </a:pPr>
-            <a:r>
-              <a:rPr lang="de-DE" sz="2400" u="none" kern="0" dirty="0">
-                <a:latin typeface="Calibri (Body)"/>
+                <a:latin typeface="Calibri" panose="020F0502020204030204" pitchFamily="34" charset="0"/>
+                <a:cs typeface="Calibri" panose="020F0502020204030204" pitchFamily="34" charset="0"/>
               </a:rPr>
-              <a:t>Fundamental Matrix und Essentielle Matrix</a:t>
-            </a:r>
-          </a:p>
-          <a:p>
-            <a:pPr marL="457200" lvl="1" indent="0">
-              <a:lnSpc>
-                <a:spcPct val="100000"/>
-              </a:lnSpc>
-            </a:pPr>
-            <a:endParaRPr lang="de-DE" sz="2400" u="none" kern="0" dirty="0">
-              <a:latin typeface="Calibri (Body)"/>
-            </a:endParaRPr>
-          </a:p>
-        </p:txBody>
-      </p:sp>
-      <p:pic>
-        <p:nvPicPr>
-          <p:cNvPr id="11" name="Picture 10">
-            <a:extLst>
-              <a:ext uri="{FF2B5EF4-FFF2-40B4-BE49-F238E27FC236}">
-                <a16:creationId xmlns:a16="http://schemas.microsoft.com/office/drawing/2014/main" id="{ECE6BAF7-E018-4C0D-819F-1F383417E19E}"/>
-              </a:ext>
-            </a:extLst>
-          </p:cNvPr>
-          <p:cNvPicPr>
-            <a:picLocks noChangeAspect="1"/>
-          </p:cNvPicPr>
-          <p:nvPr/>
-        </p:nvPicPr>
-        <p:blipFill>
-          <a:blip r:embed="rId3">
-            <a:extLst>
-              <a:ext uri="{28A0092B-C50C-407E-A947-70E740481C1C}">
-                <a14:useLocalDpi xmlns:a14="http://schemas.microsoft.com/office/drawing/2010/main" val="0"/>
-              </a:ext>
-            </a:extLst>
-          </a:blip>
-          <a:stretch>
-            <a:fillRect/>
-          </a:stretch>
-        </p:blipFill>
-        <p:spPr>
-          <a:xfrm>
-            <a:off x="675625" y="1803491"/>
-            <a:ext cx="7687748" cy="1848108"/>
-          </a:xfrm>
-          <a:prstGeom prst="rect">
-            <a:avLst/>
-          </a:prstGeom>
-        </p:spPr>
-      </p:pic>
-      <p:pic>
-        <p:nvPicPr>
-          <p:cNvPr id="12" name="Picture 11">
-            <a:extLst>
-              <a:ext uri="{FF2B5EF4-FFF2-40B4-BE49-F238E27FC236}">
-                <a16:creationId xmlns:a16="http://schemas.microsoft.com/office/drawing/2014/main" id="{4B89C6B8-D846-4B21-AAA2-6CDAC6D3D172}"/>
-              </a:ext>
-            </a:extLst>
-          </p:cNvPr>
-          <p:cNvPicPr>
-            <a:picLocks noChangeAspect="1"/>
-          </p:cNvPicPr>
-          <p:nvPr/>
-        </p:nvPicPr>
-        <p:blipFill rotWithShape="1">
-          <a:blip r:embed="rId4">
-            <a:extLst>
-              <a:ext uri="{28A0092B-C50C-407E-A947-70E740481C1C}">
-                <a14:useLocalDpi xmlns:a14="http://schemas.microsoft.com/office/drawing/2010/main" val="0"/>
-              </a:ext>
-            </a:extLst>
-          </a:blip>
-          <a:srcRect b="21049"/>
-          <a:stretch/>
-        </p:blipFill>
-        <p:spPr>
-          <a:xfrm>
-            <a:off x="1882039" y="3751611"/>
-            <a:ext cx="5274921" cy="1999337"/>
-          </a:xfrm>
-          <a:prstGeom prst="rect">
-            <a:avLst/>
-          </a:prstGeom>
-        </p:spPr>
-      </p:pic>
+              <a:t>Sampson-Approximation genaues Verfahren</a:t>
+            </a:r>
+          </a:p>
+        </p:txBody>
+      </p:sp>
     </p:spTree>
     <p:extLst>
       <p:ext uri="{BB962C8B-B14F-4D97-AF65-F5344CB8AC3E}">
-        <p14:creationId xmlns:p14="http://schemas.microsoft.com/office/powerpoint/2010/main" val="1465671791"/>
+        <p14:creationId xmlns:p14="http://schemas.microsoft.com/office/powerpoint/2010/main" val="88328310"/>
       </p:ext>
     </p:extLst>
   </p:cSld>
@@ -13480,189 +13615,51 @@
           </a:p>
         </p:txBody>
       </p:sp>
-      <p:pic>
-        <p:nvPicPr>
-          <p:cNvPr id="13" name="Content Placeholder 7">
+      <p:sp>
+        <p:nvSpPr>
+          <p:cNvPr id="2" name="TextBox 1">
             <a:extLst>
               <a:ext uri="{FF2B5EF4-FFF2-40B4-BE49-F238E27FC236}">
-                <a16:creationId xmlns:a16="http://schemas.microsoft.com/office/drawing/2014/main" id="{39383731-182C-4A9B-B7D7-D715C35AFE87}"/>
+                <a16:creationId xmlns:a16="http://schemas.microsoft.com/office/drawing/2014/main" id="{F6329C1B-3711-4DAD-A239-6C5455594232}"/>
               </a:ext>
             </a:extLst>
           </p:cNvPr>
-          <p:cNvPicPr>
-            <a:picLocks noGrp="1" noChangeAspect="1"/>
-          </p:cNvPicPr>
-          <p:nvPr>
-            <p:ph idx="1"/>
-          </p:nvPr>
-        </p:nvPicPr>
-        <p:blipFill>
-          <a:blip r:embed="rId3">
-            <a:extLst>
-              <a:ext uri="{28A0092B-C50C-407E-A947-70E740481C1C}">
-                <a14:useLocalDpi xmlns:a14="http://schemas.microsoft.com/office/drawing/2010/main" val="0"/>
-              </a:ext>
-            </a:extLst>
-          </a:blip>
-          <a:stretch>
-            <a:fillRect/>
-          </a:stretch>
-        </p:blipFill>
+          <p:cNvSpPr txBox="1"/>
+          <p:nvPr/>
+        </p:nvSpPr>
         <p:spPr>
           <a:xfrm>
-            <a:off x="1893979" y="1124744"/>
-            <a:ext cx="5356042" cy="1287574"/>
-          </a:xfrm>
-        </p:spPr>
-      </p:pic>
-      <p:pic>
-        <p:nvPicPr>
-          <p:cNvPr id="14" name="Picture 13">
-            <a:extLst>
-              <a:ext uri="{FF2B5EF4-FFF2-40B4-BE49-F238E27FC236}">
-                <a16:creationId xmlns:a16="http://schemas.microsoft.com/office/drawing/2014/main" id="{24FDD988-FEC4-449D-82D4-FDC6325CEB84}"/>
-              </a:ext>
-            </a:extLst>
-          </p:cNvPr>
-          <p:cNvPicPr>
-            <a:picLocks noChangeAspect="1"/>
-          </p:cNvPicPr>
-          <p:nvPr/>
-        </p:nvPicPr>
-        <p:blipFill>
-          <a:blip r:embed="rId4">
-            <a:extLst>
-              <a:ext uri="{28A0092B-C50C-407E-A947-70E740481C1C}">
-                <a14:useLocalDpi xmlns:a14="http://schemas.microsoft.com/office/drawing/2010/main" val="0"/>
-              </a:ext>
-            </a:extLst>
-          </a:blip>
-          <a:stretch>
-            <a:fillRect/>
-          </a:stretch>
-        </p:blipFill>
-        <p:spPr>
-          <a:xfrm>
-            <a:off x="3275856" y="2467067"/>
-            <a:ext cx="2430056" cy="852889"/>
+            <a:off x="1187624" y="1988840"/>
+            <a:ext cx="6624736" cy="590931"/>
           </a:xfrm>
           <a:prstGeom prst="rect">
             <a:avLst/>
           </a:prstGeom>
-        </p:spPr>
-      </p:pic>
-      <p:pic>
-        <p:nvPicPr>
-          <p:cNvPr id="15" name="Picture 14">
-            <a:extLst>
-              <a:ext uri="{FF2B5EF4-FFF2-40B4-BE49-F238E27FC236}">
-                <a16:creationId xmlns:a16="http://schemas.microsoft.com/office/drawing/2014/main" id="{59A17358-ED22-4159-8B93-C58623973DF3}"/>
-              </a:ext>
-            </a:extLst>
-          </p:cNvPr>
-          <p:cNvPicPr>
-            <a:picLocks noChangeAspect="1"/>
-          </p:cNvPicPr>
-          <p:nvPr/>
-        </p:nvPicPr>
-        <p:blipFill>
-          <a:blip r:embed="rId5">
-            <a:extLst>
-              <a:ext uri="{28A0092B-C50C-407E-A947-70E740481C1C}">
-                <a14:useLocalDpi xmlns:a14="http://schemas.microsoft.com/office/drawing/2010/main" val="0"/>
-              </a:ext>
-            </a:extLst>
-          </a:blip>
-          <a:stretch>
-            <a:fillRect/>
-          </a:stretch>
-        </p:blipFill>
-        <p:spPr>
-          <a:xfrm>
-            <a:off x="2799821" y="3353363"/>
-            <a:ext cx="3382126" cy="659228"/>
-          </a:xfrm>
-          <a:prstGeom prst="rect">
-            <a:avLst/>
-          </a:prstGeom>
-        </p:spPr>
-      </p:pic>
-      <p:pic>
-        <p:nvPicPr>
-          <p:cNvPr id="16" name="Picture 15">
-            <a:extLst>
-              <a:ext uri="{FF2B5EF4-FFF2-40B4-BE49-F238E27FC236}">
-                <a16:creationId xmlns:a16="http://schemas.microsoft.com/office/drawing/2014/main" id="{AF66AFCB-1043-4D7B-97FA-1F7CCDA4135D}"/>
-              </a:ext>
-            </a:extLst>
-          </p:cNvPr>
-          <p:cNvPicPr>
-            <a:picLocks noChangeAspect="1"/>
-          </p:cNvPicPr>
-          <p:nvPr/>
-        </p:nvPicPr>
-        <p:blipFill>
-          <a:blip r:embed="rId6">
-            <a:extLst>
-              <a:ext uri="{28A0092B-C50C-407E-A947-70E740481C1C}">
-                <a14:useLocalDpi xmlns:a14="http://schemas.microsoft.com/office/drawing/2010/main" val="0"/>
-              </a:ext>
-            </a:extLst>
-          </a:blip>
-          <a:stretch>
-            <a:fillRect/>
-          </a:stretch>
-        </p:blipFill>
-        <p:spPr>
-          <a:xfrm>
-            <a:off x="1978814" y="4063970"/>
-            <a:ext cx="5024136" cy="876209"/>
-          </a:xfrm>
-          <a:prstGeom prst="rect">
-            <a:avLst/>
-          </a:prstGeom>
-        </p:spPr>
-      </p:pic>
-      <p:pic>
-        <p:nvPicPr>
-          <p:cNvPr id="17" name="Picture 16">
-            <a:extLst>
-              <a:ext uri="{FF2B5EF4-FFF2-40B4-BE49-F238E27FC236}">
-                <a16:creationId xmlns:a16="http://schemas.microsoft.com/office/drawing/2014/main" id="{F1D32D67-1833-4C92-B7EA-CCC217190518}"/>
-              </a:ext>
-            </a:extLst>
-          </p:cNvPr>
-          <p:cNvPicPr>
-            <a:picLocks noChangeAspect="1"/>
-          </p:cNvPicPr>
-          <p:nvPr/>
-        </p:nvPicPr>
-        <p:blipFill>
-          <a:blip r:embed="rId7">
-            <a:extLst>
-              <a:ext uri="{28A0092B-C50C-407E-A947-70E740481C1C}">
-                <a14:useLocalDpi xmlns:a14="http://schemas.microsoft.com/office/drawing/2010/main" val="0"/>
-              </a:ext>
-            </a:extLst>
-          </a:blip>
-          <a:stretch>
-            <a:fillRect/>
-          </a:stretch>
-        </p:blipFill>
-        <p:spPr>
-          <a:xfrm>
-            <a:off x="3114327" y="4989241"/>
-            <a:ext cx="2753109" cy="847843"/>
-          </a:xfrm>
-          <a:prstGeom prst="rect">
-            <a:avLst/>
-          </a:prstGeom>
-        </p:spPr>
-      </p:pic>
+          <a:noFill/>
+        </p:spPr>
+        <p:txBody>
+          <a:bodyPr wrap="square" rtlCol="0">
+            <a:spAutoFit/>
+          </a:bodyPr>
+          <a:lstStyle/>
+          <a:p>
+            <a:r>
+              <a:rPr lang="de-DE" sz="2000" u="none" dirty="0">
+                <a:solidFill>
+                  <a:schemeClr val="tx1"/>
+                </a:solidFill>
+                <a:latin typeface="Calibri" panose="020F0502020204030204" pitchFamily="34" charset="0"/>
+                <a:cs typeface="Calibri" panose="020F0502020204030204" pitchFamily="34" charset="0"/>
+              </a:rPr>
+              <a:t>Vergleich der Computergrafik pipeline und der Computer Vision Pipeline</a:t>
+            </a:r>
+          </a:p>
+        </p:txBody>
+      </p:sp>
     </p:spTree>
     <p:extLst>
       <p:ext uri="{BB962C8B-B14F-4D97-AF65-F5344CB8AC3E}">
-        <p14:creationId xmlns:p14="http://schemas.microsoft.com/office/powerpoint/2010/main" val="3394268361"/>
+        <p14:creationId xmlns:p14="http://schemas.microsoft.com/office/powerpoint/2010/main" val="351409125"/>
       </p:ext>
     </p:extLst>
   </p:cSld>
@@ -13842,22 +13839,29 @@
           <a:lstStyle/>
           <a:p>
             <a:r>
-              <a:rPr lang="de-DE" sz="2000" u="none" dirty="0">
+              <a:rPr lang="de-DE" sz="2000" u="none">
                 <a:solidFill>
                   <a:schemeClr val="tx1"/>
                 </a:solidFill>
                 <a:latin typeface="Calibri" panose="020F0502020204030204" pitchFamily="34" charset="0"/>
                 <a:cs typeface="Calibri" panose="020F0502020204030204" pitchFamily="34" charset="0"/>
               </a:rPr>
-              <a:t>Homographien</a:t>
-            </a:r>
+              <a:t>Eight Point Algorithm</a:t>
+            </a:r>
+            <a:endParaRPr lang="de-DE" sz="2000" u="none" dirty="0">
+              <a:solidFill>
+                <a:schemeClr val="tx1"/>
+              </a:solidFill>
+              <a:latin typeface="Calibri" panose="020F0502020204030204" pitchFamily="34" charset="0"/>
+              <a:cs typeface="Calibri" panose="020F0502020204030204" pitchFamily="34" charset="0"/>
+            </a:endParaRPr>
           </a:p>
         </p:txBody>
       </p:sp>
     </p:spTree>
     <p:extLst>
       <p:ext uri="{BB962C8B-B14F-4D97-AF65-F5344CB8AC3E}">
-        <p14:creationId xmlns:p14="http://schemas.microsoft.com/office/powerpoint/2010/main" val="614113190"/>
+        <p14:creationId xmlns:p14="http://schemas.microsoft.com/office/powerpoint/2010/main" val="3825160840"/>
       </p:ext>
     </p:extLst>
   </p:cSld>
@@ -14044,7 +14048,7 @@
                 <a:latin typeface="Calibri" panose="020F0502020204030204" pitchFamily="34" charset="0"/>
                 <a:cs typeface="Calibri" panose="020F0502020204030204" pitchFamily="34" charset="0"/>
               </a:rPr>
-              <a:t>Sampson-Approximation genaues Verfahren</a:t>
+              <a:t>Punktesortierungsalgorithmus</a:t>
             </a:r>
           </a:p>
         </p:txBody>
@@ -14052,404 +14056,7 @@
     </p:spTree>
     <p:extLst>
       <p:ext uri="{BB962C8B-B14F-4D97-AF65-F5344CB8AC3E}">
-        <p14:creationId xmlns:p14="http://schemas.microsoft.com/office/powerpoint/2010/main" val="88328310"/>
-      </p:ext>
-    </p:extLst>
-  </p:cSld>
-  <p:clrMapOvr>
-    <a:masterClrMapping/>
-  </p:clrMapOvr>
-</p:sld>
-</file>
-
-<file path=ppt/slides/slide24.xml><?xml version="1.0" encoding="utf-8"?>
-<p:sld xmlns:a="http://schemas.openxmlformats.org/drawingml/2006/main" xmlns:r="http://schemas.openxmlformats.org/officeDocument/2006/relationships" xmlns:p="http://schemas.openxmlformats.org/presentationml/2006/main">
-  <p:cSld>
-    <p:spTree>
-      <p:nvGrpSpPr>
-        <p:cNvPr id="1" name=""/>
-        <p:cNvGrpSpPr/>
-        <p:nvPr/>
-      </p:nvGrpSpPr>
-      <p:grpSpPr>
-        <a:xfrm>
-          <a:off x="0" y="0"/>
-          <a:ext cx="0" cy="0"/>
-          <a:chOff x="0" y="0"/>
-          <a:chExt cx="0" cy="0"/>
-        </a:xfrm>
-      </p:grpSpPr>
-      <p:sp>
-        <p:nvSpPr>
-          <p:cNvPr id="9" name="Title 8">
-            <a:extLst>
-              <a:ext uri="{FF2B5EF4-FFF2-40B4-BE49-F238E27FC236}">
-                <a16:creationId xmlns:a16="http://schemas.microsoft.com/office/drawing/2014/main" id="{C958DD35-CA26-4605-9283-1C48AD4D2871}"/>
-              </a:ext>
-            </a:extLst>
-          </p:cNvPr>
-          <p:cNvSpPr>
-            <a:spLocks noGrp="1"/>
-          </p:cNvSpPr>
-          <p:nvPr>
-            <p:ph type="title"/>
-          </p:nvPr>
-        </p:nvSpPr>
-        <p:spPr/>
-        <p:txBody>
-          <a:bodyPr/>
-          <a:lstStyle/>
-          <a:p>
-            <a:r>
-              <a:rPr lang="de-DE" dirty="0"/>
-              <a:t>BackUpSlides</a:t>
-            </a:r>
-          </a:p>
-        </p:txBody>
-      </p:sp>
-      <p:sp>
-        <p:nvSpPr>
-          <p:cNvPr id="15367" name="Foliennummernplatzhalter 3"/>
-          <p:cNvSpPr>
-            <a:spLocks noGrp="1"/>
-          </p:cNvSpPr>
-          <p:nvPr>
-            <p:ph type="sldNum" sz="quarter" idx="12"/>
-          </p:nvPr>
-        </p:nvSpPr>
-        <p:spPr/>
-        <p:txBody>
-          <a:bodyPr/>
-          <a:lstStyle/>
-          <a:p>
-            <a:fld id="{00A3E6BF-A18C-4ADA-B4DF-837CA5AC6C3B}" type="slidenum">
-              <a:rPr lang="de-DE" smtClean="0"/>
-              <a:pPr/>
-              <a:t>24</a:t>
-            </a:fld>
-            <a:endParaRPr lang="de-DE"/>
-          </a:p>
-        </p:txBody>
-      </p:sp>
-      <p:sp>
-        <p:nvSpPr>
-          <p:cNvPr id="7" name="Footer Placeholder 4">
-            <a:extLst>
-              <a:ext uri="{FF2B5EF4-FFF2-40B4-BE49-F238E27FC236}">
-                <a16:creationId xmlns:a16="http://schemas.microsoft.com/office/drawing/2014/main" id="{C4C146E8-EC73-46FC-8B03-58FA3D7A2538}"/>
-              </a:ext>
-            </a:extLst>
-          </p:cNvPr>
-          <p:cNvSpPr>
-            <a:spLocks noGrp="1"/>
-          </p:cNvSpPr>
-          <p:nvPr>
-            <p:ph type="ftr" sz="quarter" idx="11"/>
-          </p:nvPr>
-        </p:nvSpPr>
-        <p:spPr>
-          <a:xfrm>
-            <a:off x="539750" y="6365875"/>
-            <a:ext cx="2016125" cy="365125"/>
-          </a:xfrm>
-        </p:spPr>
-        <p:txBody>
-          <a:bodyPr/>
-          <a:lstStyle/>
-          <a:p>
-            <a:pPr>
-              <a:defRPr/>
-            </a:pPr>
-            <a:r>
-              <a:rPr lang="de-DE" dirty="0"/>
-              <a:t>Hochschule Furtwangen, </a:t>
-            </a:r>
-          </a:p>
-        </p:txBody>
-      </p:sp>
-      <p:sp>
-        <p:nvSpPr>
-          <p:cNvPr id="10" name="Date Placeholder 3">
-            <a:extLst>
-              <a:ext uri="{FF2B5EF4-FFF2-40B4-BE49-F238E27FC236}">
-                <a16:creationId xmlns:a16="http://schemas.microsoft.com/office/drawing/2014/main" id="{9B700400-1A71-4C80-BEBE-35AB1FB575DB}"/>
-              </a:ext>
-            </a:extLst>
-          </p:cNvPr>
-          <p:cNvSpPr>
-            <a:spLocks noGrp="1"/>
-          </p:cNvSpPr>
-          <p:nvPr>
-            <p:ph type="dt" sz="half" idx="10"/>
-          </p:nvPr>
-        </p:nvSpPr>
-        <p:spPr>
-          <a:xfrm>
-            <a:off x="7667625" y="6378575"/>
-            <a:ext cx="865188" cy="365125"/>
-          </a:xfrm>
-        </p:spPr>
-        <p:txBody>
-          <a:bodyPr/>
-          <a:lstStyle/>
-          <a:p>
-            <a:pPr>
-              <a:defRPr/>
-            </a:pPr>
-            <a:r>
-              <a:rPr lang="de-DE" dirty="0"/>
-              <a:t>04.07.18</a:t>
-            </a:r>
-          </a:p>
-        </p:txBody>
-      </p:sp>
-      <p:sp>
-        <p:nvSpPr>
-          <p:cNvPr id="2" name="TextBox 1">
-            <a:extLst>
-              <a:ext uri="{FF2B5EF4-FFF2-40B4-BE49-F238E27FC236}">
-                <a16:creationId xmlns:a16="http://schemas.microsoft.com/office/drawing/2014/main" id="{F6329C1B-3711-4DAD-A239-6C5455594232}"/>
-              </a:ext>
-            </a:extLst>
-          </p:cNvPr>
-          <p:cNvSpPr txBox="1"/>
-          <p:nvPr/>
-        </p:nvSpPr>
-        <p:spPr>
-          <a:xfrm>
-            <a:off x="1187624" y="1988840"/>
-            <a:ext cx="6624736" cy="590931"/>
-          </a:xfrm>
-          <a:prstGeom prst="rect">
-            <a:avLst/>
-          </a:prstGeom>
-          <a:noFill/>
-        </p:spPr>
-        <p:txBody>
-          <a:bodyPr wrap="square" rtlCol="0">
-            <a:spAutoFit/>
-          </a:bodyPr>
-          <a:lstStyle/>
-          <a:p>
-            <a:r>
-              <a:rPr lang="de-DE" sz="2000" u="none" dirty="0">
-                <a:solidFill>
-                  <a:schemeClr val="tx1"/>
-                </a:solidFill>
-                <a:latin typeface="Calibri" panose="020F0502020204030204" pitchFamily="34" charset="0"/>
-                <a:cs typeface="Calibri" panose="020F0502020204030204" pitchFamily="34" charset="0"/>
-              </a:rPr>
-              <a:t>Vergleich der Computergrafik pipeline und der Computer Vision Pipeline</a:t>
-            </a:r>
-          </a:p>
-        </p:txBody>
-      </p:sp>
-    </p:spTree>
-    <p:extLst>
-      <p:ext uri="{BB962C8B-B14F-4D97-AF65-F5344CB8AC3E}">
-        <p14:creationId xmlns:p14="http://schemas.microsoft.com/office/powerpoint/2010/main" val="351409125"/>
-      </p:ext>
-    </p:extLst>
-  </p:cSld>
-  <p:clrMapOvr>
-    <a:masterClrMapping/>
-  </p:clrMapOvr>
-</p:sld>
-</file>
-
-<file path=ppt/slides/slide25.xml><?xml version="1.0" encoding="utf-8"?>
-<p:sld xmlns:a="http://schemas.openxmlformats.org/drawingml/2006/main" xmlns:r="http://schemas.openxmlformats.org/officeDocument/2006/relationships" xmlns:p="http://schemas.openxmlformats.org/presentationml/2006/main">
-  <p:cSld>
-    <p:spTree>
-      <p:nvGrpSpPr>
-        <p:cNvPr id="1" name=""/>
-        <p:cNvGrpSpPr/>
-        <p:nvPr/>
-      </p:nvGrpSpPr>
-      <p:grpSpPr>
-        <a:xfrm>
-          <a:off x="0" y="0"/>
-          <a:ext cx="0" cy="0"/>
-          <a:chOff x="0" y="0"/>
-          <a:chExt cx="0" cy="0"/>
-        </a:xfrm>
-      </p:grpSpPr>
-      <p:sp>
-        <p:nvSpPr>
-          <p:cNvPr id="9" name="Title 8">
-            <a:extLst>
-              <a:ext uri="{FF2B5EF4-FFF2-40B4-BE49-F238E27FC236}">
-                <a16:creationId xmlns:a16="http://schemas.microsoft.com/office/drawing/2014/main" id="{C958DD35-CA26-4605-9283-1C48AD4D2871}"/>
-              </a:ext>
-            </a:extLst>
-          </p:cNvPr>
-          <p:cNvSpPr>
-            <a:spLocks noGrp="1"/>
-          </p:cNvSpPr>
-          <p:nvPr>
-            <p:ph type="title"/>
-          </p:nvPr>
-        </p:nvSpPr>
-        <p:spPr/>
-        <p:txBody>
-          <a:bodyPr/>
-          <a:lstStyle/>
-          <a:p>
-            <a:r>
-              <a:rPr lang="de-DE" dirty="0"/>
-              <a:t>BackUpSlides</a:t>
-            </a:r>
-          </a:p>
-        </p:txBody>
-      </p:sp>
-      <p:sp>
-        <p:nvSpPr>
-          <p:cNvPr id="15367" name="Foliennummernplatzhalter 3"/>
-          <p:cNvSpPr>
-            <a:spLocks noGrp="1"/>
-          </p:cNvSpPr>
-          <p:nvPr>
-            <p:ph type="sldNum" sz="quarter" idx="12"/>
-          </p:nvPr>
-        </p:nvSpPr>
-        <p:spPr/>
-        <p:txBody>
-          <a:bodyPr/>
-          <a:lstStyle/>
-          <a:p>
-            <a:fld id="{00A3E6BF-A18C-4ADA-B4DF-837CA5AC6C3B}" type="slidenum">
-              <a:rPr lang="de-DE" smtClean="0"/>
-              <a:pPr/>
-              <a:t>25</a:t>
-            </a:fld>
-            <a:endParaRPr lang="de-DE"/>
-          </a:p>
-        </p:txBody>
-      </p:sp>
-      <p:sp>
-        <p:nvSpPr>
-          <p:cNvPr id="7" name="Footer Placeholder 4">
-            <a:extLst>
-              <a:ext uri="{FF2B5EF4-FFF2-40B4-BE49-F238E27FC236}">
-                <a16:creationId xmlns:a16="http://schemas.microsoft.com/office/drawing/2014/main" id="{C4C146E8-EC73-46FC-8B03-58FA3D7A2538}"/>
-              </a:ext>
-            </a:extLst>
-          </p:cNvPr>
-          <p:cNvSpPr>
-            <a:spLocks noGrp="1"/>
-          </p:cNvSpPr>
-          <p:nvPr>
-            <p:ph type="ftr" sz="quarter" idx="11"/>
-          </p:nvPr>
-        </p:nvSpPr>
-        <p:spPr>
-          <a:xfrm>
-            <a:off x="539750" y="6365875"/>
-            <a:ext cx="2016125" cy="365125"/>
-          </a:xfrm>
-        </p:spPr>
-        <p:txBody>
-          <a:bodyPr/>
-          <a:lstStyle/>
-          <a:p>
-            <a:pPr>
-              <a:defRPr/>
-            </a:pPr>
-            <a:r>
-              <a:rPr lang="de-DE" dirty="0"/>
-              <a:t>Hochschule Furtwangen, </a:t>
-            </a:r>
-          </a:p>
-        </p:txBody>
-      </p:sp>
-      <p:sp>
-        <p:nvSpPr>
-          <p:cNvPr id="10" name="Date Placeholder 3">
-            <a:extLst>
-              <a:ext uri="{FF2B5EF4-FFF2-40B4-BE49-F238E27FC236}">
-                <a16:creationId xmlns:a16="http://schemas.microsoft.com/office/drawing/2014/main" id="{9B700400-1A71-4C80-BEBE-35AB1FB575DB}"/>
-              </a:ext>
-            </a:extLst>
-          </p:cNvPr>
-          <p:cNvSpPr>
-            <a:spLocks noGrp="1"/>
-          </p:cNvSpPr>
-          <p:nvPr>
-            <p:ph type="dt" sz="half" idx="10"/>
-          </p:nvPr>
-        </p:nvSpPr>
-        <p:spPr>
-          <a:xfrm>
-            <a:off x="7667625" y="6378575"/>
-            <a:ext cx="865188" cy="365125"/>
-          </a:xfrm>
-        </p:spPr>
-        <p:txBody>
-          <a:bodyPr/>
-          <a:lstStyle/>
-          <a:p>
-            <a:pPr>
-              <a:defRPr/>
-            </a:pPr>
-            <a:r>
-              <a:rPr lang="de-DE" dirty="0"/>
-              <a:t>04.07.18</a:t>
-            </a:r>
-          </a:p>
-        </p:txBody>
-      </p:sp>
-      <p:sp>
-        <p:nvSpPr>
-          <p:cNvPr id="2" name="TextBox 1">
-            <a:extLst>
-              <a:ext uri="{FF2B5EF4-FFF2-40B4-BE49-F238E27FC236}">
-                <a16:creationId xmlns:a16="http://schemas.microsoft.com/office/drawing/2014/main" id="{F6329C1B-3711-4DAD-A239-6C5455594232}"/>
-              </a:ext>
-            </a:extLst>
-          </p:cNvPr>
-          <p:cNvSpPr txBox="1"/>
-          <p:nvPr/>
-        </p:nvSpPr>
-        <p:spPr>
-          <a:xfrm>
-            <a:off x="1187624" y="1988840"/>
-            <a:ext cx="6624736" cy="344710"/>
-          </a:xfrm>
-          <a:prstGeom prst="rect">
-            <a:avLst/>
-          </a:prstGeom>
-          <a:noFill/>
-        </p:spPr>
-        <p:txBody>
-          <a:bodyPr wrap="square" rtlCol="0">
-            <a:spAutoFit/>
-          </a:bodyPr>
-          <a:lstStyle/>
-          <a:p>
-            <a:r>
-              <a:rPr lang="de-DE" sz="2000" u="none">
-                <a:solidFill>
-                  <a:schemeClr val="tx1"/>
-                </a:solidFill>
-                <a:latin typeface="Calibri" panose="020F0502020204030204" pitchFamily="34" charset="0"/>
-                <a:cs typeface="Calibri" panose="020F0502020204030204" pitchFamily="34" charset="0"/>
-              </a:rPr>
-              <a:t>Eight Point Algorithm</a:t>
-            </a:r>
-            <a:endParaRPr lang="de-DE" sz="2000" u="none" dirty="0">
-              <a:solidFill>
-                <a:schemeClr val="tx1"/>
-              </a:solidFill>
-              <a:latin typeface="Calibri" panose="020F0502020204030204" pitchFamily="34" charset="0"/>
-              <a:cs typeface="Calibri" panose="020F0502020204030204" pitchFamily="34" charset="0"/>
-            </a:endParaRPr>
-          </a:p>
-        </p:txBody>
-      </p:sp>
-    </p:spTree>
-    <p:extLst>
-      <p:ext uri="{BB962C8B-B14F-4D97-AF65-F5344CB8AC3E}">
-        <p14:creationId xmlns:p14="http://schemas.microsoft.com/office/powerpoint/2010/main" val="3825160840"/>
+        <p14:creationId xmlns:p14="http://schemas.microsoft.com/office/powerpoint/2010/main" val="2104457296"/>
       </p:ext>
     </p:extLst>
   </p:cSld>
@@ -15088,7 +14695,7 @@
                 <a:ea typeface="ＭＳ Ｐゴシック" pitchFamily="-112" charset="-128"/>
                 <a:cs typeface="Calibri" panose="020F0502020204030204" pitchFamily="34" charset="0"/>
               </a:rPr>
-              <a:t>Verwendetes Kameramodell</a:t>
+              <a:t>Verwendetes Kameramodell.</a:t>
             </a:r>
           </a:p>
           <a:p>
@@ -15117,7 +14724,7 @@
                 <a:ea typeface="ＭＳ Ｐゴシック" pitchFamily="-112" charset="-128"/>
                 <a:cs typeface="Calibri" panose="020F0502020204030204" pitchFamily="34" charset="0"/>
               </a:rPr>
-              <a:t>Funktion der Fundamental Matrix und der essentiellen Matrix</a:t>
+              <a:t>Funktion der Fundamental Matrix und der essentiellen Matrix.</a:t>
             </a:r>
           </a:p>
           <a:p>
@@ -15288,7 +14895,7 @@
                 <a:ea typeface="ＭＳ Ｐゴシック" pitchFamily="-112" charset="-128"/>
                 <a:cs typeface="Calibri" panose="020F0502020204030204" pitchFamily="34" charset="0"/>
               </a:rPr>
-              <a:t>Funktion und Aufbau des entsandenen Algorithmus</a:t>
+              <a:t>Arbeitsprozess des Algorithmus.</a:t>
             </a:r>
           </a:p>
         </p:txBody>
@@ -15437,7 +15044,7 @@
                 <a:ea typeface="ＭＳ Ｐゴシック" pitchFamily="-112" charset="-128"/>
                 <a:cs typeface="Calibri" panose="020F0502020204030204" pitchFamily="34" charset="0"/>
               </a:rPr>
-              <a:t>Anwenden des entstandenen Algorithmus auf ein reales Stereobildpaar</a:t>
+              <a:t>Anwenden des Algorithmus auf ein reales Stereobildpaar.</a:t>
             </a:r>
             <a:endParaRPr kumimoji="0" lang="de-DE" sz="1800" b="0" i="0" u="none" strike="noStrike" cap="none" normalizeH="0" baseline="0" dirty="0">
               <a:ln>
@@ -15598,7 +15205,7 @@
                 <a:ea typeface="ＭＳ Ｐゴシック" pitchFamily="-112" charset="-128"/>
                 <a:cs typeface="Calibri" panose="020F0502020204030204" pitchFamily="34" charset="0"/>
               </a:rPr>
-              <a:t>Analyse der Szenenrekonstruktion durch Rektifizierung der Bilder</a:t>
+              <a:t>Analyse der Szenenrekonstruktion mit rektifizierten Bildern.</a:t>
             </a:r>
             <a:endParaRPr kumimoji="0" lang="de-DE" sz="1800" b="0" i="0" u="none" strike="noStrike" cap="none" normalizeH="0" baseline="0" dirty="0">
               <a:ln>
@@ -15759,7 +15366,7 @@
                 <a:ea typeface="ＭＳ Ｐゴシック" pitchFamily="-112" charset="-128"/>
                 <a:cs typeface="Calibri" panose="020F0502020204030204" pitchFamily="34" charset="0"/>
               </a:rPr>
-              <a:t>Rekonstruktionsergebnisse bei unterschiedlichen Auflösungen </a:t>
+              <a:t>Rekonstruktionsergebnisse bei unterschiedlichen Auflösungen. </a:t>
             </a:r>
             <a:endParaRPr kumimoji="0" lang="de-DE" sz="1800" b="0" i="0" u="none" strike="noStrike" cap="none" normalizeH="0" baseline="0" dirty="0">
               <a:ln>
@@ -17354,12 +16961,26 @@
         </p:blipFill>
         <p:spPr>
           <a:xfrm>
-            <a:off x="3196656" y="3096214"/>
+            <a:off x="3133531" y="3537476"/>
             <a:ext cx="2753109" cy="847843"/>
           </a:xfrm>
           <a:prstGeom prst="rect">
             <a:avLst/>
           </a:prstGeom>
+          <a:ln w="38100" cap="sq">
+            <a:solidFill>
+              <a:srgbClr val="FF0000"/>
+            </a:solidFill>
+            <a:prstDash val="solid"/>
+            <a:miter lim="800000"/>
+          </a:ln>
+          <a:effectLst>
+            <a:outerShdw blurRad="50800" dist="38100" dir="2700000" algn="tl" rotWithShape="0">
+              <a:srgbClr val="000000">
+                <a:alpha val="43000"/>
+              </a:srgbClr>
+            </a:outerShdw>
+          </a:effectLst>
         </p:spPr>
       </p:pic>
       <p:pic>
@@ -17389,12 +17010,26 @@
         </p:blipFill>
         <p:spPr>
           <a:xfrm>
-            <a:off x="3826011" y="1654297"/>
+            <a:off x="3826008" y="1273191"/>
             <a:ext cx="1368153" cy="1038370"/>
           </a:xfrm>
           <a:prstGeom prst="rect">
             <a:avLst/>
           </a:prstGeom>
+          <a:ln w="38100" cap="sq">
+            <a:solidFill>
+              <a:srgbClr val="FF0000"/>
+            </a:solidFill>
+            <a:prstDash val="solid"/>
+            <a:miter lim="800000"/>
+          </a:ln>
+          <a:effectLst>
+            <a:outerShdw blurRad="50800" dist="38100" dir="2700000" algn="tl" rotWithShape="0">
+              <a:srgbClr val="000000">
+                <a:alpha val="43000"/>
+              </a:srgbClr>
+            </a:outerShdw>
+          </a:effectLst>
         </p:spPr>
       </p:pic>
       <p:sp>
@@ -17656,6 +17291,42 @@
           <a:xfrm>
             <a:off x="5256074" y="4509120"/>
             <a:ext cx="1387382" cy="938830"/>
+          </a:xfrm>
+          <a:prstGeom prst="rect">
+            <a:avLst/>
+          </a:prstGeom>
+        </p:spPr>
+      </p:pic>
+      <p:pic>
+        <p:nvPicPr>
+          <p:cNvPr id="15" name="Picture 14">
+            <a:extLst>
+              <a:ext uri="{FF2B5EF4-FFF2-40B4-BE49-F238E27FC236}">
+                <a16:creationId xmlns:a16="http://schemas.microsoft.com/office/drawing/2014/main" id="{E8920758-BBF3-46C2-A264-46E177C24585}"/>
+              </a:ext>
+            </a:extLst>
+          </p:cNvPr>
+          <p:cNvPicPr>
+            <a:picLocks noChangeAspect="1"/>
+          </p:cNvPicPr>
+          <p:nvPr/>
+        </p:nvPicPr>
+        <p:blipFill>
+          <a:blip r:embed="rId4">
+            <a:extLst>
+              <a:ext uri="{28A0092B-C50C-407E-A947-70E740481C1C}">
+                <a14:useLocalDpi xmlns:a14="http://schemas.microsoft.com/office/drawing/2010/main" val="0"/>
+              </a:ext>
+            </a:extLst>
+          </a:blip>
+          <a:stretch>
+            <a:fillRect/>
+          </a:stretch>
+        </p:blipFill>
+        <p:spPr>
+          <a:xfrm>
+            <a:off x="2059932" y="2462401"/>
+            <a:ext cx="5024136" cy="876209"/>
           </a:xfrm>
           <a:prstGeom prst="rect">
             <a:avLst/>

--- a/Thesis/Disputation/PowerPointPresentation/V2_Dispo_HFU_Design.pptx
+++ b/Thesis/Disputation/PowerPointPresentation/V2_Dispo_HFU_Design.pptx
@@ -5,7 +5,7 @@
     <p:sldMasterId id="2147483648" r:id="rId1"/>
   </p:sldMasterIdLst>
   <p:notesMasterIdLst>
-    <p:notesMasterId r:id="rId25"/>
+    <p:notesMasterId r:id="rId32"/>
   </p:notesMasterIdLst>
   <p:sldIdLst>
     <p:sldId id="293" r:id="rId2"/>
@@ -23,14 +23,21 @@
     <p:sldId id="308" r:id="rId14"/>
     <p:sldId id="309" r:id="rId15"/>
     <p:sldId id="310" r:id="rId16"/>
-    <p:sldId id="311" r:id="rId17"/>
-    <p:sldId id="304" r:id="rId18"/>
-    <p:sldId id="306" r:id="rId19"/>
-    <p:sldId id="307" r:id="rId20"/>
-    <p:sldId id="313" r:id="rId21"/>
-    <p:sldId id="314" r:id="rId22"/>
-    <p:sldId id="312" r:id="rId23"/>
-    <p:sldId id="318" r:id="rId24"/>
+    <p:sldId id="321" r:id="rId17"/>
+    <p:sldId id="322" r:id="rId18"/>
+    <p:sldId id="323" r:id="rId19"/>
+    <p:sldId id="311" r:id="rId20"/>
+    <p:sldId id="320" r:id="rId21"/>
+    <p:sldId id="307" r:id="rId22"/>
+    <p:sldId id="304" r:id="rId23"/>
+    <p:sldId id="306" r:id="rId24"/>
+    <p:sldId id="312" r:id="rId25"/>
+    <p:sldId id="319" r:id="rId26"/>
+    <p:sldId id="313" r:id="rId27"/>
+    <p:sldId id="324" r:id="rId28"/>
+    <p:sldId id="325" r:id="rId29"/>
+    <p:sldId id="318" r:id="rId30"/>
+    <p:sldId id="314" r:id="rId31"/>
   </p:sldIdLst>
   <p:sldSz cx="9144000" cy="6858000" type="screen4x3"/>
   <p:notesSz cx="6858000" cy="9144000"/>
@@ -884,7 +891,7 @@
             </a:r>
           </a:p>
           <a:p>
-            <a:pPr marL="171450" indent="-171450">
+            <a:pPr marL="628650" lvl="1" indent="-171450">
               <a:buFont typeface="Arial" panose="020B0604020202020204" pitchFamily="34" charset="0"/>
               <a:buChar char="•"/>
             </a:pPr>
@@ -892,7 +899,7 @@
               <a:rPr lang="de-DE" dirty="0">
                 <a:ea typeface="ＭＳ Ｐゴシック" pitchFamily="34" charset="-128"/>
               </a:rPr>
-              <a:t>Mit Hilfe der Bekannten intrinsischen Kameraparameter wird daraus die essentielle Matrix bestimmt</a:t>
+              <a:t>Durch die mathematische Berechnung beider Abbildungen, sind die korrespondierenden Punktebereits bekannt</a:t>
             </a:r>
           </a:p>
           <a:p>
@@ -904,8 +911,17 @@
               <a:rPr lang="de-DE" dirty="0">
                 <a:ea typeface="ＭＳ Ｐゴシック" pitchFamily="34" charset="-128"/>
               </a:rPr>
-              <a:t>Mit der essentiellen Matrix wird dann die extrinsischen Kameraparameter bestimmt</a:t>
-            </a:r>
+              <a:t>Durch die matehmatische Berechnung beider Abbildungen sind die intrinsischen Kameraparameter bekannt, da diese selbst definiert wurden.</a:t>
+            </a:r>
+          </a:p>
+          <a:p>
+            <a:pPr marL="628650" lvl="1" indent="-171450">
+              <a:buFont typeface="Arial" panose="020B0604020202020204" pitchFamily="34" charset="0"/>
+              <a:buChar char="•"/>
+            </a:pPr>
+            <a:endParaRPr lang="de-DE" dirty="0">
+              <a:ea typeface="ＭＳ Ｐゴシック" pitchFamily="34" charset="-128"/>
+            </a:endParaRPr>
           </a:p>
           <a:p>
             <a:pPr marL="171450" lvl="0" indent="-171450">
@@ -916,11 +932,11 @@
               <a:rPr lang="de-DE" dirty="0">
                 <a:ea typeface="ＭＳ Ｐゴシック" pitchFamily="34" charset="-128"/>
               </a:rPr>
-              <a:t>Wir gehen davon aus das C deckungsgleich mit dem Weltkoordinatensystem ist und somit weder eine Rotation noch eine Translation aufweist</a:t>
-            </a:r>
-          </a:p>
-          <a:p>
-            <a:pPr marL="171450" lvl="0" indent="-171450">
+              <a:t>Die Fundamentalmatrx ist bekannt</a:t>
+            </a:r>
+          </a:p>
+          <a:p>
+            <a:pPr marL="628650" lvl="1" indent="-171450">
               <a:buFont typeface="Arial" panose="020B0604020202020204" pitchFamily="34" charset="0"/>
               <a:buChar char="•"/>
             </a:pPr>
@@ -928,13 +944,82 @@
               <a:rPr lang="de-DE" dirty="0">
                 <a:ea typeface="ＭＳ Ｐゴシック" pitchFamily="34" charset="-128"/>
               </a:rPr>
-              <a:t>Für C‘ wird über ein Verfahren die extrinischen Kameraparameter bestimmt</a:t>
-            </a:r>
+              <a:t>Für das Verfahren zur Bestimmung der extrinsischen Kameraparameter wir die essentielle Matrix benötigt</a:t>
+            </a:r>
+          </a:p>
+          <a:p>
+            <a:pPr marL="628650" lvl="1" indent="-171450">
+              <a:buFont typeface="Arial" panose="020B0604020202020204" pitchFamily="34" charset="0"/>
+              <a:buChar char="•"/>
+            </a:pPr>
+            <a:r>
+              <a:rPr lang="de-DE" dirty="0">
+                <a:ea typeface="ＭＳ Ｐゴシック" pitchFamily="34" charset="-128"/>
+              </a:rPr>
+              <a:t>Mit Hilfe Singulärwertszerlegung der essentiellen Matrix ist es möglich die extrinsischen Kameraparameter bis auf eine Skaleninvarainz genau zu bestimmen</a:t>
+            </a:r>
+          </a:p>
+          <a:p>
+            <a:pPr marL="628650" lvl="1" indent="-171450">
+              <a:buFont typeface="Arial" panose="020B0604020202020204" pitchFamily="34" charset="0"/>
+              <a:buChar char="•"/>
+            </a:pPr>
+            <a:r>
+              <a:rPr lang="de-DE" dirty="0">
+                <a:ea typeface="ＭＳ Ｐゴシック" pitchFamily="34" charset="-128"/>
+              </a:rPr>
+              <a:t>Wichtig ist, dass bei der Bestimmung davon ausgegangen wird, dass eine Kamera deckungslgelich mit dem Weltkoordinatensystem ist und somit weder eine Rotation noch eine Translation aufweist</a:t>
+            </a:r>
+          </a:p>
+          <a:p>
+            <a:pPr marL="1085850" lvl="2" indent="-171450">
+              <a:buFont typeface="Arial" panose="020B0604020202020204" pitchFamily="34" charset="0"/>
+              <a:buChar char="•"/>
+            </a:pPr>
+            <a:r>
+              <a:rPr lang="de-DE" dirty="0">
+                <a:ea typeface="ＭＳ Ｐゴシック" pitchFamily="34" charset="-128"/>
+              </a:rPr>
+              <a:t>Die extrinsischen Kameraparameter werden bezüglich einer Kamera bestimmt</a:t>
+            </a:r>
+          </a:p>
+          <a:p>
+            <a:pPr marL="628650" lvl="1" indent="-171450">
+              <a:buFont typeface="Arial" panose="020B0604020202020204" pitchFamily="34" charset="0"/>
+              <a:buChar char="•"/>
+            </a:pPr>
+            <a:r>
+              <a:rPr lang="de-DE" dirty="0">
+                <a:ea typeface="ＭＳ Ｐゴシック" pitchFamily="34" charset="-128"/>
+              </a:rPr>
+              <a:t>Der Grund warum das Verfahren der Bestimmung der extrinsischen Kameraparameter über die essentielle Matrix gewählt wurde, wird nachher noch im Abschnitt der unterschiedlichen Auflösungen beschrieben.</a:t>
+            </a:r>
+          </a:p>
+          <a:p>
+            <a:pPr marL="628650" lvl="1" indent="-171450">
+              <a:buFont typeface="Arial" panose="020B0604020202020204" pitchFamily="34" charset="0"/>
+              <a:buChar char="•"/>
+            </a:pPr>
+            <a:endParaRPr lang="de-DE" dirty="0">
+              <a:ea typeface="ＭＳ Ｐゴシック" pitchFamily="34" charset="-128"/>
+            </a:endParaRPr>
           </a:p>
           <a:p>
             <a:pPr marL="171450" lvl="0" indent="-171450">
               <a:buFont typeface="Arial" panose="020B0604020202020204" pitchFamily="34" charset="0"/>
               <a:buChar char="•"/>
+            </a:pPr>
+            <a:r>
+              <a:rPr lang="de-DE" dirty="0">
+                <a:ea typeface="ＭＳ Ｐゴシック" pitchFamily="34" charset="-128"/>
+              </a:rPr>
+              <a:t>Sind die extrinsischen Kameraparameter bekannt, so fehlt nun noch ein Verfahren, mit welchem die 3D-Szenenpunkte aus den Bildpunkten rekonstruiert werden können. Diese Verfahren nennen sich Triangulation. Im synthetischen Beispiel wurde eine einfache gemetrische Trinangulation durchgeführt.</a:t>
+            </a:r>
+          </a:p>
+          <a:p>
+            <a:pPr marL="0" lvl="0" indent="0">
+              <a:buFont typeface="Arial" panose="020B0604020202020204" pitchFamily="34" charset="0"/>
+              <a:buNone/>
             </a:pPr>
             <a:endParaRPr lang="de-DE" dirty="0">
               <a:ea typeface="ＭＳ Ｐゴシック" pitchFamily="34" charset="-128"/>
@@ -1066,16 +1151,25 @@
           <a:bodyPr/>
           <a:lstStyle/>
           <a:p>
-            <a:pPr marL="171450" indent="-171450">
-              <a:buFont typeface="Arial" panose="020B0604020202020204" pitchFamily="34" charset="0"/>
-              <a:buChar char="•"/>
+            <a:pPr marL="0" indent="0">
+              <a:buFont typeface="Arial" panose="020B0604020202020204" pitchFamily="34" charset="0"/>
+              <a:buNone/>
             </a:pPr>
             <a:r>
               <a:rPr lang="de-DE" dirty="0">
                 <a:ea typeface="ＭＳ Ｐゴシック" pitchFamily="34" charset="-128"/>
               </a:rPr>
-              <a:t>Hierbei entstehen insgesammt 4 verschiedene mögliche Lösungen für die Matrix –RC</a:t>
-            </a:r>
+              <a:t>Zuerst etwas genaueres zu der bestimmung der extrinsischen Kameraparameter:</a:t>
+            </a:r>
+          </a:p>
+          <a:p>
+            <a:pPr marL="171450" indent="-171450">
+              <a:buFont typeface="Arial" panose="020B0604020202020204" pitchFamily="34" charset="0"/>
+              <a:buChar char="•"/>
+            </a:pPr>
+            <a:endParaRPr lang="de-DE" dirty="0">
+              <a:ea typeface="ＭＳ Ｐゴシック" pitchFamily="34" charset="-128"/>
+            </a:endParaRPr>
           </a:p>
           <a:p>
             <a:pPr marL="171450" indent="-171450">
@@ -1086,11 +1180,11 @@
               <a:rPr lang="de-DE" dirty="0">
                 <a:ea typeface="ＭＳ Ｐゴシック" pitchFamily="34" charset="-128"/>
               </a:rPr>
-              <a:t>Diese Vier Lösungen sind bis auf eine Skaleninvarianz genau bestimmt</a:t>
-            </a:r>
-          </a:p>
-          <a:p>
-            <a:pPr marL="628650" lvl="1" indent="-171450">
+              <a:t>Durch Singulärwertszerlegung der essentiellen Matrix lassen sich die extrinischen Parameter der Szene schätzen.</a:t>
+            </a:r>
+          </a:p>
+          <a:p>
+            <a:pPr marL="171450" indent="-171450">
               <a:buFont typeface="Arial" panose="020B0604020202020204" pitchFamily="34" charset="0"/>
               <a:buChar char="•"/>
             </a:pPr>
@@ -1098,7 +1192,19 @@
               <a:rPr lang="de-DE" dirty="0">
                 <a:ea typeface="ＭＳ Ｐゴシック" pitchFamily="34" charset="-128"/>
               </a:rPr>
-              <a:t>Translationsvektor = normierter Richtungsvektor</a:t>
+              <a:t>Hierbei entstehen insgesammt 4 verschiedene mögliche Lösungen für die Matrix –RC</a:t>
+            </a:r>
+          </a:p>
+          <a:p>
+            <a:pPr marL="171450" indent="-171450">
+              <a:buFont typeface="Arial" panose="020B0604020202020204" pitchFamily="34" charset="0"/>
+              <a:buChar char="•"/>
+            </a:pPr>
+            <a:r>
+              <a:rPr lang="de-DE" dirty="0">
+                <a:ea typeface="ＭＳ Ｐゴシック" pitchFamily="34" charset="-128"/>
+              </a:rPr>
+              <a:t>Diese Vier Lösungen sind bis auf eine Skaleninvarianz genau bestimmt</a:t>
             </a:r>
           </a:p>
           <a:p>
@@ -1106,6 +1212,56 @@
               <a:buFont typeface="Arial" panose="020B0604020202020204" pitchFamily="34" charset="0"/>
               <a:buChar char="•"/>
             </a:pPr>
+            <a:r>
+              <a:rPr lang="de-DE" sz="1200" b="0" i="0" u="none" strike="noStrike" kern="1200" baseline="0" dirty="0">
+                <a:solidFill>
+                  <a:schemeClr val="tx1"/>
+                </a:solidFill>
+                <a:latin typeface="Arial" charset="0"/>
+                <a:ea typeface="ＭＳ Ｐゴシック" pitchFamily="-112" charset="-128"/>
+                <a:cs typeface="+mn-cs"/>
+              </a:rPr>
+              <a:t>Die Skaleninvarianz bewirkt, dass es bei der Rekonstruktion die Groe der Objekte von ihrer Originalgroe abweichen, da es sich bei v nur um den normierten Richtungsvektor der ursprunglichen Streckehandelt.</a:t>
+            </a:r>
+            <a:endParaRPr lang="de-DE" dirty="0">
+              <a:ea typeface="ＭＳ Ｐゴシック" pitchFamily="34" charset="-128"/>
+            </a:endParaRPr>
+          </a:p>
+          <a:p>
+            <a:pPr marL="628650" lvl="1" indent="-171450">
+              <a:buFont typeface="Arial" panose="020B0604020202020204" pitchFamily="34" charset="0"/>
+              <a:buChar char="•"/>
+            </a:pPr>
+            <a:r>
+              <a:rPr lang="de-DE" dirty="0">
+                <a:ea typeface="ＭＳ Ｐゴシック" pitchFamily="34" charset="-128"/>
+                <a:sym typeface="Wingdings" panose="05000000000000000000" pitchFamily="2" charset="2"/>
+              </a:rPr>
+              <a:t>(Vllt hier kurz das Geogebramodell aufzeigen)</a:t>
+            </a:r>
+          </a:p>
+          <a:p>
+            <a:pPr marL="628650" lvl="1" indent="-171450">
+              <a:buFont typeface="Arial" panose="020B0604020202020204" pitchFamily="34" charset="0"/>
+              <a:buChar char="•"/>
+            </a:pPr>
+            <a:endParaRPr lang="de-DE" dirty="0">
+              <a:ea typeface="ＭＳ Ｐゴシック" pitchFamily="34" charset="-128"/>
+              <a:sym typeface="Wingdings" panose="05000000000000000000" pitchFamily="2" charset="2"/>
+            </a:endParaRPr>
+          </a:p>
+          <a:p>
+            <a:pPr marL="171450" lvl="0" indent="-171450">
+              <a:buFont typeface="Arial" panose="020B0604020202020204" pitchFamily="34" charset="0"/>
+              <a:buChar char="•"/>
+            </a:pPr>
+            <a:r>
+              <a:rPr lang="de-DE" dirty="0">
+                <a:ea typeface="ＭＳ Ｐゴシック" pitchFamily="34" charset="-128"/>
+                <a:sym typeface="Wingdings" panose="05000000000000000000" pitchFamily="2" charset="2"/>
+              </a:rPr>
+              <a:t>Die vier Lösungen werden jetzt vorgestellt.</a:t>
+            </a:r>
             <a:endParaRPr lang="de-DE" dirty="0">
               <a:ea typeface="ＭＳ Ｐゴシック" pitchFamily="34" charset="-128"/>
             </a:endParaRPr>
@@ -1191,6 +1347,18 @@
                 <a:ea typeface="ＭＳ Ｐゴシック" pitchFamily="34" charset="-128"/>
               </a:rPr>
               <a:t>Die Abbildungen der ersten beiden Lösungen sind die selben nur ist es einmal auf dem Kopf da es hinter dem Projekitonszentum abgebildet wird </a:t>
+            </a:r>
+          </a:p>
+          <a:p>
+            <a:pPr marL="628650" lvl="1" indent="-171450">
+              <a:buFont typeface="Arial" panose="020B0604020202020204" pitchFamily="34" charset="0"/>
+              <a:buChar char="•"/>
+            </a:pPr>
+            <a:r>
+              <a:rPr lang="de-DE" dirty="0">
+                <a:ea typeface="ＭＳ Ｐゴシック" pitchFamily="34" charset="-128"/>
+              </a:rPr>
+              <a:t>Beide Lösungen von Abbildung 2  sind aber prinzipiell richtig.</a:t>
             </a:r>
           </a:p>
           <a:p>
@@ -1375,14 +1543,53 @@
               <a:rPr lang="de-DE" dirty="0">
                 <a:ea typeface="ＭＳ Ｐゴシック" pitchFamily="34" charset="-128"/>
               </a:rPr>
+              <a:t>Der entwickelte Szenenrekonstruktionsalgorithmus wurde dann auf ein reales Beispiel angewandt</a:t>
+            </a:r>
+          </a:p>
+          <a:p>
+            <a:pPr marL="171450" indent="-171450">
+              <a:buFont typeface="Arial" panose="020B0604020202020204" pitchFamily="34" charset="0"/>
+              <a:buChar char="•"/>
+            </a:pPr>
+            <a:r>
+              <a:rPr lang="de-DE" dirty="0">
+                <a:ea typeface="ＭＳ Ｐゴシック" pitchFamily="34" charset="-128"/>
+              </a:rPr>
+              <a:t>Anders als beim synthetischen Beispiel muss beim arbeiten mit realen Stereobildpaaren mit einer Fehleranfälligkeit der Bilddaten gerechnet werden </a:t>
+            </a:r>
+          </a:p>
+          <a:p>
+            <a:pPr marL="171450" indent="-171450">
+              <a:buFont typeface="Arial" panose="020B0604020202020204" pitchFamily="34" charset="0"/>
+              <a:buChar char="•"/>
+            </a:pPr>
+            <a:endParaRPr lang="de-DE" dirty="0">
+              <a:ea typeface="ＭＳ Ｐゴシック" pitchFamily="34" charset="-128"/>
+            </a:endParaRPr>
+          </a:p>
+          <a:p>
+            <a:pPr marL="171450" indent="-171450">
+              <a:buFont typeface="Arial" panose="020B0604020202020204" pitchFamily="34" charset="0"/>
+              <a:buChar char="•"/>
+            </a:pPr>
+            <a:r>
+              <a:rPr lang="de-DE" dirty="0">
+                <a:ea typeface="ＭＳ Ｐゴシック" pitchFamily="34" charset="-128"/>
+              </a:rPr>
+              <a:t>Die korrespondierenden Punkte (hier in gelbt markiert), werden über einen Detektionsalgorithmus bestimmt</a:t>
+            </a:r>
+          </a:p>
+          <a:p>
+            <a:pPr marL="171450" indent="-171450">
+              <a:buFont typeface="Arial" panose="020B0604020202020204" pitchFamily="34" charset="0"/>
+              <a:buChar char="•"/>
+            </a:pPr>
+            <a:r>
+              <a:rPr lang="de-DE" dirty="0">
+                <a:ea typeface="ＭＳ Ｐゴシック" pitchFamily="34" charset="-128"/>
+              </a:rPr>
               <a:t>Bei der realen rekonstruktion muss von Bildfehlern wie Bildrauschen ausgegangen werden und damiteinhergehend auch mit Fehlern bei der Korrespondenzanalyse</a:t>
             </a:r>
-          </a:p>
-          <a:p>
-            <a:pPr marL="171450" indent="-171450">
-              <a:buFont typeface="Arial" panose="020B0604020202020204" pitchFamily="34" charset="0"/>
-              <a:buChar char="•"/>
-            </a:pPr>
             <a:endParaRPr lang="de-DE" sz="1200" b="0" i="0" u="none" strike="noStrike" kern="1200" baseline="0" dirty="0">
               <a:solidFill>
                 <a:schemeClr val="tx1"/>
@@ -1410,10 +1617,22 @@
             </a:r>
           </a:p>
           <a:p>
-            <a:pPr marL="171450" indent="-171450">
-              <a:buFont typeface="Arial" panose="020B0604020202020204" pitchFamily="34" charset="0"/>
-              <a:buChar char="•"/>
-            </a:pPr>
+            <a:pPr marL="628650" lvl="1" indent="-171450">
+              <a:buFont typeface="Arial" panose="020B0604020202020204" pitchFamily="34" charset="0"/>
+              <a:buChar char="•"/>
+            </a:pPr>
+            <a:r>
+              <a:rPr lang="de-DE" sz="1200" b="0" i="0" u="none" strike="noStrike" kern="1200" baseline="0" dirty="0">
+                <a:solidFill>
+                  <a:schemeClr val="tx1"/>
+                </a:solidFill>
+                <a:latin typeface="Arial" charset="0"/>
+                <a:ea typeface="ＭＳ Ｐゴシック" pitchFamily="-112" charset="-128"/>
+                <a:cs typeface="+mn-cs"/>
+                <a:sym typeface="Wingdings" panose="05000000000000000000" pitchFamily="2" charset="2"/>
+              </a:rPr>
+              <a:t> Führt dazu, dass die epipolaren Bedinungen nicht mehr erfüllt werden (FORMEL ERSCHEINEN LASSEN)</a:t>
+            </a:r>
             <a:endParaRPr lang="de-DE" sz="1200" b="0" i="0" u="none" strike="noStrike" kern="1200" baseline="0" dirty="0">
               <a:solidFill>
                 <a:schemeClr val="tx1"/>
@@ -1424,26 +1643,9 @@
             </a:endParaRPr>
           </a:p>
           <a:p>
-            <a:pPr marL="171450" indent="-171450">
-              <a:buFont typeface="Arial" panose="020B0604020202020204" pitchFamily="34" charset="0"/>
-              <a:buChar char="•"/>
-            </a:pPr>
-            <a:r>
-              <a:rPr lang="de-DE" sz="1200" b="0" i="0" u="none" strike="noStrike" kern="1200" baseline="0" dirty="0">
-                <a:solidFill>
-                  <a:schemeClr val="tx1"/>
-                </a:solidFill>
-                <a:latin typeface="Arial" charset="0"/>
-                <a:ea typeface="ＭＳ Ｐゴシック" pitchFamily="-112" charset="-128"/>
-                <a:cs typeface="+mn-cs"/>
-              </a:rPr>
-              <a:t>Epipolare Bedingungen werden somit nicht erfüllt</a:t>
-            </a:r>
-          </a:p>
-          <a:p>
-            <a:pPr marL="171450" indent="-171450">
-              <a:buFont typeface="Arial" panose="020B0604020202020204" pitchFamily="34" charset="0"/>
-              <a:buChar char="•"/>
+            <a:pPr marL="0" indent="0">
+              <a:buFont typeface="Arial" panose="020B0604020202020204" pitchFamily="34" charset="0"/>
+              <a:buNone/>
             </a:pPr>
             <a:endParaRPr lang="de-DE" sz="1200" b="0" i="0" u="none" strike="noStrike" kern="1200" baseline="0" dirty="0">
               <a:solidFill>
@@ -1468,7 +1670,7 @@
                 <a:ea typeface="ＭＳ Ｐゴシック" pitchFamily="-112" charset="-128"/>
                 <a:cs typeface="+mn-cs"/>
               </a:rPr>
-              <a:t>Diese Führen zu ungenauigkeiten und Fehler und müssen dementsprechen über minimierungen und Näherungen angeglichen werden</a:t>
+              <a:t>Diese Führen zu ungenauigkeiten und Fehler in der Bestimmung der extrinsischen Kameraparameter, sowie der darauf folgendenen rekonstrukiton der Szenenpunkte und müssen dementsprechen über Minimierungen und Näherungen angeglichen werden</a:t>
             </a:r>
           </a:p>
           <a:p>
@@ -1485,7 +1687,7 @@
                 <a:ea typeface="ＭＳ Ｐゴシック" pitchFamily="-112" charset="-128"/>
                 <a:cs typeface="+mn-cs"/>
               </a:rPr>
-              <a:t>Im foglenden werden die markantesten Fehler aufgezeigt und deren Korrektur kurz erläutert</a:t>
+              <a:t>Im foglenden wird zunächst der Arbeitsprozess des Algorithmus angepasst auf das reale stereobildpaar aufgezeigt (Nächste Folie)</a:t>
             </a:r>
           </a:p>
           <a:p>
@@ -1639,6 +1841,27 @@
           <a:lstStyle/>
           <a:p>
             <a:r>
+              <a:rPr lang="de-DE">
+                <a:ea typeface="ＭＳ Ｐゴシック" pitchFamily="34" charset="-128"/>
+              </a:rPr>
+              <a:t>(HIER WEITER MACHEN )</a:t>
+            </a:r>
+            <a:endParaRPr lang="de-DE" dirty="0">
+              <a:ea typeface="ＭＳ Ｐゴシック" pitchFamily="34" charset="-128"/>
+            </a:endParaRPr>
+          </a:p>
+          <a:p>
+            <a:endParaRPr lang="de-DE" dirty="0">
+              <a:ea typeface="ＭＳ Ｐゴシック" pitchFamily="34" charset="-128"/>
+            </a:endParaRPr>
+          </a:p>
+          <a:p>
+            <a:endParaRPr lang="de-DE" dirty="0">
+              <a:ea typeface="ＭＳ Ｐゴシック" pitchFamily="34" charset="-128"/>
+            </a:endParaRPr>
+          </a:p>
+          <a:p>
+            <a:r>
               <a:rPr lang="de-DE" dirty="0">
                 <a:ea typeface="ＭＳ Ｐゴシック" pitchFamily="34" charset="-128"/>
               </a:rPr>
@@ -2350,7 +2573,175 @@
           <a:bodyPr/>
           <a:lstStyle/>
           <a:p>
-            <a:endParaRPr lang="de-DE">
+            <a:pPr marL="171450" indent="-171450">
+              <a:buFont typeface="Arial" panose="020B0604020202020204" pitchFamily="34" charset="0"/>
+              <a:buChar char="•"/>
+            </a:pPr>
+            <a:endParaRPr lang="de-DE" dirty="0">
+              <a:ea typeface="ＭＳ Ｐゴシック" pitchFamily="34" charset="-128"/>
+            </a:endParaRPr>
+          </a:p>
+          <a:p>
+            <a:pPr marL="171450" indent="-171450">
+              <a:buFont typeface="Arial" panose="020B0604020202020204" pitchFamily="34" charset="0"/>
+              <a:buChar char="•"/>
+            </a:pPr>
+            <a:r>
+              <a:rPr lang="de-DE" sz="1200" b="0" i="0" u="none" strike="noStrike" kern="1200" baseline="0" dirty="0">
+                <a:solidFill>
+                  <a:schemeClr val="tx1"/>
+                </a:solidFill>
+                <a:latin typeface="Arial" charset="0"/>
+                <a:ea typeface="ＭＳ Ｐゴシック" pitchFamily="-112" charset="-128"/>
+                <a:cs typeface="+mn-cs"/>
+              </a:rPr>
+              <a:t>Ein Sensor hat eine maximale Auflösung. </a:t>
+            </a:r>
+          </a:p>
+          <a:p>
+            <a:pPr marL="628650" lvl="1" indent="-171450">
+              <a:buFont typeface="Arial" panose="020B0604020202020204" pitchFamily="34" charset="0"/>
+              <a:buChar char="•"/>
+            </a:pPr>
+            <a:r>
+              <a:rPr lang="de-DE" sz="1200" b="0" i="0" u="none" strike="noStrike" kern="1200" baseline="0" dirty="0">
+                <a:solidFill>
+                  <a:schemeClr val="tx1"/>
+                </a:solidFill>
+                <a:latin typeface="Arial" charset="0"/>
+                <a:ea typeface="ＭＳ Ｐゴシック" pitchFamily="-112" charset="-128"/>
+                <a:cs typeface="+mn-cs"/>
+              </a:rPr>
+              <a:t>Die maximale Anzahl der Sensorelemente auf einem Sensor beschreit die maximale Auflösung.</a:t>
+            </a:r>
+          </a:p>
+          <a:p>
+            <a:pPr marL="171450" indent="-171450">
+              <a:buFont typeface="Arial" panose="020B0604020202020204" pitchFamily="34" charset="0"/>
+              <a:buChar char="•"/>
+            </a:pPr>
+            <a:r>
+              <a:rPr lang="de-DE" sz="1200" b="0" i="0" u="none" strike="noStrike" kern="1200" baseline="0" dirty="0">
+                <a:solidFill>
+                  <a:schemeClr val="tx1"/>
+                </a:solidFill>
+                <a:latin typeface="Arial" charset="0"/>
+                <a:ea typeface="ＭＳ Ｐゴシック" pitchFamily="-112" charset="-128"/>
+                <a:cs typeface="+mn-cs"/>
+              </a:rPr>
+              <a:t>Die Anzahl und Größe der Einzelnen Sensorelemente variiert mit den Größen der Sensorchips</a:t>
+            </a:r>
+          </a:p>
+          <a:p>
+            <a:pPr marL="171450" indent="-171450">
+              <a:buFont typeface="Arial" panose="020B0604020202020204" pitchFamily="34" charset="0"/>
+              <a:buChar char="•"/>
+            </a:pPr>
+            <a:endParaRPr lang="de-DE" sz="1200" b="0" i="0" u="none" strike="noStrike" kern="1200" baseline="0" dirty="0">
+              <a:solidFill>
+                <a:schemeClr val="tx1"/>
+              </a:solidFill>
+              <a:latin typeface="Arial" charset="0"/>
+              <a:ea typeface="ＭＳ Ｐゴシック" pitchFamily="-112" charset="-128"/>
+              <a:cs typeface="+mn-cs"/>
+            </a:endParaRPr>
+          </a:p>
+          <a:p>
+            <a:pPr marL="171450" indent="-171450">
+              <a:buFont typeface="Arial" panose="020B0604020202020204" pitchFamily="34" charset="0"/>
+              <a:buChar char="•"/>
+            </a:pPr>
+            <a:r>
+              <a:rPr lang="de-DE" sz="1200" b="0" i="0" u="none" strike="noStrike" kern="1200" baseline="0" dirty="0">
+                <a:solidFill>
+                  <a:schemeClr val="tx1"/>
+                </a:solidFill>
+                <a:latin typeface="Arial" charset="0"/>
+                <a:ea typeface="ＭＳ Ｐゴシック" pitchFamily="-112" charset="-128"/>
+                <a:cs typeface="+mn-cs"/>
+              </a:rPr>
+              <a:t>Wird eine Auflösung kleiner der maximalen Auflösung eingestellt, desto geringer wird die Anzahl der Pixel. </a:t>
+            </a:r>
+          </a:p>
+          <a:p>
+            <a:pPr marL="171450" indent="-171450">
+              <a:buFont typeface="Arial" panose="020B0604020202020204" pitchFamily="34" charset="0"/>
+              <a:buChar char="•"/>
+            </a:pPr>
+            <a:r>
+              <a:rPr lang="de-DE" sz="1200" b="0" i="0" u="none" strike="noStrike" kern="1200" baseline="0" dirty="0">
+                <a:solidFill>
+                  <a:schemeClr val="tx1"/>
+                </a:solidFill>
+                <a:latin typeface="Arial" charset="0"/>
+                <a:ea typeface="ＭＳ Ｐゴシック" pitchFamily="-112" charset="-128"/>
+                <a:cs typeface="+mn-cs"/>
+              </a:rPr>
+              <a:t>Der Prozess, welcher hier stattndet, gehört zu den Nachbarschaftsoperationen.</a:t>
+            </a:r>
+          </a:p>
+          <a:p>
+            <a:pPr marL="171450" indent="-171450">
+              <a:buFont typeface="Arial" panose="020B0604020202020204" pitchFamily="34" charset="0"/>
+              <a:buChar char="•"/>
+            </a:pPr>
+            <a:endParaRPr lang="de-DE" sz="1200" b="0" i="0" u="none" strike="noStrike" kern="1200" baseline="0" dirty="0">
+              <a:solidFill>
+                <a:schemeClr val="tx1"/>
+              </a:solidFill>
+              <a:latin typeface="Arial" charset="0"/>
+              <a:ea typeface="ＭＳ Ｐゴシック" pitchFamily="-112" charset="-128"/>
+              <a:cs typeface="+mn-cs"/>
+            </a:endParaRPr>
+          </a:p>
+          <a:p>
+            <a:pPr marL="171450" indent="-171450">
+              <a:buFont typeface="Arial" panose="020B0604020202020204" pitchFamily="34" charset="0"/>
+              <a:buChar char="•"/>
+            </a:pPr>
+            <a:r>
+              <a:rPr lang="de-DE" sz="1200" b="0" i="0" u="none" strike="noStrike" kern="1200" baseline="0" dirty="0">
+                <a:solidFill>
+                  <a:schemeClr val="tx1"/>
+                </a:solidFill>
+                <a:latin typeface="Arial" charset="0"/>
+                <a:ea typeface="ＭＳ Ｐゴシック" pitchFamily="-112" charset="-128"/>
+                <a:cs typeface="+mn-cs"/>
+              </a:rPr>
+              <a:t>Eine Veranderung der Auosung kann auch eine Anderung der Seitenverhaltnisse mit einschlieen. Andert sich das Seitenverhaltnis so wird der Bereich der lichtempndlichen Flache auf dem Sensor beschrankt</a:t>
+            </a:r>
+          </a:p>
+          <a:p>
+            <a:pPr marL="171450" indent="-171450">
+              <a:buFont typeface="Arial" panose="020B0604020202020204" pitchFamily="34" charset="0"/>
+              <a:buChar char="•"/>
+            </a:pPr>
+            <a:endParaRPr lang="de-DE" sz="1200" b="0" i="0" u="none" strike="noStrike" kern="1200" baseline="0" dirty="0">
+              <a:solidFill>
+                <a:schemeClr val="tx1"/>
+              </a:solidFill>
+              <a:latin typeface="Arial" charset="0"/>
+              <a:ea typeface="ＭＳ Ｐゴシック" pitchFamily="-112" charset="-128"/>
+              <a:cs typeface="+mn-cs"/>
+            </a:endParaRPr>
+          </a:p>
+          <a:p>
+            <a:pPr marL="171450" indent="-171450">
+              <a:buFont typeface="Arial" panose="020B0604020202020204" pitchFamily="34" charset="0"/>
+              <a:buChar char="•"/>
+            </a:pPr>
+            <a:r>
+              <a:rPr lang="de-DE" sz="1200" b="0" i="0" u="none" strike="noStrike" kern="1200" baseline="0" dirty="0">
+                <a:solidFill>
+                  <a:schemeClr val="tx1"/>
+                </a:solidFill>
+                <a:latin typeface="Arial" charset="0"/>
+                <a:ea typeface="ＭＳ Ｐゴシック" pitchFamily="-112" charset="-128"/>
+                <a:cs typeface="+mn-cs"/>
+              </a:rPr>
+              <a:t>Wird nun die Auflösung einer Kamera verändert, welche Auswirkungen hat das auf den Szenenrekonstruktionsalgorithmus???</a:t>
+            </a:r>
+            <a:endParaRPr lang="de-DE" dirty="0">
               <a:ea typeface="ＭＳ Ｐゴシック" pitchFamily="34" charset="-128"/>
             </a:endParaRPr>
           </a:p>
@@ -2396,7 +2787,7 @@
     </p:spTree>
     <p:extLst>
       <p:ext uri="{BB962C8B-B14F-4D97-AF65-F5344CB8AC3E}">
-        <p14:creationId xmlns:p14="http://schemas.microsoft.com/office/powerpoint/2010/main" val="2785607804"/>
+        <p14:creationId xmlns:p14="http://schemas.microsoft.com/office/powerpoint/2010/main" val="3912560251"/>
       </p:ext>
     </p:extLst>
   </p:cSld>
@@ -2454,9 +2845,180 @@
           <a:bodyPr/>
           <a:lstStyle/>
           <a:p>
-            <a:endParaRPr lang="de-DE">
+            <a:pPr marL="171450" indent="-171450">
+              <a:buFont typeface="Arial" panose="020B0604020202020204" pitchFamily="34" charset="0"/>
+              <a:buChar char="•"/>
+            </a:pPr>
+            <a:endParaRPr lang="de-DE" dirty="0">
               <a:ea typeface="ＭＳ Ｐゴシック" pitchFamily="34" charset="-128"/>
             </a:endParaRPr>
+          </a:p>
+          <a:p>
+            <a:pPr marL="171450" indent="-171450">
+              <a:buFont typeface="Arial" panose="020B0604020202020204" pitchFamily="34" charset="0"/>
+              <a:buChar char="•"/>
+            </a:pPr>
+            <a:r>
+              <a:rPr lang="de-DE" dirty="0">
+                <a:ea typeface="ＭＳ Ｐゴシック" pitchFamily="34" charset="-128"/>
+              </a:rPr>
+              <a:t>Zunächst kann festgehalten werden, dass eine Veränderung der Auflösung eine Auswirkung auf die Skalierung der Sensorkoordinaten hat, da sich das Sensorkoordintansystem an der Beschaffenheit der Sensorelemente orientiert.</a:t>
+            </a:r>
+          </a:p>
+          <a:p>
+            <a:pPr marL="171450" indent="-171450">
+              <a:buFont typeface="Arial" panose="020B0604020202020204" pitchFamily="34" charset="0"/>
+              <a:buChar char="•"/>
+            </a:pPr>
+            <a:r>
+              <a:rPr lang="de-DE" dirty="0">
+                <a:ea typeface="ＭＳ Ｐゴシック" pitchFamily="34" charset="-128"/>
+              </a:rPr>
+              <a:t>Alle anderen Koordinatensysteme bleiben gleich</a:t>
+            </a:r>
+          </a:p>
+          <a:p>
+            <a:pPr marL="171450" indent="-171450">
+              <a:buFont typeface="Arial" panose="020B0604020202020204" pitchFamily="34" charset="0"/>
+              <a:buChar char="•"/>
+            </a:pPr>
+            <a:r>
+              <a:rPr lang="de-DE" dirty="0">
+                <a:ea typeface="ＭＳ Ｐゴシック" pitchFamily="34" charset="-128"/>
+              </a:rPr>
+              <a:t>Mit der Auflösung ändert sich die Anzahl und die Größe der Pixel</a:t>
+            </a:r>
+          </a:p>
+          <a:p>
+            <a:pPr marL="171450" indent="-171450">
+              <a:buFont typeface="Arial" panose="020B0604020202020204" pitchFamily="34" charset="0"/>
+              <a:buChar char="•"/>
+            </a:pPr>
+            <a:endParaRPr lang="de-DE" dirty="0">
+              <a:ea typeface="ＭＳ Ｐゴシック" pitchFamily="34" charset="-128"/>
+            </a:endParaRPr>
+          </a:p>
+          <a:p>
+            <a:pPr marL="171450" indent="-171450">
+              <a:buFont typeface="Arial" panose="020B0604020202020204" pitchFamily="34" charset="0"/>
+              <a:buChar char="•"/>
+            </a:pPr>
+            <a:r>
+              <a:rPr lang="de-DE" dirty="0">
+                <a:ea typeface="ＭＳ Ｐゴシック" pitchFamily="34" charset="-128"/>
+              </a:rPr>
+              <a:t>Durch Nachbarschaftsoperationen werden aus mehreren Pixel einer (wenn kleinere Aufklösung eingestellt wird)</a:t>
+            </a:r>
+          </a:p>
+          <a:p>
+            <a:pPr marL="171450" indent="-171450">
+              <a:buFont typeface="Arial" panose="020B0604020202020204" pitchFamily="34" charset="0"/>
+              <a:buChar char="•"/>
+            </a:pPr>
+            <a:r>
+              <a:rPr lang="de-DE" dirty="0">
+                <a:ea typeface="ＭＳ Ｐゴシック" pitchFamily="34" charset="-128"/>
+              </a:rPr>
+              <a:t>Der Ort auf dem Sensor an welchem der bildpunkt abgebildet wird bleibt jedoch der selbe (Hier zweites Bild einblenden.)</a:t>
+            </a:r>
+          </a:p>
+          <a:p>
+            <a:pPr marL="171450" indent="-171450">
+              <a:buFont typeface="Arial" panose="020B0604020202020204" pitchFamily="34" charset="0"/>
+              <a:buChar char="•"/>
+            </a:pPr>
+            <a:r>
+              <a:rPr lang="de-DE" dirty="0">
+                <a:ea typeface="ＭＳ Ｐゴシック" pitchFamily="34" charset="-128"/>
+              </a:rPr>
+              <a:t>Eine Skalierung des Sensorkoordinatensystems bedeutet, dass sich die Brennweite in Pixeleinheiten gegeben ändert, jedoch ändert sich nicht die effektive Brennweite in Millimeter.</a:t>
+            </a:r>
+          </a:p>
+          <a:p>
+            <a:pPr marL="171450" indent="-171450">
+              <a:buFont typeface="Arial" panose="020B0604020202020204" pitchFamily="34" charset="0"/>
+              <a:buChar char="•"/>
+            </a:pPr>
+            <a:endParaRPr lang="de-DE" dirty="0">
+              <a:ea typeface="ＭＳ Ｐゴシック" pitchFamily="34" charset="-128"/>
+            </a:endParaRPr>
+          </a:p>
+          <a:p>
+            <a:pPr marL="171450" indent="-171450">
+              <a:buFont typeface="Arial" panose="020B0604020202020204" pitchFamily="34" charset="0"/>
+              <a:buChar char="•"/>
+            </a:pPr>
+            <a:r>
+              <a:rPr lang="de-DE" dirty="0">
+                <a:ea typeface="ＭＳ Ｐゴシック" pitchFamily="34" charset="-128"/>
+              </a:rPr>
+              <a:t>Eine propotionale änderung der Kamerauflösung hat zur Folge, dass es so wirkt als wäre die Brennweite verdoppelt worden. </a:t>
+            </a:r>
+          </a:p>
+          <a:p>
+            <a:pPr marL="628650" lvl="1" indent="-171450">
+              <a:buFont typeface="Arial" panose="020B0604020202020204" pitchFamily="34" charset="0"/>
+              <a:buChar char="•"/>
+            </a:pPr>
+            <a:r>
+              <a:rPr lang="de-DE" dirty="0">
+                <a:ea typeface="ＭＳ Ｐゴシック" pitchFamily="34" charset="-128"/>
+              </a:rPr>
+              <a:t>Würde bedeuten, dass sich die Kamera von der Bildebene entfernt hat</a:t>
+            </a:r>
+            <a:r>
+              <a:rPr lang="de-DE" dirty="0">
+                <a:ea typeface="ＭＳ Ｐゴシック" pitchFamily="34" charset="-128"/>
+                <a:sym typeface="Wingdings" panose="05000000000000000000" pitchFamily="2" charset="2"/>
+              </a:rPr>
+              <a:t> hat sie aber effektiv nicht  dennoch verändert sich durch die skalierung der Pixel effektiv die Bildgröße</a:t>
+            </a:r>
+          </a:p>
+          <a:p>
+            <a:pPr marL="628650" lvl="1" indent="-171450">
+              <a:buFont typeface="Arial" panose="020B0604020202020204" pitchFamily="34" charset="0"/>
+              <a:buChar char="•"/>
+            </a:pPr>
+            <a:endParaRPr lang="de-DE" dirty="0">
+              <a:ea typeface="ＭＳ Ｐゴシック" pitchFamily="34" charset="-128"/>
+              <a:sym typeface="Wingdings" panose="05000000000000000000" pitchFamily="2" charset="2"/>
+            </a:endParaRPr>
+          </a:p>
+          <a:p>
+            <a:pPr marL="171450" lvl="0" indent="-171450">
+              <a:buFont typeface="Arial" panose="020B0604020202020204" pitchFamily="34" charset="0"/>
+              <a:buChar char="•"/>
+            </a:pPr>
+            <a:r>
+              <a:rPr lang="de-DE" dirty="0">
+                <a:ea typeface="ＭＳ Ｐゴシック" pitchFamily="34" charset="-128"/>
+                <a:sym typeface="Wingdings" panose="05000000000000000000" pitchFamily="2" charset="2"/>
+              </a:rPr>
+              <a:t>Bei der Bestimmung der extrinsischen Kameraparameter wird mit der essentiellen Matrix gearbeitet, da hier die Kameramatrizen K und K‘ rausfallen, haben diese keine Wikrung auf das Ergebnis</a:t>
+            </a:r>
+          </a:p>
+          <a:p>
+            <a:pPr marL="171450" lvl="0" indent="-171450">
+              <a:buFont typeface="Arial" panose="020B0604020202020204" pitchFamily="34" charset="0"/>
+              <a:buChar char="•"/>
+            </a:pPr>
+            <a:endParaRPr lang="de-DE" dirty="0">
+              <a:ea typeface="ＭＳ Ｐゴシック" pitchFamily="34" charset="-128"/>
+              <a:sym typeface="Wingdings" panose="05000000000000000000" pitchFamily="2" charset="2"/>
+            </a:endParaRPr>
+          </a:p>
+          <a:p>
+            <a:pPr marL="171450" lvl="0" indent="-171450">
+              <a:buFont typeface="Arial" panose="020B0604020202020204" pitchFamily="34" charset="0"/>
+              <a:buChar char="•"/>
+            </a:pPr>
+            <a:r>
+              <a:rPr lang="de-DE" dirty="0">
+                <a:ea typeface="ＭＳ Ｐゴシック" pitchFamily="34" charset="-128"/>
+                <a:sym typeface="Wingdings" panose="05000000000000000000" pitchFamily="2" charset="2"/>
+              </a:rPr>
+              <a:t>Um die Aufgestellte Therorie zu überprüfen, wurden die Kameramatrizen modifiziert (Nächste Folie)</a:t>
+            </a:r>
           </a:p>
         </p:txBody>
       </p:sp>
@@ -2500,7 +3062,7 @@
     </p:spTree>
     <p:extLst>
       <p:ext uri="{BB962C8B-B14F-4D97-AF65-F5344CB8AC3E}">
-        <p14:creationId xmlns:p14="http://schemas.microsoft.com/office/powerpoint/2010/main" val="1128083003"/>
+        <p14:creationId xmlns:p14="http://schemas.microsoft.com/office/powerpoint/2010/main" val="103558211"/>
       </p:ext>
     </p:extLst>
   </p:cSld>
@@ -2558,6 +3120,46 @@
           <a:bodyPr/>
           <a:lstStyle/>
           <a:p>
+            <a:pPr marL="171450" indent="-171450">
+              <a:buFont typeface="Arial" panose="020B0604020202020204" pitchFamily="34" charset="0"/>
+              <a:buChar char="•"/>
+            </a:pPr>
+            <a:r>
+              <a:rPr lang="de-DE" dirty="0">
+                <a:ea typeface="ＭＳ Ｐゴシック" pitchFamily="34" charset="-128"/>
+              </a:rPr>
+              <a:t>Ergebnis der intrinsischen Kameraparameter wurde sowohl im synthetischen Beispiel als auch im realen Beispiel folgendermaßen modifiziert</a:t>
+            </a:r>
+          </a:p>
+          <a:p>
+            <a:pPr marL="171450" indent="-171450">
+              <a:buFont typeface="Arial" panose="020B0604020202020204" pitchFamily="34" charset="0"/>
+              <a:buChar char="•"/>
+            </a:pPr>
+            <a:r>
+              <a:rPr lang="de-DE" dirty="0">
+                <a:ea typeface="ＭＳ Ｐゴシック" pitchFamily="34" charset="-128"/>
+              </a:rPr>
+              <a:t>Egal welche Kameraauflösung genommen wurde, die vier ergebnisse der extrinischen Kameraparameter waren immer die selben </a:t>
+            </a:r>
+          </a:p>
+          <a:p>
+            <a:pPr marL="628650" lvl="1" indent="-171450">
+              <a:buFont typeface="Arial" panose="020B0604020202020204" pitchFamily="34" charset="0"/>
+              <a:buChar char="•"/>
+            </a:pPr>
+            <a:r>
+              <a:rPr lang="de-DE" dirty="0">
+                <a:ea typeface="ＭＳ Ｐゴシック" pitchFamily="34" charset="-128"/>
+              </a:rPr>
+              <a:t>Daraus folgt dass auch die Rekonstruierte Szene immer die gleichen Ergebnisse geliefert hat.</a:t>
+            </a:r>
+          </a:p>
+          <a:p>
+            <a:pPr marL="171450" indent="-171450">
+              <a:buFont typeface="Arial" panose="020B0604020202020204" pitchFamily="34" charset="0"/>
+              <a:buChar char="•"/>
+            </a:pPr>
             <a:endParaRPr lang="de-DE" dirty="0">
               <a:ea typeface="ＭＳ Ｐゴシック" pitchFamily="34" charset="-128"/>
             </a:endParaRPr>
@@ -2604,7 +3206,7 @@
     </p:spTree>
     <p:extLst>
       <p:ext uri="{BB962C8B-B14F-4D97-AF65-F5344CB8AC3E}">
-        <p14:creationId xmlns:p14="http://schemas.microsoft.com/office/powerpoint/2010/main" val="2376772806"/>
+        <p14:creationId xmlns:p14="http://schemas.microsoft.com/office/powerpoint/2010/main" val="2397319584"/>
       </p:ext>
     </p:extLst>
   </p:cSld>
@@ -2708,7 +3310,7 @@
     </p:spTree>
     <p:extLst>
       <p:ext uri="{BB962C8B-B14F-4D97-AF65-F5344CB8AC3E}">
-        <p14:creationId xmlns:p14="http://schemas.microsoft.com/office/powerpoint/2010/main" val="2044746924"/>
+        <p14:creationId xmlns:p14="http://schemas.microsoft.com/office/powerpoint/2010/main" val="2785607804"/>
       </p:ext>
     </p:extLst>
   </p:cSld>
@@ -3034,7 +3636,7 @@
     </p:spTree>
     <p:extLst>
       <p:ext uri="{BB962C8B-B14F-4D97-AF65-F5344CB8AC3E}">
-        <p14:creationId xmlns:p14="http://schemas.microsoft.com/office/powerpoint/2010/main" val="1684978929"/>
+        <p14:creationId xmlns:p14="http://schemas.microsoft.com/office/powerpoint/2010/main" val="2126772169"/>
       </p:ext>
     </p:extLst>
   </p:cSld>
@@ -3138,7 +3740,7 @@
     </p:spTree>
     <p:extLst>
       <p:ext uri="{BB962C8B-B14F-4D97-AF65-F5344CB8AC3E}">
-        <p14:creationId xmlns:p14="http://schemas.microsoft.com/office/powerpoint/2010/main" val="2916396771"/>
+        <p14:creationId xmlns:p14="http://schemas.microsoft.com/office/powerpoint/2010/main" val="2044746924"/>
       </p:ext>
     </p:extLst>
   </p:cSld>
@@ -3242,7 +3844,7 @@
     </p:spTree>
     <p:extLst>
       <p:ext uri="{BB962C8B-B14F-4D97-AF65-F5344CB8AC3E}">
-        <p14:creationId xmlns:p14="http://schemas.microsoft.com/office/powerpoint/2010/main" val="1454031859"/>
+        <p14:creationId xmlns:p14="http://schemas.microsoft.com/office/powerpoint/2010/main" val="1128083003"/>
       </p:ext>
     </p:extLst>
   </p:cSld>
@@ -3300,7 +3902,7 @@
           <a:bodyPr/>
           <a:lstStyle/>
           <a:p>
-            <a:endParaRPr lang="de-DE">
+            <a:endParaRPr lang="de-DE" dirty="0">
               <a:ea typeface="ＭＳ Ｐゴシック" pitchFamily="34" charset="-128"/>
             </a:endParaRPr>
           </a:p>
@@ -3335,6 +3937,695 @@
               </a:rPr>
               <a:pPr/>
               <a:t>23</a:t>
+            </a:fld>
+            <a:endParaRPr lang="de-DE">
+              <a:latin typeface="Arial Narrow" pitchFamily="34" charset="0"/>
+              <a:ea typeface="ＭＳ Ｐゴシック" pitchFamily="34" charset="-128"/>
+            </a:endParaRPr>
+          </a:p>
+        </p:txBody>
+      </p:sp>
+    </p:spTree>
+    <p:extLst>
+      <p:ext uri="{BB962C8B-B14F-4D97-AF65-F5344CB8AC3E}">
+        <p14:creationId xmlns:p14="http://schemas.microsoft.com/office/powerpoint/2010/main" val="2376772806"/>
+      </p:ext>
+    </p:extLst>
+  </p:cSld>
+  <p:clrMapOvr>
+    <a:masterClrMapping/>
+  </p:clrMapOvr>
+</p:notes>
+</file>
+
+<file path=ppt/notesSlides/notesSlide24.xml><?xml version="1.0" encoding="utf-8"?>
+<p:notes xmlns:a="http://schemas.openxmlformats.org/drawingml/2006/main" xmlns:r="http://schemas.openxmlformats.org/officeDocument/2006/relationships" xmlns:p="http://schemas.openxmlformats.org/presentationml/2006/main">
+  <p:cSld>
+    <p:spTree>
+      <p:nvGrpSpPr>
+        <p:cNvPr id="1" name=""/>
+        <p:cNvGrpSpPr/>
+        <p:nvPr/>
+      </p:nvGrpSpPr>
+      <p:grpSpPr>
+        <a:xfrm>
+          <a:off x="0" y="0"/>
+          <a:ext cx="0" cy="0"/>
+          <a:chOff x="0" y="0"/>
+          <a:chExt cx="0" cy="0"/>
+        </a:xfrm>
+      </p:grpSpPr>
+      <p:sp>
+        <p:nvSpPr>
+          <p:cNvPr id="38914" name="Folienbildplatzhalter 1"/>
+          <p:cNvSpPr>
+            <a:spLocks noGrp="1" noRot="1" noChangeAspect="1" noTextEdit="1"/>
+          </p:cNvSpPr>
+          <p:nvPr>
+            <p:ph type="sldImg"/>
+          </p:nvPr>
+        </p:nvSpPr>
+        <p:spPr>
+          <a:ln/>
+        </p:spPr>
+      </p:sp>
+      <p:sp>
+        <p:nvSpPr>
+          <p:cNvPr id="38915" name="Notizenplatzhalter 2"/>
+          <p:cNvSpPr>
+            <a:spLocks noGrp="1"/>
+          </p:cNvSpPr>
+          <p:nvPr>
+            <p:ph type="body" idx="1"/>
+          </p:nvPr>
+        </p:nvSpPr>
+        <p:spPr>
+          <a:noFill/>
+        </p:spPr>
+        <p:txBody>
+          <a:bodyPr/>
+          <a:lstStyle/>
+          <a:p>
+            <a:endParaRPr lang="de-DE">
+              <a:ea typeface="ＭＳ Ｐゴシック" pitchFamily="34" charset="-128"/>
+            </a:endParaRPr>
+          </a:p>
+        </p:txBody>
+      </p:sp>
+      <p:sp>
+        <p:nvSpPr>
+          <p:cNvPr id="38916" name="Foliennummernplatzhalter 3"/>
+          <p:cNvSpPr>
+            <a:spLocks noGrp="1"/>
+          </p:cNvSpPr>
+          <p:nvPr>
+            <p:ph type="sldNum" sz="quarter" idx="5"/>
+          </p:nvPr>
+        </p:nvSpPr>
+        <p:spPr>
+          <a:noFill/>
+          <a:ln>
+            <a:miter lim="800000"/>
+            <a:headEnd/>
+            <a:tailEnd/>
+          </a:ln>
+        </p:spPr>
+        <p:txBody>
+          <a:bodyPr/>
+          <a:lstStyle/>
+          <a:p>
+            <a:fld id="{B99247C0-3395-4CA9-990C-9699B55FB1A5}" type="slidenum">
+              <a:rPr lang="de-DE" smtClean="0">
+                <a:latin typeface="Arial Narrow" pitchFamily="34" charset="0"/>
+                <a:ea typeface="ＭＳ Ｐゴシック" pitchFamily="34" charset="-128"/>
+              </a:rPr>
+              <a:pPr/>
+              <a:t>24</a:t>
+            </a:fld>
+            <a:endParaRPr lang="de-DE">
+              <a:latin typeface="Arial Narrow" pitchFamily="34" charset="0"/>
+              <a:ea typeface="ＭＳ Ｐゴシック" pitchFamily="34" charset="-128"/>
+            </a:endParaRPr>
+          </a:p>
+        </p:txBody>
+      </p:sp>
+    </p:spTree>
+    <p:extLst>
+      <p:ext uri="{BB962C8B-B14F-4D97-AF65-F5344CB8AC3E}">
+        <p14:creationId xmlns:p14="http://schemas.microsoft.com/office/powerpoint/2010/main" val="1454031859"/>
+      </p:ext>
+    </p:extLst>
+  </p:cSld>
+  <p:clrMapOvr>
+    <a:masterClrMapping/>
+  </p:clrMapOvr>
+</p:notes>
+</file>
+
+<file path=ppt/notesSlides/notesSlide25.xml><?xml version="1.0" encoding="utf-8"?>
+<p:notes xmlns:a="http://schemas.openxmlformats.org/drawingml/2006/main" xmlns:r="http://schemas.openxmlformats.org/officeDocument/2006/relationships" xmlns:p="http://schemas.openxmlformats.org/presentationml/2006/main">
+  <p:cSld>
+    <p:spTree>
+      <p:nvGrpSpPr>
+        <p:cNvPr id="1" name=""/>
+        <p:cNvGrpSpPr/>
+        <p:nvPr/>
+      </p:nvGrpSpPr>
+      <p:grpSpPr>
+        <a:xfrm>
+          <a:off x="0" y="0"/>
+          <a:ext cx="0" cy="0"/>
+          <a:chOff x="0" y="0"/>
+          <a:chExt cx="0" cy="0"/>
+        </a:xfrm>
+      </p:grpSpPr>
+      <p:sp>
+        <p:nvSpPr>
+          <p:cNvPr id="38914" name="Folienbildplatzhalter 1"/>
+          <p:cNvSpPr>
+            <a:spLocks noGrp="1" noRot="1" noChangeAspect="1" noTextEdit="1"/>
+          </p:cNvSpPr>
+          <p:nvPr>
+            <p:ph type="sldImg"/>
+          </p:nvPr>
+        </p:nvSpPr>
+        <p:spPr>
+          <a:ln/>
+        </p:spPr>
+      </p:sp>
+      <p:sp>
+        <p:nvSpPr>
+          <p:cNvPr id="38915" name="Notizenplatzhalter 2"/>
+          <p:cNvSpPr>
+            <a:spLocks noGrp="1"/>
+          </p:cNvSpPr>
+          <p:nvPr>
+            <p:ph type="body" idx="1"/>
+          </p:nvPr>
+        </p:nvSpPr>
+        <p:spPr>
+          <a:noFill/>
+        </p:spPr>
+        <p:txBody>
+          <a:bodyPr/>
+          <a:lstStyle/>
+          <a:p>
+            <a:r>
+              <a:rPr lang="de-DE" dirty="0">
+                <a:ea typeface="ＭＳ Ｐゴシック" pitchFamily="34" charset="-128"/>
+              </a:rPr>
+              <a:t>Die Singulärwerte der essentiellen Matrix werden modifiziert.</a:t>
+            </a:r>
+          </a:p>
+          <a:p>
+            <a:pPr marL="171450" indent="-171450">
+              <a:buFont typeface="Wingdings" panose="05000000000000000000" pitchFamily="2" charset="2"/>
+              <a:buChar char="à"/>
+            </a:pPr>
+            <a:r>
+              <a:rPr lang="de-DE" sz="1200" b="0" i="0" u="none" strike="noStrike" kern="1200" baseline="0" dirty="0">
+                <a:solidFill>
+                  <a:schemeClr val="tx1"/>
+                </a:solidFill>
+                <a:latin typeface="Arial" charset="0"/>
+                <a:ea typeface="ＭＳ Ｐゴシック" pitchFamily="-112" charset="-128"/>
+                <a:cs typeface="+mn-cs"/>
+              </a:rPr>
+              <a:t>Durch die Modizierung der Singularwerte von E gilt für || v ||= 1</a:t>
+            </a:r>
+          </a:p>
+          <a:p>
+            <a:r>
+              <a:rPr lang="de-DE" sz="1200" b="0" i="0" u="none" strike="noStrike" kern="1200" baseline="0" dirty="0">
+                <a:solidFill>
+                  <a:schemeClr val="tx1"/>
+                </a:solidFill>
+                <a:latin typeface="Arial" charset="0"/>
+                <a:ea typeface="ＭＳ Ｐゴシック" pitchFamily="-112" charset="-128"/>
+                <a:cs typeface="+mn-cs"/>
+                <a:sym typeface="Wingdings" panose="05000000000000000000" pitchFamily="2" charset="2"/>
+              </a:rPr>
+              <a:t></a:t>
+            </a:r>
+            <a:r>
+              <a:rPr lang="de-DE" sz="1200" b="0" i="0" u="none" strike="noStrike" kern="1200" baseline="0" dirty="0">
+                <a:solidFill>
+                  <a:schemeClr val="tx1"/>
+                </a:solidFill>
+                <a:latin typeface="Arial" charset="0"/>
+                <a:ea typeface="ＭＳ Ｐゴシック" pitchFamily="-112" charset="-128"/>
+                <a:cs typeface="+mn-cs"/>
+              </a:rPr>
+              <a:t>Das bedeutet, dass es sich bei dem Translationsvektor v lediglich um den normierten Richtungsvektor zwischen C und C0 handelt</a:t>
+            </a:r>
+          </a:p>
+          <a:p>
+            <a:r>
+              <a:rPr lang="de-DE" sz="1200" b="0" i="0" u="none" strike="noStrike" kern="1200" baseline="0" dirty="0">
+                <a:solidFill>
+                  <a:schemeClr val="tx1"/>
+                </a:solidFill>
+                <a:latin typeface="Arial" charset="0"/>
+                <a:ea typeface="ＭＳ Ｐゴシック" pitchFamily="-112" charset="-128"/>
+                <a:cs typeface="+mn-cs"/>
+                <a:sym typeface="Wingdings" panose="05000000000000000000" pitchFamily="2" charset="2"/>
+              </a:rPr>
+              <a:t> Um v aus [C‘_delta] zu erhalten wird lediglich der Kern davon bestimmt</a:t>
+            </a:r>
+            <a:endParaRPr lang="de-DE" dirty="0">
+              <a:ea typeface="ＭＳ Ｐゴシック" pitchFamily="34" charset="-128"/>
+            </a:endParaRPr>
+          </a:p>
+        </p:txBody>
+      </p:sp>
+      <p:sp>
+        <p:nvSpPr>
+          <p:cNvPr id="38916" name="Foliennummernplatzhalter 3"/>
+          <p:cNvSpPr>
+            <a:spLocks noGrp="1"/>
+          </p:cNvSpPr>
+          <p:nvPr>
+            <p:ph type="sldNum" sz="quarter" idx="5"/>
+          </p:nvPr>
+        </p:nvSpPr>
+        <p:spPr>
+          <a:noFill/>
+          <a:ln>
+            <a:miter lim="800000"/>
+            <a:headEnd/>
+            <a:tailEnd/>
+          </a:ln>
+        </p:spPr>
+        <p:txBody>
+          <a:bodyPr/>
+          <a:lstStyle/>
+          <a:p>
+            <a:fld id="{B99247C0-3395-4CA9-990C-9699B55FB1A5}" type="slidenum">
+              <a:rPr lang="de-DE" smtClean="0">
+                <a:latin typeface="Arial Narrow" pitchFamily="34" charset="0"/>
+                <a:ea typeface="ＭＳ Ｐゴシック" pitchFamily="34" charset="-128"/>
+              </a:rPr>
+              <a:pPr/>
+              <a:t>25</a:t>
+            </a:fld>
+            <a:endParaRPr lang="de-DE">
+              <a:latin typeface="Arial Narrow" pitchFamily="34" charset="0"/>
+              <a:ea typeface="ＭＳ Ｐゴシック" pitchFamily="34" charset="-128"/>
+            </a:endParaRPr>
+          </a:p>
+        </p:txBody>
+      </p:sp>
+    </p:spTree>
+    <p:extLst>
+      <p:ext uri="{BB962C8B-B14F-4D97-AF65-F5344CB8AC3E}">
+        <p14:creationId xmlns:p14="http://schemas.microsoft.com/office/powerpoint/2010/main" val="3725489997"/>
+      </p:ext>
+    </p:extLst>
+  </p:cSld>
+  <p:clrMapOvr>
+    <a:masterClrMapping/>
+  </p:clrMapOvr>
+</p:notes>
+</file>
+
+<file path=ppt/notesSlides/notesSlide26.xml><?xml version="1.0" encoding="utf-8"?>
+<p:notes xmlns:a="http://schemas.openxmlformats.org/drawingml/2006/main" xmlns:r="http://schemas.openxmlformats.org/officeDocument/2006/relationships" xmlns:p="http://schemas.openxmlformats.org/presentationml/2006/main">
+  <p:cSld>
+    <p:spTree>
+      <p:nvGrpSpPr>
+        <p:cNvPr id="1" name=""/>
+        <p:cNvGrpSpPr/>
+        <p:nvPr/>
+      </p:nvGrpSpPr>
+      <p:grpSpPr>
+        <a:xfrm>
+          <a:off x="0" y="0"/>
+          <a:ext cx="0" cy="0"/>
+          <a:chOff x="0" y="0"/>
+          <a:chExt cx="0" cy="0"/>
+        </a:xfrm>
+      </p:grpSpPr>
+      <p:sp>
+        <p:nvSpPr>
+          <p:cNvPr id="38914" name="Folienbildplatzhalter 1"/>
+          <p:cNvSpPr>
+            <a:spLocks noGrp="1" noRot="1" noChangeAspect="1" noTextEdit="1"/>
+          </p:cNvSpPr>
+          <p:nvPr>
+            <p:ph type="sldImg"/>
+          </p:nvPr>
+        </p:nvSpPr>
+        <p:spPr>
+          <a:ln/>
+        </p:spPr>
+      </p:sp>
+      <p:sp>
+        <p:nvSpPr>
+          <p:cNvPr id="38915" name="Notizenplatzhalter 2"/>
+          <p:cNvSpPr>
+            <a:spLocks noGrp="1"/>
+          </p:cNvSpPr>
+          <p:nvPr>
+            <p:ph type="body" idx="1"/>
+          </p:nvPr>
+        </p:nvSpPr>
+        <p:spPr>
+          <a:noFill/>
+        </p:spPr>
+        <p:txBody>
+          <a:bodyPr/>
+          <a:lstStyle/>
+          <a:p>
+            <a:endParaRPr lang="de-DE" dirty="0">
+              <a:ea typeface="ＭＳ Ｐゴシック" pitchFamily="34" charset="-128"/>
+            </a:endParaRPr>
+          </a:p>
+        </p:txBody>
+      </p:sp>
+      <p:sp>
+        <p:nvSpPr>
+          <p:cNvPr id="38916" name="Foliennummernplatzhalter 3"/>
+          <p:cNvSpPr>
+            <a:spLocks noGrp="1"/>
+          </p:cNvSpPr>
+          <p:nvPr>
+            <p:ph type="sldNum" sz="quarter" idx="5"/>
+          </p:nvPr>
+        </p:nvSpPr>
+        <p:spPr>
+          <a:noFill/>
+          <a:ln>
+            <a:miter lim="800000"/>
+            <a:headEnd/>
+            <a:tailEnd/>
+          </a:ln>
+        </p:spPr>
+        <p:txBody>
+          <a:bodyPr/>
+          <a:lstStyle/>
+          <a:p>
+            <a:fld id="{B99247C0-3395-4CA9-990C-9699B55FB1A5}" type="slidenum">
+              <a:rPr lang="de-DE" smtClean="0">
+                <a:latin typeface="Arial Narrow" pitchFamily="34" charset="0"/>
+                <a:ea typeface="ＭＳ Ｐゴシック" pitchFamily="34" charset="-128"/>
+              </a:rPr>
+              <a:pPr/>
+              <a:t>26</a:t>
+            </a:fld>
+            <a:endParaRPr lang="de-DE">
+              <a:latin typeface="Arial Narrow" pitchFamily="34" charset="0"/>
+              <a:ea typeface="ＭＳ Ｐゴシック" pitchFamily="34" charset="-128"/>
+            </a:endParaRPr>
+          </a:p>
+        </p:txBody>
+      </p:sp>
+    </p:spTree>
+    <p:extLst>
+      <p:ext uri="{BB962C8B-B14F-4D97-AF65-F5344CB8AC3E}">
+        <p14:creationId xmlns:p14="http://schemas.microsoft.com/office/powerpoint/2010/main" val="1684978929"/>
+      </p:ext>
+    </p:extLst>
+  </p:cSld>
+  <p:clrMapOvr>
+    <a:masterClrMapping/>
+  </p:clrMapOvr>
+</p:notes>
+</file>
+
+<file path=ppt/notesSlides/notesSlide27.xml><?xml version="1.0" encoding="utf-8"?>
+<p:notes xmlns:a="http://schemas.openxmlformats.org/drawingml/2006/main" xmlns:r="http://schemas.openxmlformats.org/officeDocument/2006/relationships" xmlns:p="http://schemas.openxmlformats.org/presentationml/2006/main">
+  <p:cSld>
+    <p:spTree>
+      <p:nvGrpSpPr>
+        <p:cNvPr id="1" name=""/>
+        <p:cNvGrpSpPr/>
+        <p:nvPr/>
+      </p:nvGrpSpPr>
+      <p:grpSpPr>
+        <a:xfrm>
+          <a:off x="0" y="0"/>
+          <a:ext cx="0" cy="0"/>
+          <a:chOff x="0" y="0"/>
+          <a:chExt cx="0" cy="0"/>
+        </a:xfrm>
+      </p:grpSpPr>
+      <p:sp>
+        <p:nvSpPr>
+          <p:cNvPr id="38914" name="Folienbildplatzhalter 1"/>
+          <p:cNvSpPr>
+            <a:spLocks noGrp="1" noRot="1" noChangeAspect="1" noTextEdit="1"/>
+          </p:cNvSpPr>
+          <p:nvPr>
+            <p:ph type="sldImg"/>
+          </p:nvPr>
+        </p:nvSpPr>
+        <p:spPr>
+          <a:ln/>
+        </p:spPr>
+      </p:sp>
+      <p:sp>
+        <p:nvSpPr>
+          <p:cNvPr id="38915" name="Notizenplatzhalter 2"/>
+          <p:cNvSpPr>
+            <a:spLocks noGrp="1"/>
+          </p:cNvSpPr>
+          <p:nvPr>
+            <p:ph type="body" idx="1"/>
+          </p:nvPr>
+        </p:nvSpPr>
+        <p:spPr>
+          <a:noFill/>
+        </p:spPr>
+        <p:txBody>
+          <a:bodyPr/>
+          <a:lstStyle/>
+          <a:p>
+            <a:endParaRPr lang="de-DE" dirty="0">
+              <a:ea typeface="ＭＳ Ｐゴシック" pitchFamily="34" charset="-128"/>
+            </a:endParaRPr>
+          </a:p>
+        </p:txBody>
+      </p:sp>
+      <p:sp>
+        <p:nvSpPr>
+          <p:cNvPr id="38916" name="Foliennummernplatzhalter 3"/>
+          <p:cNvSpPr>
+            <a:spLocks noGrp="1"/>
+          </p:cNvSpPr>
+          <p:nvPr>
+            <p:ph type="sldNum" sz="quarter" idx="5"/>
+          </p:nvPr>
+        </p:nvSpPr>
+        <p:spPr>
+          <a:noFill/>
+          <a:ln>
+            <a:miter lim="800000"/>
+            <a:headEnd/>
+            <a:tailEnd/>
+          </a:ln>
+        </p:spPr>
+        <p:txBody>
+          <a:bodyPr/>
+          <a:lstStyle/>
+          <a:p>
+            <a:fld id="{B99247C0-3395-4CA9-990C-9699B55FB1A5}" type="slidenum">
+              <a:rPr lang="de-DE" smtClean="0">
+                <a:latin typeface="Arial Narrow" pitchFamily="34" charset="0"/>
+                <a:ea typeface="ＭＳ Ｐゴシック" pitchFamily="34" charset="-128"/>
+              </a:rPr>
+              <a:pPr/>
+              <a:t>27</a:t>
+            </a:fld>
+            <a:endParaRPr lang="de-DE">
+              <a:latin typeface="Arial Narrow" pitchFamily="34" charset="0"/>
+              <a:ea typeface="ＭＳ Ｐゴシック" pitchFamily="34" charset="-128"/>
+            </a:endParaRPr>
+          </a:p>
+        </p:txBody>
+      </p:sp>
+    </p:spTree>
+    <p:extLst>
+      <p:ext uri="{BB962C8B-B14F-4D97-AF65-F5344CB8AC3E}">
+        <p14:creationId xmlns:p14="http://schemas.microsoft.com/office/powerpoint/2010/main" val="3547891672"/>
+      </p:ext>
+    </p:extLst>
+  </p:cSld>
+  <p:clrMapOvr>
+    <a:masterClrMapping/>
+  </p:clrMapOvr>
+</p:notes>
+</file>
+
+<file path=ppt/notesSlides/notesSlide28.xml><?xml version="1.0" encoding="utf-8"?>
+<p:notes xmlns:a="http://schemas.openxmlformats.org/drawingml/2006/main" xmlns:r="http://schemas.openxmlformats.org/officeDocument/2006/relationships" xmlns:p="http://schemas.openxmlformats.org/presentationml/2006/main">
+  <p:cSld>
+    <p:spTree>
+      <p:nvGrpSpPr>
+        <p:cNvPr id="1" name=""/>
+        <p:cNvGrpSpPr/>
+        <p:nvPr/>
+      </p:nvGrpSpPr>
+      <p:grpSpPr>
+        <a:xfrm>
+          <a:off x="0" y="0"/>
+          <a:ext cx="0" cy="0"/>
+          <a:chOff x="0" y="0"/>
+          <a:chExt cx="0" cy="0"/>
+        </a:xfrm>
+      </p:grpSpPr>
+      <p:sp>
+        <p:nvSpPr>
+          <p:cNvPr id="38914" name="Folienbildplatzhalter 1"/>
+          <p:cNvSpPr>
+            <a:spLocks noGrp="1" noRot="1" noChangeAspect="1" noTextEdit="1"/>
+          </p:cNvSpPr>
+          <p:nvPr>
+            <p:ph type="sldImg"/>
+          </p:nvPr>
+        </p:nvSpPr>
+        <p:spPr>
+          <a:ln/>
+        </p:spPr>
+      </p:sp>
+      <p:sp>
+        <p:nvSpPr>
+          <p:cNvPr id="38915" name="Notizenplatzhalter 2"/>
+          <p:cNvSpPr>
+            <a:spLocks noGrp="1"/>
+          </p:cNvSpPr>
+          <p:nvPr>
+            <p:ph type="body" idx="1"/>
+          </p:nvPr>
+        </p:nvSpPr>
+        <p:spPr>
+          <a:noFill/>
+        </p:spPr>
+        <p:txBody>
+          <a:bodyPr/>
+          <a:lstStyle/>
+          <a:p>
+            <a:r>
+              <a:rPr lang="de-DE" dirty="0">
+                <a:ea typeface="ＭＳ Ｐゴシック" pitchFamily="34" charset="-128"/>
+              </a:rPr>
+              <a:t>Die minimalen Abweichungen in den Nachkommastellen kommen daher, da sich die korrespondenzabweichungen mit ändern</a:t>
+            </a:r>
+          </a:p>
+        </p:txBody>
+      </p:sp>
+      <p:sp>
+        <p:nvSpPr>
+          <p:cNvPr id="38916" name="Foliennummernplatzhalter 3"/>
+          <p:cNvSpPr>
+            <a:spLocks noGrp="1"/>
+          </p:cNvSpPr>
+          <p:nvPr>
+            <p:ph type="sldNum" sz="quarter" idx="5"/>
+          </p:nvPr>
+        </p:nvSpPr>
+        <p:spPr>
+          <a:noFill/>
+          <a:ln>
+            <a:miter lim="800000"/>
+            <a:headEnd/>
+            <a:tailEnd/>
+          </a:ln>
+        </p:spPr>
+        <p:txBody>
+          <a:bodyPr/>
+          <a:lstStyle/>
+          <a:p>
+            <a:fld id="{B99247C0-3395-4CA9-990C-9699B55FB1A5}" type="slidenum">
+              <a:rPr lang="de-DE" smtClean="0">
+                <a:latin typeface="Arial Narrow" pitchFamily="34" charset="0"/>
+                <a:ea typeface="ＭＳ Ｐゴシック" pitchFamily="34" charset="-128"/>
+              </a:rPr>
+              <a:pPr/>
+              <a:t>28</a:t>
+            </a:fld>
+            <a:endParaRPr lang="de-DE">
+              <a:latin typeface="Arial Narrow" pitchFamily="34" charset="0"/>
+              <a:ea typeface="ＭＳ Ｐゴシック" pitchFamily="34" charset="-128"/>
+            </a:endParaRPr>
+          </a:p>
+        </p:txBody>
+      </p:sp>
+    </p:spTree>
+    <p:extLst>
+      <p:ext uri="{BB962C8B-B14F-4D97-AF65-F5344CB8AC3E}">
+        <p14:creationId xmlns:p14="http://schemas.microsoft.com/office/powerpoint/2010/main" val="3071306159"/>
+      </p:ext>
+    </p:extLst>
+  </p:cSld>
+  <p:clrMapOvr>
+    <a:masterClrMapping/>
+  </p:clrMapOvr>
+</p:notes>
+</file>
+
+<file path=ppt/notesSlides/notesSlide29.xml><?xml version="1.0" encoding="utf-8"?>
+<p:notes xmlns:a="http://schemas.openxmlformats.org/drawingml/2006/main" xmlns:r="http://schemas.openxmlformats.org/officeDocument/2006/relationships" xmlns:p="http://schemas.openxmlformats.org/presentationml/2006/main">
+  <p:cSld>
+    <p:spTree>
+      <p:nvGrpSpPr>
+        <p:cNvPr id="1" name=""/>
+        <p:cNvGrpSpPr/>
+        <p:nvPr/>
+      </p:nvGrpSpPr>
+      <p:grpSpPr>
+        <a:xfrm>
+          <a:off x="0" y="0"/>
+          <a:ext cx="0" cy="0"/>
+          <a:chOff x="0" y="0"/>
+          <a:chExt cx="0" cy="0"/>
+        </a:xfrm>
+      </p:grpSpPr>
+      <p:sp>
+        <p:nvSpPr>
+          <p:cNvPr id="38914" name="Folienbildplatzhalter 1"/>
+          <p:cNvSpPr>
+            <a:spLocks noGrp="1" noRot="1" noChangeAspect="1" noTextEdit="1"/>
+          </p:cNvSpPr>
+          <p:nvPr>
+            <p:ph type="sldImg"/>
+          </p:nvPr>
+        </p:nvSpPr>
+        <p:spPr>
+          <a:ln/>
+        </p:spPr>
+      </p:sp>
+      <p:sp>
+        <p:nvSpPr>
+          <p:cNvPr id="38915" name="Notizenplatzhalter 2"/>
+          <p:cNvSpPr>
+            <a:spLocks noGrp="1"/>
+          </p:cNvSpPr>
+          <p:nvPr>
+            <p:ph type="body" idx="1"/>
+          </p:nvPr>
+        </p:nvSpPr>
+        <p:spPr>
+          <a:noFill/>
+        </p:spPr>
+        <p:txBody>
+          <a:bodyPr/>
+          <a:lstStyle/>
+          <a:p>
+            <a:endParaRPr lang="de-DE">
+              <a:ea typeface="ＭＳ Ｐゴシック" pitchFamily="34" charset="-128"/>
+            </a:endParaRPr>
+          </a:p>
+        </p:txBody>
+      </p:sp>
+      <p:sp>
+        <p:nvSpPr>
+          <p:cNvPr id="38916" name="Foliennummernplatzhalter 3"/>
+          <p:cNvSpPr>
+            <a:spLocks noGrp="1"/>
+          </p:cNvSpPr>
+          <p:nvPr>
+            <p:ph type="sldNum" sz="quarter" idx="5"/>
+          </p:nvPr>
+        </p:nvSpPr>
+        <p:spPr>
+          <a:noFill/>
+          <a:ln>
+            <a:miter lim="800000"/>
+            <a:headEnd/>
+            <a:tailEnd/>
+          </a:ln>
+        </p:spPr>
+        <p:txBody>
+          <a:bodyPr/>
+          <a:lstStyle/>
+          <a:p>
+            <a:fld id="{B99247C0-3395-4CA9-990C-9699B55FB1A5}" type="slidenum">
+              <a:rPr lang="de-DE" smtClean="0">
+                <a:latin typeface="Arial Narrow" pitchFamily="34" charset="0"/>
+                <a:ea typeface="ＭＳ Ｐゴシック" pitchFamily="34" charset="-128"/>
+              </a:rPr>
+              <a:pPr/>
+              <a:t>29</a:t>
             </a:fld>
             <a:endParaRPr lang="de-DE">
               <a:latin typeface="Arial Narrow" pitchFamily="34" charset="0"/>
@@ -3680,6 +4971,110 @@
 </p:notes>
 </file>
 
+<file path=ppt/notesSlides/notesSlide30.xml><?xml version="1.0" encoding="utf-8"?>
+<p:notes xmlns:a="http://schemas.openxmlformats.org/drawingml/2006/main" xmlns:r="http://schemas.openxmlformats.org/officeDocument/2006/relationships" xmlns:p="http://schemas.openxmlformats.org/presentationml/2006/main">
+  <p:cSld>
+    <p:spTree>
+      <p:nvGrpSpPr>
+        <p:cNvPr id="1" name=""/>
+        <p:cNvGrpSpPr/>
+        <p:nvPr/>
+      </p:nvGrpSpPr>
+      <p:grpSpPr>
+        <a:xfrm>
+          <a:off x="0" y="0"/>
+          <a:ext cx="0" cy="0"/>
+          <a:chOff x="0" y="0"/>
+          <a:chExt cx="0" cy="0"/>
+        </a:xfrm>
+      </p:grpSpPr>
+      <p:sp>
+        <p:nvSpPr>
+          <p:cNvPr id="38914" name="Folienbildplatzhalter 1"/>
+          <p:cNvSpPr>
+            <a:spLocks noGrp="1" noRot="1" noChangeAspect="1" noTextEdit="1"/>
+          </p:cNvSpPr>
+          <p:nvPr>
+            <p:ph type="sldImg"/>
+          </p:nvPr>
+        </p:nvSpPr>
+        <p:spPr>
+          <a:ln/>
+        </p:spPr>
+      </p:sp>
+      <p:sp>
+        <p:nvSpPr>
+          <p:cNvPr id="38915" name="Notizenplatzhalter 2"/>
+          <p:cNvSpPr>
+            <a:spLocks noGrp="1"/>
+          </p:cNvSpPr>
+          <p:nvPr>
+            <p:ph type="body" idx="1"/>
+          </p:nvPr>
+        </p:nvSpPr>
+        <p:spPr>
+          <a:noFill/>
+        </p:spPr>
+        <p:txBody>
+          <a:bodyPr/>
+          <a:lstStyle/>
+          <a:p>
+            <a:endParaRPr lang="de-DE">
+              <a:ea typeface="ＭＳ Ｐゴシック" pitchFamily="34" charset="-128"/>
+            </a:endParaRPr>
+          </a:p>
+        </p:txBody>
+      </p:sp>
+      <p:sp>
+        <p:nvSpPr>
+          <p:cNvPr id="38916" name="Foliennummernplatzhalter 3"/>
+          <p:cNvSpPr>
+            <a:spLocks noGrp="1"/>
+          </p:cNvSpPr>
+          <p:nvPr>
+            <p:ph type="sldNum" sz="quarter" idx="5"/>
+          </p:nvPr>
+        </p:nvSpPr>
+        <p:spPr>
+          <a:noFill/>
+          <a:ln>
+            <a:miter lim="800000"/>
+            <a:headEnd/>
+            <a:tailEnd/>
+          </a:ln>
+        </p:spPr>
+        <p:txBody>
+          <a:bodyPr/>
+          <a:lstStyle/>
+          <a:p>
+            <a:fld id="{B99247C0-3395-4CA9-990C-9699B55FB1A5}" type="slidenum">
+              <a:rPr lang="de-DE" smtClean="0">
+                <a:latin typeface="Arial Narrow" pitchFamily="34" charset="0"/>
+                <a:ea typeface="ＭＳ Ｐゴシック" pitchFamily="34" charset="-128"/>
+              </a:rPr>
+              <a:pPr/>
+              <a:t>30</a:t>
+            </a:fld>
+            <a:endParaRPr lang="de-DE">
+              <a:latin typeface="Arial Narrow" pitchFamily="34" charset="0"/>
+              <a:ea typeface="ＭＳ Ｐゴシック" pitchFamily="34" charset="-128"/>
+            </a:endParaRPr>
+          </a:p>
+        </p:txBody>
+      </p:sp>
+    </p:spTree>
+    <p:extLst>
+      <p:ext uri="{BB962C8B-B14F-4D97-AF65-F5344CB8AC3E}">
+        <p14:creationId xmlns:p14="http://schemas.microsoft.com/office/powerpoint/2010/main" val="2916396771"/>
+      </p:ext>
+    </p:extLst>
+  </p:cSld>
+  <p:clrMapOvr>
+    <a:masterClrMapping/>
+  </p:clrMapOvr>
+</p:notes>
+</file>
+
 <file path=ppt/notesSlides/notesSlide4.xml><?xml version="1.0" encoding="utf-8"?>
 <p:notes xmlns:a="http://schemas.openxmlformats.org/drawingml/2006/main" xmlns:r="http://schemas.openxmlformats.org/officeDocument/2006/relationships" xmlns:p="http://schemas.openxmlformats.org/presentationml/2006/main">
   <p:cSld>
@@ -5203,6 +6598,72 @@
               <a:rPr lang="de-DE" dirty="0">
                 <a:ea typeface="ＭＳ Ｐゴシック" pitchFamily="34" charset="-128"/>
               </a:rPr>
+              <a:t>Bei den Punkten handelt es sich um die korerspondierenden Punkte beider Bilder</a:t>
+            </a:r>
+          </a:p>
+          <a:p>
+            <a:pPr marL="628650" lvl="1" indent="-171450">
+              <a:buFont typeface="Arial" panose="020B0604020202020204" pitchFamily="34" charset="0"/>
+              <a:buChar char="•"/>
+            </a:pPr>
+            <a:r>
+              <a:rPr lang="de-DE" dirty="0">
+                <a:ea typeface="ＭＳ Ｐゴシック" pitchFamily="34" charset="-128"/>
+              </a:rPr>
+              <a:t>Korrespondierende Punkte sind die Abbildungen eines 3D-Objektpunktes im Raum auf die Bildebenen</a:t>
+            </a:r>
+          </a:p>
+          <a:p>
+            <a:pPr marL="628650" lvl="1" indent="-171450">
+              <a:buFont typeface="Arial" panose="020B0604020202020204" pitchFamily="34" charset="0"/>
+              <a:buChar char="•"/>
+            </a:pPr>
+            <a:endParaRPr lang="de-DE" dirty="0">
+              <a:ea typeface="ＭＳ Ｐゴシック" pitchFamily="34" charset="-128"/>
+            </a:endParaRPr>
+          </a:p>
+          <a:p>
+            <a:pPr marL="628650" lvl="1" indent="-171450">
+              <a:buFont typeface="Arial" panose="020B0604020202020204" pitchFamily="34" charset="0"/>
+              <a:buChar char="•"/>
+            </a:pPr>
+            <a:endParaRPr lang="de-DE" dirty="0">
+              <a:ea typeface="ＭＳ Ｐゴシック" pitchFamily="34" charset="-128"/>
+            </a:endParaRPr>
+          </a:p>
+          <a:p>
+            <a:pPr marL="171450" lvl="0" indent="-171450">
+              <a:buFont typeface="Arial" panose="020B0604020202020204" pitchFamily="34" charset="0"/>
+              <a:buChar char="•"/>
+            </a:pPr>
+            <a:r>
+              <a:rPr lang="de-DE" dirty="0">
+                <a:ea typeface="ＭＳ Ｐゴシック" pitchFamily="34" charset="-128"/>
+              </a:rPr>
+              <a:t>Aus den insgesammt 8 korrespondiernden Punktepaaren wird eine Koeffizientenmatrix A aufgestellt</a:t>
+            </a:r>
+          </a:p>
+          <a:p>
+            <a:pPr marL="171450" lvl="0" indent="-171450">
+              <a:buFont typeface="Arial" panose="020B0604020202020204" pitchFamily="34" charset="0"/>
+              <a:buChar char="•"/>
+            </a:pPr>
+            <a:r>
+              <a:rPr lang="de-DE" dirty="0">
+                <a:ea typeface="ＭＳ Ｐゴシック" pitchFamily="34" charset="-128"/>
+              </a:rPr>
+              <a:t>Gesucht wird ein vektor f, welcher die</a:t>
+            </a:r>
+          </a:p>
+          <a:p>
+            <a:pPr marL="171450" indent="-171450">
+              <a:buFont typeface="Arial" panose="020B0604020202020204" pitchFamily="34" charset="0"/>
+              <a:buChar char="•"/>
+            </a:pPr>
+            <a:r>
+              <a:rPr lang="de-DE" dirty="0">
+                <a:ea typeface="ＭＳ Ｐゴシック" pitchFamily="34" charset="-128"/>
+              </a:rPr>
               <a:t>Der Algorithmus benötigt n&gt;= 8 Punkte um eine valides Ergebnis liedern zu können.</a:t>
             </a:r>
           </a:p>
@@ -5452,6 +6913,130 @@
               </a:rPr>
               <a:t>Der entwickelte Algorithmus ist in der Lage aus einem Stereobildpaar extrinsische Kameraparameter zu bestimmen und anhand dessen die 3D-Szene zu rekonstruieren, jedoch unter der Voraussetzung, dass die intrinsischen Kameraparameter beider Kameras bekannt sind.</a:t>
             </a:r>
+          </a:p>
+          <a:p>
+            <a:pPr marL="171450" indent="-171450">
+              <a:buFont typeface="Arial" panose="020B0604020202020204" pitchFamily="34" charset="0"/>
+              <a:buChar char="•"/>
+            </a:pPr>
+            <a:endParaRPr lang="de-DE" sz="1200" b="0" i="0" u="none" strike="noStrike" kern="1200" baseline="0" dirty="0">
+              <a:solidFill>
+                <a:schemeClr val="tx1"/>
+              </a:solidFill>
+              <a:latin typeface="Arial" charset="0"/>
+              <a:ea typeface="ＭＳ Ｐゴシック" pitchFamily="-112" charset="-128"/>
+              <a:cs typeface="+mn-cs"/>
+            </a:endParaRPr>
+          </a:p>
+          <a:p>
+            <a:pPr marL="171450" indent="-171450">
+              <a:buFont typeface="Arial" panose="020B0604020202020204" pitchFamily="34" charset="0"/>
+              <a:buChar char="•"/>
+            </a:pPr>
+            <a:r>
+              <a:rPr lang="de-DE" sz="1200" b="0" i="0" u="none" strike="noStrike" kern="1200" baseline="0" dirty="0">
+                <a:solidFill>
+                  <a:schemeClr val="tx1"/>
+                </a:solidFill>
+                <a:latin typeface="Arial" charset="0"/>
+                <a:ea typeface="ＭＳ Ｐゴシック" pitchFamily="-112" charset="-128"/>
+                <a:cs typeface="+mn-cs"/>
+              </a:rPr>
+              <a:t>Das synthetische Beispiel ist wie in Abbildung rechts aufgebaut</a:t>
+            </a:r>
+          </a:p>
+          <a:p>
+            <a:pPr marL="628650" lvl="1" indent="-171450">
+              <a:buFont typeface="Arial" panose="020B0604020202020204" pitchFamily="34" charset="0"/>
+              <a:buChar char="•"/>
+            </a:pPr>
+            <a:r>
+              <a:rPr lang="de-DE" sz="1200" b="0" i="0" u="none" strike="noStrike" kern="1200" baseline="0" dirty="0">
+                <a:solidFill>
+                  <a:schemeClr val="tx1"/>
+                </a:solidFill>
+                <a:latin typeface="Arial" charset="0"/>
+                <a:ea typeface="ＭＳ Ｐゴシック" pitchFamily="-112" charset="-128"/>
+                <a:cs typeface="+mn-cs"/>
+              </a:rPr>
+              <a:t>Es wurde ein Quader definiert, jedes andere Objekt ist hier genauso denkbar</a:t>
+            </a:r>
+          </a:p>
+          <a:p>
+            <a:pPr marL="628650" lvl="1" indent="-171450">
+              <a:buFont typeface="Arial" panose="020B0604020202020204" pitchFamily="34" charset="0"/>
+              <a:buChar char="•"/>
+            </a:pPr>
+            <a:r>
+              <a:rPr lang="de-DE" sz="1200" b="0" i="0" u="none" strike="noStrike" kern="1200" baseline="0" dirty="0">
+                <a:solidFill>
+                  <a:schemeClr val="tx1"/>
+                </a:solidFill>
+                <a:latin typeface="Arial" charset="0"/>
+                <a:ea typeface="ＭＳ Ｐゴシック" pitchFamily="-112" charset="-128"/>
+                <a:cs typeface="+mn-cs"/>
+              </a:rPr>
+              <a:t>Der Quader wurde mathematisch auf die Bildebenen zweier beliebig platzierter Kameras projiziert</a:t>
+            </a:r>
+          </a:p>
+          <a:p>
+            <a:pPr marL="171450" lvl="0" indent="-171450">
+              <a:buFont typeface="Arial" panose="020B0604020202020204" pitchFamily="34" charset="0"/>
+              <a:buChar char="•"/>
+            </a:pPr>
+            <a:endParaRPr lang="de-DE" sz="1200" b="0" i="0" u="none" strike="noStrike" kern="1200" baseline="0" dirty="0">
+              <a:solidFill>
+                <a:schemeClr val="tx1"/>
+              </a:solidFill>
+              <a:latin typeface="Arial" charset="0"/>
+              <a:ea typeface="ＭＳ Ｐゴシック" pitchFamily="-112" charset="-128"/>
+              <a:cs typeface="+mn-cs"/>
+            </a:endParaRPr>
+          </a:p>
+          <a:p>
+            <a:pPr marL="171450" lvl="0" indent="-171450">
+              <a:buFont typeface="Arial" panose="020B0604020202020204" pitchFamily="34" charset="0"/>
+              <a:buChar char="•"/>
+            </a:pPr>
+            <a:r>
+              <a:rPr lang="de-DE" sz="1200" b="0" i="0" u="none" strike="noStrike" kern="1200" baseline="0" dirty="0">
+                <a:solidFill>
+                  <a:schemeClr val="tx1"/>
+                </a:solidFill>
+                <a:latin typeface="Arial" charset="0"/>
+                <a:ea typeface="ＭＳ Ｐゴシック" pitchFamily="-112" charset="-128"/>
+                <a:cs typeface="+mn-cs"/>
+              </a:rPr>
+              <a:t>Im folgenden soll der Arbeitsprozess des synthetischen Algorithmus vorgestellt werden</a:t>
+            </a:r>
+          </a:p>
+          <a:p>
+            <a:pPr marL="171450" indent="-171450">
+              <a:buFont typeface="Arial" panose="020B0604020202020204" pitchFamily="34" charset="0"/>
+              <a:buChar char="•"/>
+            </a:pPr>
+            <a:endParaRPr lang="de-DE" sz="1200" b="0" i="0" u="none" strike="noStrike" kern="1200" baseline="0" dirty="0">
+              <a:solidFill>
+                <a:schemeClr val="tx1"/>
+              </a:solidFill>
+              <a:latin typeface="Arial" charset="0"/>
+              <a:ea typeface="ＭＳ Ｐゴシック" pitchFamily="-112" charset="-128"/>
+              <a:cs typeface="+mn-cs"/>
+            </a:endParaRPr>
+          </a:p>
+          <a:p>
+            <a:pPr marL="171450" indent="-171450">
+              <a:buFont typeface="Arial" panose="020B0604020202020204" pitchFamily="34" charset="0"/>
+              <a:buChar char="•"/>
+            </a:pPr>
+            <a:endParaRPr lang="de-DE" sz="1200" b="0" i="0" u="none" strike="noStrike" kern="1200" baseline="0" dirty="0">
+              <a:solidFill>
+                <a:schemeClr val="tx1"/>
+              </a:solidFill>
+              <a:latin typeface="Arial" charset="0"/>
+              <a:ea typeface="ＭＳ Ｐゴシック" pitchFamily="-112" charset="-128"/>
+              <a:cs typeface="+mn-cs"/>
+            </a:endParaRPr>
           </a:p>
           <a:p>
             <a:pPr marL="171450" indent="-171450">
@@ -5835,7 +7420,7 @@
               <a:pPr>
                 <a:defRPr/>
               </a:pPr>
-              <a:t>26.06.2018</a:t>
+              <a:t>27.06.2018</a:t>
             </a:fld>
             <a:endParaRPr lang="de-DE" dirty="0"/>
           </a:p>
@@ -6245,7 +7830,7 @@
               <a:pPr>
                 <a:defRPr/>
               </a:pPr>
-              <a:t>26.06.2018</a:t>
+              <a:t>27.06.2018</a:t>
             </a:fld>
             <a:endParaRPr lang="de-DE" dirty="0"/>
           </a:p>
@@ -6680,7 +8265,7 @@
               <a:pPr>
                 <a:defRPr/>
               </a:pPr>
-              <a:t>26.06.2018</a:t>
+              <a:t>27.06.2018</a:t>
             </a:fld>
             <a:endParaRPr lang="de-DE" dirty="0"/>
           </a:p>
@@ -7132,7 +8717,7 @@
               <a:pPr>
                 <a:defRPr/>
               </a:pPr>
-              <a:t>26.06.2018</a:t>
+              <a:t>27.06.2018</a:t>
             </a:fld>
             <a:endParaRPr lang="de-DE" dirty="0"/>
           </a:p>
@@ -7275,7 +8860,7 @@
               <a:pPr>
                 <a:defRPr/>
               </a:pPr>
-              <a:t>26.06.2018</a:t>
+              <a:t>27.06.2018</a:t>
             </a:fld>
             <a:endParaRPr lang="de-DE" dirty="0"/>
           </a:p>
@@ -8018,7 +9603,7 @@
               <a:pPr>
                 <a:defRPr/>
               </a:pPr>
-              <a:t>26.06.2018</a:t>
+              <a:t>27.06.2018</a:t>
             </a:fld>
             <a:endParaRPr lang="de-DE" dirty="0"/>
           </a:p>
@@ -8603,7 +10188,7 @@
             </a:pPr>
             <a:r>
               <a:rPr lang="de-DE" dirty="0"/>
-              <a:t>Hochschule Furtwangen, </a:t>
+              <a:t>Hochschule Furtwangen</a:t>
             </a:r>
           </a:p>
         </p:txBody>
@@ -9089,42 +10674,6 @@
       </p:sp>
       <p:sp>
         <p:nvSpPr>
-          <p:cNvPr id="7" name="Footer Placeholder 4">
-            <a:extLst>
-              <a:ext uri="{FF2B5EF4-FFF2-40B4-BE49-F238E27FC236}">
-                <a16:creationId xmlns:a16="http://schemas.microsoft.com/office/drawing/2014/main" id="{C4C146E8-EC73-46FC-8B03-58FA3D7A2538}"/>
-              </a:ext>
-            </a:extLst>
-          </p:cNvPr>
-          <p:cNvSpPr>
-            <a:spLocks noGrp="1"/>
-          </p:cNvSpPr>
-          <p:nvPr>
-            <p:ph type="ftr" sz="quarter" idx="11"/>
-          </p:nvPr>
-        </p:nvSpPr>
-        <p:spPr>
-          <a:xfrm>
-            <a:off x="539750" y="6365875"/>
-            <a:ext cx="2016125" cy="365125"/>
-          </a:xfrm>
-        </p:spPr>
-        <p:txBody>
-          <a:bodyPr/>
-          <a:lstStyle/>
-          <a:p>
-            <a:pPr>
-              <a:defRPr/>
-            </a:pPr>
-            <a:r>
-              <a:rPr lang="de-DE" dirty="0"/>
-              <a:t>Hochschule Furtwangen, </a:t>
-            </a:r>
-          </a:p>
-        </p:txBody>
-      </p:sp>
-      <p:sp>
-        <p:nvSpPr>
           <p:cNvPr id="10" name="Date Placeholder 3">
             <a:extLst>
               <a:ext uri="{FF2B5EF4-FFF2-40B4-BE49-F238E27FC236}">
@@ -9381,6 +10930,42 @@
                 <a:cs typeface="Calibri" panose="020F0502020204030204" pitchFamily="34" charset="0"/>
               </a:rPr>
               <a:t>Synthetische Rekonstruktion</a:t>
+            </a:r>
+          </a:p>
+        </p:txBody>
+      </p:sp>
+      <p:sp>
+        <p:nvSpPr>
+          <p:cNvPr id="9" name="Footer Placeholder 4">
+            <a:extLst>
+              <a:ext uri="{FF2B5EF4-FFF2-40B4-BE49-F238E27FC236}">
+                <a16:creationId xmlns:a16="http://schemas.microsoft.com/office/drawing/2014/main" id="{F5CEFA4E-FF22-4CD8-B99D-22FB9604703C}"/>
+              </a:ext>
+            </a:extLst>
+          </p:cNvPr>
+          <p:cNvSpPr>
+            <a:spLocks noGrp="1"/>
+          </p:cNvSpPr>
+          <p:nvPr>
+            <p:ph type="ftr" sz="quarter" idx="11"/>
+          </p:nvPr>
+        </p:nvSpPr>
+        <p:spPr>
+          <a:xfrm>
+            <a:off x="539750" y="6365875"/>
+            <a:ext cx="2016125" cy="365125"/>
+          </a:xfrm>
+        </p:spPr>
+        <p:txBody>
+          <a:bodyPr/>
+          <a:lstStyle/>
+          <a:p>
+            <a:pPr>
+              <a:defRPr/>
+            </a:pPr>
+            <a:r>
+              <a:rPr lang="de-DE" dirty="0"/>
+              <a:t>Hochschule Furtwangen</a:t>
             </a:r>
           </a:p>
         </p:txBody>
@@ -9441,42 +11026,6 @@
       </p:sp>
       <p:sp>
         <p:nvSpPr>
-          <p:cNvPr id="7" name="Footer Placeholder 4">
-            <a:extLst>
-              <a:ext uri="{FF2B5EF4-FFF2-40B4-BE49-F238E27FC236}">
-                <a16:creationId xmlns:a16="http://schemas.microsoft.com/office/drawing/2014/main" id="{C4C146E8-EC73-46FC-8B03-58FA3D7A2538}"/>
-              </a:ext>
-            </a:extLst>
-          </p:cNvPr>
-          <p:cNvSpPr>
-            <a:spLocks noGrp="1"/>
-          </p:cNvSpPr>
-          <p:nvPr>
-            <p:ph type="ftr" sz="quarter" idx="11"/>
-          </p:nvPr>
-        </p:nvSpPr>
-        <p:spPr>
-          <a:xfrm>
-            <a:off x="539750" y="6365875"/>
-            <a:ext cx="2016125" cy="365125"/>
-          </a:xfrm>
-        </p:spPr>
-        <p:txBody>
-          <a:bodyPr/>
-          <a:lstStyle/>
-          <a:p>
-            <a:pPr>
-              <a:defRPr/>
-            </a:pPr>
-            <a:r>
-              <a:rPr lang="de-DE" dirty="0"/>
-              <a:t>Hochschule Furtwangen, </a:t>
-            </a:r>
-          </a:p>
-        </p:txBody>
-      </p:sp>
-      <p:sp>
-        <p:nvSpPr>
           <p:cNvPr id="10" name="Date Placeholder 3">
             <a:extLst>
               <a:ext uri="{FF2B5EF4-FFF2-40B4-BE49-F238E27FC236}">
@@ -9881,6 +11430,42 @@
           </a:prstGeom>
         </p:spPr>
       </p:pic>
+      <p:sp>
+        <p:nvSpPr>
+          <p:cNvPr id="15" name="Footer Placeholder 4">
+            <a:extLst>
+              <a:ext uri="{FF2B5EF4-FFF2-40B4-BE49-F238E27FC236}">
+                <a16:creationId xmlns:a16="http://schemas.microsoft.com/office/drawing/2014/main" id="{71D413E6-6E96-484A-A15C-CA2D515280EC}"/>
+              </a:ext>
+            </a:extLst>
+          </p:cNvPr>
+          <p:cNvSpPr>
+            <a:spLocks noGrp="1"/>
+          </p:cNvSpPr>
+          <p:nvPr>
+            <p:ph type="ftr" sz="quarter" idx="11"/>
+          </p:nvPr>
+        </p:nvSpPr>
+        <p:spPr>
+          <a:xfrm>
+            <a:off x="539750" y="6365875"/>
+            <a:ext cx="2016125" cy="365125"/>
+          </a:xfrm>
+        </p:spPr>
+        <p:txBody>
+          <a:bodyPr/>
+          <a:lstStyle/>
+          <a:p>
+            <a:pPr>
+              <a:defRPr/>
+            </a:pPr>
+            <a:r>
+              <a:rPr lang="de-DE" dirty="0"/>
+              <a:t>Hochschule Furtwangen</a:t>
+            </a:r>
+          </a:p>
+        </p:txBody>
+      </p:sp>
     </p:spTree>
     <p:extLst>
       <p:ext uri="{BB962C8B-B14F-4D97-AF65-F5344CB8AC3E}">
@@ -10119,42 +11704,6 @@
       </p:sp>
       <p:sp>
         <p:nvSpPr>
-          <p:cNvPr id="7" name="Footer Placeholder 4">
-            <a:extLst>
-              <a:ext uri="{FF2B5EF4-FFF2-40B4-BE49-F238E27FC236}">
-                <a16:creationId xmlns:a16="http://schemas.microsoft.com/office/drawing/2014/main" id="{C4C146E8-EC73-46FC-8B03-58FA3D7A2538}"/>
-              </a:ext>
-            </a:extLst>
-          </p:cNvPr>
-          <p:cNvSpPr>
-            <a:spLocks noGrp="1"/>
-          </p:cNvSpPr>
-          <p:nvPr>
-            <p:ph type="ftr" sz="quarter" idx="11"/>
-          </p:nvPr>
-        </p:nvSpPr>
-        <p:spPr>
-          <a:xfrm>
-            <a:off x="539750" y="6365875"/>
-            <a:ext cx="2016125" cy="365125"/>
-          </a:xfrm>
-        </p:spPr>
-        <p:txBody>
-          <a:bodyPr/>
-          <a:lstStyle/>
-          <a:p>
-            <a:pPr>
-              <a:defRPr/>
-            </a:pPr>
-            <a:r>
-              <a:rPr lang="de-DE" dirty="0"/>
-              <a:t>Hochschule Furtwangen, </a:t>
-            </a:r>
-          </a:p>
-        </p:txBody>
-      </p:sp>
-      <p:sp>
-        <p:nvSpPr>
           <p:cNvPr id="10" name="Date Placeholder 3">
             <a:extLst>
               <a:ext uri="{FF2B5EF4-FFF2-40B4-BE49-F238E27FC236}">
@@ -10451,6 +12000,92 @@
           </a:prstGeom>
         </p:spPr>
       </p:pic>
+      <p:sp>
+        <p:nvSpPr>
+          <p:cNvPr id="9" name="Footer Placeholder 4">
+            <a:extLst>
+              <a:ext uri="{FF2B5EF4-FFF2-40B4-BE49-F238E27FC236}">
+                <a16:creationId xmlns:a16="http://schemas.microsoft.com/office/drawing/2014/main" id="{B4884C8D-AA24-493D-A16A-ADF4C6C62254}"/>
+              </a:ext>
+            </a:extLst>
+          </p:cNvPr>
+          <p:cNvSpPr>
+            <a:spLocks noGrp="1"/>
+          </p:cNvSpPr>
+          <p:nvPr>
+            <p:ph type="ftr" sz="quarter" idx="11"/>
+          </p:nvPr>
+        </p:nvSpPr>
+        <p:spPr>
+          <a:xfrm>
+            <a:off x="539750" y="6365875"/>
+            <a:ext cx="2016125" cy="365125"/>
+          </a:xfrm>
+        </p:spPr>
+        <p:txBody>
+          <a:bodyPr/>
+          <a:lstStyle/>
+          <a:p>
+            <a:pPr>
+              <a:defRPr/>
+            </a:pPr>
+            <a:r>
+              <a:rPr lang="de-DE" dirty="0"/>
+              <a:t>Hochschule Furtwangen</a:t>
+            </a:r>
+          </a:p>
+        </p:txBody>
+      </p:sp>
+      <p:pic>
+        <p:nvPicPr>
+          <p:cNvPr id="5" name="Picture 4">
+            <a:extLst>
+              <a:ext uri="{FF2B5EF4-FFF2-40B4-BE49-F238E27FC236}">
+                <a16:creationId xmlns:a16="http://schemas.microsoft.com/office/drawing/2014/main" id="{4EF65408-3961-455A-97DE-45FF726737E0}"/>
+              </a:ext>
+            </a:extLst>
+          </p:cNvPr>
+          <p:cNvPicPr>
+            <a:picLocks noChangeAspect="1"/>
+          </p:cNvPicPr>
+          <p:nvPr/>
+        </p:nvPicPr>
+        <p:blipFill>
+          <a:blip r:embed="rId6">
+            <a:extLst>
+              <a:ext uri="{28A0092B-C50C-407E-A947-70E740481C1C}">
+                <a14:useLocalDpi xmlns:a14="http://schemas.microsoft.com/office/drawing/2010/main" val="0"/>
+              </a:ext>
+            </a:extLst>
+          </a:blip>
+          <a:stretch>
+            <a:fillRect/>
+          </a:stretch>
+        </p:blipFill>
+        <p:spPr>
+          <a:xfrm>
+            <a:off x="3267238" y="2403912"/>
+            <a:ext cx="2609524" cy="628571"/>
+          </a:xfrm>
+          <a:prstGeom prst="rect">
+            <a:avLst/>
+          </a:prstGeom>
+          <a:ln w="38100" cap="sq">
+            <a:solidFill>
+              <a:srgbClr val="FF0000"/>
+            </a:solidFill>
+            <a:prstDash val="solid"/>
+            <a:miter lim="800000"/>
+          </a:ln>
+          <a:effectLst>
+            <a:outerShdw blurRad="50800" dist="38100" dir="2700000" algn="tl" rotWithShape="0">
+              <a:srgbClr val="000000">
+                <a:alpha val="43000"/>
+              </a:srgbClr>
+            </a:outerShdw>
+          </a:effectLst>
+        </p:spPr>
+      </p:pic>
     </p:spTree>
     <p:extLst>
       <p:ext uri="{BB962C8B-B14F-4D97-AF65-F5344CB8AC3E}">
@@ -10461,6 +12096,81 @@
   <p:clrMapOvr>
     <a:masterClrMapping/>
   </p:clrMapOvr>
+  <p:timing>
+    <p:tnLst>
+      <p:par>
+        <p:cTn id="1" dur="indefinite" restart="never" nodeType="tmRoot">
+          <p:childTnLst>
+            <p:seq concurrent="1" nextAc="seek">
+              <p:cTn id="2" dur="indefinite" nodeType="mainSeq">
+                <p:childTnLst>
+                  <p:par>
+                    <p:cTn id="3" fill="hold">
+                      <p:stCondLst>
+                        <p:cond delay="indefinite"/>
+                      </p:stCondLst>
+                      <p:childTnLst>
+                        <p:par>
+                          <p:cTn id="4" fill="hold">
+                            <p:stCondLst>
+                              <p:cond delay="0"/>
+                            </p:stCondLst>
+                            <p:childTnLst>
+                              <p:par>
+                                <p:cTn id="5" presetID="1" presetClass="entr" presetSubtype="0" fill="hold" nodeType="clickEffect">
+                                  <p:stCondLst>
+                                    <p:cond delay="0"/>
+                                  </p:stCondLst>
+                                  <p:childTnLst>
+                                    <p:set>
+                                      <p:cBhvr>
+                                        <p:cTn id="6" dur="1" fill="hold">
+                                          <p:stCondLst>
+                                            <p:cond delay="0"/>
+                                          </p:stCondLst>
+                                        </p:cTn>
+                                        <p:tgtEl>
+                                          <p:spTgt spid="5"/>
+                                        </p:tgtEl>
+                                        <p:attrNameLst>
+                                          <p:attrName>style.visibility</p:attrName>
+                                        </p:attrNameLst>
+                                      </p:cBhvr>
+                                      <p:to>
+                                        <p:strVal val="visible"/>
+                                      </p:to>
+                                    </p:set>
+                                  </p:childTnLst>
+                                </p:cTn>
+                              </p:par>
+                            </p:childTnLst>
+                          </p:cTn>
+                        </p:par>
+                      </p:childTnLst>
+                    </p:cTn>
+                  </p:par>
+                </p:childTnLst>
+              </p:cTn>
+              <p:prevCondLst>
+                <p:cond evt="onPrev" delay="0">
+                  <p:tgtEl>
+                    <p:sldTgt/>
+                  </p:tgtEl>
+                </p:cond>
+              </p:prevCondLst>
+              <p:nextCondLst>
+                <p:cond evt="onNext" delay="0">
+                  <p:tgtEl>
+                    <p:sldTgt/>
+                  </p:tgtEl>
+                </p:cond>
+              </p:nextCondLst>
+            </p:seq>
+          </p:childTnLst>
+        </p:cTn>
+      </p:par>
+    </p:tnLst>
+  </p:timing>
 </p:sld>
 </file>
 
@@ -10502,42 +12212,6 @@
               <a:t>13</a:t>
             </a:fld>
             <a:endParaRPr lang="de-DE"/>
-          </a:p>
-        </p:txBody>
-      </p:sp>
-      <p:sp>
-        <p:nvSpPr>
-          <p:cNvPr id="7" name="Footer Placeholder 4">
-            <a:extLst>
-              <a:ext uri="{FF2B5EF4-FFF2-40B4-BE49-F238E27FC236}">
-                <a16:creationId xmlns:a16="http://schemas.microsoft.com/office/drawing/2014/main" id="{C4C146E8-EC73-46FC-8B03-58FA3D7A2538}"/>
-              </a:ext>
-            </a:extLst>
-          </p:cNvPr>
-          <p:cNvSpPr>
-            <a:spLocks noGrp="1"/>
-          </p:cNvSpPr>
-          <p:nvPr>
-            <p:ph type="ftr" sz="quarter" idx="11"/>
-          </p:nvPr>
-        </p:nvSpPr>
-        <p:spPr>
-          <a:xfrm>
-            <a:off x="539750" y="6365875"/>
-            <a:ext cx="2016125" cy="365125"/>
-          </a:xfrm>
-        </p:spPr>
-        <p:txBody>
-          <a:bodyPr/>
-          <a:lstStyle/>
-          <a:p>
-            <a:pPr>
-              <a:defRPr/>
-            </a:pPr>
-            <a:r>
-              <a:rPr lang="de-DE" dirty="0"/>
-              <a:t>Hochschule Furtwangen, </a:t>
-            </a:r>
           </a:p>
         </p:txBody>
       </p:sp>
@@ -10613,6 +12287,42 @@
           </a:prstGeom>
         </p:spPr>
       </p:pic>
+      <p:sp>
+        <p:nvSpPr>
+          <p:cNvPr id="6" name="Footer Placeholder 4">
+            <a:extLst>
+              <a:ext uri="{FF2B5EF4-FFF2-40B4-BE49-F238E27FC236}">
+                <a16:creationId xmlns:a16="http://schemas.microsoft.com/office/drawing/2014/main" id="{9C4ED39C-10A0-4C1E-BAD9-1BEB02EEDBA0}"/>
+              </a:ext>
+            </a:extLst>
+          </p:cNvPr>
+          <p:cNvSpPr>
+            <a:spLocks noGrp="1"/>
+          </p:cNvSpPr>
+          <p:nvPr>
+            <p:ph type="ftr" sz="quarter" idx="11"/>
+          </p:nvPr>
+        </p:nvSpPr>
+        <p:spPr>
+          <a:xfrm>
+            <a:off x="539750" y="6365875"/>
+            <a:ext cx="2016125" cy="365125"/>
+          </a:xfrm>
+        </p:spPr>
+        <p:txBody>
+          <a:bodyPr/>
+          <a:lstStyle/>
+          <a:p>
+            <a:pPr>
+              <a:defRPr/>
+            </a:pPr>
+            <a:r>
+              <a:rPr lang="de-DE" dirty="0"/>
+              <a:t>Hochschule Furtwangen</a:t>
+            </a:r>
+          </a:p>
+        </p:txBody>
+      </p:sp>
     </p:spTree>
     <p:extLst>
       <p:ext uri="{BB962C8B-B14F-4D97-AF65-F5344CB8AC3E}">
@@ -10669,42 +12379,6 @@
       </p:sp>
       <p:sp>
         <p:nvSpPr>
-          <p:cNvPr id="7" name="Footer Placeholder 4">
-            <a:extLst>
-              <a:ext uri="{FF2B5EF4-FFF2-40B4-BE49-F238E27FC236}">
-                <a16:creationId xmlns:a16="http://schemas.microsoft.com/office/drawing/2014/main" id="{C4C146E8-EC73-46FC-8B03-58FA3D7A2538}"/>
-              </a:ext>
-            </a:extLst>
-          </p:cNvPr>
-          <p:cNvSpPr>
-            <a:spLocks noGrp="1"/>
-          </p:cNvSpPr>
-          <p:nvPr>
-            <p:ph type="ftr" sz="quarter" idx="11"/>
-          </p:nvPr>
-        </p:nvSpPr>
-        <p:spPr>
-          <a:xfrm>
-            <a:off x="539750" y="6365875"/>
-            <a:ext cx="2016125" cy="365125"/>
-          </a:xfrm>
-        </p:spPr>
-        <p:txBody>
-          <a:bodyPr/>
-          <a:lstStyle/>
-          <a:p>
-            <a:pPr>
-              <a:defRPr/>
-            </a:pPr>
-            <a:r>
-              <a:rPr lang="de-DE" dirty="0"/>
-              <a:t>Hochschule Furtwangen, </a:t>
-            </a:r>
-          </a:p>
-        </p:txBody>
-      </p:sp>
-      <p:sp>
-        <p:nvSpPr>
           <p:cNvPr id="10" name="Date Placeholder 3">
             <a:extLst>
               <a:ext uri="{FF2B5EF4-FFF2-40B4-BE49-F238E27FC236}">
@@ -11049,6 +12723,42 @@
           </a:prstGeom>
         </p:spPr>
       </p:pic>
+      <p:sp>
+        <p:nvSpPr>
+          <p:cNvPr id="13" name="Footer Placeholder 4">
+            <a:extLst>
+              <a:ext uri="{FF2B5EF4-FFF2-40B4-BE49-F238E27FC236}">
+                <a16:creationId xmlns:a16="http://schemas.microsoft.com/office/drawing/2014/main" id="{C80009B9-91F4-4155-895E-B525B64103AB}"/>
+              </a:ext>
+            </a:extLst>
+          </p:cNvPr>
+          <p:cNvSpPr>
+            <a:spLocks noGrp="1"/>
+          </p:cNvSpPr>
+          <p:nvPr>
+            <p:ph type="ftr" sz="quarter" idx="11"/>
+          </p:nvPr>
+        </p:nvSpPr>
+        <p:spPr>
+          <a:xfrm>
+            <a:off x="539750" y="6365875"/>
+            <a:ext cx="2016125" cy="365125"/>
+          </a:xfrm>
+        </p:spPr>
+        <p:txBody>
+          <a:bodyPr/>
+          <a:lstStyle/>
+          <a:p>
+            <a:pPr>
+              <a:defRPr/>
+            </a:pPr>
+            <a:r>
+              <a:rPr lang="de-DE" dirty="0"/>
+              <a:t>Hochschule Furtwangen</a:t>
+            </a:r>
+          </a:p>
+        </p:txBody>
+      </p:sp>
     </p:spTree>
     <p:extLst>
       <p:ext uri="{BB962C8B-B14F-4D97-AF65-F5344CB8AC3E}">
@@ -11207,42 +12917,6 @@
       </p:sp>
       <p:sp>
         <p:nvSpPr>
-          <p:cNvPr id="7" name="Footer Placeholder 4">
-            <a:extLst>
-              <a:ext uri="{FF2B5EF4-FFF2-40B4-BE49-F238E27FC236}">
-                <a16:creationId xmlns:a16="http://schemas.microsoft.com/office/drawing/2014/main" id="{C4C146E8-EC73-46FC-8B03-58FA3D7A2538}"/>
-              </a:ext>
-            </a:extLst>
-          </p:cNvPr>
-          <p:cNvSpPr>
-            <a:spLocks noGrp="1"/>
-          </p:cNvSpPr>
-          <p:nvPr>
-            <p:ph type="ftr" sz="quarter" idx="11"/>
-          </p:nvPr>
-        </p:nvSpPr>
-        <p:spPr>
-          <a:xfrm>
-            <a:off x="539750" y="6365875"/>
-            <a:ext cx="2016125" cy="365125"/>
-          </a:xfrm>
-        </p:spPr>
-        <p:txBody>
-          <a:bodyPr/>
-          <a:lstStyle/>
-          <a:p>
-            <a:pPr>
-              <a:defRPr/>
-            </a:pPr>
-            <a:r>
-              <a:rPr lang="de-DE" dirty="0"/>
-              <a:t>Hochschule Furtwangen, </a:t>
-            </a:r>
-          </a:p>
-        </p:txBody>
-      </p:sp>
-      <p:sp>
-        <p:nvSpPr>
           <p:cNvPr id="10" name="Date Placeholder 3">
             <a:extLst>
               <a:ext uri="{FF2B5EF4-FFF2-40B4-BE49-F238E27FC236}">
@@ -11527,6 +13201,42 @@
           </a:prstGeom>
         </p:spPr>
       </p:pic>
+      <p:sp>
+        <p:nvSpPr>
+          <p:cNvPr id="9" name="Footer Placeholder 4">
+            <a:extLst>
+              <a:ext uri="{FF2B5EF4-FFF2-40B4-BE49-F238E27FC236}">
+                <a16:creationId xmlns:a16="http://schemas.microsoft.com/office/drawing/2014/main" id="{E96CE980-5ED1-42F3-8346-654E239D796E}"/>
+              </a:ext>
+            </a:extLst>
+          </p:cNvPr>
+          <p:cNvSpPr>
+            <a:spLocks noGrp="1"/>
+          </p:cNvSpPr>
+          <p:nvPr>
+            <p:ph type="ftr" sz="quarter" idx="11"/>
+          </p:nvPr>
+        </p:nvSpPr>
+        <p:spPr>
+          <a:xfrm>
+            <a:off x="539750" y="6365875"/>
+            <a:ext cx="2016125" cy="365125"/>
+          </a:xfrm>
+        </p:spPr>
+        <p:txBody>
+          <a:bodyPr/>
+          <a:lstStyle/>
+          <a:p>
+            <a:pPr>
+              <a:defRPr/>
+            </a:pPr>
+            <a:r>
+              <a:rPr lang="de-DE" dirty="0"/>
+              <a:t>Hochschule Furtwangen</a:t>
+            </a:r>
+          </a:p>
+        </p:txBody>
+      </p:sp>
     </p:spTree>
     <p:extLst>
       <p:ext uri="{BB962C8B-B14F-4D97-AF65-F5344CB8AC3E}">
@@ -11634,6 +13344,1242 @@
       </p:grpSpPr>
       <p:sp>
         <p:nvSpPr>
+          <p:cNvPr id="15367" name="Foliennummernplatzhalter 3"/>
+          <p:cNvSpPr>
+            <a:spLocks noGrp="1"/>
+          </p:cNvSpPr>
+          <p:nvPr>
+            <p:ph type="sldNum" sz="quarter" idx="12"/>
+          </p:nvPr>
+        </p:nvSpPr>
+        <p:spPr/>
+        <p:txBody>
+          <a:bodyPr/>
+          <a:lstStyle/>
+          <a:p>
+            <a:fld id="{00A3E6BF-A18C-4ADA-B4DF-837CA5AC6C3B}" type="slidenum">
+              <a:rPr lang="de-DE" smtClean="0"/>
+              <a:pPr/>
+              <a:t>16</a:t>
+            </a:fld>
+            <a:endParaRPr lang="de-DE"/>
+          </a:p>
+        </p:txBody>
+      </p:sp>
+      <p:sp>
+        <p:nvSpPr>
+          <p:cNvPr id="10" name="Date Placeholder 3">
+            <a:extLst>
+              <a:ext uri="{FF2B5EF4-FFF2-40B4-BE49-F238E27FC236}">
+                <a16:creationId xmlns:a16="http://schemas.microsoft.com/office/drawing/2014/main" id="{9B700400-1A71-4C80-BEBE-35AB1FB575DB}"/>
+              </a:ext>
+            </a:extLst>
+          </p:cNvPr>
+          <p:cNvSpPr>
+            <a:spLocks noGrp="1"/>
+          </p:cNvSpPr>
+          <p:nvPr>
+            <p:ph type="dt" sz="half" idx="10"/>
+          </p:nvPr>
+        </p:nvSpPr>
+        <p:spPr>
+          <a:xfrm>
+            <a:off x="7667625" y="6378575"/>
+            <a:ext cx="865188" cy="365125"/>
+          </a:xfrm>
+        </p:spPr>
+        <p:txBody>
+          <a:bodyPr/>
+          <a:lstStyle/>
+          <a:p>
+            <a:pPr>
+              <a:defRPr/>
+            </a:pPr>
+            <a:r>
+              <a:rPr lang="de-DE" dirty="0"/>
+              <a:t>04.07.18</a:t>
+            </a:r>
+          </a:p>
+        </p:txBody>
+      </p:sp>
+      <p:sp>
+        <p:nvSpPr>
+          <p:cNvPr id="8" name="Title 8">
+            <a:extLst>
+              <a:ext uri="{FF2B5EF4-FFF2-40B4-BE49-F238E27FC236}">
+                <a16:creationId xmlns:a16="http://schemas.microsoft.com/office/drawing/2014/main" id="{5BE2C875-9F41-46E9-AA81-E10B28EBD98E}"/>
+              </a:ext>
+            </a:extLst>
+          </p:cNvPr>
+          <p:cNvSpPr txBox="1">
+            <a:spLocks/>
+          </p:cNvSpPr>
+          <p:nvPr/>
+        </p:nvSpPr>
+        <p:spPr bwMode="auto">
+          <a:xfrm>
+            <a:off x="623888" y="547688"/>
+            <a:ext cx="7772400" cy="533400"/>
+          </a:xfrm>
+          <a:prstGeom prst="rect">
+            <a:avLst/>
+          </a:prstGeom>
+          <a:noFill/>
+          <a:ln w="9525">
+            <a:noFill/>
+            <a:miter lim="800000"/>
+            <a:headEnd/>
+            <a:tailEnd/>
+          </a:ln>
+        </p:spPr>
+        <p:txBody>
+          <a:bodyPr vert="horz" wrap="square" lIns="0" tIns="0" rIns="0" bIns="0" numCol="1" anchor="ctr" anchorCtr="0" compatLnSpc="1">
+            <a:prstTxWarp prst="textNoShape">
+              <a:avLst/>
+            </a:prstTxWarp>
+          </a:bodyPr>
+          <a:lstStyle>
+            <a:lvl1pPr algn="l" rtl="0" eaLnBrk="0" fontAlgn="base" hangingPunct="0">
+              <a:spcBef>
+                <a:spcPct val="0"/>
+              </a:spcBef>
+              <a:spcAft>
+                <a:spcPct val="0"/>
+              </a:spcAft>
+              <a:defRPr sz="2800">
+                <a:solidFill>
+                  <a:srgbClr val="444A4B"/>
+                </a:solidFill>
+                <a:latin typeface="+mj-lt"/>
+                <a:ea typeface="+mj-ea"/>
+                <a:cs typeface="+mj-cs"/>
+              </a:defRPr>
+            </a:lvl1pPr>
+            <a:lvl2pPr algn="l" rtl="0" eaLnBrk="0" fontAlgn="base" hangingPunct="0">
+              <a:spcBef>
+                <a:spcPct val="0"/>
+              </a:spcBef>
+              <a:spcAft>
+                <a:spcPct val="0"/>
+              </a:spcAft>
+              <a:defRPr sz="2800">
+                <a:solidFill>
+                  <a:srgbClr val="444A4B"/>
+                </a:solidFill>
+                <a:latin typeface="Arial Narrow" pitchFamily="-112" charset="0"/>
+                <a:ea typeface="ＭＳ Ｐゴシック" pitchFamily="-112" charset="-128"/>
+              </a:defRPr>
+            </a:lvl2pPr>
+            <a:lvl3pPr algn="l" rtl="0" eaLnBrk="0" fontAlgn="base" hangingPunct="0">
+              <a:spcBef>
+                <a:spcPct val="0"/>
+              </a:spcBef>
+              <a:spcAft>
+                <a:spcPct val="0"/>
+              </a:spcAft>
+              <a:defRPr sz="2800">
+                <a:solidFill>
+                  <a:srgbClr val="444A4B"/>
+                </a:solidFill>
+                <a:latin typeface="Arial Narrow" pitchFamily="-112" charset="0"/>
+                <a:ea typeface="ＭＳ Ｐゴシック" pitchFamily="-112" charset="-128"/>
+              </a:defRPr>
+            </a:lvl3pPr>
+            <a:lvl4pPr algn="l" rtl="0" eaLnBrk="0" fontAlgn="base" hangingPunct="0">
+              <a:spcBef>
+                <a:spcPct val="0"/>
+              </a:spcBef>
+              <a:spcAft>
+                <a:spcPct val="0"/>
+              </a:spcAft>
+              <a:defRPr sz="2800">
+                <a:solidFill>
+                  <a:srgbClr val="444A4B"/>
+                </a:solidFill>
+                <a:latin typeface="Arial Narrow" pitchFamily="-112" charset="0"/>
+                <a:ea typeface="ＭＳ Ｐゴシック" pitchFamily="-112" charset="-128"/>
+              </a:defRPr>
+            </a:lvl4pPr>
+            <a:lvl5pPr algn="l" rtl="0" eaLnBrk="0" fontAlgn="base" hangingPunct="0">
+              <a:spcBef>
+                <a:spcPct val="0"/>
+              </a:spcBef>
+              <a:spcAft>
+                <a:spcPct val="0"/>
+              </a:spcAft>
+              <a:defRPr sz="2800">
+                <a:solidFill>
+                  <a:srgbClr val="444A4B"/>
+                </a:solidFill>
+                <a:latin typeface="Arial Narrow" pitchFamily="-112" charset="0"/>
+                <a:ea typeface="ＭＳ Ｐゴシック" pitchFamily="-112" charset="-128"/>
+              </a:defRPr>
+            </a:lvl5pPr>
+            <a:lvl6pPr marL="457200" algn="l" rtl="0" fontAlgn="base">
+              <a:spcBef>
+                <a:spcPct val="0"/>
+              </a:spcBef>
+              <a:spcAft>
+                <a:spcPct val="0"/>
+              </a:spcAft>
+              <a:defRPr sz="2800">
+                <a:solidFill>
+                  <a:srgbClr val="444A4B"/>
+                </a:solidFill>
+                <a:latin typeface="Arial Narrow" pitchFamily="-112" charset="0"/>
+                <a:ea typeface="ＭＳ Ｐゴシック" pitchFamily="-112" charset="-128"/>
+              </a:defRPr>
+            </a:lvl6pPr>
+            <a:lvl7pPr marL="914400" algn="l" rtl="0" fontAlgn="base">
+              <a:spcBef>
+                <a:spcPct val="0"/>
+              </a:spcBef>
+              <a:spcAft>
+                <a:spcPct val="0"/>
+              </a:spcAft>
+              <a:defRPr sz="2800">
+                <a:solidFill>
+                  <a:srgbClr val="444A4B"/>
+                </a:solidFill>
+                <a:latin typeface="Arial Narrow" pitchFamily="-112" charset="0"/>
+                <a:ea typeface="ＭＳ Ｐゴシック" pitchFamily="-112" charset="-128"/>
+              </a:defRPr>
+            </a:lvl7pPr>
+            <a:lvl8pPr marL="1371600" algn="l" rtl="0" fontAlgn="base">
+              <a:spcBef>
+                <a:spcPct val="0"/>
+              </a:spcBef>
+              <a:spcAft>
+                <a:spcPct val="0"/>
+              </a:spcAft>
+              <a:defRPr sz="2800">
+                <a:solidFill>
+                  <a:srgbClr val="444A4B"/>
+                </a:solidFill>
+                <a:latin typeface="Arial Narrow" pitchFamily="-112" charset="0"/>
+                <a:ea typeface="ＭＳ Ｐゴシック" pitchFamily="-112" charset="-128"/>
+              </a:defRPr>
+            </a:lvl8pPr>
+            <a:lvl9pPr marL="1828800" algn="l" rtl="0" fontAlgn="base">
+              <a:spcBef>
+                <a:spcPct val="0"/>
+              </a:spcBef>
+              <a:spcAft>
+                <a:spcPct val="0"/>
+              </a:spcAft>
+              <a:defRPr sz="2800">
+                <a:solidFill>
+                  <a:srgbClr val="444A4B"/>
+                </a:solidFill>
+                <a:latin typeface="Arial Narrow" pitchFamily="-112" charset="0"/>
+                <a:ea typeface="ＭＳ Ｐゴシック" pitchFamily="-112" charset="-128"/>
+              </a:defRPr>
+            </a:lvl9pPr>
+          </a:lstStyle>
+          <a:p>
+            <a:pPr>
+              <a:lnSpc>
+                <a:spcPct val="100000"/>
+              </a:lnSpc>
+            </a:pPr>
+            <a:r>
+              <a:rPr lang="de-DE" b="1" u="none" kern="0" dirty="0">
+                <a:latin typeface="Calibri" panose="020F0502020204030204" pitchFamily="34" charset="0"/>
+                <a:cs typeface="Calibri" panose="020F0502020204030204" pitchFamily="34" charset="0"/>
+              </a:rPr>
+              <a:t>Auswirkung unterschiedlicher Auflösungen </a:t>
+            </a:r>
+          </a:p>
+          <a:p>
+            <a:pPr>
+              <a:lnSpc>
+                <a:spcPct val="100000"/>
+              </a:lnSpc>
+            </a:pPr>
+            <a:r>
+              <a:rPr lang="de-DE" b="1" u="none" kern="0" dirty="0">
+                <a:latin typeface="Calibri" panose="020F0502020204030204" pitchFamily="34" charset="0"/>
+                <a:cs typeface="Calibri" panose="020F0502020204030204" pitchFamily="34" charset="0"/>
+              </a:rPr>
+              <a:t>der Kameras</a:t>
+            </a:r>
+          </a:p>
+        </p:txBody>
+      </p:sp>
+      <p:pic>
+        <p:nvPicPr>
+          <p:cNvPr id="2" name="Picture 1">
+            <a:extLst>
+              <a:ext uri="{FF2B5EF4-FFF2-40B4-BE49-F238E27FC236}">
+                <a16:creationId xmlns:a16="http://schemas.microsoft.com/office/drawing/2014/main" id="{458877C3-ADE2-4A72-B2DD-DD15C8D89FD3}"/>
+              </a:ext>
+            </a:extLst>
+          </p:cNvPr>
+          <p:cNvPicPr>
+            <a:picLocks noChangeAspect="1"/>
+          </p:cNvPicPr>
+          <p:nvPr/>
+        </p:nvPicPr>
+        <p:blipFill>
+          <a:blip r:embed="rId3"/>
+          <a:stretch>
+            <a:fillRect/>
+          </a:stretch>
+        </p:blipFill>
+        <p:spPr>
+          <a:xfrm>
+            <a:off x="0" y="1736346"/>
+            <a:ext cx="9144000" cy="3385307"/>
+          </a:xfrm>
+          <a:prstGeom prst="rect">
+            <a:avLst/>
+          </a:prstGeom>
+        </p:spPr>
+      </p:pic>
+      <p:sp>
+        <p:nvSpPr>
+          <p:cNvPr id="11" name="Footer Placeholder 4">
+            <a:extLst>
+              <a:ext uri="{FF2B5EF4-FFF2-40B4-BE49-F238E27FC236}">
+                <a16:creationId xmlns:a16="http://schemas.microsoft.com/office/drawing/2014/main" id="{0BFC3921-CBC7-445E-B16A-5DE0A9B3410E}"/>
+              </a:ext>
+            </a:extLst>
+          </p:cNvPr>
+          <p:cNvSpPr>
+            <a:spLocks noGrp="1"/>
+          </p:cNvSpPr>
+          <p:nvPr>
+            <p:ph type="ftr" sz="quarter" idx="11"/>
+          </p:nvPr>
+        </p:nvSpPr>
+        <p:spPr>
+          <a:xfrm>
+            <a:off x="539750" y="6365875"/>
+            <a:ext cx="2016125" cy="365125"/>
+          </a:xfrm>
+        </p:spPr>
+        <p:txBody>
+          <a:bodyPr/>
+          <a:lstStyle/>
+          <a:p>
+            <a:pPr>
+              <a:defRPr/>
+            </a:pPr>
+            <a:r>
+              <a:rPr lang="de-DE" dirty="0"/>
+              <a:t>Hochschule Furtwangen</a:t>
+            </a:r>
+          </a:p>
+        </p:txBody>
+      </p:sp>
+    </p:spTree>
+    <p:extLst>
+      <p:ext uri="{BB962C8B-B14F-4D97-AF65-F5344CB8AC3E}">
+        <p14:creationId xmlns:p14="http://schemas.microsoft.com/office/powerpoint/2010/main" val="3921762830"/>
+      </p:ext>
+    </p:extLst>
+  </p:cSld>
+  <p:clrMapOvr>
+    <a:masterClrMapping/>
+  </p:clrMapOvr>
+</p:sld>
+</file>
+
+<file path=ppt/slides/slide17.xml><?xml version="1.0" encoding="utf-8"?>
+<p:sld xmlns:a="http://schemas.openxmlformats.org/drawingml/2006/main" xmlns:r="http://schemas.openxmlformats.org/officeDocument/2006/relationships" xmlns:p="http://schemas.openxmlformats.org/presentationml/2006/main">
+  <p:cSld>
+    <p:spTree>
+      <p:nvGrpSpPr>
+        <p:cNvPr id="1" name=""/>
+        <p:cNvGrpSpPr/>
+        <p:nvPr/>
+      </p:nvGrpSpPr>
+      <p:grpSpPr>
+        <a:xfrm>
+          <a:off x="0" y="0"/>
+          <a:ext cx="0" cy="0"/>
+          <a:chOff x="0" y="0"/>
+          <a:chExt cx="0" cy="0"/>
+        </a:xfrm>
+      </p:grpSpPr>
+      <p:sp>
+        <p:nvSpPr>
+          <p:cNvPr id="15367" name="Foliennummernplatzhalter 3"/>
+          <p:cNvSpPr>
+            <a:spLocks noGrp="1"/>
+          </p:cNvSpPr>
+          <p:nvPr>
+            <p:ph type="sldNum" sz="quarter" idx="12"/>
+          </p:nvPr>
+        </p:nvSpPr>
+        <p:spPr/>
+        <p:txBody>
+          <a:bodyPr/>
+          <a:lstStyle/>
+          <a:p>
+            <a:fld id="{00A3E6BF-A18C-4ADA-B4DF-837CA5AC6C3B}" type="slidenum">
+              <a:rPr lang="de-DE" smtClean="0"/>
+              <a:pPr/>
+              <a:t>17</a:t>
+            </a:fld>
+            <a:endParaRPr lang="de-DE"/>
+          </a:p>
+        </p:txBody>
+      </p:sp>
+      <p:sp>
+        <p:nvSpPr>
+          <p:cNvPr id="10" name="Date Placeholder 3">
+            <a:extLst>
+              <a:ext uri="{FF2B5EF4-FFF2-40B4-BE49-F238E27FC236}">
+                <a16:creationId xmlns:a16="http://schemas.microsoft.com/office/drawing/2014/main" id="{9B700400-1A71-4C80-BEBE-35AB1FB575DB}"/>
+              </a:ext>
+            </a:extLst>
+          </p:cNvPr>
+          <p:cNvSpPr>
+            <a:spLocks noGrp="1"/>
+          </p:cNvSpPr>
+          <p:nvPr>
+            <p:ph type="dt" sz="half" idx="10"/>
+          </p:nvPr>
+        </p:nvSpPr>
+        <p:spPr>
+          <a:xfrm>
+            <a:off x="7667625" y="6378575"/>
+            <a:ext cx="865188" cy="365125"/>
+          </a:xfrm>
+        </p:spPr>
+        <p:txBody>
+          <a:bodyPr/>
+          <a:lstStyle/>
+          <a:p>
+            <a:pPr>
+              <a:defRPr/>
+            </a:pPr>
+            <a:r>
+              <a:rPr lang="de-DE" dirty="0"/>
+              <a:t>04.07.18</a:t>
+            </a:r>
+          </a:p>
+        </p:txBody>
+      </p:sp>
+      <p:sp>
+        <p:nvSpPr>
+          <p:cNvPr id="8" name="Title 8">
+            <a:extLst>
+              <a:ext uri="{FF2B5EF4-FFF2-40B4-BE49-F238E27FC236}">
+                <a16:creationId xmlns:a16="http://schemas.microsoft.com/office/drawing/2014/main" id="{5BE2C875-9F41-46E9-AA81-E10B28EBD98E}"/>
+              </a:ext>
+            </a:extLst>
+          </p:cNvPr>
+          <p:cNvSpPr txBox="1">
+            <a:spLocks/>
+          </p:cNvSpPr>
+          <p:nvPr/>
+        </p:nvSpPr>
+        <p:spPr bwMode="auto">
+          <a:xfrm>
+            <a:off x="623888" y="547688"/>
+            <a:ext cx="7772400" cy="533400"/>
+          </a:xfrm>
+          <a:prstGeom prst="rect">
+            <a:avLst/>
+          </a:prstGeom>
+          <a:noFill/>
+          <a:ln w="9525">
+            <a:noFill/>
+            <a:miter lim="800000"/>
+            <a:headEnd/>
+            <a:tailEnd/>
+          </a:ln>
+        </p:spPr>
+        <p:txBody>
+          <a:bodyPr vert="horz" wrap="square" lIns="0" tIns="0" rIns="0" bIns="0" numCol="1" anchor="ctr" anchorCtr="0" compatLnSpc="1">
+            <a:prstTxWarp prst="textNoShape">
+              <a:avLst/>
+            </a:prstTxWarp>
+          </a:bodyPr>
+          <a:lstStyle>
+            <a:lvl1pPr algn="l" rtl="0" eaLnBrk="0" fontAlgn="base" hangingPunct="0">
+              <a:spcBef>
+                <a:spcPct val="0"/>
+              </a:spcBef>
+              <a:spcAft>
+                <a:spcPct val="0"/>
+              </a:spcAft>
+              <a:defRPr sz="2800">
+                <a:solidFill>
+                  <a:srgbClr val="444A4B"/>
+                </a:solidFill>
+                <a:latin typeface="+mj-lt"/>
+                <a:ea typeface="+mj-ea"/>
+                <a:cs typeface="+mj-cs"/>
+              </a:defRPr>
+            </a:lvl1pPr>
+            <a:lvl2pPr algn="l" rtl="0" eaLnBrk="0" fontAlgn="base" hangingPunct="0">
+              <a:spcBef>
+                <a:spcPct val="0"/>
+              </a:spcBef>
+              <a:spcAft>
+                <a:spcPct val="0"/>
+              </a:spcAft>
+              <a:defRPr sz="2800">
+                <a:solidFill>
+                  <a:srgbClr val="444A4B"/>
+                </a:solidFill>
+                <a:latin typeface="Arial Narrow" pitchFamily="-112" charset="0"/>
+                <a:ea typeface="ＭＳ Ｐゴシック" pitchFamily="-112" charset="-128"/>
+              </a:defRPr>
+            </a:lvl2pPr>
+            <a:lvl3pPr algn="l" rtl="0" eaLnBrk="0" fontAlgn="base" hangingPunct="0">
+              <a:spcBef>
+                <a:spcPct val="0"/>
+              </a:spcBef>
+              <a:spcAft>
+                <a:spcPct val="0"/>
+              </a:spcAft>
+              <a:defRPr sz="2800">
+                <a:solidFill>
+                  <a:srgbClr val="444A4B"/>
+                </a:solidFill>
+                <a:latin typeface="Arial Narrow" pitchFamily="-112" charset="0"/>
+                <a:ea typeface="ＭＳ Ｐゴシック" pitchFamily="-112" charset="-128"/>
+              </a:defRPr>
+            </a:lvl3pPr>
+            <a:lvl4pPr algn="l" rtl="0" eaLnBrk="0" fontAlgn="base" hangingPunct="0">
+              <a:spcBef>
+                <a:spcPct val="0"/>
+              </a:spcBef>
+              <a:spcAft>
+                <a:spcPct val="0"/>
+              </a:spcAft>
+              <a:defRPr sz="2800">
+                <a:solidFill>
+                  <a:srgbClr val="444A4B"/>
+                </a:solidFill>
+                <a:latin typeface="Arial Narrow" pitchFamily="-112" charset="0"/>
+                <a:ea typeface="ＭＳ Ｐゴシック" pitchFamily="-112" charset="-128"/>
+              </a:defRPr>
+            </a:lvl4pPr>
+            <a:lvl5pPr algn="l" rtl="0" eaLnBrk="0" fontAlgn="base" hangingPunct="0">
+              <a:spcBef>
+                <a:spcPct val="0"/>
+              </a:spcBef>
+              <a:spcAft>
+                <a:spcPct val="0"/>
+              </a:spcAft>
+              <a:defRPr sz="2800">
+                <a:solidFill>
+                  <a:srgbClr val="444A4B"/>
+                </a:solidFill>
+                <a:latin typeface="Arial Narrow" pitchFamily="-112" charset="0"/>
+                <a:ea typeface="ＭＳ Ｐゴシック" pitchFamily="-112" charset="-128"/>
+              </a:defRPr>
+            </a:lvl5pPr>
+            <a:lvl6pPr marL="457200" algn="l" rtl="0" fontAlgn="base">
+              <a:spcBef>
+                <a:spcPct val="0"/>
+              </a:spcBef>
+              <a:spcAft>
+                <a:spcPct val="0"/>
+              </a:spcAft>
+              <a:defRPr sz="2800">
+                <a:solidFill>
+                  <a:srgbClr val="444A4B"/>
+                </a:solidFill>
+                <a:latin typeface="Arial Narrow" pitchFamily="-112" charset="0"/>
+                <a:ea typeface="ＭＳ Ｐゴシック" pitchFamily="-112" charset="-128"/>
+              </a:defRPr>
+            </a:lvl6pPr>
+            <a:lvl7pPr marL="914400" algn="l" rtl="0" fontAlgn="base">
+              <a:spcBef>
+                <a:spcPct val="0"/>
+              </a:spcBef>
+              <a:spcAft>
+                <a:spcPct val="0"/>
+              </a:spcAft>
+              <a:defRPr sz="2800">
+                <a:solidFill>
+                  <a:srgbClr val="444A4B"/>
+                </a:solidFill>
+                <a:latin typeface="Arial Narrow" pitchFamily="-112" charset="0"/>
+                <a:ea typeface="ＭＳ Ｐゴシック" pitchFamily="-112" charset="-128"/>
+              </a:defRPr>
+            </a:lvl7pPr>
+            <a:lvl8pPr marL="1371600" algn="l" rtl="0" fontAlgn="base">
+              <a:spcBef>
+                <a:spcPct val="0"/>
+              </a:spcBef>
+              <a:spcAft>
+                <a:spcPct val="0"/>
+              </a:spcAft>
+              <a:defRPr sz="2800">
+                <a:solidFill>
+                  <a:srgbClr val="444A4B"/>
+                </a:solidFill>
+                <a:latin typeface="Arial Narrow" pitchFamily="-112" charset="0"/>
+                <a:ea typeface="ＭＳ Ｐゴシック" pitchFamily="-112" charset="-128"/>
+              </a:defRPr>
+            </a:lvl8pPr>
+            <a:lvl9pPr marL="1828800" algn="l" rtl="0" fontAlgn="base">
+              <a:spcBef>
+                <a:spcPct val="0"/>
+              </a:spcBef>
+              <a:spcAft>
+                <a:spcPct val="0"/>
+              </a:spcAft>
+              <a:defRPr sz="2800">
+                <a:solidFill>
+                  <a:srgbClr val="444A4B"/>
+                </a:solidFill>
+                <a:latin typeface="Arial Narrow" pitchFamily="-112" charset="0"/>
+                <a:ea typeface="ＭＳ Ｐゴシック" pitchFamily="-112" charset="-128"/>
+              </a:defRPr>
+            </a:lvl9pPr>
+          </a:lstStyle>
+          <a:p>
+            <a:pPr>
+              <a:lnSpc>
+                <a:spcPct val="100000"/>
+              </a:lnSpc>
+            </a:pPr>
+            <a:r>
+              <a:rPr lang="de-DE" b="1" u="none" kern="0" dirty="0">
+                <a:latin typeface="Calibri" panose="020F0502020204030204" pitchFamily="34" charset="0"/>
+                <a:cs typeface="Calibri" panose="020F0502020204030204" pitchFamily="34" charset="0"/>
+              </a:rPr>
+              <a:t>Auswirkung unterschiedlicher Auflösungen </a:t>
+            </a:r>
+          </a:p>
+          <a:p>
+            <a:pPr>
+              <a:lnSpc>
+                <a:spcPct val="100000"/>
+              </a:lnSpc>
+            </a:pPr>
+            <a:r>
+              <a:rPr lang="de-DE" b="1" u="none" kern="0" dirty="0">
+                <a:latin typeface="Calibri" panose="020F0502020204030204" pitchFamily="34" charset="0"/>
+                <a:cs typeface="Calibri" panose="020F0502020204030204" pitchFamily="34" charset="0"/>
+              </a:rPr>
+              <a:t>der Kameras</a:t>
+            </a:r>
+          </a:p>
+        </p:txBody>
+      </p:sp>
+      <p:pic>
+        <p:nvPicPr>
+          <p:cNvPr id="3" name="Picture 2">
+            <a:extLst>
+              <a:ext uri="{FF2B5EF4-FFF2-40B4-BE49-F238E27FC236}">
+                <a16:creationId xmlns:a16="http://schemas.microsoft.com/office/drawing/2014/main" id="{2056615F-D777-4CC4-A3BC-9DA73D10BBCC}"/>
+              </a:ext>
+            </a:extLst>
+          </p:cNvPr>
+          <p:cNvPicPr>
+            <a:picLocks noChangeAspect="1"/>
+          </p:cNvPicPr>
+          <p:nvPr/>
+        </p:nvPicPr>
+        <p:blipFill>
+          <a:blip r:embed="rId3"/>
+          <a:stretch>
+            <a:fillRect/>
+          </a:stretch>
+        </p:blipFill>
+        <p:spPr>
+          <a:xfrm>
+            <a:off x="1314530" y="1736346"/>
+            <a:ext cx="6514940" cy="3385307"/>
+          </a:xfrm>
+          <a:prstGeom prst="rect">
+            <a:avLst/>
+          </a:prstGeom>
+        </p:spPr>
+      </p:pic>
+      <p:pic>
+        <p:nvPicPr>
+          <p:cNvPr id="6" name="Picture 5">
+            <a:extLst>
+              <a:ext uri="{FF2B5EF4-FFF2-40B4-BE49-F238E27FC236}">
+                <a16:creationId xmlns:a16="http://schemas.microsoft.com/office/drawing/2014/main" id="{F7B9A95C-25A9-4451-9C32-5908600588CA}"/>
+              </a:ext>
+            </a:extLst>
+          </p:cNvPr>
+          <p:cNvPicPr>
+            <a:picLocks noChangeAspect="1"/>
+          </p:cNvPicPr>
+          <p:nvPr/>
+        </p:nvPicPr>
+        <p:blipFill>
+          <a:blip r:embed="rId4"/>
+          <a:stretch>
+            <a:fillRect/>
+          </a:stretch>
+        </p:blipFill>
+        <p:spPr>
+          <a:xfrm>
+            <a:off x="1403648" y="1736345"/>
+            <a:ext cx="6552234" cy="3385308"/>
+          </a:xfrm>
+          <a:prstGeom prst="rect">
+            <a:avLst/>
+          </a:prstGeom>
+        </p:spPr>
+      </p:pic>
+      <p:sp>
+        <p:nvSpPr>
+          <p:cNvPr id="9" name="Footer Placeholder 4">
+            <a:extLst>
+              <a:ext uri="{FF2B5EF4-FFF2-40B4-BE49-F238E27FC236}">
+                <a16:creationId xmlns:a16="http://schemas.microsoft.com/office/drawing/2014/main" id="{ECE7AFBE-B0C3-4C39-B3D6-7E0C007C8A14}"/>
+              </a:ext>
+            </a:extLst>
+          </p:cNvPr>
+          <p:cNvSpPr>
+            <a:spLocks noGrp="1"/>
+          </p:cNvSpPr>
+          <p:nvPr>
+            <p:ph type="ftr" sz="quarter" idx="11"/>
+          </p:nvPr>
+        </p:nvSpPr>
+        <p:spPr>
+          <a:xfrm>
+            <a:off x="539750" y="6365875"/>
+            <a:ext cx="2016125" cy="365125"/>
+          </a:xfrm>
+        </p:spPr>
+        <p:txBody>
+          <a:bodyPr/>
+          <a:lstStyle/>
+          <a:p>
+            <a:pPr>
+              <a:defRPr/>
+            </a:pPr>
+            <a:r>
+              <a:rPr lang="de-DE" dirty="0"/>
+              <a:t>Hochschule Furtwangen</a:t>
+            </a:r>
+          </a:p>
+        </p:txBody>
+      </p:sp>
+    </p:spTree>
+    <p:extLst>
+      <p:ext uri="{BB962C8B-B14F-4D97-AF65-F5344CB8AC3E}">
+        <p14:creationId xmlns:p14="http://schemas.microsoft.com/office/powerpoint/2010/main" val="8132817"/>
+      </p:ext>
+    </p:extLst>
+  </p:cSld>
+  <p:clrMapOvr>
+    <a:masterClrMapping/>
+  </p:clrMapOvr>
+  <p:timing>
+    <p:tnLst>
+      <p:par>
+        <p:cTn id="1" dur="indefinite" restart="never" nodeType="tmRoot">
+          <p:childTnLst>
+            <p:seq concurrent="1" nextAc="seek">
+              <p:cTn id="2" dur="indefinite" nodeType="mainSeq">
+                <p:childTnLst>
+                  <p:par>
+                    <p:cTn id="3" fill="hold">
+                      <p:stCondLst>
+                        <p:cond delay="indefinite"/>
+                      </p:stCondLst>
+                      <p:childTnLst>
+                        <p:par>
+                          <p:cTn id="4" fill="hold">
+                            <p:stCondLst>
+                              <p:cond delay="0"/>
+                            </p:stCondLst>
+                            <p:childTnLst>
+                              <p:par>
+                                <p:cTn id="5" presetID="1" presetClass="entr" presetSubtype="0" fill="hold" nodeType="clickEffect">
+                                  <p:stCondLst>
+                                    <p:cond delay="0"/>
+                                  </p:stCondLst>
+                                  <p:childTnLst>
+                                    <p:set>
+                                      <p:cBhvr>
+                                        <p:cTn id="6" dur="1" fill="hold">
+                                          <p:stCondLst>
+                                            <p:cond delay="0"/>
+                                          </p:stCondLst>
+                                        </p:cTn>
+                                        <p:tgtEl>
+                                          <p:spTgt spid="6"/>
+                                        </p:tgtEl>
+                                        <p:attrNameLst>
+                                          <p:attrName>style.visibility</p:attrName>
+                                        </p:attrNameLst>
+                                      </p:cBhvr>
+                                      <p:to>
+                                        <p:strVal val="visible"/>
+                                      </p:to>
+                                    </p:set>
+                                  </p:childTnLst>
+                                </p:cTn>
+                              </p:par>
+                            </p:childTnLst>
+                          </p:cTn>
+                        </p:par>
+                      </p:childTnLst>
+                    </p:cTn>
+                  </p:par>
+                </p:childTnLst>
+              </p:cTn>
+              <p:prevCondLst>
+                <p:cond evt="onPrev" delay="0">
+                  <p:tgtEl>
+                    <p:sldTgt/>
+                  </p:tgtEl>
+                </p:cond>
+              </p:prevCondLst>
+              <p:nextCondLst>
+                <p:cond evt="onNext" delay="0">
+                  <p:tgtEl>
+                    <p:sldTgt/>
+                  </p:tgtEl>
+                </p:cond>
+              </p:nextCondLst>
+            </p:seq>
+          </p:childTnLst>
+        </p:cTn>
+      </p:par>
+    </p:tnLst>
+  </p:timing>
+</p:sld>
+</file>
+
+<file path=ppt/slides/slide18.xml><?xml version="1.0" encoding="utf-8"?>
+<p:sld xmlns:a="http://schemas.openxmlformats.org/drawingml/2006/main" xmlns:r="http://schemas.openxmlformats.org/officeDocument/2006/relationships" xmlns:p="http://schemas.openxmlformats.org/presentationml/2006/main">
+  <p:cSld>
+    <p:spTree>
+      <p:nvGrpSpPr>
+        <p:cNvPr id="1" name=""/>
+        <p:cNvGrpSpPr/>
+        <p:nvPr/>
+      </p:nvGrpSpPr>
+      <p:grpSpPr>
+        <a:xfrm>
+          <a:off x="0" y="0"/>
+          <a:ext cx="0" cy="0"/>
+          <a:chOff x="0" y="0"/>
+          <a:chExt cx="0" cy="0"/>
+        </a:xfrm>
+      </p:grpSpPr>
+      <p:sp>
+        <p:nvSpPr>
+          <p:cNvPr id="15367" name="Foliennummernplatzhalter 3"/>
+          <p:cNvSpPr>
+            <a:spLocks noGrp="1"/>
+          </p:cNvSpPr>
+          <p:nvPr>
+            <p:ph type="sldNum" sz="quarter" idx="12"/>
+          </p:nvPr>
+        </p:nvSpPr>
+        <p:spPr/>
+        <p:txBody>
+          <a:bodyPr/>
+          <a:lstStyle/>
+          <a:p>
+            <a:fld id="{00A3E6BF-A18C-4ADA-B4DF-837CA5AC6C3B}" type="slidenum">
+              <a:rPr lang="de-DE" smtClean="0"/>
+              <a:pPr/>
+              <a:t>18</a:t>
+            </a:fld>
+            <a:endParaRPr lang="de-DE"/>
+          </a:p>
+        </p:txBody>
+      </p:sp>
+      <p:sp>
+        <p:nvSpPr>
+          <p:cNvPr id="10" name="Date Placeholder 3">
+            <a:extLst>
+              <a:ext uri="{FF2B5EF4-FFF2-40B4-BE49-F238E27FC236}">
+                <a16:creationId xmlns:a16="http://schemas.microsoft.com/office/drawing/2014/main" id="{9B700400-1A71-4C80-BEBE-35AB1FB575DB}"/>
+              </a:ext>
+            </a:extLst>
+          </p:cNvPr>
+          <p:cNvSpPr>
+            <a:spLocks noGrp="1"/>
+          </p:cNvSpPr>
+          <p:nvPr>
+            <p:ph type="dt" sz="half" idx="10"/>
+          </p:nvPr>
+        </p:nvSpPr>
+        <p:spPr>
+          <a:xfrm>
+            <a:off x="7667625" y="6378575"/>
+            <a:ext cx="865188" cy="365125"/>
+          </a:xfrm>
+        </p:spPr>
+        <p:txBody>
+          <a:bodyPr/>
+          <a:lstStyle/>
+          <a:p>
+            <a:pPr>
+              <a:defRPr/>
+            </a:pPr>
+            <a:r>
+              <a:rPr lang="de-DE" dirty="0"/>
+              <a:t>04.07.18</a:t>
+            </a:r>
+          </a:p>
+        </p:txBody>
+      </p:sp>
+      <p:sp>
+        <p:nvSpPr>
+          <p:cNvPr id="8" name="Title 8">
+            <a:extLst>
+              <a:ext uri="{FF2B5EF4-FFF2-40B4-BE49-F238E27FC236}">
+                <a16:creationId xmlns:a16="http://schemas.microsoft.com/office/drawing/2014/main" id="{5BE2C875-9F41-46E9-AA81-E10B28EBD98E}"/>
+              </a:ext>
+            </a:extLst>
+          </p:cNvPr>
+          <p:cNvSpPr txBox="1">
+            <a:spLocks/>
+          </p:cNvSpPr>
+          <p:nvPr/>
+        </p:nvSpPr>
+        <p:spPr bwMode="auto">
+          <a:xfrm>
+            <a:off x="623888" y="547688"/>
+            <a:ext cx="7772400" cy="533400"/>
+          </a:xfrm>
+          <a:prstGeom prst="rect">
+            <a:avLst/>
+          </a:prstGeom>
+          <a:noFill/>
+          <a:ln w="9525">
+            <a:noFill/>
+            <a:miter lim="800000"/>
+            <a:headEnd/>
+            <a:tailEnd/>
+          </a:ln>
+        </p:spPr>
+        <p:txBody>
+          <a:bodyPr vert="horz" wrap="square" lIns="0" tIns="0" rIns="0" bIns="0" numCol="1" anchor="ctr" anchorCtr="0" compatLnSpc="1">
+            <a:prstTxWarp prst="textNoShape">
+              <a:avLst/>
+            </a:prstTxWarp>
+          </a:bodyPr>
+          <a:lstStyle>
+            <a:lvl1pPr algn="l" rtl="0" eaLnBrk="0" fontAlgn="base" hangingPunct="0">
+              <a:spcBef>
+                <a:spcPct val="0"/>
+              </a:spcBef>
+              <a:spcAft>
+                <a:spcPct val="0"/>
+              </a:spcAft>
+              <a:defRPr sz="2800">
+                <a:solidFill>
+                  <a:srgbClr val="444A4B"/>
+                </a:solidFill>
+                <a:latin typeface="+mj-lt"/>
+                <a:ea typeface="+mj-ea"/>
+                <a:cs typeface="+mj-cs"/>
+              </a:defRPr>
+            </a:lvl1pPr>
+            <a:lvl2pPr algn="l" rtl="0" eaLnBrk="0" fontAlgn="base" hangingPunct="0">
+              <a:spcBef>
+                <a:spcPct val="0"/>
+              </a:spcBef>
+              <a:spcAft>
+                <a:spcPct val="0"/>
+              </a:spcAft>
+              <a:defRPr sz="2800">
+                <a:solidFill>
+                  <a:srgbClr val="444A4B"/>
+                </a:solidFill>
+                <a:latin typeface="Arial Narrow" pitchFamily="-112" charset="0"/>
+                <a:ea typeface="ＭＳ Ｐゴシック" pitchFamily="-112" charset="-128"/>
+              </a:defRPr>
+            </a:lvl2pPr>
+            <a:lvl3pPr algn="l" rtl="0" eaLnBrk="0" fontAlgn="base" hangingPunct="0">
+              <a:spcBef>
+                <a:spcPct val="0"/>
+              </a:spcBef>
+              <a:spcAft>
+                <a:spcPct val="0"/>
+              </a:spcAft>
+              <a:defRPr sz="2800">
+                <a:solidFill>
+                  <a:srgbClr val="444A4B"/>
+                </a:solidFill>
+                <a:latin typeface="Arial Narrow" pitchFamily="-112" charset="0"/>
+                <a:ea typeface="ＭＳ Ｐゴシック" pitchFamily="-112" charset="-128"/>
+              </a:defRPr>
+            </a:lvl3pPr>
+            <a:lvl4pPr algn="l" rtl="0" eaLnBrk="0" fontAlgn="base" hangingPunct="0">
+              <a:spcBef>
+                <a:spcPct val="0"/>
+              </a:spcBef>
+              <a:spcAft>
+                <a:spcPct val="0"/>
+              </a:spcAft>
+              <a:defRPr sz="2800">
+                <a:solidFill>
+                  <a:srgbClr val="444A4B"/>
+                </a:solidFill>
+                <a:latin typeface="Arial Narrow" pitchFamily="-112" charset="0"/>
+                <a:ea typeface="ＭＳ Ｐゴシック" pitchFamily="-112" charset="-128"/>
+              </a:defRPr>
+            </a:lvl4pPr>
+            <a:lvl5pPr algn="l" rtl="0" eaLnBrk="0" fontAlgn="base" hangingPunct="0">
+              <a:spcBef>
+                <a:spcPct val="0"/>
+              </a:spcBef>
+              <a:spcAft>
+                <a:spcPct val="0"/>
+              </a:spcAft>
+              <a:defRPr sz="2800">
+                <a:solidFill>
+                  <a:srgbClr val="444A4B"/>
+                </a:solidFill>
+                <a:latin typeface="Arial Narrow" pitchFamily="-112" charset="0"/>
+                <a:ea typeface="ＭＳ Ｐゴシック" pitchFamily="-112" charset="-128"/>
+              </a:defRPr>
+            </a:lvl5pPr>
+            <a:lvl6pPr marL="457200" algn="l" rtl="0" fontAlgn="base">
+              <a:spcBef>
+                <a:spcPct val="0"/>
+              </a:spcBef>
+              <a:spcAft>
+                <a:spcPct val="0"/>
+              </a:spcAft>
+              <a:defRPr sz="2800">
+                <a:solidFill>
+                  <a:srgbClr val="444A4B"/>
+                </a:solidFill>
+                <a:latin typeface="Arial Narrow" pitchFamily="-112" charset="0"/>
+                <a:ea typeface="ＭＳ Ｐゴシック" pitchFamily="-112" charset="-128"/>
+              </a:defRPr>
+            </a:lvl6pPr>
+            <a:lvl7pPr marL="914400" algn="l" rtl="0" fontAlgn="base">
+              <a:spcBef>
+                <a:spcPct val="0"/>
+              </a:spcBef>
+              <a:spcAft>
+                <a:spcPct val="0"/>
+              </a:spcAft>
+              <a:defRPr sz="2800">
+                <a:solidFill>
+                  <a:srgbClr val="444A4B"/>
+                </a:solidFill>
+                <a:latin typeface="Arial Narrow" pitchFamily="-112" charset="0"/>
+                <a:ea typeface="ＭＳ Ｐゴシック" pitchFamily="-112" charset="-128"/>
+              </a:defRPr>
+            </a:lvl7pPr>
+            <a:lvl8pPr marL="1371600" algn="l" rtl="0" fontAlgn="base">
+              <a:spcBef>
+                <a:spcPct val="0"/>
+              </a:spcBef>
+              <a:spcAft>
+                <a:spcPct val="0"/>
+              </a:spcAft>
+              <a:defRPr sz="2800">
+                <a:solidFill>
+                  <a:srgbClr val="444A4B"/>
+                </a:solidFill>
+                <a:latin typeface="Arial Narrow" pitchFamily="-112" charset="0"/>
+                <a:ea typeface="ＭＳ Ｐゴシック" pitchFamily="-112" charset="-128"/>
+              </a:defRPr>
+            </a:lvl8pPr>
+            <a:lvl9pPr marL="1828800" algn="l" rtl="0" fontAlgn="base">
+              <a:spcBef>
+                <a:spcPct val="0"/>
+              </a:spcBef>
+              <a:spcAft>
+                <a:spcPct val="0"/>
+              </a:spcAft>
+              <a:defRPr sz="2800">
+                <a:solidFill>
+                  <a:srgbClr val="444A4B"/>
+                </a:solidFill>
+                <a:latin typeface="Arial Narrow" pitchFamily="-112" charset="0"/>
+                <a:ea typeface="ＭＳ Ｐゴシック" pitchFamily="-112" charset="-128"/>
+              </a:defRPr>
+            </a:lvl9pPr>
+          </a:lstStyle>
+          <a:p>
+            <a:pPr>
+              <a:lnSpc>
+                <a:spcPct val="100000"/>
+              </a:lnSpc>
+            </a:pPr>
+            <a:r>
+              <a:rPr lang="de-DE" b="1" u="none" kern="0" dirty="0">
+                <a:latin typeface="Calibri" panose="020F0502020204030204" pitchFamily="34" charset="0"/>
+                <a:cs typeface="Calibri" panose="020F0502020204030204" pitchFamily="34" charset="0"/>
+              </a:rPr>
+              <a:t>Auswirkung unterschiedlicher Auflösungen </a:t>
+            </a:r>
+          </a:p>
+          <a:p>
+            <a:pPr>
+              <a:lnSpc>
+                <a:spcPct val="100000"/>
+              </a:lnSpc>
+            </a:pPr>
+            <a:r>
+              <a:rPr lang="de-DE" b="1" u="none" kern="0" dirty="0">
+                <a:latin typeface="Calibri" panose="020F0502020204030204" pitchFamily="34" charset="0"/>
+                <a:cs typeface="Calibri" panose="020F0502020204030204" pitchFamily="34" charset="0"/>
+              </a:rPr>
+              <a:t>der Kameras</a:t>
+            </a:r>
+          </a:p>
+        </p:txBody>
+      </p:sp>
+      <p:sp>
+        <p:nvSpPr>
+          <p:cNvPr id="11" name="Footer Placeholder 4">
+            <a:extLst>
+              <a:ext uri="{FF2B5EF4-FFF2-40B4-BE49-F238E27FC236}">
+                <a16:creationId xmlns:a16="http://schemas.microsoft.com/office/drawing/2014/main" id="{0BFC3921-CBC7-445E-B16A-5DE0A9B3410E}"/>
+              </a:ext>
+            </a:extLst>
+          </p:cNvPr>
+          <p:cNvSpPr>
+            <a:spLocks noGrp="1"/>
+          </p:cNvSpPr>
+          <p:nvPr>
+            <p:ph type="ftr" sz="quarter" idx="11"/>
+          </p:nvPr>
+        </p:nvSpPr>
+        <p:spPr>
+          <a:xfrm>
+            <a:off x="539750" y="6365875"/>
+            <a:ext cx="2016125" cy="365125"/>
+          </a:xfrm>
+        </p:spPr>
+        <p:txBody>
+          <a:bodyPr/>
+          <a:lstStyle/>
+          <a:p>
+            <a:pPr>
+              <a:defRPr/>
+            </a:pPr>
+            <a:r>
+              <a:rPr lang="de-DE" dirty="0"/>
+              <a:t>Hochschule Furtwangen</a:t>
+            </a:r>
+          </a:p>
+        </p:txBody>
+      </p:sp>
+      <p:pic>
+        <p:nvPicPr>
+          <p:cNvPr id="3" name="Picture 2">
+            <a:extLst>
+              <a:ext uri="{FF2B5EF4-FFF2-40B4-BE49-F238E27FC236}">
+                <a16:creationId xmlns:a16="http://schemas.microsoft.com/office/drawing/2014/main" id="{90B4D358-4924-4D60-B18B-11024E2ABA9D}"/>
+              </a:ext>
+            </a:extLst>
+          </p:cNvPr>
+          <p:cNvPicPr>
+            <a:picLocks noChangeAspect="1"/>
+          </p:cNvPicPr>
+          <p:nvPr/>
+        </p:nvPicPr>
+        <p:blipFill>
+          <a:blip r:embed="rId3"/>
+          <a:stretch>
+            <a:fillRect/>
+          </a:stretch>
+        </p:blipFill>
+        <p:spPr>
+          <a:xfrm>
+            <a:off x="0" y="2197999"/>
+            <a:ext cx="9144000" cy="1292913"/>
+          </a:xfrm>
+          <a:prstGeom prst="rect">
+            <a:avLst/>
+          </a:prstGeom>
+        </p:spPr>
+      </p:pic>
+      <p:pic>
+        <p:nvPicPr>
+          <p:cNvPr id="12" name="Picture 11">
+            <a:extLst>
+              <a:ext uri="{FF2B5EF4-FFF2-40B4-BE49-F238E27FC236}">
+                <a16:creationId xmlns:a16="http://schemas.microsoft.com/office/drawing/2014/main" id="{4A3DAACB-7203-487C-BF69-133DE022058E}"/>
+              </a:ext>
+            </a:extLst>
+          </p:cNvPr>
+          <p:cNvPicPr>
+            <a:picLocks noChangeAspect="1"/>
+          </p:cNvPicPr>
+          <p:nvPr/>
+        </p:nvPicPr>
+        <p:blipFill>
+          <a:blip r:embed="rId4">
+            <a:extLst>
+              <a:ext uri="{28A0092B-C50C-407E-A947-70E740481C1C}">
+                <a14:useLocalDpi xmlns:a14="http://schemas.microsoft.com/office/drawing/2010/main" val="0"/>
+              </a:ext>
+            </a:extLst>
+          </a:blip>
+          <a:stretch>
+            <a:fillRect/>
+          </a:stretch>
+        </p:blipFill>
+        <p:spPr>
+          <a:xfrm>
+            <a:off x="2823968" y="4157504"/>
+            <a:ext cx="3496063" cy="1076642"/>
+          </a:xfrm>
+          <a:prstGeom prst="rect">
+            <a:avLst/>
+          </a:prstGeom>
+          <a:ln/>
+        </p:spPr>
+        <p:style>
+          <a:lnRef idx="2">
+            <a:schemeClr val="accent3"/>
+          </a:lnRef>
+          <a:fillRef idx="1">
+            <a:schemeClr val="lt1"/>
+          </a:fillRef>
+          <a:effectRef idx="0">
+            <a:schemeClr val="accent3"/>
+          </a:effectRef>
+          <a:fontRef idx="minor">
+            <a:schemeClr val="dk1"/>
+          </a:fontRef>
+        </p:style>
+      </p:pic>
+    </p:spTree>
+    <p:extLst>
+      <p:ext uri="{BB962C8B-B14F-4D97-AF65-F5344CB8AC3E}">
+        <p14:creationId xmlns:p14="http://schemas.microsoft.com/office/powerpoint/2010/main" val="1237952630"/>
+      </p:ext>
+    </p:extLst>
+  </p:cSld>
+  <p:clrMapOvr>
+    <a:masterClrMapping/>
+  </p:clrMapOvr>
+</p:sld>
+</file>
+
+<file path=ppt/slides/slide19.xml><?xml version="1.0" encoding="utf-8"?>
+<p:sld xmlns:a="http://schemas.openxmlformats.org/drawingml/2006/main" xmlns:r="http://schemas.openxmlformats.org/officeDocument/2006/relationships" xmlns:p="http://schemas.openxmlformats.org/presentationml/2006/main">
+  <p:cSld>
+    <p:spTree>
+      <p:nvGrpSpPr>
+        <p:cNvPr id="1" name=""/>
+        <p:cNvGrpSpPr/>
+        <p:nvPr/>
+      </p:nvGrpSpPr>
+      <p:grpSpPr>
+        <a:xfrm>
+          <a:off x="0" y="0"/>
+          <a:ext cx="0" cy="0"/>
+          <a:chOff x="0" y="0"/>
+          <a:chExt cx="0" cy="0"/>
+        </a:xfrm>
+      </p:grpSpPr>
+      <p:sp>
+        <p:nvSpPr>
           <p:cNvPr id="9" name="Title 8">
             <a:extLst>
               <a:ext uri="{FF2B5EF4-FFF2-40B4-BE49-F238E27FC236}">
@@ -11681,45 +14627,9 @@
             <a:fld id="{00A3E6BF-A18C-4ADA-B4DF-837CA5AC6C3B}" type="slidenum">
               <a:rPr lang="de-DE" smtClean="0"/>
               <a:pPr/>
-              <a:t>16</a:t>
+              <a:t>19</a:t>
             </a:fld>
             <a:endParaRPr lang="de-DE"/>
-          </a:p>
-        </p:txBody>
-      </p:sp>
-      <p:sp>
-        <p:nvSpPr>
-          <p:cNvPr id="7" name="Footer Placeholder 4">
-            <a:extLst>
-              <a:ext uri="{FF2B5EF4-FFF2-40B4-BE49-F238E27FC236}">
-                <a16:creationId xmlns:a16="http://schemas.microsoft.com/office/drawing/2014/main" id="{C4C146E8-EC73-46FC-8B03-58FA3D7A2538}"/>
-              </a:ext>
-            </a:extLst>
-          </p:cNvPr>
-          <p:cNvSpPr>
-            <a:spLocks noGrp="1"/>
-          </p:cNvSpPr>
-          <p:nvPr>
-            <p:ph type="ftr" sz="quarter" idx="11"/>
-          </p:nvPr>
-        </p:nvSpPr>
-        <p:spPr>
-          <a:xfrm>
-            <a:off x="539750" y="6365875"/>
-            <a:ext cx="2016125" cy="365125"/>
-          </a:xfrm>
-        </p:spPr>
-        <p:txBody>
-          <a:bodyPr/>
-          <a:lstStyle/>
-          <a:p>
-            <a:pPr>
-              <a:defRPr/>
-            </a:pPr>
-            <a:r>
-              <a:rPr lang="de-DE" dirty="0"/>
-              <a:t>Hochschule Furtwangen, </a:t>
-            </a:r>
           </a:p>
         </p:txBody>
       </p:sp>
@@ -11933,7 +14843,7 @@
               <a:pPr>
                 <a:defRPr/>
               </a:pPr>
-              <a:t>16</a:t>
+              <a:t>19</a:t>
             </a:fld>
             <a:endParaRPr lang="de-DE" dirty="0"/>
           </a:p>
@@ -12074,964 +14984,46 @@
           </a:prstGeom>
         </p:spPr>
       </p:pic>
+      <p:sp>
+        <p:nvSpPr>
+          <p:cNvPr id="14" name="Footer Placeholder 4">
+            <a:extLst>
+              <a:ext uri="{FF2B5EF4-FFF2-40B4-BE49-F238E27FC236}">
+                <a16:creationId xmlns:a16="http://schemas.microsoft.com/office/drawing/2014/main" id="{3A80B1B4-E85E-4F19-8C57-B222E8F365E0}"/>
+              </a:ext>
+            </a:extLst>
+          </p:cNvPr>
+          <p:cNvSpPr>
+            <a:spLocks noGrp="1"/>
+          </p:cNvSpPr>
+          <p:nvPr>
+            <p:ph type="ftr" sz="quarter" idx="11"/>
+          </p:nvPr>
+        </p:nvSpPr>
+        <p:spPr>
+          <a:xfrm>
+            <a:off x="539750" y="6365875"/>
+            <a:ext cx="2016125" cy="365125"/>
+          </a:xfrm>
+        </p:spPr>
+        <p:txBody>
+          <a:bodyPr/>
+          <a:lstStyle/>
+          <a:p>
+            <a:pPr>
+              <a:defRPr/>
+            </a:pPr>
+            <a:r>
+              <a:rPr lang="de-DE" dirty="0"/>
+              <a:t>Hochschule Furtwangen</a:t>
+            </a:r>
+          </a:p>
+        </p:txBody>
+      </p:sp>
     </p:spTree>
     <p:extLst>
       <p:ext uri="{BB962C8B-B14F-4D97-AF65-F5344CB8AC3E}">
         <p14:creationId xmlns:p14="http://schemas.microsoft.com/office/powerpoint/2010/main" val="3465609845"/>
-      </p:ext>
-    </p:extLst>
-  </p:cSld>
-  <p:clrMapOvr>
-    <a:masterClrMapping/>
-  </p:clrMapOvr>
-</p:sld>
-</file>
-
-<file path=ppt/slides/slide17.xml><?xml version="1.0" encoding="utf-8"?>
-<p:sld xmlns:a="http://schemas.openxmlformats.org/drawingml/2006/main" xmlns:r="http://schemas.openxmlformats.org/officeDocument/2006/relationships" xmlns:p="http://schemas.openxmlformats.org/presentationml/2006/main">
-  <p:cSld>
-    <p:spTree>
-      <p:nvGrpSpPr>
-        <p:cNvPr id="1" name=""/>
-        <p:cNvGrpSpPr/>
-        <p:nvPr/>
-      </p:nvGrpSpPr>
-      <p:grpSpPr>
-        <a:xfrm>
-          <a:off x="0" y="0"/>
-          <a:ext cx="0" cy="0"/>
-          <a:chOff x="0" y="0"/>
-          <a:chExt cx="0" cy="0"/>
-        </a:xfrm>
-      </p:grpSpPr>
-      <p:sp>
-        <p:nvSpPr>
-          <p:cNvPr id="9" name="Title 8">
-            <a:extLst>
-              <a:ext uri="{FF2B5EF4-FFF2-40B4-BE49-F238E27FC236}">
-                <a16:creationId xmlns:a16="http://schemas.microsoft.com/office/drawing/2014/main" id="{C958DD35-CA26-4605-9283-1C48AD4D2871}"/>
-              </a:ext>
-            </a:extLst>
-          </p:cNvPr>
-          <p:cNvSpPr>
-            <a:spLocks noGrp="1"/>
-          </p:cNvSpPr>
-          <p:nvPr>
-            <p:ph type="title"/>
-          </p:nvPr>
-        </p:nvSpPr>
-        <p:spPr/>
-        <p:txBody>
-          <a:bodyPr/>
-          <a:lstStyle/>
-          <a:p>
-            <a:r>
-              <a:rPr lang="de-DE" dirty="0"/>
-              <a:t>BackUpSlides</a:t>
-            </a:r>
-          </a:p>
-        </p:txBody>
-      </p:sp>
-      <p:sp>
-        <p:nvSpPr>
-          <p:cNvPr id="15367" name="Foliennummernplatzhalter 3"/>
-          <p:cNvSpPr>
-            <a:spLocks noGrp="1"/>
-          </p:cNvSpPr>
-          <p:nvPr>
-            <p:ph type="sldNum" sz="quarter" idx="12"/>
-          </p:nvPr>
-        </p:nvSpPr>
-        <p:spPr/>
-        <p:txBody>
-          <a:bodyPr/>
-          <a:lstStyle/>
-          <a:p>
-            <a:fld id="{00A3E6BF-A18C-4ADA-B4DF-837CA5AC6C3B}" type="slidenum">
-              <a:rPr lang="de-DE" smtClean="0"/>
-              <a:pPr/>
-              <a:t>17</a:t>
-            </a:fld>
-            <a:endParaRPr lang="de-DE"/>
-          </a:p>
-        </p:txBody>
-      </p:sp>
-      <p:sp>
-        <p:nvSpPr>
-          <p:cNvPr id="7" name="Footer Placeholder 4">
-            <a:extLst>
-              <a:ext uri="{FF2B5EF4-FFF2-40B4-BE49-F238E27FC236}">
-                <a16:creationId xmlns:a16="http://schemas.microsoft.com/office/drawing/2014/main" id="{C4C146E8-EC73-46FC-8B03-58FA3D7A2538}"/>
-              </a:ext>
-            </a:extLst>
-          </p:cNvPr>
-          <p:cNvSpPr>
-            <a:spLocks noGrp="1"/>
-          </p:cNvSpPr>
-          <p:nvPr>
-            <p:ph type="ftr" sz="quarter" idx="11"/>
-          </p:nvPr>
-        </p:nvSpPr>
-        <p:spPr>
-          <a:xfrm>
-            <a:off x="539750" y="6365875"/>
-            <a:ext cx="2016125" cy="365125"/>
-          </a:xfrm>
-        </p:spPr>
-        <p:txBody>
-          <a:bodyPr/>
-          <a:lstStyle/>
-          <a:p>
-            <a:pPr>
-              <a:defRPr/>
-            </a:pPr>
-            <a:r>
-              <a:rPr lang="de-DE" dirty="0"/>
-              <a:t>Hochschule Furtwangen, </a:t>
-            </a:r>
-          </a:p>
-        </p:txBody>
-      </p:sp>
-      <p:sp>
-        <p:nvSpPr>
-          <p:cNvPr id="10" name="Date Placeholder 3">
-            <a:extLst>
-              <a:ext uri="{FF2B5EF4-FFF2-40B4-BE49-F238E27FC236}">
-                <a16:creationId xmlns:a16="http://schemas.microsoft.com/office/drawing/2014/main" id="{9B700400-1A71-4C80-BEBE-35AB1FB575DB}"/>
-              </a:ext>
-            </a:extLst>
-          </p:cNvPr>
-          <p:cNvSpPr>
-            <a:spLocks noGrp="1"/>
-          </p:cNvSpPr>
-          <p:nvPr>
-            <p:ph type="dt" sz="half" idx="10"/>
-          </p:nvPr>
-        </p:nvSpPr>
-        <p:spPr>
-          <a:xfrm>
-            <a:off x="7667625" y="6378575"/>
-            <a:ext cx="865188" cy="365125"/>
-          </a:xfrm>
-        </p:spPr>
-        <p:txBody>
-          <a:bodyPr/>
-          <a:lstStyle/>
-          <a:p>
-            <a:pPr>
-              <a:defRPr/>
-            </a:pPr>
-            <a:r>
-              <a:rPr lang="de-DE" dirty="0"/>
-              <a:t>04.07.18</a:t>
-            </a:r>
-          </a:p>
-        </p:txBody>
-      </p:sp>
-      <p:sp>
-        <p:nvSpPr>
-          <p:cNvPr id="8" name="Content Placeholder 2">
-            <a:extLst>
-              <a:ext uri="{FF2B5EF4-FFF2-40B4-BE49-F238E27FC236}">
-                <a16:creationId xmlns:a16="http://schemas.microsoft.com/office/drawing/2014/main" id="{074A7574-DF88-43AA-8461-57C2485230EC}"/>
-              </a:ext>
-            </a:extLst>
-          </p:cNvPr>
-          <p:cNvSpPr txBox="1">
-            <a:spLocks/>
-          </p:cNvSpPr>
-          <p:nvPr/>
-        </p:nvSpPr>
-        <p:spPr bwMode="auto">
-          <a:xfrm>
-            <a:off x="180976" y="1028700"/>
-            <a:ext cx="8351837" cy="4038600"/>
-          </a:xfrm>
-          <a:prstGeom prst="rect">
-            <a:avLst/>
-          </a:prstGeom>
-          <a:noFill/>
-          <a:ln w="9525">
-            <a:noFill/>
-            <a:miter lim="800000"/>
-            <a:headEnd/>
-            <a:tailEnd/>
-          </a:ln>
-        </p:spPr>
-        <p:txBody>
-          <a:bodyPr vert="horz" wrap="square" lIns="0" tIns="0" rIns="0" bIns="0" numCol="1" anchor="t" anchorCtr="0" compatLnSpc="1">
-            <a:prstTxWarp prst="textNoShape">
-              <a:avLst/>
-            </a:prstTxWarp>
-          </a:bodyPr>
-          <a:lstStyle>
-            <a:lvl1pPr marL="342900" indent="-342900" algn="l" rtl="0" eaLnBrk="0" fontAlgn="base" hangingPunct="0">
-              <a:spcBef>
-                <a:spcPct val="20000"/>
-              </a:spcBef>
-              <a:spcAft>
-                <a:spcPct val="0"/>
-              </a:spcAft>
-              <a:defRPr sz="1600">
-                <a:solidFill>
-                  <a:schemeClr val="tx1"/>
-                </a:solidFill>
-                <a:latin typeface="+mn-lt"/>
-                <a:ea typeface="+mn-ea"/>
-                <a:cs typeface="+mn-cs"/>
-              </a:defRPr>
-            </a:lvl1pPr>
-            <a:lvl2pPr marL="742950" indent="-285750" algn="l" rtl="0" eaLnBrk="0" fontAlgn="base" hangingPunct="0">
-              <a:spcBef>
-                <a:spcPct val="20000"/>
-              </a:spcBef>
-              <a:spcAft>
-                <a:spcPct val="0"/>
-              </a:spcAft>
-              <a:defRPr sz="2800">
-                <a:solidFill>
-                  <a:schemeClr val="tx1"/>
-                </a:solidFill>
-                <a:latin typeface="Arial" charset="0"/>
-                <a:ea typeface="+mn-ea"/>
-              </a:defRPr>
-            </a:lvl2pPr>
-            <a:lvl3pPr marL="1143000" indent="-228600" algn="l" rtl="0" eaLnBrk="0" fontAlgn="base" hangingPunct="0">
-              <a:spcBef>
-                <a:spcPct val="20000"/>
-              </a:spcBef>
-              <a:spcAft>
-                <a:spcPct val="0"/>
-              </a:spcAft>
-              <a:defRPr sz="2400">
-                <a:solidFill>
-                  <a:schemeClr val="tx1"/>
-                </a:solidFill>
-                <a:latin typeface="Arial" charset="0"/>
-                <a:ea typeface="+mn-ea"/>
-              </a:defRPr>
-            </a:lvl3pPr>
-            <a:lvl4pPr marL="1600200" indent="-228600" algn="l" rtl="0" eaLnBrk="0" fontAlgn="base" hangingPunct="0">
-              <a:spcBef>
-                <a:spcPct val="20000"/>
-              </a:spcBef>
-              <a:spcAft>
-                <a:spcPct val="0"/>
-              </a:spcAft>
-              <a:defRPr sz="2000">
-                <a:solidFill>
-                  <a:schemeClr val="tx1"/>
-                </a:solidFill>
-                <a:latin typeface="Arial" charset="0"/>
-                <a:ea typeface="+mn-ea"/>
-              </a:defRPr>
-            </a:lvl4pPr>
-            <a:lvl5pPr marL="2057400" indent="-228600" algn="l" rtl="0" eaLnBrk="0" fontAlgn="base" hangingPunct="0">
-              <a:spcBef>
-                <a:spcPct val="20000"/>
-              </a:spcBef>
-              <a:spcAft>
-                <a:spcPct val="0"/>
-              </a:spcAft>
-              <a:defRPr sz="2000">
-                <a:solidFill>
-                  <a:schemeClr val="tx1"/>
-                </a:solidFill>
-                <a:latin typeface="Arial" charset="0"/>
-                <a:ea typeface="+mn-ea"/>
-              </a:defRPr>
-            </a:lvl5pPr>
-            <a:lvl6pPr marL="2514600" indent="-228600" algn="l" rtl="0" fontAlgn="base">
-              <a:spcBef>
-                <a:spcPct val="20000"/>
-              </a:spcBef>
-              <a:spcAft>
-                <a:spcPct val="0"/>
-              </a:spcAft>
-              <a:defRPr sz="2000">
-                <a:solidFill>
-                  <a:schemeClr val="tx1"/>
-                </a:solidFill>
-                <a:latin typeface="Arial" charset="0"/>
-                <a:ea typeface="+mn-ea"/>
-              </a:defRPr>
-            </a:lvl6pPr>
-            <a:lvl7pPr marL="2971800" indent="-228600" algn="l" rtl="0" fontAlgn="base">
-              <a:spcBef>
-                <a:spcPct val="20000"/>
-              </a:spcBef>
-              <a:spcAft>
-                <a:spcPct val="0"/>
-              </a:spcAft>
-              <a:defRPr sz="2000">
-                <a:solidFill>
-                  <a:schemeClr val="tx1"/>
-                </a:solidFill>
-                <a:latin typeface="Arial" charset="0"/>
-                <a:ea typeface="+mn-ea"/>
-              </a:defRPr>
-            </a:lvl7pPr>
-            <a:lvl8pPr marL="3429000" indent="-228600" algn="l" rtl="0" fontAlgn="base">
-              <a:spcBef>
-                <a:spcPct val="20000"/>
-              </a:spcBef>
-              <a:spcAft>
-                <a:spcPct val="0"/>
-              </a:spcAft>
-              <a:defRPr sz="2000">
-                <a:solidFill>
-                  <a:schemeClr val="tx1"/>
-                </a:solidFill>
-                <a:latin typeface="Arial" charset="0"/>
-                <a:ea typeface="+mn-ea"/>
-              </a:defRPr>
-            </a:lvl8pPr>
-            <a:lvl9pPr marL="3886200" indent="-228600" algn="l" rtl="0" fontAlgn="base">
-              <a:spcBef>
-                <a:spcPct val="20000"/>
-              </a:spcBef>
-              <a:spcAft>
-                <a:spcPct val="0"/>
-              </a:spcAft>
-              <a:defRPr sz="2000">
-                <a:solidFill>
-                  <a:schemeClr val="tx1"/>
-                </a:solidFill>
-                <a:latin typeface="Arial" charset="0"/>
-                <a:ea typeface="+mn-ea"/>
-              </a:defRPr>
-            </a:lvl9pPr>
-          </a:lstStyle>
-          <a:p>
-            <a:pPr>
-              <a:lnSpc>
-                <a:spcPct val="100000"/>
-              </a:lnSpc>
-              <a:buFont typeface="Arial" panose="020B0604020202020204" pitchFamily="34" charset="0"/>
-              <a:buChar char="•"/>
-            </a:pPr>
-            <a:r>
-              <a:rPr lang="de-DE" sz="2400" u="none" kern="0" dirty="0">
-                <a:latin typeface="Calibri (Body)"/>
-              </a:rPr>
-              <a:t>Fundamental Matrix und Essentielle Matrix</a:t>
-            </a:r>
-          </a:p>
-          <a:p>
-            <a:pPr marL="457200" lvl="1" indent="0">
-              <a:lnSpc>
-                <a:spcPct val="100000"/>
-              </a:lnSpc>
-            </a:pPr>
-            <a:endParaRPr lang="de-DE" sz="2400" u="none" kern="0" dirty="0">
-              <a:latin typeface="Calibri (Body)"/>
-            </a:endParaRPr>
-          </a:p>
-        </p:txBody>
-      </p:sp>
-      <p:pic>
-        <p:nvPicPr>
-          <p:cNvPr id="11" name="Picture 10">
-            <a:extLst>
-              <a:ext uri="{FF2B5EF4-FFF2-40B4-BE49-F238E27FC236}">
-                <a16:creationId xmlns:a16="http://schemas.microsoft.com/office/drawing/2014/main" id="{ECE6BAF7-E018-4C0D-819F-1F383417E19E}"/>
-              </a:ext>
-            </a:extLst>
-          </p:cNvPr>
-          <p:cNvPicPr>
-            <a:picLocks noChangeAspect="1"/>
-          </p:cNvPicPr>
-          <p:nvPr/>
-        </p:nvPicPr>
-        <p:blipFill>
-          <a:blip r:embed="rId3">
-            <a:extLst>
-              <a:ext uri="{28A0092B-C50C-407E-A947-70E740481C1C}">
-                <a14:useLocalDpi xmlns:a14="http://schemas.microsoft.com/office/drawing/2010/main" val="0"/>
-              </a:ext>
-            </a:extLst>
-          </a:blip>
-          <a:stretch>
-            <a:fillRect/>
-          </a:stretch>
-        </p:blipFill>
-        <p:spPr>
-          <a:xfrm>
-            <a:off x="675625" y="1803491"/>
-            <a:ext cx="7687748" cy="1848108"/>
-          </a:xfrm>
-          <a:prstGeom prst="rect">
-            <a:avLst/>
-          </a:prstGeom>
-        </p:spPr>
-      </p:pic>
-      <p:pic>
-        <p:nvPicPr>
-          <p:cNvPr id="12" name="Picture 11">
-            <a:extLst>
-              <a:ext uri="{FF2B5EF4-FFF2-40B4-BE49-F238E27FC236}">
-                <a16:creationId xmlns:a16="http://schemas.microsoft.com/office/drawing/2014/main" id="{4B89C6B8-D846-4B21-AAA2-6CDAC6D3D172}"/>
-              </a:ext>
-            </a:extLst>
-          </p:cNvPr>
-          <p:cNvPicPr>
-            <a:picLocks noChangeAspect="1"/>
-          </p:cNvPicPr>
-          <p:nvPr/>
-        </p:nvPicPr>
-        <p:blipFill rotWithShape="1">
-          <a:blip r:embed="rId4">
-            <a:extLst>
-              <a:ext uri="{28A0092B-C50C-407E-A947-70E740481C1C}">
-                <a14:useLocalDpi xmlns:a14="http://schemas.microsoft.com/office/drawing/2010/main" val="0"/>
-              </a:ext>
-            </a:extLst>
-          </a:blip>
-          <a:srcRect b="21049"/>
-          <a:stretch/>
-        </p:blipFill>
-        <p:spPr>
-          <a:xfrm>
-            <a:off x="1882039" y="3751611"/>
-            <a:ext cx="5274921" cy="1999337"/>
-          </a:xfrm>
-          <a:prstGeom prst="rect">
-            <a:avLst/>
-          </a:prstGeom>
-        </p:spPr>
-      </p:pic>
-    </p:spTree>
-    <p:extLst>
-      <p:ext uri="{BB962C8B-B14F-4D97-AF65-F5344CB8AC3E}">
-        <p14:creationId xmlns:p14="http://schemas.microsoft.com/office/powerpoint/2010/main" val="1465671791"/>
-      </p:ext>
-    </p:extLst>
-  </p:cSld>
-  <p:clrMapOvr>
-    <a:masterClrMapping/>
-  </p:clrMapOvr>
-</p:sld>
-</file>
-
-<file path=ppt/slides/slide18.xml><?xml version="1.0" encoding="utf-8"?>
-<p:sld xmlns:a="http://schemas.openxmlformats.org/drawingml/2006/main" xmlns:r="http://schemas.openxmlformats.org/officeDocument/2006/relationships" xmlns:p="http://schemas.openxmlformats.org/presentationml/2006/main">
-  <p:cSld>
-    <p:spTree>
-      <p:nvGrpSpPr>
-        <p:cNvPr id="1" name=""/>
-        <p:cNvGrpSpPr/>
-        <p:nvPr/>
-      </p:nvGrpSpPr>
-      <p:grpSpPr>
-        <a:xfrm>
-          <a:off x="0" y="0"/>
-          <a:ext cx="0" cy="0"/>
-          <a:chOff x="0" y="0"/>
-          <a:chExt cx="0" cy="0"/>
-        </a:xfrm>
-      </p:grpSpPr>
-      <p:sp>
-        <p:nvSpPr>
-          <p:cNvPr id="9" name="Title 8">
-            <a:extLst>
-              <a:ext uri="{FF2B5EF4-FFF2-40B4-BE49-F238E27FC236}">
-                <a16:creationId xmlns:a16="http://schemas.microsoft.com/office/drawing/2014/main" id="{C958DD35-CA26-4605-9283-1C48AD4D2871}"/>
-              </a:ext>
-            </a:extLst>
-          </p:cNvPr>
-          <p:cNvSpPr>
-            <a:spLocks noGrp="1"/>
-          </p:cNvSpPr>
-          <p:nvPr>
-            <p:ph type="title"/>
-          </p:nvPr>
-        </p:nvSpPr>
-        <p:spPr/>
-        <p:txBody>
-          <a:bodyPr/>
-          <a:lstStyle/>
-          <a:p>
-            <a:r>
-              <a:rPr lang="de-DE" dirty="0"/>
-              <a:t>BackUpSlides</a:t>
-            </a:r>
-          </a:p>
-        </p:txBody>
-      </p:sp>
-      <p:sp>
-        <p:nvSpPr>
-          <p:cNvPr id="15367" name="Foliennummernplatzhalter 3"/>
-          <p:cNvSpPr>
-            <a:spLocks noGrp="1"/>
-          </p:cNvSpPr>
-          <p:nvPr>
-            <p:ph type="sldNum" sz="quarter" idx="12"/>
-          </p:nvPr>
-        </p:nvSpPr>
-        <p:spPr/>
-        <p:txBody>
-          <a:bodyPr/>
-          <a:lstStyle/>
-          <a:p>
-            <a:fld id="{00A3E6BF-A18C-4ADA-B4DF-837CA5AC6C3B}" type="slidenum">
-              <a:rPr lang="de-DE" smtClean="0"/>
-              <a:pPr/>
-              <a:t>18</a:t>
-            </a:fld>
-            <a:endParaRPr lang="de-DE"/>
-          </a:p>
-        </p:txBody>
-      </p:sp>
-      <p:sp>
-        <p:nvSpPr>
-          <p:cNvPr id="7" name="Footer Placeholder 4">
-            <a:extLst>
-              <a:ext uri="{FF2B5EF4-FFF2-40B4-BE49-F238E27FC236}">
-                <a16:creationId xmlns:a16="http://schemas.microsoft.com/office/drawing/2014/main" id="{C4C146E8-EC73-46FC-8B03-58FA3D7A2538}"/>
-              </a:ext>
-            </a:extLst>
-          </p:cNvPr>
-          <p:cNvSpPr>
-            <a:spLocks noGrp="1"/>
-          </p:cNvSpPr>
-          <p:nvPr>
-            <p:ph type="ftr" sz="quarter" idx="11"/>
-          </p:nvPr>
-        </p:nvSpPr>
-        <p:spPr>
-          <a:xfrm>
-            <a:off x="539750" y="6365875"/>
-            <a:ext cx="2016125" cy="365125"/>
-          </a:xfrm>
-        </p:spPr>
-        <p:txBody>
-          <a:bodyPr/>
-          <a:lstStyle/>
-          <a:p>
-            <a:pPr>
-              <a:defRPr/>
-            </a:pPr>
-            <a:r>
-              <a:rPr lang="de-DE" dirty="0"/>
-              <a:t>Hochschule Furtwangen, </a:t>
-            </a:r>
-          </a:p>
-        </p:txBody>
-      </p:sp>
-      <p:sp>
-        <p:nvSpPr>
-          <p:cNvPr id="10" name="Date Placeholder 3">
-            <a:extLst>
-              <a:ext uri="{FF2B5EF4-FFF2-40B4-BE49-F238E27FC236}">
-                <a16:creationId xmlns:a16="http://schemas.microsoft.com/office/drawing/2014/main" id="{9B700400-1A71-4C80-BEBE-35AB1FB575DB}"/>
-              </a:ext>
-            </a:extLst>
-          </p:cNvPr>
-          <p:cNvSpPr>
-            <a:spLocks noGrp="1"/>
-          </p:cNvSpPr>
-          <p:nvPr>
-            <p:ph type="dt" sz="half" idx="10"/>
-          </p:nvPr>
-        </p:nvSpPr>
-        <p:spPr>
-          <a:xfrm>
-            <a:off x="7667625" y="6378575"/>
-            <a:ext cx="865188" cy="365125"/>
-          </a:xfrm>
-        </p:spPr>
-        <p:txBody>
-          <a:bodyPr/>
-          <a:lstStyle/>
-          <a:p>
-            <a:pPr>
-              <a:defRPr/>
-            </a:pPr>
-            <a:r>
-              <a:rPr lang="de-DE" dirty="0"/>
-              <a:t>04.07.18</a:t>
-            </a:r>
-          </a:p>
-        </p:txBody>
-      </p:sp>
-      <p:pic>
-        <p:nvPicPr>
-          <p:cNvPr id="13" name="Content Placeholder 7">
-            <a:extLst>
-              <a:ext uri="{FF2B5EF4-FFF2-40B4-BE49-F238E27FC236}">
-                <a16:creationId xmlns:a16="http://schemas.microsoft.com/office/drawing/2014/main" id="{39383731-182C-4A9B-B7D7-D715C35AFE87}"/>
-              </a:ext>
-            </a:extLst>
-          </p:cNvPr>
-          <p:cNvPicPr>
-            <a:picLocks noGrp="1" noChangeAspect="1"/>
-          </p:cNvPicPr>
-          <p:nvPr>
-            <p:ph idx="1"/>
-          </p:nvPr>
-        </p:nvPicPr>
-        <p:blipFill>
-          <a:blip r:embed="rId3">
-            <a:extLst>
-              <a:ext uri="{28A0092B-C50C-407E-A947-70E740481C1C}">
-                <a14:useLocalDpi xmlns:a14="http://schemas.microsoft.com/office/drawing/2010/main" val="0"/>
-              </a:ext>
-            </a:extLst>
-          </a:blip>
-          <a:stretch>
-            <a:fillRect/>
-          </a:stretch>
-        </p:blipFill>
-        <p:spPr>
-          <a:xfrm>
-            <a:off x="1893979" y="1124744"/>
-            <a:ext cx="5356042" cy="1287574"/>
-          </a:xfrm>
-        </p:spPr>
-      </p:pic>
-      <p:pic>
-        <p:nvPicPr>
-          <p:cNvPr id="14" name="Picture 13">
-            <a:extLst>
-              <a:ext uri="{FF2B5EF4-FFF2-40B4-BE49-F238E27FC236}">
-                <a16:creationId xmlns:a16="http://schemas.microsoft.com/office/drawing/2014/main" id="{24FDD988-FEC4-449D-82D4-FDC6325CEB84}"/>
-              </a:ext>
-            </a:extLst>
-          </p:cNvPr>
-          <p:cNvPicPr>
-            <a:picLocks noChangeAspect="1"/>
-          </p:cNvPicPr>
-          <p:nvPr/>
-        </p:nvPicPr>
-        <p:blipFill>
-          <a:blip r:embed="rId4">
-            <a:extLst>
-              <a:ext uri="{28A0092B-C50C-407E-A947-70E740481C1C}">
-                <a14:useLocalDpi xmlns:a14="http://schemas.microsoft.com/office/drawing/2010/main" val="0"/>
-              </a:ext>
-            </a:extLst>
-          </a:blip>
-          <a:stretch>
-            <a:fillRect/>
-          </a:stretch>
-        </p:blipFill>
-        <p:spPr>
-          <a:xfrm>
-            <a:off x="3275856" y="2467067"/>
-            <a:ext cx="2430056" cy="852889"/>
-          </a:xfrm>
-          <a:prstGeom prst="rect">
-            <a:avLst/>
-          </a:prstGeom>
-        </p:spPr>
-      </p:pic>
-      <p:pic>
-        <p:nvPicPr>
-          <p:cNvPr id="15" name="Picture 14">
-            <a:extLst>
-              <a:ext uri="{FF2B5EF4-FFF2-40B4-BE49-F238E27FC236}">
-                <a16:creationId xmlns:a16="http://schemas.microsoft.com/office/drawing/2014/main" id="{59A17358-ED22-4159-8B93-C58623973DF3}"/>
-              </a:ext>
-            </a:extLst>
-          </p:cNvPr>
-          <p:cNvPicPr>
-            <a:picLocks noChangeAspect="1"/>
-          </p:cNvPicPr>
-          <p:nvPr/>
-        </p:nvPicPr>
-        <p:blipFill>
-          <a:blip r:embed="rId5">
-            <a:extLst>
-              <a:ext uri="{28A0092B-C50C-407E-A947-70E740481C1C}">
-                <a14:useLocalDpi xmlns:a14="http://schemas.microsoft.com/office/drawing/2010/main" val="0"/>
-              </a:ext>
-            </a:extLst>
-          </a:blip>
-          <a:stretch>
-            <a:fillRect/>
-          </a:stretch>
-        </p:blipFill>
-        <p:spPr>
-          <a:xfrm>
-            <a:off x="2799821" y="3353363"/>
-            <a:ext cx="3382126" cy="659228"/>
-          </a:xfrm>
-          <a:prstGeom prst="rect">
-            <a:avLst/>
-          </a:prstGeom>
-        </p:spPr>
-      </p:pic>
-      <p:pic>
-        <p:nvPicPr>
-          <p:cNvPr id="16" name="Picture 15">
-            <a:extLst>
-              <a:ext uri="{FF2B5EF4-FFF2-40B4-BE49-F238E27FC236}">
-                <a16:creationId xmlns:a16="http://schemas.microsoft.com/office/drawing/2014/main" id="{AF66AFCB-1043-4D7B-97FA-1F7CCDA4135D}"/>
-              </a:ext>
-            </a:extLst>
-          </p:cNvPr>
-          <p:cNvPicPr>
-            <a:picLocks noChangeAspect="1"/>
-          </p:cNvPicPr>
-          <p:nvPr/>
-        </p:nvPicPr>
-        <p:blipFill>
-          <a:blip r:embed="rId6">
-            <a:extLst>
-              <a:ext uri="{28A0092B-C50C-407E-A947-70E740481C1C}">
-                <a14:useLocalDpi xmlns:a14="http://schemas.microsoft.com/office/drawing/2010/main" val="0"/>
-              </a:ext>
-            </a:extLst>
-          </a:blip>
-          <a:stretch>
-            <a:fillRect/>
-          </a:stretch>
-        </p:blipFill>
-        <p:spPr>
-          <a:xfrm>
-            <a:off x="1978814" y="4063970"/>
-            <a:ext cx="5024136" cy="876209"/>
-          </a:xfrm>
-          <a:prstGeom prst="rect">
-            <a:avLst/>
-          </a:prstGeom>
-        </p:spPr>
-      </p:pic>
-      <p:pic>
-        <p:nvPicPr>
-          <p:cNvPr id="17" name="Picture 16">
-            <a:extLst>
-              <a:ext uri="{FF2B5EF4-FFF2-40B4-BE49-F238E27FC236}">
-                <a16:creationId xmlns:a16="http://schemas.microsoft.com/office/drawing/2014/main" id="{F1D32D67-1833-4C92-B7EA-CCC217190518}"/>
-              </a:ext>
-            </a:extLst>
-          </p:cNvPr>
-          <p:cNvPicPr>
-            <a:picLocks noChangeAspect="1"/>
-          </p:cNvPicPr>
-          <p:nvPr/>
-        </p:nvPicPr>
-        <p:blipFill>
-          <a:blip r:embed="rId7">
-            <a:extLst>
-              <a:ext uri="{28A0092B-C50C-407E-A947-70E740481C1C}">
-                <a14:useLocalDpi xmlns:a14="http://schemas.microsoft.com/office/drawing/2010/main" val="0"/>
-              </a:ext>
-            </a:extLst>
-          </a:blip>
-          <a:stretch>
-            <a:fillRect/>
-          </a:stretch>
-        </p:blipFill>
-        <p:spPr>
-          <a:xfrm>
-            <a:off x="3114327" y="4989241"/>
-            <a:ext cx="2753109" cy="847843"/>
-          </a:xfrm>
-          <a:prstGeom prst="rect">
-            <a:avLst/>
-          </a:prstGeom>
-        </p:spPr>
-      </p:pic>
-    </p:spTree>
-    <p:extLst>
-      <p:ext uri="{BB962C8B-B14F-4D97-AF65-F5344CB8AC3E}">
-        <p14:creationId xmlns:p14="http://schemas.microsoft.com/office/powerpoint/2010/main" val="3394268361"/>
-      </p:ext>
-    </p:extLst>
-  </p:cSld>
-  <p:clrMapOvr>
-    <a:masterClrMapping/>
-  </p:clrMapOvr>
-</p:sld>
-</file>
-
-<file path=ppt/slides/slide19.xml><?xml version="1.0" encoding="utf-8"?>
-<p:sld xmlns:a="http://schemas.openxmlformats.org/drawingml/2006/main" xmlns:r="http://schemas.openxmlformats.org/officeDocument/2006/relationships" xmlns:p="http://schemas.openxmlformats.org/presentationml/2006/main">
-  <p:cSld>
-    <p:spTree>
-      <p:nvGrpSpPr>
-        <p:cNvPr id="1" name=""/>
-        <p:cNvGrpSpPr/>
-        <p:nvPr/>
-      </p:nvGrpSpPr>
-      <p:grpSpPr>
-        <a:xfrm>
-          <a:off x="0" y="0"/>
-          <a:ext cx="0" cy="0"/>
-          <a:chOff x="0" y="0"/>
-          <a:chExt cx="0" cy="0"/>
-        </a:xfrm>
-      </p:grpSpPr>
-      <p:sp>
-        <p:nvSpPr>
-          <p:cNvPr id="9" name="Title 8">
-            <a:extLst>
-              <a:ext uri="{FF2B5EF4-FFF2-40B4-BE49-F238E27FC236}">
-                <a16:creationId xmlns:a16="http://schemas.microsoft.com/office/drawing/2014/main" id="{C958DD35-CA26-4605-9283-1C48AD4D2871}"/>
-              </a:ext>
-            </a:extLst>
-          </p:cNvPr>
-          <p:cNvSpPr>
-            <a:spLocks noGrp="1"/>
-          </p:cNvSpPr>
-          <p:nvPr>
-            <p:ph type="title"/>
-          </p:nvPr>
-        </p:nvSpPr>
-        <p:spPr/>
-        <p:txBody>
-          <a:bodyPr/>
-          <a:lstStyle/>
-          <a:p>
-            <a:r>
-              <a:rPr lang="de-DE" dirty="0"/>
-              <a:t>BackUpSlides</a:t>
-            </a:r>
-          </a:p>
-        </p:txBody>
-      </p:sp>
-      <p:sp>
-        <p:nvSpPr>
-          <p:cNvPr id="15367" name="Foliennummernplatzhalter 3"/>
-          <p:cNvSpPr>
-            <a:spLocks noGrp="1"/>
-          </p:cNvSpPr>
-          <p:nvPr>
-            <p:ph type="sldNum" sz="quarter" idx="12"/>
-          </p:nvPr>
-        </p:nvSpPr>
-        <p:spPr/>
-        <p:txBody>
-          <a:bodyPr/>
-          <a:lstStyle/>
-          <a:p>
-            <a:fld id="{00A3E6BF-A18C-4ADA-B4DF-837CA5AC6C3B}" type="slidenum">
-              <a:rPr lang="de-DE" smtClean="0"/>
-              <a:pPr/>
-              <a:t>19</a:t>
-            </a:fld>
-            <a:endParaRPr lang="de-DE"/>
-          </a:p>
-        </p:txBody>
-      </p:sp>
-      <p:sp>
-        <p:nvSpPr>
-          <p:cNvPr id="7" name="Footer Placeholder 4">
-            <a:extLst>
-              <a:ext uri="{FF2B5EF4-FFF2-40B4-BE49-F238E27FC236}">
-                <a16:creationId xmlns:a16="http://schemas.microsoft.com/office/drawing/2014/main" id="{C4C146E8-EC73-46FC-8B03-58FA3D7A2538}"/>
-              </a:ext>
-            </a:extLst>
-          </p:cNvPr>
-          <p:cNvSpPr>
-            <a:spLocks noGrp="1"/>
-          </p:cNvSpPr>
-          <p:nvPr>
-            <p:ph type="ftr" sz="quarter" idx="11"/>
-          </p:nvPr>
-        </p:nvSpPr>
-        <p:spPr>
-          <a:xfrm>
-            <a:off x="539750" y="6365875"/>
-            <a:ext cx="2016125" cy="365125"/>
-          </a:xfrm>
-        </p:spPr>
-        <p:txBody>
-          <a:bodyPr/>
-          <a:lstStyle/>
-          <a:p>
-            <a:pPr>
-              <a:defRPr/>
-            </a:pPr>
-            <a:r>
-              <a:rPr lang="de-DE" dirty="0"/>
-              <a:t>Hochschule Furtwangen, </a:t>
-            </a:r>
-          </a:p>
-        </p:txBody>
-      </p:sp>
-      <p:sp>
-        <p:nvSpPr>
-          <p:cNvPr id="10" name="Date Placeholder 3">
-            <a:extLst>
-              <a:ext uri="{FF2B5EF4-FFF2-40B4-BE49-F238E27FC236}">
-                <a16:creationId xmlns:a16="http://schemas.microsoft.com/office/drawing/2014/main" id="{9B700400-1A71-4C80-BEBE-35AB1FB575DB}"/>
-              </a:ext>
-            </a:extLst>
-          </p:cNvPr>
-          <p:cNvSpPr>
-            <a:spLocks noGrp="1"/>
-          </p:cNvSpPr>
-          <p:nvPr>
-            <p:ph type="dt" sz="half" idx="10"/>
-          </p:nvPr>
-        </p:nvSpPr>
-        <p:spPr>
-          <a:xfrm>
-            <a:off x="7667625" y="6378575"/>
-            <a:ext cx="865188" cy="365125"/>
-          </a:xfrm>
-        </p:spPr>
-        <p:txBody>
-          <a:bodyPr/>
-          <a:lstStyle/>
-          <a:p>
-            <a:pPr>
-              <a:defRPr/>
-            </a:pPr>
-            <a:r>
-              <a:rPr lang="de-DE" dirty="0"/>
-              <a:t>04.07.18</a:t>
-            </a:r>
-          </a:p>
-        </p:txBody>
-      </p:sp>
-      <p:sp>
-        <p:nvSpPr>
-          <p:cNvPr id="2" name="TextBox 1">
-            <a:extLst>
-              <a:ext uri="{FF2B5EF4-FFF2-40B4-BE49-F238E27FC236}">
-                <a16:creationId xmlns:a16="http://schemas.microsoft.com/office/drawing/2014/main" id="{F6329C1B-3711-4DAD-A239-6C5455594232}"/>
-              </a:ext>
-            </a:extLst>
-          </p:cNvPr>
-          <p:cNvSpPr txBox="1"/>
-          <p:nvPr/>
-        </p:nvSpPr>
-        <p:spPr>
-          <a:xfrm>
-            <a:off x="1187624" y="1988840"/>
-            <a:ext cx="6624736" cy="344710"/>
-          </a:xfrm>
-          <a:prstGeom prst="rect">
-            <a:avLst/>
-          </a:prstGeom>
-          <a:noFill/>
-        </p:spPr>
-        <p:txBody>
-          <a:bodyPr wrap="square" rtlCol="0">
-            <a:spAutoFit/>
-          </a:bodyPr>
-          <a:lstStyle/>
-          <a:p>
-            <a:r>
-              <a:rPr lang="de-DE" sz="2000" u="none" dirty="0">
-                <a:solidFill>
-                  <a:schemeClr val="tx1"/>
-                </a:solidFill>
-                <a:latin typeface="Calibri" panose="020F0502020204030204" pitchFamily="34" charset="0"/>
-                <a:cs typeface="Calibri" panose="020F0502020204030204" pitchFamily="34" charset="0"/>
-              </a:rPr>
-              <a:t>Homographien</a:t>
-            </a:r>
-          </a:p>
-        </p:txBody>
-      </p:sp>
-    </p:spTree>
-    <p:extLst>
-      <p:ext uri="{BB962C8B-B14F-4D97-AF65-F5344CB8AC3E}">
-        <p14:creationId xmlns:p14="http://schemas.microsoft.com/office/powerpoint/2010/main" val="614113190"/>
       </p:ext>
     </p:extLst>
   </p:cSld>
@@ -13082,44 +15074,9 @@
             <a:pPr>
               <a:defRPr/>
             </a:pPr>
-            <a:fld id="{1736E8CA-6C78-491A-BA5E-FD2FB36D22E0}" type="datetime1">
-              <a:rPr lang="de-DE" smtClean="0"/>
-              <a:pPr>
-                <a:defRPr/>
-              </a:pPr>
-              <a:t>26.06.2018</a:t>
-            </a:fld>
-            <a:endParaRPr lang="de-DE" dirty="0"/>
-          </a:p>
-        </p:txBody>
-      </p:sp>
-      <p:sp>
-        <p:nvSpPr>
-          <p:cNvPr id="5" name="Footer Placeholder 4">
-            <a:extLst>
-              <a:ext uri="{FF2B5EF4-FFF2-40B4-BE49-F238E27FC236}">
-                <a16:creationId xmlns:a16="http://schemas.microsoft.com/office/drawing/2014/main" id="{2A442F18-2C94-474B-A670-6622E346306E}"/>
-              </a:ext>
-            </a:extLst>
-          </p:cNvPr>
-          <p:cNvSpPr>
-            <a:spLocks noGrp="1"/>
-          </p:cNvSpPr>
-          <p:nvPr>
-            <p:ph type="ftr" sz="quarter" idx="11"/>
-          </p:nvPr>
-        </p:nvSpPr>
-        <p:spPr/>
-        <p:txBody>
-          <a:bodyPr/>
-          <a:lstStyle/>
-          <a:p>
-            <a:pPr>
-              <a:defRPr/>
-            </a:pPr>
-            <a:r>
-              <a:rPr lang="de-DE"/>
-              <a:t>Hochschule Furtwangen, Marketing &amp; Öffentlichkeitsarbeit</a:t>
+            <a:r>
+              <a:rPr lang="de-DE" dirty="0"/>
+              <a:t>04.07.2018</a:t>
             </a:r>
           </a:p>
         </p:txBody>
@@ -13266,6 +15223,42 @@
           </a:prstGeom>
         </p:spPr>
       </p:pic>
+      <p:sp>
+        <p:nvSpPr>
+          <p:cNvPr id="9" name="Footer Placeholder 4">
+            <a:extLst>
+              <a:ext uri="{FF2B5EF4-FFF2-40B4-BE49-F238E27FC236}">
+                <a16:creationId xmlns:a16="http://schemas.microsoft.com/office/drawing/2014/main" id="{A29536C6-32F9-46AE-A1F1-C7CBF5073C28}"/>
+              </a:ext>
+            </a:extLst>
+          </p:cNvPr>
+          <p:cNvSpPr>
+            <a:spLocks noGrp="1"/>
+          </p:cNvSpPr>
+          <p:nvPr>
+            <p:ph type="ftr" sz="quarter" idx="11"/>
+          </p:nvPr>
+        </p:nvSpPr>
+        <p:spPr>
+          <a:xfrm>
+            <a:off x="539750" y="6365875"/>
+            <a:ext cx="2016125" cy="365125"/>
+          </a:xfrm>
+        </p:spPr>
+        <p:txBody>
+          <a:bodyPr/>
+          <a:lstStyle/>
+          <a:p>
+            <a:pPr>
+              <a:defRPr/>
+            </a:pPr>
+            <a:r>
+              <a:rPr lang="de-DE" dirty="0"/>
+              <a:t>Hochschule Furtwangen</a:t>
+            </a:r>
+          </a:p>
+        </p:txBody>
+      </p:sp>
     </p:spTree>
     <p:extLst>
       <p:ext uri="{BB962C8B-B14F-4D97-AF65-F5344CB8AC3E}">
@@ -13312,14 +15305,20 @@
             <p:ph type="title"/>
           </p:nvPr>
         </p:nvSpPr>
-        <p:spPr/>
+        <p:spPr>
+          <a:xfrm>
+            <a:off x="685800" y="2780928"/>
+            <a:ext cx="7772400" cy="533400"/>
+          </a:xfrm>
+        </p:spPr>
         <p:txBody>
           <a:bodyPr/>
           <a:lstStyle/>
           <a:p>
-            <a:r>
-              <a:rPr lang="de-DE" dirty="0"/>
-              <a:t>BackUpSlides</a:t>
+            <a:pPr algn="ctr"/>
+            <a:r>
+              <a:rPr lang="de-DE" sz="6600" dirty="0"/>
+              <a:t>Zusatzfolien</a:t>
             </a:r>
           </a:p>
         </p:txBody>
@@ -13345,42 +15344,6 @@
               <a:t>20</a:t>
             </a:fld>
             <a:endParaRPr lang="de-DE"/>
-          </a:p>
-        </p:txBody>
-      </p:sp>
-      <p:sp>
-        <p:nvSpPr>
-          <p:cNvPr id="7" name="Footer Placeholder 4">
-            <a:extLst>
-              <a:ext uri="{FF2B5EF4-FFF2-40B4-BE49-F238E27FC236}">
-                <a16:creationId xmlns:a16="http://schemas.microsoft.com/office/drawing/2014/main" id="{C4C146E8-EC73-46FC-8B03-58FA3D7A2538}"/>
-              </a:ext>
-            </a:extLst>
-          </p:cNvPr>
-          <p:cNvSpPr>
-            <a:spLocks noGrp="1"/>
-          </p:cNvSpPr>
-          <p:nvPr>
-            <p:ph type="ftr" sz="quarter" idx="11"/>
-          </p:nvPr>
-        </p:nvSpPr>
-        <p:spPr>
-          <a:xfrm>
-            <a:off x="539750" y="6365875"/>
-            <a:ext cx="2016125" cy="365125"/>
-          </a:xfrm>
-        </p:spPr>
-        <p:txBody>
-          <a:bodyPr/>
-          <a:lstStyle/>
-          <a:p>
-            <a:pPr>
-              <a:defRPr/>
-            </a:pPr>
-            <a:r>
-              <a:rPr lang="de-DE" dirty="0"/>
-              <a:t>Hochschule Furtwangen, </a:t>
-            </a:r>
           </a:p>
         </p:txBody>
       </p:sp>
@@ -13422,41 +15385,36 @@
       </p:sp>
       <p:sp>
         <p:nvSpPr>
-          <p:cNvPr id="2" name="TextBox 1">
+          <p:cNvPr id="13" name="Footer Placeholder 4">
             <a:extLst>
               <a:ext uri="{FF2B5EF4-FFF2-40B4-BE49-F238E27FC236}">
-                <a16:creationId xmlns:a16="http://schemas.microsoft.com/office/drawing/2014/main" id="{F6329C1B-3711-4DAD-A239-6C5455594232}"/>
+                <a16:creationId xmlns:a16="http://schemas.microsoft.com/office/drawing/2014/main" id="{228F262C-359B-4912-BBA5-61B51AE0302A}"/>
               </a:ext>
             </a:extLst>
           </p:cNvPr>
-          <p:cNvSpPr txBox="1"/>
-          <p:nvPr/>
+          <p:cNvSpPr>
+            <a:spLocks noGrp="1"/>
+          </p:cNvSpPr>
+          <p:nvPr>
+            <p:ph type="ftr" sz="quarter" idx="11"/>
+          </p:nvPr>
         </p:nvSpPr>
         <p:spPr>
           <a:xfrm>
-            <a:off x="1187624" y="1988840"/>
-            <a:ext cx="6624736" cy="344710"/>
+            <a:off x="539750" y="6365875"/>
+            <a:ext cx="2016125" cy="365125"/>
           </a:xfrm>
-          <a:prstGeom prst="rect">
-            <a:avLst/>
-          </a:prstGeom>
-          <a:noFill/>
-        </p:spPr>
-        <p:txBody>
-          <a:bodyPr wrap="square" rtlCol="0">
-            <a:spAutoFit/>
-          </a:bodyPr>
+        </p:spPr>
+        <p:txBody>
+          <a:bodyPr/>
           <a:lstStyle/>
           <a:p>
-            <a:r>
-              <a:rPr lang="de-DE" sz="2000" u="none" dirty="0">
-                <a:solidFill>
-                  <a:schemeClr val="tx1"/>
-                </a:solidFill>
-                <a:latin typeface="Calibri" panose="020F0502020204030204" pitchFamily="34" charset="0"/>
-                <a:cs typeface="Calibri" panose="020F0502020204030204" pitchFamily="34" charset="0"/>
-              </a:rPr>
-              <a:t>Sampson-Approximation genaues Verfahren</a:t>
+            <a:pPr>
+              <a:defRPr/>
+            </a:pPr>
+            <a:r>
+              <a:rPr lang="de-DE" dirty="0"/>
+              <a:t>Hochschule Furtwangen</a:t>
             </a:r>
           </a:p>
         </p:txBody>
@@ -13464,7 +15422,7 @@
     </p:spTree>
     <p:extLst>
       <p:ext uri="{BB962C8B-B14F-4D97-AF65-F5344CB8AC3E}">
-        <p14:creationId xmlns:p14="http://schemas.microsoft.com/office/powerpoint/2010/main" val="88328310"/>
+        <p14:creationId xmlns:p14="http://schemas.microsoft.com/office/powerpoint/2010/main" val="333431621"/>
       </p:ext>
     </p:extLst>
   </p:cSld>
@@ -13545,42 +15503,6 @@
       </p:sp>
       <p:sp>
         <p:nvSpPr>
-          <p:cNvPr id="7" name="Footer Placeholder 4">
-            <a:extLst>
-              <a:ext uri="{FF2B5EF4-FFF2-40B4-BE49-F238E27FC236}">
-                <a16:creationId xmlns:a16="http://schemas.microsoft.com/office/drawing/2014/main" id="{C4C146E8-EC73-46FC-8B03-58FA3D7A2538}"/>
-              </a:ext>
-            </a:extLst>
-          </p:cNvPr>
-          <p:cNvSpPr>
-            <a:spLocks noGrp="1"/>
-          </p:cNvSpPr>
-          <p:nvPr>
-            <p:ph type="ftr" sz="quarter" idx="11"/>
-          </p:nvPr>
-        </p:nvSpPr>
-        <p:spPr>
-          <a:xfrm>
-            <a:off x="539750" y="6365875"/>
-            <a:ext cx="2016125" cy="365125"/>
-          </a:xfrm>
-        </p:spPr>
-        <p:txBody>
-          <a:bodyPr/>
-          <a:lstStyle/>
-          <a:p>
-            <a:pPr>
-              <a:defRPr/>
-            </a:pPr>
-            <a:r>
-              <a:rPr lang="de-DE" dirty="0"/>
-              <a:t>Hochschule Furtwangen, </a:t>
-            </a:r>
-          </a:p>
-        </p:txBody>
-      </p:sp>
-      <p:sp>
-        <p:nvSpPr>
           <p:cNvPr id="10" name="Date Placeholder 3">
             <a:extLst>
               <a:ext uri="{FF2B5EF4-FFF2-40B4-BE49-F238E27FC236}">
@@ -13630,7 +15552,7 @@
         <p:spPr>
           <a:xfrm>
             <a:off x="1187624" y="1988840"/>
-            <a:ext cx="6624736" cy="590931"/>
+            <a:ext cx="6624736" cy="344710"/>
           </a:xfrm>
           <a:prstGeom prst="rect">
             <a:avLst/>
@@ -13651,7 +15573,43 @@
                 <a:latin typeface="Calibri" panose="020F0502020204030204" pitchFamily="34" charset="0"/>
                 <a:cs typeface="Calibri" panose="020F0502020204030204" pitchFamily="34" charset="0"/>
               </a:rPr>
-              <a:t>Vergleich der Computergrafik pipeline und der Computer Vision Pipeline</a:t>
+              <a:t>Homographien</a:t>
+            </a:r>
+          </a:p>
+        </p:txBody>
+      </p:sp>
+      <p:sp>
+        <p:nvSpPr>
+          <p:cNvPr id="8" name="Footer Placeholder 4">
+            <a:extLst>
+              <a:ext uri="{FF2B5EF4-FFF2-40B4-BE49-F238E27FC236}">
+                <a16:creationId xmlns:a16="http://schemas.microsoft.com/office/drawing/2014/main" id="{AC769688-2D0E-4AF4-8B63-60B6B3A1C720}"/>
+              </a:ext>
+            </a:extLst>
+          </p:cNvPr>
+          <p:cNvSpPr>
+            <a:spLocks noGrp="1"/>
+          </p:cNvSpPr>
+          <p:nvPr>
+            <p:ph type="ftr" sz="quarter" idx="11"/>
+          </p:nvPr>
+        </p:nvSpPr>
+        <p:spPr>
+          <a:xfrm>
+            <a:off x="539750" y="6365875"/>
+            <a:ext cx="2016125" cy="365125"/>
+          </a:xfrm>
+        </p:spPr>
+        <p:txBody>
+          <a:bodyPr/>
+          <a:lstStyle/>
+          <a:p>
+            <a:pPr>
+              <a:defRPr/>
+            </a:pPr>
+            <a:r>
+              <a:rPr lang="de-DE" dirty="0"/>
+              <a:t>Hochschule Furtwangen</a:t>
             </a:r>
           </a:p>
         </p:txBody>
@@ -13659,7 +15617,7 @@
     </p:spTree>
     <p:extLst>
       <p:ext uri="{BB962C8B-B14F-4D97-AF65-F5344CB8AC3E}">
-        <p14:creationId xmlns:p14="http://schemas.microsoft.com/office/powerpoint/2010/main" val="351409125"/>
+        <p14:creationId xmlns:p14="http://schemas.microsoft.com/office/powerpoint/2010/main" val="614113190"/>
       </p:ext>
     </p:extLst>
   </p:cSld>
@@ -13740,42 +15698,6 @@
       </p:sp>
       <p:sp>
         <p:nvSpPr>
-          <p:cNvPr id="7" name="Footer Placeholder 4">
-            <a:extLst>
-              <a:ext uri="{FF2B5EF4-FFF2-40B4-BE49-F238E27FC236}">
-                <a16:creationId xmlns:a16="http://schemas.microsoft.com/office/drawing/2014/main" id="{C4C146E8-EC73-46FC-8B03-58FA3D7A2538}"/>
-              </a:ext>
-            </a:extLst>
-          </p:cNvPr>
-          <p:cNvSpPr>
-            <a:spLocks noGrp="1"/>
-          </p:cNvSpPr>
-          <p:nvPr>
-            <p:ph type="ftr" sz="quarter" idx="11"/>
-          </p:nvPr>
-        </p:nvSpPr>
-        <p:spPr>
-          <a:xfrm>
-            <a:off x="539750" y="6365875"/>
-            <a:ext cx="2016125" cy="365125"/>
-          </a:xfrm>
-        </p:spPr>
-        <p:txBody>
-          <a:bodyPr/>
-          <a:lstStyle/>
-          <a:p>
-            <a:pPr>
-              <a:defRPr/>
-            </a:pPr>
-            <a:r>
-              <a:rPr lang="de-DE" dirty="0"/>
-              <a:t>Hochschule Furtwangen, </a:t>
-            </a:r>
-          </a:p>
-        </p:txBody>
-      </p:sp>
-      <p:sp>
-        <p:nvSpPr>
           <p:cNvPr id="10" name="Date Placeholder 3">
             <a:extLst>
               <a:ext uri="{FF2B5EF4-FFF2-40B4-BE49-F238E27FC236}">
@@ -13812,56 +15734,316 @@
       </p:sp>
       <p:sp>
         <p:nvSpPr>
-          <p:cNvPr id="2" name="TextBox 1">
+          <p:cNvPr id="8" name="Content Placeholder 2">
             <a:extLst>
               <a:ext uri="{FF2B5EF4-FFF2-40B4-BE49-F238E27FC236}">
-                <a16:creationId xmlns:a16="http://schemas.microsoft.com/office/drawing/2014/main" id="{F6329C1B-3711-4DAD-A239-6C5455594232}"/>
+                <a16:creationId xmlns:a16="http://schemas.microsoft.com/office/drawing/2014/main" id="{074A7574-DF88-43AA-8461-57C2485230EC}"/>
               </a:ext>
             </a:extLst>
           </p:cNvPr>
-          <p:cNvSpPr txBox="1"/>
+          <p:cNvSpPr txBox="1">
+            <a:spLocks/>
+          </p:cNvSpPr>
           <p:nvPr/>
         </p:nvSpPr>
-        <p:spPr>
+        <p:spPr bwMode="auto">
           <a:xfrm>
-            <a:off x="1187624" y="1988840"/>
-            <a:ext cx="6624736" cy="344710"/>
+            <a:off x="180976" y="1028700"/>
+            <a:ext cx="8351837" cy="4038600"/>
           </a:xfrm>
           <a:prstGeom prst="rect">
             <a:avLst/>
           </a:prstGeom>
           <a:noFill/>
-        </p:spPr>
-        <p:txBody>
-          <a:bodyPr wrap="square" rtlCol="0">
-            <a:spAutoFit/>
+          <a:ln w="9525">
+            <a:noFill/>
+            <a:miter lim="800000"/>
+            <a:headEnd/>
+            <a:tailEnd/>
+          </a:ln>
+        </p:spPr>
+        <p:txBody>
+          <a:bodyPr vert="horz" wrap="square" lIns="0" tIns="0" rIns="0" bIns="0" numCol="1" anchor="t" anchorCtr="0" compatLnSpc="1">
+            <a:prstTxWarp prst="textNoShape">
+              <a:avLst/>
+            </a:prstTxWarp>
           </a:bodyPr>
-          <a:lstStyle/>
-          <a:p>
-            <a:r>
-              <a:rPr lang="de-DE" sz="2000" u="none">
+          <a:lstStyle>
+            <a:lvl1pPr marL="342900" indent="-342900" algn="l" rtl="0" eaLnBrk="0" fontAlgn="base" hangingPunct="0">
+              <a:spcBef>
+                <a:spcPct val="20000"/>
+              </a:spcBef>
+              <a:spcAft>
+                <a:spcPct val="0"/>
+              </a:spcAft>
+              <a:defRPr sz="1600">
                 <a:solidFill>
                   <a:schemeClr val="tx1"/>
                 </a:solidFill>
-                <a:latin typeface="Calibri" panose="020F0502020204030204" pitchFamily="34" charset="0"/>
-                <a:cs typeface="Calibri" panose="020F0502020204030204" pitchFamily="34" charset="0"/>
-              </a:rPr>
-              <a:t>Eight Point Algorithm</a:t>
-            </a:r>
-            <a:endParaRPr lang="de-DE" sz="2000" u="none" dirty="0">
-              <a:solidFill>
-                <a:schemeClr val="tx1"/>
-              </a:solidFill>
-              <a:latin typeface="Calibri" panose="020F0502020204030204" pitchFamily="34" charset="0"/>
-              <a:cs typeface="Calibri" panose="020F0502020204030204" pitchFamily="34" charset="0"/>
+                <a:latin typeface="+mn-lt"/>
+                <a:ea typeface="+mn-ea"/>
+                <a:cs typeface="+mn-cs"/>
+              </a:defRPr>
+            </a:lvl1pPr>
+            <a:lvl2pPr marL="742950" indent="-285750" algn="l" rtl="0" eaLnBrk="0" fontAlgn="base" hangingPunct="0">
+              <a:spcBef>
+                <a:spcPct val="20000"/>
+              </a:spcBef>
+              <a:spcAft>
+                <a:spcPct val="0"/>
+              </a:spcAft>
+              <a:defRPr sz="2800">
+                <a:solidFill>
+                  <a:schemeClr val="tx1"/>
+                </a:solidFill>
+                <a:latin typeface="Arial" charset="0"/>
+                <a:ea typeface="+mn-ea"/>
+              </a:defRPr>
+            </a:lvl2pPr>
+            <a:lvl3pPr marL="1143000" indent="-228600" algn="l" rtl="0" eaLnBrk="0" fontAlgn="base" hangingPunct="0">
+              <a:spcBef>
+                <a:spcPct val="20000"/>
+              </a:spcBef>
+              <a:spcAft>
+                <a:spcPct val="0"/>
+              </a:spcAft>
+              <a:defRPr sz="2400">
+                <a:solidFill>
+                  <a:schemeClr val="tx1"/>
+                </a:solidFill>
+                <a:latin typeface="Arial" charset="0"/>
+                <a:ea typeface="+mn-ea"/>
+              </a:defRPr>
+            </a:lvl3pPr>
+            <a:lvl4pPr marL="1600200" indent="-228600" algn="l" rtl="0" eaLnBrk="0" fontAlgn="base" hangingPunct="0">
+              <a:spcBef>
+                <a:spcPct val="20000"/>
+              </a:spcBef>
+              <a:spcAft>
+                <a:spcPct val="0"/>
+              </a:spcAft>
+              <a:defRPr sz="2000">
+                <a:solidFill>
+                  <a:schemeClr val="tx1"/>
+                </a:solidFill>
+                <a:latin typeface="Arial" charset="0"/>
+                <a:ea typeface="+mn-ea"/>
+              </a:defRPr>
+            </a:lvl4pPr>
+            <a:lvl5pPr marL="2057400" indent="-228600" algn="l" rtl="0" eaLnBrk="0" fontAlgn="base" hangingPunct="0">
+              <a:spcBef>
+                <a:spcPct val="20000"/>
+              </a:spcBef>
+              <a:spcAft>
+                <a:spcPct val="0"/>
+              </a:spcAft>
+              <a:defRPr sz="2000">
+                <a:solidFill>
+                  <a:schemeClr val="tx1"/>
+                </a:solidFill>
+                <a:latin typeface="Arial" charset="0"/>
+                <a:ea typeface="+mn-ea"/>
+              </a:defRPr>
+            </a:lvl5pPr>
+            <a:lvl6pPr marL="2514600" indent="-228600" algn="l" rtl="0" fontAlgn="base">
+              <a:spcBef>
+                <a:spcPct val="20000"/>
+              </a:spcBef>
+              <a:spcAft>
+                <a:spcPct val="0"/>
+              </a:spcAft>
+              <a:defRPr sz="2000">
+                <a:solidFill>
+                  <a:schemeClr val="tx1"/>
+                </a:solidFill>
+                <a:latin typeface="Arial" charset="0"/>
+                <a:ea typeface="+mn-ea"/>
+              </a:defRPr>
+            </a:lvl6pPr>
+            <a:lvl7pPr marL="2971800" indent="-228600" algn="l" rtl="0" fontAlgn="base">
+              <a:spcBef>
+                <a:spcPct val="20000"/>
+              </a:spcBef>
+              <a:spcAft>
+                <a:spcPct val="0"/>
+              </a:spcAft>
+              <a:defRPr sz="2000">
+                <a:solidFill>
+                  <a:schemeClr val="tx1"/>
+                </a:solidFill>
+                <a:latin typeface="Arial" charset="0"/>
+                <a:ea typeface="+mn-ea"/>
+              </a:defRPr>
+            </a:lvl7pPr>
+            <a:lvl8pPr marL="3429000" indent="-228600" algn="l" rtl="0" fontAlgn="base">
+              <a:spcBef>
+                <a:spcPct val="20000"/>
+              </a:spcBef>
+              <a:spcAft>
+                <a:spcPct val="0"/>
+              </a:spcAft>
+              <a:defRPr sz="2000">
+                <a:solidFill>
+                  <a:schemeClr val="tx1"/>
+                </a:solidFill>
+                <a:latin typeface="Arial" charset="0"/>
+                <a:ea typeface="+mn-ea"/>
+              </a:defRPr>
+            </a:lvl8pPr>
+            <a:lvl9pPr marL="3886200" indent="-228600" algn="l" rtl="0" fontAlgn="base">
+              <a:spcBef>
+                <a:spcPct val="20000"/>
+              </a:spcBef>
+              <a:spcAft>
+                <a:spcPct val="0"/>
+              </a:spcAft>
+              <a:defRPr sz="2000">
+                <a:solidFill>
+                  <a:schemeClr val="tx1"/>
+                </a:solidFill>
+                <a:latin typeface="Arial" charset="0"/>
+                <a:ea typeface="+mn-ea"/>
+              </a:defRPr>
+            </a:lvl9pPr>
+          </a:lstStyle>
+          <a:p>
+            <a:pPr>
+              <a:lnSpc>
+                <a:spcPct val="100000"/>
+              </a:lnSpc>
+              <a:buFont typeface="Arial" panose="020B0604020202020204" pitchFamily="34" charset="0"/>
+              <a:buChar char="•"/>
+            </a:pPr>
+            <a:r>
+              <a:rPr lang="de-DE" sz="2400" u="none" kern="0" dirty="0">
+                <a:latin typeface="Calibri (Body)"/>
+              </a:rPr>
+              <a:t>Fundamental Matrix und Essentielle Matrix</a:t>
+            </a:r>
+          </a:p>
+          <a:p>
+            <a:pPr marL="457200" lvl="1" indent="0">
+              <a:lnSpc>
+                <a:spcPct val="100000"/>
+              </a:lnSpc>
+            </a:pPr>
+            <a:endParaRPr lang="de-DE" sz="2400" u="none" kern="0" dirty="0">
+              <a:latin typeface="Calibri (Body)"/>
             </a:endParaRPr>
+          </a:p>
+        </p:txBody>
+      </p:sp>
+      <p:pic>
+        <p:nvPicPr>
+          <p:cNvPr id="11" name="Picture 10">
+            <a:extLst>
+              <a:ext uri="{FF2B5EF4-FFF2-40B4-BE49-F238E27FC236}">
+                <a16:creationId xmlns:a16="http://schemas.microsoft.com/office/drawing/2014/main" id="{ECE6BAF7-E018-4C0D-819F-1F383417E19E}"/>
+              </a:ext>
+            </a:extLst>
+          </p:cNvPr>
+          <p:cNvPicPr>
+            <a:picLocks noChangeAspect="1"/>
+          </p:cNvPicPr>
+          <p:nvPr/>
+        </p:nvPicPr>
+        <p:blipFill>
+          <a:blip r:embed="rId3">
+            <a:extLst>
+              <a:ext uri="{28A0092B-C50C-407E-A947-70E740481C1C}">
+                <a14:useLocalDpi xmlns:a14="http://schemas.microsoft.com/office/drawing/2010/main" val="0"/>
+              </a:ext>
+            </a:extLst>
+          </a:blip>
+          <a:stretch>
+            <a:fillRect/>
+          </a:stretch>
+        </p:blipFill>
+        <p:spPr>
+          <a:xfrm>
+            <a:off x="675625" y="1803491"/>
+            <a:ext cx="7687748" cy="1848108"/>
+          </a:xfrm>
+          <a:prstGeom prst="rect">
+            <a:avLst/>
+          </a:prstGeom>
+        </p:spPr>
+      </p:pic>
+      <p:pic>
+        <p:nvPicPr>
+          <p:cNvPr id="12" name="Picture 11">
+            <a:extLst>
+              <a:ext uri="{FF2B5EF4-FFF2-40B4-BE49-F238E27FC236}">
+                <a16:creationId xmlns:a16="http://schemas.microsoft.com/office/drawing/2014/main" id="{4B89C6B8-D846-4B21-AAA2-6CDAC6D3D172}"/>
+              </a:ext>
+            </a:extLst>
+          </p:cNvPr>
+          <p:cNvPicPr>
+            <a:picLocks noChangeAspect="1"/>
+          </p:cNvPicPr>
+          <p:nvPr/>
+        </p:nvPicPr>
+        <p:blipFill rotWithShape="1">
+          <a:blip r:embed="rId4">
+            <a:extLst>
+              <a:ext uri="{28A0092B-C50C-407E-A947-70E740481C1C}">
+                <a14:useLocalDpi xmlns:a14="http://schemas.microsoft.com/office/drawing/2010/main" val="0"/>
+              </a:ext>
+            </a:extLst>
+          </a:blip>
+          <a:srcRect b="21049"/>
+          <a:stretch/>
+        </p:blipFill>
+        <p:spPr>
+          <a:xfrm>
+            <a:off x="1882039" y="3751611"/>
+            <a:ext cx="5274921" cy="1999337"/>
+          </a:xfrm>
+          <a:prstGeom prst="rect">
+            <a:avLst/>
+          </a:prstGeom>
+        </p:spPr>
+      </p:pic>
+      <p:sp>
+        <p:nvSpPr>
+          <p:cNvPr id="13" name="Footer Placeholder 4">
+            <a:extLst>
+              <a:ext uri="{FF2B5EF4-FFF2-40B4-BE49-F238E27FC236}">
+                <a16:creationId xmlns:a16="http://schemas.microsoft.com/office/drawing/2014/main" id="{F6B89563-1FAC-4F09-AF79-33136BEA060A}"/>
+              </a:ext>
+            </a:extLst>
+          </p:cNvPr>
+          <p:cNvSpPr>
+            <a:spLocks noGrp="1"/>
+          </p:cNvSpPr>
+          <p:nvPr>
+            <p:ph type="ftr" sz="quarter" idx="11"/>
+          </p:nvPr>
+        </p:nvSpPr>
+        <p:spPr>
+          <a:xfrm>
+            <a:off x="539750" y="6365875"/>
+            <a:ext cx="2016125" cy="365125"/>
+          </a:xfrm>
+        </p:spPr>
+        <p:txBody>
+          <a:bodyPr/>
+          <a:lstStyle/>
+          <a:p>
+            <a:pPr>
+              <a:defRPr/>
+            </a:pPr>
+            <a:r>
+              <a:rPr lang="de-DE" dirty="0"/>
+              <a:t>Hochschule Furtwangen</a:t>
+            </a:r>
           </a:p>
         </p:txBody>
       </p:sp>
     </p:spTree>
     <p:extLst>
       <p:ext uri="{BB962C8B-B14F-4D97-AF65-F5344CB8AC3E}">
-        <p14:creationId xmlns:p14="http://schemas.microsoft.com/office/powerpoint/2010/main" val="3825160840"/>
+        <p14:creationId xmlns:p14="http://schemas.microsoft.com/office/powerpoint/2010/main" val="1465671791"/>
       </p:ext>
     </p:extLst>
   </p:cSld>
@@ -13942,6 +16124,311 @@
       </p:sp>
       <p:sp>
         <p:nvSpPr>
+          <p:cNvPr id="10" name="Date Placeholder 3">
+            <a:extLst>
+              <a:ext uri="{FF2B5EF4-FFF2-40B4-BE49-F238E27FC236}">
+                <a16:creationId xmlns:a16="http://schemas.microsoft.com/office/drawing/2014/main" id="{9B700400-1A71-4C80-BEBE-35AB1FB575DB}"/>
+              </a:ext>
+            </a:extLst>
+          </p:cNvPr>
+          <p:cNvSpPr>
+            <a:spLocks noGrp="1"/>
+          </p:cNvSpPr>
+          <p:nvPr>
+            <p:ph type="dt" sz="half" idx="10"/>
+          </p:nvPr>
+        </p:nvSpPr>
+        <p:spPr>
+          <a:xfrm>
+            <a:off x="7667625" y="6378575"/>
+            <a:ext cx="865188" cy="365125"/>
+          </a:xfrm>
+        </p:spPr>
+        <p:txBody>
+          <a:bodyPr/>
+          <a:lstStyle/>
+          <a:p>
+            <a:pPr>
+              <a:defRPr/>
+            </a:pPr>
+            <a:r>
+              <a:rPr lang="de-DE" dirty="0"/>
+              <a:t>04.07.18</a:t>
+            </a:r>
+          </a:p>
+        </p:txBody>
+      </p:sp>
+      <p:pic>
+        <p:nvPicPr>
+          <p:cNvPr id="13" name="Content Placeholder 7">
+            <a:extLst>
+              <a:ext uri="{FF2B5EF4-FFF2-40B4-BE49-F238E27FC236}">
+                <a16:creationId xmlns:a16="http://schemas.microsoft.com/office/drawing/2014/main" id="{39383731-182C-4A9B-B7D7-D715C35AFE87}"/>
+              </a:ext>
+            </a:extLst>
+          </p:cNvPr>
+          <p:cNvPicPr>
+            <a:picLocks noGrp="1" noChangeAspect="1"/>
+          </p:cNvPicPr>
+          <p:nvPr>
+            <p:ph idx="1"/>
+          </p:nvPr>
+        </p:nvPicPr>
+        <p:blipFill>
+          <a:blip r:embed="rId3">
+            <a:extLst>
+              <a:ext uri="{28A0092B-C50C-407E-A947-70E740481C1C}">
+                <a14:useLocalDpi xmlns:a14="http://schemas.microsoft.com/office/drawing/2010/main" val="0"/>
+              </a:ext>
+            </a:extLst>
+          </a:blip>
+          <a:stretch>
+            <a:fillRect/>
+          </a:stretch>
+        </p:blipFill>
+        <p:spPr>
+          <a:xfrm>
+            <a:off x="1893979" y="1124744"/>
+            <a:ext cx="5356042" cy="1287574"/>
+          </a:xfrm>
+        </p:spPr>
+      </p:pic>
+      <p:pic>
+        <p:nvPicPr>
+          <p:cNvPr id="14" name="Picture 13">
+            <a:extLst>
+              <a:ext uri="{FF2B5EF4-FFF2-40B4-BE49-F238E27FC236}">
+                <a16:creationId xmlns:a16="http://schemas.microsoft.com/office/drawing/2014/main" id="{24FDD988-FEC4-449D-82D4-FDC6325CEB84}"/>
+              </a:ext>
+            </a:extLst>
+          </p:cNvPr>
+          <p:cNvPicPr>
+            <a:picLocks noChangeAspect="1"/>
+          </p:cNvPicPr>
+          <p:nvPr/>
+        </p:nvPicPr>
+        <p:blipFill>
+          <a:blip r:embed="rId4">
+            <a:extLst>
+              <a:ext uri="{28A0092B-C50C-407E-A947-70E740481C1C}">
+                <a14:useLocalDpi xmlns:a14="http://schemas.microsoft.com/office/drawing/2010/main" val="0"/>
+              </a:ext>
+            </a:extLst>
+          </a:blip>
+          <a:stretch>
+            <a:fillRect/>
+          </a:stretch>
+        </p:blipFill>
+        <p:spPr>
+          <a:xfrm>
+            <a:off x="3275856" y="2467067"/>
+            <a:ext cx="2430056" cy="852889"/>
+          </a:xfrm>
+          <a:prstGeom prst="rect">
+            <a:avLst/>
+          </a:prstGeom>
+        </p:spPr>
+      </p:pic>
+      <p:pic>
+        <p:nvPicPr>
+          <p:cNvPr id="15" name="Picture 14">
+            <a:extLst>
+              <a:ext uri="{FF2B5EF4-FFF2-40B4-BE49-F238E27FC236}">
+                <a16:creationId xmlns:a16="http://schemas.microsoft.com/office/drawing/2014/main" id="{59A17358-ED22-4159-8B93-C58623973DF3}"/>
+              </a:ext>
+            </a:extLst>
+          </p:cNvPr>
+          <p:cNvPicPr>
+            <a:picLocks noChangeAspect="1"/>
+          </p:cNvPicPr>
+          <p:nvPr/>
+        </p:nvPicPr>
+        <p:blipFill>
+          <a:blip r:embed="rId5">
+            <a:extLst>
+              <a:ext uri="{28A0092B-C50C-407E-A947-70E740481C1C}">
+                <a14:useLocalDpi xmlns:a14="http://schemas.microsoft.com/office/drawing/2010/main" val="0"/>
+              </a:ext>
+            </a:extLst>
+          </a:blip>
+          <a:stretch>
+            <a:fillRect/>
+          </a:stretch>
+        </p:blipFill>
+        <p:spPr>
+          <a:xfrm>
+            <a:off x="2799821" y="3353363"/>
+            <a:ext cx="3382126" cy="659228"/>
+          </a:xfrm>
+          <a:prstGeom prst="rect">
+            <a:avLst/>
+          </a:prstGeom>
+        </p:spPr>
+      </p:pic>
+      <p:pic>
+        <p:nvPicPr>
+          <p:cNvPr id="16" name="Picture 15">
+            <a:extLst>
+              <a:ext uri="{FF2B5EF4-FFF2-40B4-BE49-F238E27FC236}">
+                <a16:creationId xmlns:a16="http://schemas.microsoft.com/office/drawing/2014/main" id="{AF66AFCB-1043-4D7B-97FA-1F7CCDA4135D}"/>
+              </a:ext>
+            </a:extLst>
+          </p:cNvPr>
+          <p:cNvPicPr>
+            <a:picLocks noChangeAspect="1"/>
+          </p:cNvPicPr>
+          <p:nvPr/>
+        </p:nvPicPr>
+        <p:blipFill>
+          <a:blip r:embed="rId6">
+            <a:extLst>
+              <a:ext uri="{28A0092B-C50C-407E-A947-70E740481C1C}">
+                <a14:useLocalDpi xmlns:a14="http://schemas.microsoft.com/office/drawing/2010/main" val="0"/>
+              </a:ext>
+            </a:extLst>
+          </a:blip>
+          <a:stretch>
+            <a:fillRect/>
+          </a:stretch>
+        </p:blipFill>
+        <p:spPr>
+          <a:xfrm>
+            <a:off x="1978814" y="4063970"/>
+            <a:ext cx="5024136" cy="876209"/>
+          </a:xfrm>
+          <a:prstGeom prst="rect">
+            <a:avLst/>
+          </a:prstGeom>
+        </p:spPr>
+      </p:pic>
+      <p:pic>
+        <p:nvPicPr>
+          <p:cNvPr id="17" name="Picture 16">
+            <a:extLst>
+              <a:ext uri="{FF2B5EF4-FFF2-40B4-BE49-F238E27FC236}">
+                <a16:creationId xmlns:a16="http://schemas.microsoft.com/office/drawing/2014/main" id="{F1D32D67-1833-4C92-B7EA-CCC217190518}"/>
+              </a:ext>
+            </a:extLst>
+          </p:cNvPr>
+          <p:cNvPicPr>
+            <a:picLocks noChangeAspect="1"/>
+          </p:cNvPicPr>
+          <p:nvPr/>
+        </p:nvPicPr>
+        <p:blipFill>
+          <a:blip r:embed="rId7">
+            <a:extLst>
+              <a:ext uri="{28A0092B-C50C-407E-A947-70E740481C1C}">
+                <a14:useLocalDpi xmlns:a14="http://schemas.microsoft.com/office/drawing/2010/main" val="0"/>
+              </a:ext>
+            </a:extLst>
+          </a:blip>
+          <a:stretch>
+            <a:fillRect/>
+          </a:stretch>
+        </p:blipFill>
+        <p:spPr>
+          <a:xfrm>
+            <a:off x="3114327" y="4989241"/>
+            <a:ext cx="2753109" cy="847843"/>
+          </a:xfrm>
+          <a:prstGeom prst="rect">
+            <a:avLst/>
+          </a:prstGeom>
+        </p:spPr>
+      </p:pic>
+      <p:sp>
+        <p:nvSpPr>
+          <p:cNvPr id="11" name="Footer Placeholder 4">
+            <a:extLst>
+              <a:ext uri="{FF2B5EF4-FFF2-40B4-BE49-F238E27FC236}">
+                <a16:creationId xmlns:a16="http://schemas.microsoft.com/office/drawing/2014/main" id="{F15476FE-EC5F-4BD9-9C70-2746E5723CB5}"/>
+              </a:ext>
+            </a:extLst>
+          </p:cNvPr>
+          <p:cNvSpPr>
+            <a:spLocks noGrp="1"/>
+          </p:cNvSpPr>
+          <p:nvPr>
+            <p:ph type="ftr" sz="quarter" idx="11"/>
+          </p:nvPr>
+        </p:nvSpPr>
+        <p:spPr>
+          <a:xfrm>
+            <a:off x="539750" y="6365875"/>
+            <a:ext cx="2016125" cy="365125"/>
+          </a:xfrm>
+        </p:spPr>
+        <p:txBody>
+          <a:bodyPr/>
+          <a:lstStyle/>
+          <a:p>
+            <a:pPr>
+              <a:defRPr/>
+            </a:pPr>
+            <a:r>
+              <a:rPr lang="de-DE" dirty="0"/>
+              <a:t>Hochschule Furtwangen</a:t>
+            </a:r>
+          </a:p>
+        </p:txBody>
+      </p:sp>
+    </p:spTree>
+    <p:extLst>
+      <p:ext uri="{BB962C8B-B14F-4D97-AF65-F5344CB8AC3E}">
+        <p14:creationId xmlns:p14="http://schemas.microsoft.com/office/powerpoint/2010/main" val="3394268361"/>
+      </p:ext>
+    </p:extLst>
+  </p:cSld>
+  <p:clrMapOvr>
+    <a:masterClrMapping/>
+  </p:clrMapOvr>
+</p:sld>
+</file>
+
+<file path=ppt/slides/slide24.xml><?xml version="1.0" encoding="utf-8"?>
+<p:sld xmlns:a="http://schemas.openxmlformats.org/drawingml/2006/main" xmlns:r="http://schemas.openxmlformats.org/officeDocument/2006/relationships" xmlns:p="http://schemas.openxmlformats.org/presentationml/2006/main">
+  <p:cSld>
+    <p:spTree>
+      <p:nvGrpSpPr>
+        <p:cNvPr id="1" name=""/>
+        <p:cNvGrpSpPr/>
+        <p:nvPr/>
+      </p:nvGrpSpPr>
+      <p:grpSpPr>
+        <a:xfrm>
+          <a:off x="0" y="0"/>
+          <a:ext cx="0" cy="0"/>
+          <a:chOff x="0" y="0"/>
+          <a:chExt cx="0" cy="0"/>
+        </a:xfrm>
+      </p:grpSpPr>
+      <p:sp>
+        <p:nvSpPr>
+          <p:cNvPr id="15367" name="Foliennummernplatzhalter 3"/>
+          <p:cNvSpPr>
+            <a:spLocks noGrp="1"/>
+          </p:cNvSpPr>
+          <p:nvPr>
+            <p:ph type="sldNum" sz="quarter" idx="12"/>
+          </p:nvPr>
+        </p:nvSpPr>
+        <p:spPr/>
+        <p:txBody>
+          <a:bodyPr/>
+          <a:lstStyle/>
+          <a:p>
+            <a:fld id="{00A3E6BF-A18C-4ADA-B4DF-837CA5AC6C3B}" type="slidenum">
+              <a:rPr lang="de-DE" smtClean="0"/>
+              <a:pPr/>
+              <a:t>24</a:t>
+            </a:fld>
+            <a:endParaRPr lang="de-DE"/>
+          </a:p>
+        </p:txBody>
+      </p:sp>
+      <p:sp>
+        <p:nvSpPr>
           <p:cNvPr id="7" name="Footer Placeholder 4">
             <a:extLst>
               <a:ext uri="{FF2B5EF4-FFF2-40B4-BE49-F238E27FC236}">
@@ -13973,6 +16460,619 @@
               <a:rPr lang="de-DE" dirty="0"/>
               <a:t>Hochschule Furtwangen, </a:t>
             </a:r>
+          </a:p>
+        </p:txBody>
+      </p:sp>
+      <p:sp>
+        <p:nvSpPr>
+          <p:cNvPr id="10" name="Date Placeholder 3">
+            <a:extLst>
+              <a:ext uri="{FF2B5EF4-FFF2-40B4-BE49-F238E27FC236}">
+                <a16:creationId xmlns:a16="http://schemas.microsoft.com/office/drawing/2014/main" id="{9B700400-1A71-4C80-BEBE-35AB1FB575DB}"/>
+              </a:ext>
+            </a:extLst>
+          </p:cNvPr>
+          <p:cNvSpPr>
+            <a:spLocks noGrp="1"/>
+          </p:cNvSpPr>
+          <p:nvPr>
+            <p:ph type="dt" sz="half" idx="10"/>
+          </p:nvPr>
+        </p:nvSpPr>
+        <p:spPr>
+          <a:xfrm>
+            <a:off x="7667625" y="6378575"/>
+            <a:ext cx="865188" cy="365125"/>
+          </a:xfrm>
+        </p:spPr>
+        <p:txBody>
+          <a:bodyPr/>
+          <a:lstStyle/>
+          <a:p>
+            <a:pPr>
+              <a:defRPr/>
+            </a:pPr>
+            <a:r>
+              <a:rPr lang="de-DE" dirty="0"/>
+              <a:t>04.07.18</a:t>
+            </a:r>
+          </a:p>
+        </p:txBody>
+      </p:sp>
+      <p:pic>
+        <p:nvPicPr>
+          <p:cNvPr id="4" name="Picture 3">
+            <a:extLst>
+              <a:ext uri="{FF2B5EF4-FFF2-40B4-BE49-F238E27FC236}">
+                <a16:creationId xmlns:a16="http://schemas.microsoft.com/office/drawing/2014/main" id="{A0D626CB-8E69-4F94-8B7B-1988E318B467}"/>
+              </a:ext>
+            </a:extLst>
+          </p:cNvPr>
+          <p:cNvPicPr>
+            <a:picLocks noChangeAspect="1"/>
+          </p:cNvPicPr>
+          <p:nvPr/>
+        </p:nvPicPr>
+        <p:blipFill>
+          <a:blip r:embed="rId3"/>
+          <a:stretch>
+            <a:fillRect/>
+          </a:stretch>
+        </p:blipFill>
+        <p:spPr>
+          <a:xfrm>
+            <a:off x="-11795" y="833202"/>
+            <a:ext cx="9144000" cy="6024798"/>
+          </a:xfrm>
+          <a:prstGeom prst="rect">
+            <a:avLst/>
+          </a:prstGeom>
+        </p:spPr>
+      </p:pic>
+      <p:sp>
+        <p:nvSpPr>
+          <p:cNvPr id="9" name="Title 8">
+            <a:extLst>
+              <a:ext uri="{FF2B5EF4-FFF2-40B4-BE49-F238E27FC236}">
+                <a16:creationId xmlns:a16="http://schemas.microsoft.com/office/drawing/2014/main" id="{C958DD35-CA26-4605-9283-1C48AD4D2871}"/>
+              </a:ext>
+            </a:extLst>
+          </p:cNvPr>
+          <p:cNvSpPr>
+            <a:spLocks noGrp="1"/>
+          </p:cNvSpPr>
+          <p:nvPr>
+            <p:ph type="title"/>
+          </p:nvPr>
+        </p:nvSpPr>
+        <p:spPr/>
+        <p:txBody>
+          <a:bodyPr/>
+          <a:lstStyle/>
+          <a:p>
+            <a:r>
+              <a:rPr lang="de-DE" dirty="0"/>
+              <a:t>Acht-Punkte-Algorithmus</a:t>
+            </a:r>
+          </a:p>
+        </p:txBody>
+      </p:sp>
+      <p:sp>
+        <p:nvSpPr>
+          <p:cNvPr id="5" name="Rectangle 4">
+            <a:extLst>
+              <a:ext uri="{FF2B5EF4-FFF2-40B4-BE49-F238E27FC236}">
+                <a16:creationId xmlns:a16="http://schemas.microsoft.com/office/drawing/2014/main" id="{4EC06925-E197-4EBA-9329-D32003E41DEC}"/>
+              </a:ext>
+            </a:extLst>
+          </p:cNvPr>
+          <p:cNvSpPr/>
+          <p:nvPr/>
+        </p:nvSpPr>
+        <p:spPr bwMode="auto">
+          <a:xfrm>
+            <a:off x="7740352" y="2924944"/>
+            <a:ext cx="1008112" cy="792088"/>
+          </a:xfrm>
+          <a:prstGeom prst="rect">
+            <a:avLst/>
+          </a:prstGeom>
+          <a:solidFill>
+            <a:schemeClr val="bg1"/>
+          </a:solidFill>
+          <a:ln>
+            <a:noFill/>
+          </a:ln>
+          <a:effectLst/>
+          <a:extLst/>
+        </p:spPr>
+        <p:txBody>
+          <a:bodyPr vert="horz" wrap="square" lIns="0" tIns="0" rIns="0" bIns="0" numCol="1" rtlCol="0" anchor="t" anchorCtr="0" compatLnSpc="1">
+            <a:prstTxWarp prst="textNoShape">
+              <a:avLst/>
+            </a:prstTxWarp>
+          </a:bodyPr>
+          <a:lstStyle/>
+          <a:p>
+            <a:pPr marL="342900" marR="0" indent="-342900" algn="l" defTabSz="914400" rtl="0" eaLnBrk="0" fontAlgn="base" latinLnBrk="0" hangingPunct="0">
+              <a:lnSpc>
+                <a:spcPct val="80000"/>
+              </a:lnSpc>
+              <a:spcBef>
+                <a:spcPct val="50000"/>
+              </a:spcBef>
+              <a:spcAft>
+                <a:spcPct val="0"/>
+              </a:spcAft>
+              <a:buClrTx/>
+              <a:buSzTx/>
+              <a:buFontTx/>
+              <a:buNone/>
+              <a:tabLst/>
+            </a:pPr>
+            <a:endParaRPr kumimoji="0" lang="de-DE" sz="1100" b="0" i="0" u="sng" strike="noStrike" cap="none" normalizeH="0" baseline="0">
+              <a:ln>
+                <a:noFill/>
+              </a:ln>
+              <a:solidFill>
+                <a:schemeClr val="accent3"/>
+              </a:solidFill>
+              <a:effectLst/>
+              <a:latin typeface="Arial Narrow" pitchFamily="-112" charset="0"/>
+              <a:ea typeface="ＭＳ Ｐゴシック" pitchFamily="-112" charset="-128"/>
+            </a:endParaRPr>
+          </a:p>
+        </p:txBody>
+      </p:sp>
+    </p:spTree>
+    <p:extLst>
+      <p:ext uri="{BB962C8B-B14F-4D97-AF65-F5344CB8AC3E}">
+        <p14:creationId xmlns:p14="http://schemas.microsoft.com/office/powerpoint/2010/main" val="3825160840"/>
+      </p:ext>
+    </p:extLst>
+  </p:cSld>
+  <p:clrMapOvr>
+    <a:masterClrMapping/>
+  </p:clrMapOvr>
+</p:sld>
+</file>
+
+<file path=ppt/slides/slide25.xml><?xml version="1.0" encoding="utf-8"?>
+<p:sld xmlns:a="http://schemas.openxmlformats.org/drawingml/2006/main" xmlns:r="http://schemas.openxmlformats.org/officeDocument/2006/relationships" xmlns:p="http://schemas.openxmlformats.org/presentationml/2006/main">
+  <p:cSld>
+    <p:spTree>
+      <p:nvGrpSpPr>
+        <p:cNvPr id="1" name=""/>
+        <p:cNvGrpSpPr/>
+        <p:nvPr/>
+      </p:nvGrpSpPr>
+      <p:grpSpPr>
+        <a:xfrm>
+          <a:off x="0" y="0"/>
+          <a:ext cx="0" cy="0"/>
+          <a:chOff x="0" y="0"/>
+          <a:chExt cx="0" cy="0"/>
+        </a:xfrm>
+      </p:grpSpPr>
+      <p:sp>
+        <p:nvSpPr>
+          <p:cNvPr id="9" name="Title 8">
+            <a:extLst>
+              <a:ext uri="{FF2B5EF4-FFF2-40B4-BE49-F238E27FC236}">
+                <a16:creationId xmlns:a16="http://schemas.microsoft.com/office/drawing/2014/main" id="{C958DD35-CA26-4605-9283-1C48AD4D2871}"/>
+              </a:ext>
+            </a:extLst>
+          </p:cNvPr>
+          <p:cNvSpPr>
+            <a:spLocks noGrp="1"/>
+          </p:cNvSpPr>
+          <p:nvPr>
+            <p:ph type="title"/>
+          </p:nvPr>
+        </p:nvSpPr>
+        <p:spPr/>
+        <p:txBody>
+          <a:bodyPr/>
+          <a:lstStyle/>
+          <a:p>
+            <a:r>
+              <a:rPr lang="de-DE" dirty="0">
+                <a:solidFill>
+                  <a:schemeClr val="tx1"/>
+                </a:solidFill>
+                <a:latin typeface="Calibri" panose="020F0502020204030204" pitchFamily="34" charset="0"/>
+                <a:cs typeface="Calibri" panose="020F0502020204030204" pitchFamily="34" charset="0"/>
+              </a:rPr>
+              <a:t>Bestimmung extrinsischer Kameraparameter</a:t>
+            </a:r>
+          </a:p>
+        </p:txBody>
+      </p:sp>
+      <p:sp>
+        <p:nvSpPr>
+          <p:cNvPr id="15367" name="Foliennummernplatzhalter 3"/>
+          <p:cNvSpPr>
+            <a:spLocks noGrp="1"/>
+          </p:cNvSpPr>
+          <p:nvPr>
+            <p:ph type="sldNum" sz="quarter" idx="12"/>
+          </p:nvPr>
+        </p:nvSpPr>
+        <p:spPr/>
+        <p:txBody>
+          <a:bodyPr/>
+          <a:lstStyle/>
+          <a:p>
+            <a:fld id="{00A3E6BF-A18C-4ADA-B4DF-837CA5AC6C3B}" type="slidenum">
+              <a:rPr lang="de-DE" smtClean="0"/>
+              <a:pPr/>
+              <a:t>25</a:t>
+            </a:fld>
+            <a:endParaRPr lang="de-DE"/>
+          </a:p>
+        </p:txBody>
+      </p:sp>
+      <p:sp>
+        <p:nvSpPr>
+          <p:cNvPr id="10" name="Date Placeholder 3">
+            <a:extLst>
+              <a:ext uri="{FF2B5EF4-FFF2-40B4-BE49-F238E27FC236}">
+                <a16:creationId xmlns:a16="http://schemas.microsoft.com/office/drawing/2014/main" id="{9B700400-1A71-4C80-BEBE-35AB1FB575DB}"/>
+              </a:ext>
+            </a:extLst>
+          </p:cNvPr>
+          <p:cNvSpPr>
+            <a:spLocks noGrp="1"/>
+          </p:cNvSpPr>
+          <p:nvPr>
+            <p:ph type="dt" sz="half" idx="10"/>
+          </p:nvPr>
+        </p:nvSpPr>
+        <p:spPr>
+          <a:xfrm>
+            <a:off x="7667625" y="6378575"/>
+            <a:ext cx="865188" cy="365125"/>
+          </a:xfrm>
+        </p:spPr>
+        <p:txBody>
+          <a:bodyPr/>
+          <a:lstStyle/>
+          <a:p>
+            <a:pPr>
+              <a:defRPr/>
+            </a:pPr>
+            <a:r>
+              <a:rPr lang="de-DE" dirty="0"/>
+              <a:t>04.07.18</a:t>
+            </a:r>
+          </a:p>
+        </p:txBody>
+      </p:sp>
+      <p:pic>
+        <p:nvPicPr>
+          <p:cNvPr id="3" name="Picture 2">
+            <a:extLst>
+              <a:ext uri="{FF2B5EF4-FFF2-40B4-BE49-F238E27FC236}">
+                <a16:creationId xmlns:a16="http://schemas.microsoft.com/office/drawing/2014/main" id="{38B80F73-331C-48EB-8559-18A745A8E96F}"/>
+              </a:ext>
+            </a:extLst>
+          </p:cNvPr>
+          <p:cNvPicPr>
+            <a:picLocks noChangeAspect="1"/>
+          </p:cNvPicPr>
+          <p:nvPr/>
+        </p:nvPicPr>
+        <p:blipFill>
+          <a:blip r:embed="rId3"/>
+          <a:stretch>
+            <a:fillRect/>
+          </a:stretch>
+        </p:blipFill>
+        <p:spPr>
+          <a:xfrm>
+            <a:off x="971550" y="1291106"/>
+            <a:ext cx="2691000" cy="1601600"/>
+          </a:xfrm>
+          <a:prstGeom prst="rect">
+            <a:avLst/>
+          </a:prstGeom>
+        </p:spPr>
+      </p:pic>
+      <p:pic>
+        <p:nvPicPr>
+          <p:cNvPr id="4" name="Picture 3">
+            <a:extLst>
+              <a:ext uri="{FF2B5EF4-FFF2-40B4-BE49-F238E27FC236}">
+                <a16:creationId xmlns:a16="http://schemas.microsoft.com/office/drawing/2014/main" id="{F9F0132D-99E2-457E-9684-E9A67B0E60F1}"/>
+              </a:ext>
+            </a:extLst>
+          </p:cNvPr>
+          <p:cNvPicPr>
+            <a:picLocks noChangeAspect="1"/>
+          </p:cNvPicPr>
+          <p:nvPr/>
+        </p:nvPicPr>
+        <p:blipFill>
+          <a:blip r:embed="rId4"/>
+          <a:stretch>
+            <a:fillRect/>
+          </a:stretch>
+        </p:blipFill>
+        <p:spPr>
+          <a:xfrm>
+            <a:off x="1509750" y="3085418"/>
+            <a:ext cx="1614600" cy="571200"/>
+          </a:xfrm>
+          <a:prstGeom prst="rect">
+            <a:avLst/>
+          </a:prstGeom>
+        </p:spPr>
+      </p:pic>
+      <p:pic>
+        <p:nvPicPr>
+          <p:cNvPr id="5" name="Picture 4">
+            <a:extLst>
+              <a:ext uri="{FF2B5EF4-FFF2-40B4-BE49-F238E27FC236}">
+                <a16:creationId xmlns:a16="http://schemas.microsoft.com/office/drawing/2014/main" id="{4791813A-F689-48DE-A410-6C3A287938F6}"/>
+              </a:ext>
+            </a:extLst>
+          </p:cNvPr>
+          <p:cNvPicPr>
+            <a:picLocks noChangeAspect="1"/>
+          </p:cNvPicPr>
+          <p:nvPr/>
+        </p:nvPicPr>
+        <p:blipFill>
+          <a:blip r:embed="rId5"/>
+          <a:stretch>
+            <a:fillRect/>
+          </a:stretch>
+        </p:blipFill>
+        <p:spPr>
+          <a:xfrm>
+            <a:off x="1195800" y="3839779"/>
+            <a:ext cx="2466750" cy="515200"/>
+          </a:xfrm>
+          <a:prstGeom prst="rect">
+            <a:avLst/>
+          </a:prstGeom>
+        </p:spPr>
+      </p:pic>
+      <p:pic>
+        <p:nvPicPr>
+          <p:cNvPr id="6" name="Picture 5">
+            <a:extLst>
+              <a:ext uri="{FF2B5EF4-FFF2-40B4-BE49-F238E27FC236}">
+                <a16:creationId xmlns:a16="http://schemas.microsoft.com/office/drawing/2014/main" id="{ADDB0BC0-EC8C-43B6-8186-8D5A56635067}"/>
+              </a:ext>
+            </a:extLst>
+          </p:cNvPr>
+          <p:cNvPicPr>
+            <a:picLocks noChangeAspect="1"/>
+          </p:cNvPicPr>
+          <p:nvPr/>
+        </p:nvPicPr>
+        <p:blipFill>
+          <a:blip r:embed="rId6"/>
+          <a:stretch>
+            <a:fillRect/>
+          </a:stretch>
+        </p:blipFill>
+        <p:spPr>
+          <a:xfrm>
+            <a:off x="4357688" y="1258271"/>
+            <a:ext cx="4215900" cy="1265600"/>
+          </a:xfrm>
+          <a:prstGeom prst="rect">
+            <a:avLst/>
+          </a:prstGeom>
+        </p:spPr>
+      </p:pic>
+      <p:pic>
+        <p:nvPicPr>
+          <p:cNvPr id="8" name="Picture 7">
+            <a:extLst>
+              <a:ext uri="{FF2B5EF4-FFF2-40B4-BE49-F238E27FC236}">
+                <a16:creationId xmlns:a16="http://schemas.microsoft.com/office/drawing/2014/main" id="{C0B7E7FC-3CA2-435F-8458-E6DD0C18555D}"/>
+              </a:ext>
+            </a:extLst>
+          </p:cNvPr>
+          <p:cNvPicPr>
+            <a:picLocks noChangeAspect="1"/>
+          </p:cNvPicPr>
+          <p:nvPr/>
+        </p:nvPicPr>
+        <p:blipFill>
+          <a:blip r:embed="rId7"/>
+          <a:stretch>
+            <a:fillRect/>
+          </a:stretch>
+        </p:blipFill>
+        <p:spPr>
+          <a:xfrm>
+            <a:off x="450726" y="4487489"/>
+            <a:ext cx="3722550" cy="1164800"/>
+          </a:xfrm>
+          <a:prstGeom prst="rect">
+            <a:avLst/>
+          </a:prstGeom>
+        </p:spPr>
+      </p:pic>
+      <p:pic>
+        <p:nvPicPr>
+          <p:cNvPr id="11" name="Picture 10">
+            <a:extLst>
+              <a:ext uri="{FF2B5EF4-FFF2-40B4-BE49-F238E27FC236}">
+                <a16:creationId xmlns:a16="http://schemas.microsoft.com/office/drawing/2014/main" id="{093E107D-0743-4849-ACEA-6EF9EF7596EA}"/>
+              </a:ext>
+            </a:extLst>
+          </p:cNvPr>
+          <p:cNvPicPr>
+            <a:picLocks noChangeAspect="1"/>
+          </p:cNvPicPr>
+          <p:nvPr/>
+        </p:nvPicPr>
+        <p:blipFill>
+          <a:blip r:embed="rId8"/>
+          <a:stretch>
+            <a:fillRect/>
+          </a:stretch>
+        </p:blipFill>
+        <p:spPr>
+          <a:xfrm>
+            <a:off x="5296699" y="2732548"/>
+            <a:ext cx="2377050" cy="593600"/>
+          </a:xfrm>
+          <a:prstGeom prst="rect">
+            <a:avLst/>
+          </a:prstGeom>
+        </p:spPr>
+      </p:pic>
+      <p:pic>
+        <p:nvPicPr>
+          <p:cNvPr id="12" name="Picture 11">
+            <a:extLst>
+              <a:ext uri="{FF2B5EF4-FFF2-40B4-BE49-F238E27FC236}">
+                <a16:creationId xmlns:a16="http://schemas.microsoft.com/office/drawing/2014/main" id="{11CB61C5-FF9A-4509-B252-BB91EC9DD0A5}"/>
+              </a:ext>
+            </a:extLst>
+          </p:cNvPr>
+          <p:cNvPicPr>
+            <a:picLocks noChangeAspect="1"/>
+          </p:cNvPicPr>
+          <p:nvPr/>
+        </p:nvPicPr>
+        <p:blipFill>
+          <a:blip r:embed="rId9"/>
+          <a:stretch>
+            <a:fillRect/>
+          </a:stretch>
+        </p:blipFill>
+        <p:spPr>
+          <a:xfrm>
+            <a:off x="4085749" y="3474761"/>
+            <a:ext cx="4798950" cy="918400"/>
+          </a:xfrm>
+          <a:prstGeom prst="rect">
+            <a:avLst/>
+          </a:prstGeom>
+        </p:spPr>
+      </p:pic>
+      <p:sp>
+        <p:nvSpPr>
+          <p:cNvPr id="14" name="Footer Placeholder 4">
+            <a:extLst>
+              <a:ext uri="{FF2B5EF4-FFF2-40B4-BE49-F238E27FC236}">
+                <a16:creationId xmlns:a16="http://schemas.microsoft.com/office/drawing/2014/main" id="{009E80F5-18E4-47B1-9CE8-9FB29A547784}"/>
+              </a:ext>
+            </a:extLst>
+          </p:cNvPr>
+          <p:cNvSpPr>
+            <a:spLocks noGrp="1"/>
+          </p:cNvSpPr>
+          <p:nvPr>
+            <p:ph type="ftr" sz="quarter" idx="11"/>
+          </p:nvPr>
+        </p:nvSpPr>
+        <p:spPr>
+          <a:xfrm>
+            <a:off x="539750" y="6365875"/>
+            <a:ext cx="2016125" cy="365125"/>
+          </a:xfrm>
+        </p:spPr>
+        <p:txBody>
+          <a:bodyPr/>
+          <a:lstStyle/>
+          <a:p>
+            <a:pPr>
+              <a:defRPr/>
+            </a:pPr>
+            <a:r>
+              <a:rPr lang="de-DE" dirty="0"/>
+              <a:t>Hochschule Furtwangen</a:t>
+            </a:r>
+          </a:p>
+        </p:txBody>
+      </p:sp>
+    </p:spTree>
+    <p:extLst>
+      <p:ext uri="{BB962C8B-B14F-4D97-AF65-F5344CB8AC3E}">
+        <p14:creationId xmlns:p14="http://schemas.microsoft.com/office/powerpoint/2010/main" val="20965922"/>
+      </p:ext>
+    </p:extLst>
+  </p:cSld>
+  <p:clrMapOvr>
+    <a:masterClrMapping/>
+  </p:clrMapOvr>
+</p:sld>
+</file>
+
+<file path=ppt/slides/slide26.xml><?xml version="1.0" encoding="utf-8"?>
+<p:sld xmlns:a="http://schemas.openxmlformats.org/drawingml/2006/main" xmlns:r="http://schemas.openxmlformats.org/officeDocument/2006/relationships" xmlns:p="http://schemas.openxmlformats.org/presentationml/2006/main">
+  <p:cSld>
+    <p:spTree>
+      <p:nvGrpSpPr>
+        <p:cNvPr id="1" name=""/>
+        <p:cNvGrpSpPr/>
+        <p:nvPr/>
+      </p:nvGrpSpPr>
+      <p:grpSpPr>
+        <a:xfrm>
+          <a:off x="0" y="0"/>
+          <a:ext cx="0" cy="0"/>
+          <a:chOff x="0" y="0"/>
+          <a:chExt cx="0" cy="0"/>
+        </a:xfrm>
+      </p:grpSpPr>
+      <p:sp>
+        <p:nvSpPr>
+          <p:cNvPr id="9" name="Title 8">
+            <a:extLst>
+              <a:ext uri="{FF2B5EF4-FFF2-40B4-BE49-F238E27FC236}">
+                <a16:creationId xmlns:a16="http://schemas.microsoft.com/office/drawing/2014/main" id="{C958DD35-CA26-4605-9283-1C48AD4D2871}"/>
+              </a:ext>
+            </a:extLst>
+          </p:cNvPr>
+          <p:cNvSpPr>
+            <a:spLocks noGrp="1"/>
+          </p:cNvSpPr>
+          <p:nvPr>
+            <p:ph type="title"/>
+          </p:nvPr>
+        </p:nvSpPr>
+        <p:spPr/>
+        <p:txBody>
+          <a:bodyPr/>
+          <a:lstStyle/>
+          <a:p>
+            <a:r>
+              <a:rPr lang="de-DE" dirty="0"/>
+              <a:t>BackUpSlides</a:t>
+            </a:r>
+          </a:p>
+        </p:txBody>
+      </p:sp>
+      <p:sp>
+        <p:nvSpPr>
+          <p:cNvPr id="15367" name="Foliennummernplatzhalter 3"/>
+          <p:cNvSpPr>
+            <a:spLocks noGrp="1"/>
+          </p:cNvSpPr>
+          <p:nvPr>
+            <p:ph type="sldNum" sz="quarter" idx="12"/>
+          </p:nvPr>
+        </p:nvSpPr>
+        <p:spPr/>
+        <p:txBody>
+          <a:bodyPr/>
+          <a:lstStyle/>
+          <a:p>
+            <a:fld id="{00A3E6BF-A18C-4ADA-B4DF-837CA5AC6C3B}" type="slidenum">
+              <a:rPr lang="de-DE" smtClean="0"/>
+              <a:pPr/>
+              <a:t>26</a:t>
+            </a:fld>
+            <a:endParaRPr lang="de-DE"/>
           </a:p>
         </p:txBody>
       </p:sp>
@@ -14048,7 +17148,711 @@
                 <a:latin typeface="Calibri" panose="020F0502020204030204" pitchFamily="34" charset="0"/>
                 <a:cs typeface="Calibri" panose="020F0502020204030204" pitchFamily="34" charset="0"/>
               </a:rPr>
+              <a:t>Sampson-Approximation genaues Verfahren</a:t>
+            </a:r>
+          </a:p>
+        </p:txBody>
+      </p:sp>
+      <p:sp>
+        <p:nvSpPr>
+          <p:cNvPr id="8" name="Footer Placeholder 4">
+            <a:extLst>
+              <a:ext uri="{FF2B5EF4-FFF2-40B4-BE49-F238E27FC236}">
+                <a16:creationId xmlns:a16="http://schemas.microsoft.com/office/drawing/2014/main" id="{C3A19759-E03C-4DC5-85C0-D8F4E8EFE114}"/>
+              </a:ext>
+            </a:extLst>
+          </p:cNvPr>
+          <p:cNvSpPr>
+            <a:spLocks noGrp="1"/>
+          </p:cNvSpPr>
+          <p:nvPr>
+            <p:ph type="ftr" sz="quarter" idx="11"/>
+          </p:nvPr>
+        </p:nvSpPr>
+        <p:spPr>
+          <a:xfrm>
+            <a:off x="539750" y="6365875"/>
+            <a:ext cx="2016125" cy="365125"/>
+          </a:xfrm>
+        </p:spPr>
+        <p:txBody>
+          <a:bodyPr/>
+          <a:lstStyle/>
+          <a:p>
+            <a:pPr>
+              <a:defRPr/>
+            </a:pPr>
+            <a:r>
+              <a:rPr lang="de-DE" dirty="0"/>
+              <a:t>Hochschule Furtwangen</a:t>
+            </a:r>
+          </a:p>
+        </p:txBody>
+      </p:sp>
+    </p:spTree>
+    <p:extLst>
+      <p:ext uri="{BB962C8B-B14F-4D97-AF65-F5344CB8AC3E}">
+        <p14:creationId xmlns:p14="http://schemas.microsoft.com/office/powerpoint/2010/main" val="88328310"/>
+      </p:ext>
+    </p:extLst>
+  </p:cSld>
+  <p:clrMapOvr>
+    <a:masterClrMapping/>
+  </p:clrMapOvr>
+</p:sld>
+</file>
+
+<file path=ppt/slides/slide27.xml><?xml version="1.0" encoding="utf-8"?>
+<p:sld xmlns:a="http://schemas.openxmlformats.org/drawingml/2006/main" xmlns:r="http://schemas.openxmlformats.org/officeDocument/2006/relationships" xmlns:p="http://schemas.openxmlformats.org/presentationml/2006/main">
+  <p:cSld>
+    <p:spTree>
+      <p:nvGrpSpPr>
+        <p:cNvPr id="1" name=""/>
+        <p:cNvGrpSpPr/>
+        <p:nvPr/>
+      </p:nvGrpSpPr>
+      <p:grpSpPr>
+        <a:xfrm>
+          <a:off x="0" y="0"/>
+          <a:ext cx="0" cy="0"/>
+          <a:chOff x="0" y="0"/>
+          <a:chExt cx="0" cy="0"/>
+        </a:xfrm>
+      </p:grpSpPr>
+      <p:sp>
+        <p:nvSpPr>
+          <p:cNvPr id="9" name="Title 8">
+            <a:extLst>
+              <a:ext uri="{FF2B5EF4-FFF2-40B4-BE49-F238E27FC236}">
+                <a16:creationId xmlns:a16="http://schemas.microsoft.com/office/drawing/2014/main" id="{C958DD35-CA26-4605-9283-1C48AD4D2871}"/>
+              </a:ext>
+            </a:extLst>
+          </p:cNvPr>
+          <p:cNvSpPr>
+            <a:spLocks noGrp="1"/>
+          </p:cNvSpPr>
+          <p:nvPr>
+            <p:ph type="title"/>
+          </p:nvPr>
+        </p:nvSpPr>
+        <p:spPr/>
+        <p:txBody>
+          <a:bodyPr/>
+          <a:lstStyle/>
+          <a:p>
+            <a:r>
+              <a:rPr lang="de-DE" dirty="0"/>
+              <a:t>Unterschiedliche Auflösungen </a:t>
+            </a:r>
+          </a:p>
+        </p:txBody>
+      </p:sp>
+      <p:sp>
+        <p:nvSpPr>
+          <p:cNvPr id="15367" name="Foliennummernplatzhalter 3"/>
+          <p:cNvSpPr>
+            <a:spLocks noGrp="1"/>
+          </p:cNvSpPr>
+          <p:nvPr>
+            <p:ph type="sldNum" sz="quarter" idx="12"/>
+          </p:nvPr>
+        </p:nvSpPr>
+        <p:spPr/>
+        <p:txBody>
+          <a:bodyPr/>
+          <a:lstStyle/>
+          <a:p>
+            <a:fld id="{00A3E6BF-A18C-4ADA-B4DF-837CA5AC6C3B}" type="slidenum">
+              <a:rPr lang="de-DE" smtClean="0"/>
+              <a:pPr/>
+              <a:t>27</a:t>
+            </a:fld>
+            <a:endParaRPr lang="de-DE"/>
+          </a:p>
+        </p:txBody>
+      </p:sp>
+      <p:sp>
+        <p:nvSpPr>
+          <p:cNvPr id="10" name="Date Placeholder 3">
+            <a:extLst>
+              <a:ext uri="{FF2B5EF4-FFF2-40B4-BE49-F238E27FC236}">
+                <a16:creationId xmlns:a16="http://schemas.microsoft.com/office/drawing/2014/main" id="{9B700400-1A71-4C80-BEBE-35AB1FB575DB}"/>
+              </a:ext>
+            </a:extLst>
+          </p:cNvPr>
+          <p:cNvSpPr>
+            <a:spLocks noGrp="1"/>
+          </p:cNvSpPr>
+          <p:nvPr>
+            <p:ph type="dt" sz="half" idx="10"/>
+          </p:nvPr>
+        </p:nvSpPr>
+        <p:spPr>
+          <a:xfrm>
+            <a:off x="7667625" y="6378575"/>
+            <a:ext cx="865188" cy="365125"/>
+          </a:xfrm>
+        </p:spPr>
+        <p:txBody>
+          <a:bodyPr/>
+          <a:lstStyle/>
+          <a:p>
+            <a:pPr>
+              <a:defRPr/>
+            </a:pPr>
+            <a:r>
+              <a:rPr lang="de-DE" dirty="0"/>
+              <a:t>04.07.18</a:t>
+            </a:r>
+          </a:p>
+        </p:txBody>
+      </p:sp>
+      <p:sp>
+        <p:nvSpPr>
+          <p:cNvPr id="8" name="Footer Placeholder 4">
+            <a:extLst>
+              <a:ext uri="{FF2B5EF4-FFF2-40B4-BE49-F238E27FC236}">
+                <a16:creationId xmlns:a16="http://schemas.microsoft.com/office/drawing/2014/main" id="{C3A19759-E03C-4DC5-85C0-D8F4E8EFE114}"/>
+              </a:ext>
+            </a:extLst>
+          </p:cNvPr>
+          <p:cNvSpPr>
+            <a:spLocks noGrp="1"/>
+          </p:cNvSpPr>
+          <p:nvPr>
+            <p:ph type="ftr" sz="quarter" idx="11"/>
+          </p:nvPr>
+        </p:nvSpPr>
+        <p:spPr>
+          <a:xfrm>
+            <a:off x="539750" y="6365875"/>
+            <a:ext cx="2016125" cy="365125"/>
+          </a:xfrm>
+        </p:spPr>
+        <p:txBody>
+          <a:bodyPr/>
+          <a:lstStyle/>
+          <a:p>
+            <a:pPr>
+              <a:defRPr/>
+            </a:pPr>
+            <a:r>
+              <a:rPr lang="de-DE" dirty="0"/>
+              <a:t>Hochschule Furtwangen</a:t>
+            </a:r>
+          </a:p>
+        </p:txBody>
+      </p:sp>
+      <p:pic>
+        <p:nvPicPr>
+          <p:cNvPr id="3" name="Picture 2">
+            <a:extLst>
+              <a:ext uri="{FF2B5EF4-FFF2-40B4-BE49-F238E27FC236}">
+                <a16:creationId xmlns:a16="http://schemas.microsoft.com/office/drawing/2014/main" id="{ACB1B4F0-B850-4142-90C3-A983930416CC}"/>
+              </a:ext>
+            </a:extLst>
+          </p:cNvPr>
+          <p:cNvPicPr>
+            <a:picLocks noChangeAspect="1"/>
+          </p:cNvPicPr>
+          <p:nvPr/>
+        </p:nvPicPr>
+        <p:blipFill>
+          <a:blip r:embed="rId3"/>
+          <a:stretch>
+            <a:fillRect/>
+          </a:stretch>
+        </p:blipFill>
+        <p:spPr>
+          <a:xfrm>
+            <a:off x="109424" y="1463400"/>
+            <a:ext cx="8925151" cy="3931200"/>
+          </a:xfrm>
+          <a:prstGeom prst="rect">
+            <a:avLst/>
+          </a:prstGeom>
+        </p:spPr>
+      </p:pic>
+    </p:spTree>
+    <p:extLst>
+      <p:ext uri="{BB962C8B-B14F-4D97-AF65-F5344CB8AC3E}">
+        <p14:creationId xmlns:p14="http://schemas.microsoft.com/office/powerpoint/2010/main" val="3029379257"/>
+      </p:ext>
+    </p:extLst>
+  </p:cSld>
+  <p:clrMapOvr>
+    <a:masterClrMapping/>
+  </p:clrMapOvr>
+</p:sld>
+</file>
+
+<file path=ppt/slides/slide28.xml><?xml version="1.0" encoding="utf-8"?>
+<p:sld xmlns:a="http://schemas.openxmlformats.org/drawingml/2006/main" xmlns:r="http://schemas.openxmlformats.org/officeDocument/2006/relationships" xmlns:p="http://schemas.openxmlformats.org/presentationml/2006/main">
+  <p:cSld>
+    <p:spTree>
+      <p:nvGrpSpPr>
+        <p:cNvPr id="1" name=""/>
+        <p:cNvGrpSpPr/>
+        <p:nvPr/>
+      </p:nvGrpSpPr>
+      <p:grpSpPr>
+        <a:xfrm>
+          <a:off x="0" y="0"/>
+          <a:ext cx="0" cy="0"/>
+          <a:chOff x="0" y="0"/>
+          <a:chExt cx="0" cy="0"/>
+        </a:xfrm>
+      </p:grpSpPr>
+      <p:sp>
+        <p:nvSpPr>
+          <p:cNvPr id="9" name="Title 8">
+            <a:extLst>
+              <a:ext uri="{FF2B5EF4-FFF2-40B4-BE49-F238E27FC236}">
+                <a16:creationId xmlns:a16="http://schemas.microsoft.com/office/drawing/2014/main" id="{C958DD35-CA26-4605-9283-1C48AD4D2871}"/>
+              </a:ext>
+            </a:extLst>
+          </p:cNvPr>
+          <p:cNvSpPr>
+            <a:spLocks noGrp="1"/>
+          </p:cNvSpPr>
+          <p:nvPr>
+            <p:ph type="title"/>
+          </p:nvPr>
+        </p:nvSpPr>
+        <p:spPr/>
+        <p:txBody>
+          <a:bodyPr/>
+          <a:lstStyle/>
+          <a:p>
+            <a:r>
+              <a:rPr lang="de-DE" dirty="0"/>
+              <a:t>Unterschiedliche Auflösungen </a:t>
+            </a:r>
+          </a:p>
+        </p:txBody>
+      </p:sp>
+      <p:sp>
+        <p:nvSpPr>
+          <p:cNvPr id="15367" name="Foliennummernplatzhalter 3"/>
+          <p:cNvSpPr>
+            <a:spLocks noGrp="1"/>
+          </p:cNvSpPr>
+          <p:nvPr>
+            <p:ph type="sldNum" sz="quarter" idx="12"/>
+          </p:nvPr>
+        </p:nvSpPr>
+        <p:spPr/>
+        <p:txBody>
+          <a:bodyPr/>
+          <a:lstStyle/>
+          <a:p>
+            <a:fld id="{00A3E6BF-A18C-4ADA-B4DF-837CA5AC6C3B}" type="slidenum">
+              <a:rPr lang="de-DE" smtClean="0"/>
+              <a:pPr/>
+              <a:t>28</a:t>
+            </a:fld>
+            <a:endParaRPr lang="de-DE"/>
+          </a:p>
+        </p:txBody>
+      </p:sp>
+      <p:sp>
+        <p:nvSpPr>
+          <p:cNvPr id="10" name="Date Placeholder 3">
+            <a:extLst>
+              <a:ext uri="{FF2B5EF4-FFF2-40B4-BE49-F238E27FC236}">
+                <a16:creationId xmlns:a16="http://schemas.microsoft.com/office/drawing/2014/main" id="{9B700400-1A71-4C80-BEBE-35AB1FB575DB}"/>
+              </a:ext>
+            </a:extLst>
+          </p:cNvPr>
+          <p:cNvSpPr>
+            <a:spLocks noGrp="1"/>
+          </p:cNvSpPr>
+          <p:nvPr>
+            <p:ph type="dt" sz="half" idx="10"/>
+          </p:nvPr>
+        </p:nvSpPr>
+        <p:spPr>
+          <a:xfrm>
+            <a:off x="7667625" y="6378575"/>
+            <a:ext cx="865188" cy="365125"/>
+          </a:xfrm>
+        </p:spPr>
+        <p:txBody>
+          <a:bodyPr/>
+          <a:lstStyle/>
+          <a:p>
+            <a:pPr>
+              <a:defRPr/>
+            </a:pPr>
+            <a:r>
+              <a:rPr lang="de-DE" dirty="0"/>
+              <a:t>04.07.18</a:t>
+            </a:r>
+          </a:p>
+        </p:txBody>
+      </p:sp>
+      <p:sp>
+        <p:nvSpPr>
+          <p:cNvPr id="8" name="Footer Placeholder 4">
+            <a:extLst>
+              <a:ext uri="{FF2B5EF4-FFF2-40B4-BE49-F238E27FC236}">
+                <a16:creationId xmlns:a16="http://schemas.microsoft.com/office/drawing/2014/main" id="{C3A19759-E03C-4DC5-85C0-D8F4E8EFE114}"/>
+              </a:ext>
+            </a:extLst>
+          </p:cNvPr>
+          <p:cNvSpPr>
+            <a:spLocks noGrp="1"/>
+          </p:cNvSpPr>
+          <p:nvPr>
+            <p:ph type="ftr" sz="quarter" idx="11"/>
+          </p:nvPr>
+        </p:nvSpPr>
+        <p:spPr>
+          <a:xfrm>
+            <a:off x="539750" y="6365875"/>
+            <a:ext cx="2016125" cy="365125"/>
+          </a:xfrm>
+        </p:spPr>
+        <p:txBody>
+          <a:bodyPr/>
+          <a:lstStyle/>
+          <a:p>
+            <a:pPr>
+              <a:defRPr/>
+            </a:pPr>
+            <a:r>
+              <a:rPr lang="de-DE" dirty="0"/>
+              <a:t>Hochschule Furtwangen</a:t>
+            </a:r>
+          </a:p>
+        </p:txBody>
+      </p:sp>
+      <p:pic>
+        <p:nvPicPr>
+          <p:cNvPr id="11" name="Picture 10">
+            <a:extLst>
+              <a:ext uri="{FF2B5EF4-FFF2-40B4-BE49-F238E27FC236}">
+                <a16:creationId xmlns:a16="http://schemas.microsoft.com/office/drawing/2014/main" id="{3C4A3717-B879-49F6-A387-93CF97E10288}"/>
+              </a:ext>
+            </a:extLst>
+          </p:cNvPr>
+          <p:cNvPicPr>
+            <a:picLocks noChangeAspect="1"/>
+          </p:cNvPicPr>
+          <p:nvPr/>
+        </p:nvPicPr>
+        <p:blipFill>
+          <a:blip r:embed="rId3"/>
+          <a:stretch>
+            <a:fillRect/>
+          </a:stretch>
+        </p:blipFill>
+        <p:spPr>
+          <a:xfrm>
+            <a:off x="356099" y="1805000"/>
+            <a:ext cx="8431801" cy="3248000"/>
+          </a:xfrm>
+          <a:prstGeom prst="rect">
+            <a:avLst/>
+          </a:prstGeom>
+        </p:spPr>
+      </p:pic>
+      <p:pic>
+        <p:nvPicPr>
+          <p:cNvPr id="12" name="Picture 11">
+            <a:extLst>
+              <a:ext uri="{FF2B5EF4-FFF2-40B4-BE49-F238E27FC236}">
+                <a16:creationId xmlns:a16="http://schemas.microsoft.com/office/drawing/2014/main" id="{F27BFF28-D4BE-4E0E-96CD-BDFB8997DC42}"/>
+              </a:ext>
+            </a:extLst>
+          </p:cNvPr>
+          <p:cNvPicPr>
+            <a:picLocks noChangeAspect="1"/>
+          </p:cNvPicPr>
+          <p:nvPr/>
+        </p:nvPicPr>
+        <p:blipFill>
+          <a:blip r:embed="rId4"/>
+          <a:stretch>
+            <a:fillRect/>
+          </a:stretch>
+        </p:blipFill>
+        <p:spPr>
+          <a:xfrm>
+            <a:off x="423373" y="1771724"/>
+            <a:ext cx="8297251" cy="3348800"/>
+          </a:xfrm>
+          <a:prstGeom prst="rect">
+            <a:avLst/>
+          </a:prstGeom>
+        </p:spPr>
+      </p:pic>
+    </p:spTree>
+    <p:extLst>
+      <p:ext uri="{BB962C8B-B14F-4D97-AF65-F5344CB8AC3E}">
+        <p14:creationId xmlns:p14="http://schemas.microsoft.com/office/powerpoint/2010/main" val="772697165"/>
+      </p:ext>
+    </p:extLst>
+  </p:cSld>
+  <p:clrMapOvr>
+    <a:masterClrMapping/>
+  </p:clrMapOvr>
+  <p:timing>
+    <p:tnLst>
+      <p:par>
+        <p:cTn id="1" dur="indefinite" restart="never" nodeType="tmRoot">
+          <p:childTnLst>
+            <p:seq concurrent="1" nextAc="seek">
+              <p:cTn id="2" dur="indefinite" nodeType="mainSeq">
+                <p:childTnLst>
+                  <p:par>
+                    <p:cTn id="3" fill="hold">
+                      <p:stCondLst>
+                        <p:cond delay="indefinite"/>
+                      </p:stCondLst>
+                      <p:childTnLst>
+                        <p:par>
+                          <p:cTn id="4" fill="hold">
+                            <p:stCondLst>
+                              <p:cond delay="0"/>
+                            </p:stCondLst>
+                            <p:childTnLst>
+                              <p:par>
+                                <p:cTn id="5" presetID="1" presetClass="entr" presetSubtype="0" fill="hold" nodeType="clickEffect">
+                                  <p:stCondLst>
+                                    <p:cond delay="0"/>
+                                  </p:stCondLst>
+                                  <p:childTnLst>
+                                    <p:set>
+                                      <p:cBhvr>
+                                        <p:cTn id="6" dur="1" fill="hold">
+                                          <p:stCondLst>
+                                            <p:cond delay="0"/>
+                                          </p:stCondLst>
+                                        </p:cTn>
+                                        <p:tgtEl>
+                                          <p:spTgt spid="12"/>
+                                        </p:tgtEl>
+                                        <p:attrNameLst>
+                                          <p:attrName>style.visibility</p:attrName>
+                                        </p:attrNameLst>
+                                      </p:cBhvr>
+                                      <p:to>
+                                        <p:strVal val="visible"/>
+                                      </p:to>
+                                    </p:set>
+                                  </p:childTnLst>
+                                </p:cTn>
+                              </p:par>
+                            </p:childTnLst>
+                          </p:cTn>
+                        </p:par>
+                      </p:childTnLst>
+                    </p:cTn>
+                  </p:par>
+                </p:childTnLst>
+              </p:cTn>
+              <p:prevCondLst>
+                <p:cond evt="onPrev" delay="0">
+                  <p:tgtEl>
+                    <p:sldTgt/>
+                  </p:tgtEl>
+                </p:cond>
+              </p:prevCondLst>
+              <p:nextCondLst>
+                <p:cond evt="onNext" delay="0">
+                  <p:tgtEl>
+                    <p:sldTgt/>
+                  </p:tgtEl>
+                </p:cond>
+              </p:nextCondLst>
+            </p:seq>
+          </p:childTnLst>
+        </p:cTn>
+      </p:par>
+    </p:tnLst>
+  </p:timing>
+</p:sld>
+</file>
+
+<file path=ppt/slides/slide29.xml><?xml version="1.0" encoding="utf-8"?>
+<p:sld xmlns:a="http://schemas.openxmlformats.org/drawingml/2006/main" xmlns:r="http://schemas.openxmlformats.org/officeDocument/2006/relationships" xmlns:p="http://schemas.openxmlformats.org/presentationml/2006/main">
+  <p:cSld>
+    <p:spTree>
+      <p:nvGrpSpPr>
+        <p:cNvPr id="1" name=""/>
+        <p:cNvGrpSpPr/>
+        <p:nvPr/>
+      </p:nvGrpSpPr>
+      <p:grpSpPr>
+        <a:xfrm>
+          <a:off x="0" y="0"/>
+          <a:ext cx="0" cy="0"/>
+          <a:chOff x="0" y="0"/>
+          <a:chExt cx="0" cy="0"/>
+        </a:xfrm>
+      </p:grpSpPr>
+      <p:sp>
+        <p:nvSpPr>
+          <p:cNvPr id="9" name="Title 8">
+            <a:extLst>
+              <a:ext uri="{FF2B5EF4-FFF2-40B4-BE49-F238E27FC236}">
+                <a16:creationId xmlns:a16="http://schemas.microsoft.com/office/drawing/2014/main" id="{C958DD35-CA26-4605-9283-1C48AD4D2871}"/>
+              </a:ext>
+            </a:extLst>
+          </p:cNvPr>
+          <p:cNvSpPr>
+            <a:spLocks noGrp="1"/>
+          </p:cNvSpPr>
+          <p:nvPr>
+            <p:ph type="title"/>
+          </p:nvPr>
+        </p:nvSpPr>
+        <p:spPr/>
+        <p:txBody>
+          <a:bodyPr/>
+          <a:lstStyle/>
+          <a:p>
+            <a:r>
+              <a:rPr lang="de-DE" dirty="0"/>
+              <a:t>BackUpSlides</a:t>
+            </a:r>
+          </a:p>
+        </p:txBody>
+      </p:sp>
+      <p:sp>
+        <p:nvSpPr>
+          <p:cNvPr id="15367" name="Foliennummernplatzhalter 3"/>
+          <p:cNvSpPr>
+            <a:spLocks noGrp="1"/>
+          </p:cNvSpPr>
+          <p:nvPr>
+            <p:ph type="sldNum" sz="quarter" idx="12"/>
+          </p:nvPr>
+        </p:nvSpPr>
+        <p:spPr/>
+        <p:txBody>
+          <a:bodyPr/>
+          <a:lstStyle/>
+          <a:p>
+            <a:fld id="{00A3E6BF-A18C-4ADA-B4DF-837CA5AC6C3B}" type="slidenum">
+              <a:rPr lang="de-DE" smtClean="0"/>
+              <a:pPr/>
+              <a:t>29</a:t>
+            </a:fld>
+            <a:endParaRPr lang="de-DE"/>
+          </a:p>
+        </p:txBody>
+      </p:sp>
+      <p:sp>
+        <p:nvSpPr>
+          <p:cNvPr id="10" name="Date Placeholder 3">
+            <a:extLst>
+              <a:ext uri="{FF2B5EF4-FFF2-40B4-BE49-F238E27FC236}">
+                <a16:creationId xmlns:a16="http://schemas.microsoft.com/office/drawing/2014/main" id="{9B700400-1A71-4C80-BEBE-35AB1FB575DB}"/>
+              </a:ext>
+            </a:extLst>
+          </p:cNvPr>
+          <p:cNvSpPr>
+            <a:spLocks noGrp="1"/>
+          </p:cNvSpPr>
+          <p:nvPr>
+            <p:ph type="dt" sz="half" idx="10"/>
+          </p:nvPr>
+        </p:nvSpPr>
+        <p:spPr>
+          <a:xfrm>
+            <a:off x="7667625" y="6378575"/>
+            <a:ext cx="865188" cy="365125"/>
+          </a:xfrm>
+        </p:spPr>
+        <p:txBody>
+          <a:bodyPr/>
+          <a:lstStyle/>
+          <a:p>
+            <a:pPr>
+              <a:defRPr/>
+            </a:pPr>
+            <a:r>
+              <a:rPr lang="de-DE" dirty="0"/>
+              <a:t>04.07.18</a:t>
+            </a:r>
+          </a:p>
+        </p:txBody>
+      </p:sp>
+      <p:sp>
+        <p:nvSpPr>
+          <p:cNvPr id="2" name="TextBox 1">
+            <a:extLst>
+              <a:ext uri="{FF2B5EF4-FFF2-40B4-BE49-F238E27FC236}">
+                <a16:creationId xmlns:a16="http://schemas.microsoft.com/office/drawing/2014/main" id="{F6329C1B-3711-4DAD-A239-6C5455594232}"/>
+              </a:ext>
+            </a:extLst>
+          </p:cNvPr>
+          <p:cNvSpPr txBox="1"/>
+          <p:nvPr/>
+        </p:nvSpPr>
+        <p:spPr>
+          <a:xfrm>
+            <a:off x="1187624" y="1988840"/>
+            <a:ext cx="6624736" cy="344710"/>
+          </a:xfrm>
+          <a:prstGeom prst="rect">
+            <a:avLst/>
+          </a:prstGeom>
+          <a:noFill/>
+        </p:spPr>
+        <p:txBody>
+          <a:bodyPr wrap="square" rtlCol="0">
+            <a:spAutoFit/>
+          </a:bodyPr>
+          <a:lstStyle/>
+          <a:p>
+            <a:r>
+              <a:rPr lang="de-DE" sz="2000" u="none" dirty="0">
+                <a:solidFill>
+                  <a:schemeClr val="tx1"/>
+                </a:solidFill>
+                <a:latin typeface="Calibri" panose="020F0502020204030204" pitchFamily="34" charset="0"/>
+                <a:cs typeface="Calibri" panose="020F0502020204030204" pitchFamily="34" charset="0"/>
+              </a:rPr>
               <a:t>Punktesortierungsalgorithmus</a:t>
+            </a:r>
+          </a:p>
+        </p:txBody>
+      </p:sp>
+      <p:sp>
+        <p:nvSpPr>
+          <p:cNvPr id="8" name="Footer Placeholder 4">
+            <a:extLst>
+              <a:ext uri="{FF2B5EF4-FFF2-40B4-BE49-F238E27FC236}">
+                <a16:creationId xmlns:a16="http://schemas.microsoft.com/office/drawing/2014/main" id="{A68E7687-9A4C-49FD-B946-BCACB7463D22}"/>
+              </a:ext>
+            </a:extLst>
+          </p:cNvPr>
+          <p:cNvSpPr>
+            <a:spLocks noGrp="1"/>
+          </p:cNvSpPr>
+          <p:nvPr>
+            <p:ph type="ftr" sz="quarter" idx="11"/>
+          </p:nvPr>
+        </p:nvSpPr>
+        <p:spPr>
+          <a:xfrm>
+            <a:off x="539750" y="6365875"/>
+            <a:ext cx="2016125" cy="365125"/>
+          </a:xfrm>
+        </p:spPr>
+        <p:txBody>
+          <a:bodyPr/>
+          <a:lstStyle/>
+          <a:p>
+            <a:pPr>
+              <a:defRPr/>
+            </a:pPr>
+            <a:r>
+              <a:rPr lang="de-DE" dirty="0"/>
+              <a:t>Hochschule Furtwangen</a:t>
             </a:r>
           </a:p>
         </p:txBody>
@@ -14109,42 +17913,6 @@
       </p:sp>
       <p:sp>
         <p:nvSpPr>
-          <p:cNvPr id="7" name="Footer Placeholder 4">
-            <a:extLst>
-              <a:ext uri="{FF2B5EF4-FFF2-40B4-BE49-F238E27FC236}">
-                <a16:creationId xmlns:a16="http://schemas.microsoft.com/office/drawing/2014/main" id="{C4C146E8-EC73-46FC-8B03-58FA3D7A2538}"/>
-              </a:ext>
-            </a:extLst>
-          </p:cNvPr>
-          <p:cNvSpPr>
-            <a:spLocks noGrp="1"/>
-          </p:cNvSpPr>
-          <p:nvPr>
-            <p:ph type="ftr" sz="quarter" idx="11"/>
-          </p:nvPr>
-        </p:nvSpPr>
-        <p:spPr>
-          <a:xfrm>
-            <a:off x="539750" y="6365875"/>
-            <a:ext cx="2016125" cy="365125"/>
-          </a:xfrm>
-        </p:spPr>
-        <p:txBody>
-          <a:bodyPr/>
-          <a:lstStyle/>
-          <a:p>
-            <a:pPr>
-              <a:defRPr/>
-            </a:pPr>
-            <a:r>
-              <a:rPr lang="de-DE" dirty="0"/>
-              <a:t>Hochschule Furtwangen, </a:t>
-            </a:r>
-          </a:p>
-        </p:txBody>
-      </p:sp>
-      <p:sp>
-        <p:nvSpPr>
           <p:cNvPr id="10" name="Date Placeholder 3">
             <a:extLst>
               <a:ext uri="{FF2B5EF4-FFF2-40B4-BE49-F238E27FC236}">
@@ -14215,7 +17983,238 @@
           </a:prstGeom>
         </p:spPr>
       </p:pic>
+      <p:sp>
+        <p:nvSpPr>
+          <p:cNvPr id="6" name="Footer Placeholder 4">
+            <a:extLst>
+              <a:ext uri="{FF2B5EF4-FFF2-40B4-BE49-F238E27FC236}">
+                <a16:creationId xmlns:a16="http://schemas.microsoft.com/office/drawing/2014/main" id="{827C6D97-95FF-4D0F-AFF2-9558221650B7}"/>
+              </a:ext>
+            </a:extLst>
+          </p:cNvPr>
+          <p:cNvSpPr>
+            <a:spLocks noGrp="1"/>
+          </p:cNvSpPr>
+          <p:nvPr>
+            <p:ph type="ftr" sz="quarter" idx="11"/>
+          </p:nvPr>
+        </p:nvSpPr>
+        <p:spPr>
+          <a:xfrm>
+            <a:off x="539750" y="6365875"/>
+            <a:ext cx="2016125" cy="365125"/>
+          </a:xfrm>
+        </p:spPr>
+        <p:txBody>
+          <a:bodyPr/>
+          <a:lstStyle/>
+          <a:p>
+            <a:pPr>
+              <a:defRPr/>
+            </a:pPr>
+            <a:r>
+              <a:rPr lang="de-DE" dirty="0"/>
+              <a:t>Hochschule Furtwangen</a:t>
+            </a:r>
+          </a:p>
+        </p:txBody>
+      </p:sp>
     </p:spTree>
+  </p:cSld>
+  <p:clrMapOvr>
+    <a:masterClrMapping/>
+  </p:clrMapOvr>
+</p:sld>
+</file>
+
+<file path=ppt/slides/slide30.xml><?xml version="1.0" encoding="utf-8"?>
+<p:sld xmlns:a="http://schemas.openxmlformats.org/drawingml/2006/main" xmlns:r="http://schemas.openxmlformats.org/officeDocument/2006/relationships" xmlns:p="http://schemas.openxmlformats.org/presentationml/2006/main">
+  <p:cSld>
+    <p:spTree>
+      <p:nvGrpSpPr>
+        <p:cNvPr id="1" name=""/>
+        <p:cNvGrpSpPr/>
+        <p:nvPr/>
+      </p:nvGrpSpPr>
+      <p:grpSpPr>
+        <a:xfrm>
+          <a:off x="0" y="0"/>
+          <a:ext cx="0" cy="0"/>
+          <a:chOff x="0" y="0"/>
+          <a:chExt cx="0" cy="0"/>
+        </a:xfrm>
+      </p:grpSpPr>
+      <p:sp>
+        <p:nvSpPr>
+          <p:cNvPr id="9" name="Title 8">
+            <a:extLst>
+              <a:ext uri="{FF2B5EF4-FFF2-40B4-BE49-F238E27FC236}">
+                <a16:creationId xmlns:a16="http://schemas.microsoft.com/office/drawing/2014/main" id="{C958DD35-CA26-4605-9283-1C48AD4D2871}"/>
+              </a:ext>
+            </a:extLst>
+          </p:cNvPr>
+          <p:cNvSpPr>
+            <a:spLocks noGrp="1"/>
+          </p:cNvSpPr>
+          <p:nvPr>
+            <p:ph type="title"/>
+          </p:nvPr>
+        </p:nvSpPr>
+        <p:spPr/>
+        <p:txBody>
+          <a:bodyPr/>
+          <a:lstStyle/>
+          <a:p>
+            <a:r>
+              <a:rPr lang="de-DE" dirty="0"/>
+              <a:t>BackUpSlides</a:t>
+            </a:r>
+          </a:p>
+        </p:txBody>
+      </p:sp>
+      <p:sp>
+        <p:nvSpPr>
+          <p:cNvPr id="15367" name="Foliennummernplatzhalter 3"/>
+          <p:cNvSpPr>
+            <a:spLocks noGrp="1"/>
+          </p:cNvSpPr>
+          <p:nvPr>
+            <p:ph type="sldNum" sz="quarter" idx="12"/>
+          </p:nvPr>
+        </p:nvSpPr>
+        <p:spPr/>
+        <p:txBody>
+          <a:bodyPr/>
+          <a:lstStyle/>
+          <a:p>
+            <a:fld id="{00A3E6BF-A18C-4ADA-B4DF-837CA5AC6C3B}" type="slidenum">
+              <a:rPr lang="de-DE" smtClean="0"/>
+              <a:pPr/>
+              <a:t>30</a:t>
+            </a:fld>
+            <a:endParaRPr lang="de-DE"/>
+          </a:p>
+        </p:txBody>
+      </p:sp>
+      <p:sp>
+        <p:nvSpPr>
+          <p:cNvPr id="10" name="Date Placeholder 3">
+            <a:extLst>
+              <a:ext uri="{FF2B5EF4-FFF2-40B4-BE49-F238E27FC236}">
+                <a16:creationId xmlns:a16="http://schemas.microsoft.com/office/drawing/2014/main" id="{9B700400-1A71-4C80-BEBE-35AB1FB575DB}"/>
+              </a:ext>
+            </a:extLst>
+          </p:cNvPr>
+          <p:cNvSpPr>
+            <a:spLocks noGrp="1"/>
+          </p:cNvSpPr>
+          <p:nvPr>
+            <p:ph type="dt" sz="half" idx="10"/>
+          </p:nvPr>
+        </p:nvSpPr>
+        <p:spPr>
+          <a:xfrm>
+            <a:off x="7667625" y="6378575"/>
+            <a:ext cx="865188" cy="365125"/>
+          </a:xfrm>
+        </p:spPr>
+        <p:txBody>
+          <a:bodyPr/>
+          <a:lstStyle/>
+          <a:p>
+            <a:pPr>
+              <a:defRPr/>
+            </a:pPr>
+            <a:r>
+              <a:rPr lang="de-DE" dirty="0"/>
+              <a:t>04.07.18</a:t>
+            </a:r>
+          </a:p>
+        </p:txBody>
+      </p:sp>
+      <p:sp>
+        <p:nvSpPr>
+          <p:cNvPr id="2" name="TextBox 1">
+            <a:extLst>
+              <a:ext uri="{FF2B5EF4-FFF2-40B4-BE49-F238E27FC236}">
+                <a16:creationId xmlns:a16="http://schemas.microsoft.com/office/drawing/2014/main" id="{F6329C1B-3711-4DAD-A239-6C5455594232}"/>
+              </a:ext>
+            </a:extLst>
+          </p:cNvPr>
+          <p:cNvSpPr txBox="1"/>
+          <p:nvPr/>
+        </p:nvSpPr>
+        <p:spPr>
+          <a:xfrm>
+            <a:off x="1187624" y="1988840"/>
+            <a:ext cx="6624736" cy="590931"/>
+          </a:xfrm>
+          <a:prstGeom prst="rect">
+            <a:avLst/>
+          </a:prstGeom>
+          <a:noFill/>
+        </p:spPr>
+        <p:txBody>
+          <a:bodyPr wrap="square" rtlCol="0">
+            <a:spAutoFit/>
+          </a:bodyPr>
+          <a:lstStyle/>
+          <a:p>
+            <a:r>
+              <a:rPr lang="de-DE" sz="2000" u="none" dirty="0">
+                <a:solidFill>
+                  <a:schemeClr val="tx1"/>
+                </a:solidFill>
+                <a:latin typeface="Calibri" panose="020F0502020204030204" pitchFamily="34" charset="0"/>
+                <a:cs typeface="Calibri" panose="020F0502020204030204" pitchFamily="34" charset="0"/>
+              </a:rPr>
+              <a:t>Vergleich der Computergrafik pipeline und der Computer Vision Pipeline</a:t>
+            </a:r>
+          </a:p>
+        </p:txBody>
+      </p:sp>
+      <p:sp>
+        <p:nvSpPr>
+          <p:cNvPr id="8" name="Footer Placeholder 4">
+            <a:extLst>
+              <a:ext uri="{FF2B5EF4-FFF2-40B4-BE49-F238E27FC236}">
+                <a16:creationId xmlns:a16="http://schemas.microsoft.com/office/drawing/2014/main" id="{05EFDA29-BA5D-4ED8-A81E-4E2D52890993}"/>
+              </a:ext>
+            </a:extLst>
+          </p:cNvPr>
+          <p:cNvSpPr>
+            <a:spLocks noGrp="1"/>
+          </p:cNvSpPr>
+          <p:nvPr>
+            <p:ph type="ftr" sz="quarter" idx="11"/>
+          </p:nvPr>
+        </p:nvSpPr>
+        <p:spPr>
+          <a:xfrm>
+            <a:off x="539750" y="6365875"/>
+            <a:ext cx="2016125" cy="365125"/>
+          </a:xfrm>
+        </p:spPr>
+        <p:txBody>
+          <a:bodyPr/>
+          <a:lstStyle/>
+          <a:p>
+            <a:pPr>
+              <a:defRPr/>
+            </a:pPr>
+            <a:r>
+              <a:rPr lang="de-DE" dirty="0"/>
+              <a:t>Hochschule Furtwangen</a:t>
+            </a:r>
+          </a:p>
+        </p:txBody>
+      </p:sp>
+    </p:spTree>
+    <p:extLst>
+      <p:ext uri="{BB962C8B-B14F-4D97-AF65-F5344CB8AC3E}">
+        <p14:creationId xmlns:p14="http://schemas.microsoft.com/office/powerpoint/2010/main" val="351409125"/>
+      </p:ext>
+    </p:extLst>
   </p:cSld>
   <p:clrMapOvr>
     <a:masterClrMapping/>
@@ -14297,42 +18296,6 @@
               <a:t>4</a:t>
             </a:fld>
             <a:endParaRPr lang="de-DE"/>
-          </a:p>
-        </p:txBody>
-      </p:sp>
-      <p:sp>
-        <p:nvSpPr>
-          <p:cNvPr id="7" name="Footer Placeholder 4">
-            <a:extLst>
-              <a:ext uri="{FF2B5EF4-FFF2-40B4-BE49-F238E27FC236}">
-                <a16:creationId xmlns:a16="http://schemas.microsoft.com/office/drawing/2014/main" id="{C4C146E8-EC73-46FC-8B03-58FA3D7A2538}"/>
-              </a:ext>
-            </a:extLst>
-          </p:cNvPr>
-          <p:cNvSpPr>
-            <a:spLocks noGrp="1"/>
-          </p:cNvSpPr>
-          <p:nvPr>
-            <p:ph type="ftr" sz="quarter" idx="11"/>
-          </p:nvPr>
-        </p:nvSpPr>
-        <p:spPr>
-          <a:xfrm>
-            <a:off x="539750" y="6365875"/>
-            <a:ext cx="2016125" cy="365125"/>
-          </a:xfrm>
-        </p:spPr>
-        <p:txBody>
-          <a:bodyPr/>
-          <a:lstStyle/>
-          <a:p>
-            <a:pPr>
-              <a:defRPr/>
-            </a:pPr>
-            <a:r>
-              <a:rPr lang="de-DE" dirty="0"/>
-              <a:t>Hochschule Furtwangen, </a:t>
-            </a:r>
           </a:p>
         </p:txBody>
       </p:sp>
@@ -15380,6 +19343,42 @@
               <a:ea typeface="ＭＳ Ｐゴシック" pitchFamily="-112" charset="-128"/>
               <a:cs typeface="Calibri" panose="020F0502020204030204" pitchFamily="34" charset="0"/>
             </a:endParaRPr>
+          </a:p>
+        </p:txBody>
+      </p:sp>
+      <p:sp>
+        <p:nvSpPr>
+          <p:cNvPr id="15" name="Footer Placeholder 4">
+            <a:extLst>
+              <a:ext uri="{FF2B5EF4-FFF2-40B4-BE49-F238E27FC236}">
+                <a16:creationId xmlns:a16="http://schemas.microsoft.com/office/drawing/2014/main" id="{F8E2A0DE-4DEB-4D1C-86AF-C413F7D4CB4A}"/>
+              </a:ext>
+            </a:extLst>
+          </p:cNvPr>
+          <p:cNvSpPr>
+            <a:spLocks noGrp="1"/>
+          </p:cNvSpPr>
+          <p:nvPr>
+            <p:ph type="ftr" sz="quarter" idx="11"/>
+          </p:nvPr>
+        </p:nvSpPr>
+        <p:spPr>
+          <a:xfrm>
+            <a:off x="539750" y="6365875"/>
+            <a:ext cx="2016125" cy="365125"/>
+          </a:xfrm>
+        </p:spPr>
+        <p:txBody>
+          <a:bodyPr/>
+          <a:lstStyle/>
+          <a:p>
+            <a:pPr>
+              <a:defRPr/>
+            </a:pPr>
+            <a:r>
+              <a:rPr lang="de-DE" dirty="0"/>
+              <a:t>Hochschule Furtwangen</a:t>
+            </a:r>
           </a:p>
         </p:txBody>
       </p:sp>
@@ -15686,42 +19685,6 @@
       </p:sp>
       <p:sp>
         <p:nvSpPr>
-          <p:cNvPr id="7" name="Footer Placeholder 4">
-            <a:extLst>
-              <a:ext uri="{FF2B5EF4-FFF2-40B4-BE49-F238E27FC236}">
-                <a16:creationId xmlns:a16="http://schemas.microsoft.com/office/drawing/2014/main" id="{C4C146E8-EC73-46FC-8B03-58FA3D7A2538}"/>
-              </a:ext>
-            </a:extLst>
-          </p:cNvPr>
-          <p:cNvSpPr>
-            <a:spLocks noGrp="1"/>
-          </p:cNvSpPr>
-          <p:nvPr>
-            <p:ph type="ftr" sz="quarter" idx="11"/>
-          </p:nvPr>
-        </p:nvSpPr>
-        <p:spPr>
-          <a:xfrm>
-            <a:off x="539750" y="6365875"/>
-            <a:ext cx="2016125" cy="365125"/>
-          </a:xfrm>
-        </p:spPr>
-        <p:txBody>
-          <a:bodyPr/>
-          <a:lstStyle/>
-          <a:p>
-            <a:pPr>
-              <a:defRPr/>
-            </a:pPr>
-            <a:r>
-              <a:rPr lang="de-DE" dirty="0"/>
-              <a:t>Hochschule Furtwangen, </a:t>
-            </a:r>
-          </a:p>
-        </p:txBody>
-      </p:sp>
-      <p:sp>
-        <p:nvSpPr>
           <p:cNvPr id="10" name="Date Placeholder 3">
             <a:extLst>
               <a:ext uri="{FF2B5EF4-FFF2-40B4-BE49-F238E27FC236}">
@@ -15854,6 +19817,42 @@
                 <a:cs typeface="Calibri" panose="020F0502020204030204" pitchFamily="34" charset="0"/>
               </a:rPr>
               <a:t>Lochkamermodell</a:t>
+            </a:r>
+          </a:p>
+        </p:txBody>
+      </p:sp>
+      <p:sp>
+        <p:nvSpPr>
+          <p:cNvPr id="13" name="Footer Placeholder 4">
+            <a:extLst>
+              <a:ext uri="{FF2B5EF4-FFF2-40B4-BE49-F238E27FC236}">
+                <a16:creationId xmlns:a16="http://schemas.microsoft.com/office/drawing/2014/main" id="{8565F616-C99E-43D8-A9B8-380ED8337B50}"/>
+              </a:ext>
+            </a:extLst>
+          </p:cNvPr>
+          <p:cNvSpPr>
+            <a:spLocks noGrp="1"/>
+          </p:cNvSpPr>
+          <p:nvPr>
+            <p:ph type="ftr" sz="quarter" idx="11"/>
+          </p:nvPr>
+        </p:nvSpPr>
+        <p:spPr>
+          <a:xfrm>
+            <a:off x="539750" y="6365875"/>
+            <a:ext cx="2016125" cy="365125"/>
+          </a:xfrm>
+        </p:spPr>
+        <p:txBody>
+          <a:bodyPr/>
+          <a:lstStyle/>
+          <a:p>
+            <a:pPr>
+              <a:defRPr/>
+            </a:pPr>
+            <a:r>
+              <a:rPr lang="de-DE" dirty="0"/>
+              <a:t>Hochschule Furtwangen</a:t>
             </a:r>
           </a:p>
         </p:txBody>
@@ -15984,42 +19983,6 @@
               <a:t>6</a:t>
             </a:fld>
             <a:endParaRPr lang="de-DE"/>
-          </a:p>
-        </p:txBody>
-      </p:sp>
-      <p:sp>
-        <p:nvSpPr>
-          <p:cNvPr id="7" name="Footer Placeholder 4">
-            <a:extLst>
-              <a:ext uri="{FF2B5EF4-FFF2-40B4-BE49-F238E27FC236}">
-                <a16:creationId xmlns:a16="http://schemas.microsoft.com/office/drawing/2014/main" id="{C4C146E8-EC73-46FC-8B03-58FA3D7A2538}"/>
-              </a:ext>
-            </a:extLst>
-          </p:cNvPr>
-          <p:cNvSpPr>
-            <a:spLocks noGrp="1"/>
-          </p:cNvSpPr>
-          <p:nvPr>
-            <p:ph type="ftr" sz="quarter" idx="11"/>
-          </p:nvPr>
-        </p:nvSpPr>
-        <p:spPr>
-          <a:xfrm>
-            <a:off x="539750" y="6365875"/>
-            <a:ext cx="2016125" cy="365125"/>
-          </a:xfrm>
-        </p:spPr>
-        <p:txBody>
-          <a:bodyPr/>
-          <a:lstStyle/>
-          <a:p>
-            <a:pPr>
-              <a:defRPr/>
-            </a:pPr>
-            <a:r>
-              <a:rPr lang="de-DE" dirty="0"/>
-              <a:t>Hochschule Furtwangen, </a:t>
-            </a:r>
           </a:p>
         </p:txBody>
       </p:sp>
@@ -16423,6 +20386,42 @@
           </a:p>
         </p:txBody>
       </p:sp>
+      <p:sp>
+        <p:nvSpPr>
+          <p:cNvPr id="15" name="Footer Placeholder 4">
+            <a:extLst>
+              <a:ext uri="{FF2B5EF4-FFF2-40B4-BE49-F238E27FC236}">
+                <a16:creationId xmlns:a16="http://schemas.microsoft.com/office/drawing/2014/main" id="{5BD54DC3-33C0-4EDC-8A04-06C34C1B3CEF}"/>
+              </a:ext>
+            </a:extLst>
+          </p:cNvPr>
+          <p:cNvSpPr>
+            <a:spLocks noGrp="1"/>
+          </p:cNvSpPr>
+          <p:nvPr>
+            <p:ph type="ftr" sz="quarter" idx="11"/>
+          </p:nvPr>
+        </p:nvSpPr>
+        <p:spPr>
+          <a:xfrm>
+            <a:off x="539750" y="6365875"/>
+            <a:ext cx="2016125" cy="365125"/>
+          </a:xfrm>
+        </p:spPr>
+        <p:txBody>
+          <a:bodyPr/>
+          <a:lstStyle/>
+          <a:p>
+            <a:pPr>
+              <a:defRPr/>
+            </a:pPr>
+            <a:r>
+              <a:rPr lang="de-DE" dirty="0"/>
+              <a:t>Hochschule Furtwangen</a:t>
+            </a:r>
+          </a:p>
+        </p:txBody>
+      </p:sp>
     </p:spTree>
     <p:extLst>
       <p:ext uri="{BB962C8B-B14F-4D97-AF65-F5344CB8AC3E}">
@@ -16554,42 +20553,6 @@
       </p:sp>
       <p:sp>
         <p:nvSpPr>
-          <p:cNvPr id="7" name="Footer Placeholder 4">
-            <a:extLst>
-              <a:ext uri="{FF2B5EF4-FFF2-40B4-BE49-F238E27FC236}">
-                <a16:creationId xmlns:a16="http://schemas.microsoft.com/office/drawing/2014/main" id="{C4C146E8-EC73-46FC-8B03-58FA3D7A2538}"/>
-              </a:ext>
-            </a:extLst>
-          </p:cNvPr>
-          <p:cNvSpPr>
-            <a:spLocks noGrp="1"/>
-          </p:cNvSpPr>
-          <p:nvPr>
-            <p:ph type="ftr" sz="quarter" idx="11"/>
-          </p:nvPr>
-        </p:nvSpPr>
-        <p:spPr>
-          <a:xfrm>
-            <a:off x="539750" y="6365875"/>
-            <a:ext cx="2016125" cy="365125"/>
-          </a:xfrm>
-        </p:spPr>
-        <p:txBody>
-          <a:bodyPr/>
-          <a:lstStyle/>
-          <a:p>
-            <a:pPr>
-              <a:defRPr/>
-            </a:pPr>
-            <a:r>
-              <a:rPr lang="de-DE" dirty="0"/>
-              <a:t>Hochschule Furtwangen, </a:t>
-            </a:r>
-          </a:p>
-        </p:txBody>
-      </p:sp>
-      <p:sp>
-        <p:nvSpPr>
           <p:cNvPr id="10" name="Date Placeholder 3">
             <a:extLst>
               <a:ext uri="{FF2B5EF4-FFF2-40B4-BE49-F238E27FC236}">
@@ -16728,6 +20691,42 @@
                 <a:cs typeface="Calibri" panose="020F0502020204030204" pitchFamily="34" charset="0"/>
               </a:rPr>
               <a:t>Grundlagen für die Stereorekonstruktion</a:t>
+            </a:r>
+          </a:p>
+        </p:txBody>
+      </p:sp>
+      <p:sp>
+        <p:nvSpPr>
+          <p:cNvPr id="9" name="Footer Placeholder 4">
+            <a:extLst>
+              <a:ext uri="{FF2B5EF4-FFF2-40B4-BE49-F238E27FC236}">
+                <a16:creationId xmlns:a16="http://schemas.microsoft.com/office/drawing/2014/main" id="{5F7565AA-57EB-436E-9541-AE5BEBA31C54}"/>
+              </a:ext>
+            </a:extLst>
+          </p:cNvPr>
+          <p:cNvSpPr>
+            <a:spLocks noGrp="1"/>
+          </p:cNvSpPr>
+          <p:nvPr>
+            <p:ph type="ftr" sz="quarter" idx="11"/>
+          </p:nvPr>
+        </p:nvSpPr>
+        <p:spPr>
+          <a:xfrm>
+            <a:off x="539750" y="6365875"/>
+            <a:ext cx="2016125" cy="365125"/>
+          </a:xfrm>
+        </p:spPr>
+        <p:txBody>
+          <a:bodyPr/>
+          <a:lstStyle/>
+          <a:p>
+            <a:pPr>
+              <a:defRPr/>
+            </a:pPr>
+            <a:r>
+              <a:rPr lang="de-DE" dirty="0"/>
+              <a:t>Hochschule Furtwangen</a:t>
             </a:r>
           </a:p>
         </p:txBody>
@@ -16863,42 +20862,6 @@
       </p:sp>
       <p:sp>
         <p:nvSpPr>
-          <p:cNvPr id="7" name="Footer Placeholder 4">
-            <a:extLst>
-              <a:ext uri="{FF2B5EF4-FFF2-40B4-BE49-F238E27FC236}">
-                <a16:creationId xmlns:a16="http://schemas.microsoft.com/office/drawing/2014/main" id="{C4C146E8-EC73-46FC-8B03-58FA3D7A2538}"/>
-              </a:ext>
-            </a:extLst>
-          </p:cNvPr>
-          <p:cNvSpPr>
-            <a:spLocks noGrp="1"/>
-          </p:cNvSpPr>
-          <p:nvPr>
-            <p:ph type="ftr" sz="quarter" idx="11"/>
-          </p:nvPr>
-        </p:nvSpPr>
-        <p:spPr>
-          <a:xfrm>
-            <a:off x="539750" y="6365875"/>
-            <a:ext cx="2016125" cy="365125"/>
-          </a:xfrm>
-        </p:spPr>
-        <p:txBody>
-          <a:bodyPr/>
-          <a:lstStyle/>
-          <a:p>
-            <a:pPr>
-              <a:defRPr/>
-            </a:pPr>
-            <a:r>
-              <a:rPr lang="de-DE" dirty="0"/>
-              <a:t>Hochschule Furtwangen, </a:t>
-            </a:r>
-          </a:p>
-        </p:txBody>
-      </p:sp>
-      <p:sp>
-        <p:nvSpPr>
           <p:cNvPr id="10" name="Date Placeholder 3">
             <a:extLst>
               <a:ext uri="{FF2B5EF4-FFF2-40B4-BE49-F238E27FC236}">
@@ -16961,7 +20924,7 @@
         </p:blipFill>
         <p:spPr>
           <a:xfrm>
-            <a:off x="3133531" y="3537476"/>
+            <a:off x="3133529" y="3489450"/>
             <a:ext cx="2753109" cy="847843"/>
           </a:xfrm>
           <a:prstGeom prst="rect">
@@ -17333,6 +21296,42 @@
           </a:prstGeom>
         </p:spPr>
       </p:pic>
+      <p:sp>
+        <p:nvSpPr>
+          <p:cNvPr id="17" name="Footer Placeholder 4">
+            <a:extLst>
+              <a:ext uri="{FF2B5EF4-FFF2-40B4-BE49-F238E27FC236}">
+                <a16:creationId xmlns:a16="http://schemas.microsoft.com/office/drawing/2014/main" id="{590351B9-026B-489E-A11C-D3C0937AD9D9}"/>
+              </a:ext>
+            </a:extLst>
+          </p:cNvPr>
+          <p:cNvSpPr>
+            <a:spLocks noGrp="1"/>
+          </p:cNvSpPr>
+          <p:nvPr>
+            <p:ph type="ftr" sz="quarter" idx="11"/>
+          </p:nvPr>
+        </p:nvSpPr>
+        <p:spPr>
+          <a:xfrm>
+            <a:off x="539750" y="6365875"/>
+            <a:ext cx="2016125" cy="365125"/>
+          </a:xfrm>
+        </p:spPr>
+        <p:txBody>
+          <a:bodyPr/>
+          <a:lstStyle/>
+          <a:p>
+            <a:pPr>
+              <a:defRPr/>
+            </a:pPr>
+            <a:r>
+              <a:rPr lang="de-DE" dirty="0"/>
+              <a:t>Hochschule Furtwangen</a:t>
+            </a:r>
+          </a:p>
+        </p:txBody>
+      </p:sp>
     </p:spTree>
     <p:extLst>
       <p:ext uri="{BB962C8B-B14F-4D97-AF65-F5344CB8AC3E}">
@@ -17389,42 +21388,6 @@
       </p:sp>
       <p:sp>
         <p:nvSpPr>
-          <p:cNvPr id="7" name="Footer Placeholder 4">
-            <a:extLst>
-              <a:ext uri="{FF2B5EF4-FFF2-40B4-BE49-F238E27FC236}">
-                <a16:creationId xmlns:a16="http://schemas.microsoft.com/office/drawing/2014/main" id="{C4C146E8-EC73-46FC-8B03-58FA3D7A2538}"/>
-              </a:ext>
-            </a:extLst>
-          </p:cNvPr>
-          <p:cNvSpPr>
-            <a:spLocks noGrp="1"/>
-          </p:cNvSpPr>
-          <p:nvPr>
-            <p:ph type="ftr" sz="quarter" idx="11"/>
-          </p:nvPr>
-        </p:nvSpPr>
-        <p:spPr>
-          <a:xfrm>
-            <a:off x="539750" y="6365875"/>
-            <a:ext cx="2016125" cy="365125"/>
-          </a:xfrm>
-        </p:spPr>
-        <p:txBody>
-          <a:bodyPr/>
-          <a:lstStyle/>
-          <a:p>
-            <a:pPr>
-              <a:defRPr/>
-            </a:pPr>
-            <a:r>
-              <a:rPr lang="de-DE" dirty="0"/>
-              <a:t>Hochschule Furtwangen, </a:t>
-            </a:r>
-          </a:p>
-        </p:txBody>
-      </p:sp>
-      <p:sp>
-        <p:nvSpPr>
           <p:cNvPr id="10" name="Date Placeholder 3">
             <a:extLst>
               <a:ext uri="{FF2B5EF4-FFF2-40B4-BE49-F238E27FC236}">
@@ -17721,6 +21684,42 @@
           </a:prstGeom>
         </p:spPr>
       </p:pic>
+      <p:sp>
+        <p:nvSpPr>
+          <p:cNvPr id="12" name="Footer Placeholder 4">
+            <a:extLst>
+              <a:ext uri="{FF2B5EF4-FFF2-40B4-BE49-F238E27FC236}">
+                <a16:creationId xmlns:a16="http://schemas.microsoft.com/office/drawing/2014/main" id="{02C5C401-F7DA-4921-9C3B-562C73AC24B6}"/>
+              </a:ext>
+            </a:extLst>
+          </p:cNvPr>
+          <p:cNvSpPr>
+            <a:spLocks noGrp="1"/>
+          </p:cNvSpPr>
+          <p:nvPr>
+            <p:ph type="ftr" sz="quarter" idx="11"/>
+          </p:nvPr>
+        </p:nvSpPr>
+        <p:spPr>
+          <a:xfrm>
+            <a:off x="539750" y="6365875"/>
+            <a:ext cx="2016125" cy="365125"/>
+          </a:xfrm>
+        </p:spPr>
+        <p:txBody>
+          <a:bodyPr/>
+          <a:lstStyle/>
+          <a:p>
+            <a:pPr>
+              <a:defRPr/>
+            </a:pPr>
+            <a:r>
+              <a:rPr lang="de-DE" dirty="0"/>
+              <a:t>Hochschule Furtwangen</a:t>
+            </a:r>
+          </a:p>
+        </p:txBody>
+      </p:sp>
     </p:spTree>
     <p:extLst>
       <p:ext uri="{BB962C8B-B14F-4D97-AF65-F5344CB8AC3E}">

--- a/Thesis/Disputation/PowerPointPresentation/V2_Dispo_HFU_Design.pptx
+++ b/Thesis/Disputation/PowerPointPresentation/V2_Dispo_HFU_Design.pptx
@@ -1841,14 +1841,11 @@
           <a:lstStyle/>
           <a:p>
             <a:r>
-              <a:rPr lang="de-DE">
+              <a:rPr lang="de-DE" dirty="0">
                 <a:ea typeface="ＭＳ Ｐゴシック" pitchFamily="34" charset="-128"/>
               </a:rPr>
               <a:t>(HIER WEITER MACHEN )</a:t>
             </a:r>
-            <a:endParaRPr lang="de-DE" dirty="0">
-              <a:ea typeface="ＭＳ Ｐゴシック" pitchFamily="34" charset="-128"/>
-            </a:endParaRPr>
           </a:p>
           <a:p>
             <a:endParaRPr lang="de-DE" dirty="0">

--- a/Thesis/Disputation/PowerPointPresentation/V2_Dispo_HFU_Design.pptx
+++ b/Thesis/Disputation/PowerPointPresentation/V2_Dispo_HFU_Design.pptx
@@ -1633,6 +1633,24 @@
               </a:rPr>
               <a:t> Führt dazu, dass die epipolaren Bedinungen nicht mehr erfüllt werden (FORMEL ERSCHEINEN LASSEN)</a:t>
             </a:r>
+          </a:p>
+          <a:p>
+            <a:pPr marL="628650" lvl="1" indent="-171450">
+              <a:buFont typeface="Arial" panose="020B0604020202020204" pitchFamily="34" charset="0"/>
+              <a:buChar char="•"/>
+            </a:pPr>
+            <a:r>
+              <a:rPr lang="de-DE" sz="1200" b="0" i="0" u="none" strike="noStrike" kern="1200" baseline="0" dirty="0">
+                <a:solidFill>
+                  <a:schemeClr val="tx1"/>
+                </a:solidFill>
+                <a:latin typeface="Arial" charset="0"/>
+                <a:ea typeface="ＭＳ Ｐゴシック" pitchFamily="-112" charset="-128"/>
+                <a:cs typeface="+mn-cs"/>
+                <a:sym typeface="Wingdings" panose="05000000000000000000" pitchFamily="2" charset="2"/>
+              </a:rPr>
+              <a:t>Wie im Bild zu sehen ist, bedeutet das, dass die detektierten korrespondierenden Punkte nicht auf den jeweiligen epipolarlinien des anderen Bildes liegen. </a:t>
+            </a:r>
             <a:endParaRPr lang="de-DE" sz="1200" b="0" i="0" u="none" strike="noStrike" kern="1200" baseline="0" dirty="0">
               <a:solidFill>
                 <a:schemeClr val="tx1"/>
@@ -1848,6 +1866,160 @@
             </a:r>
           </a:p>
           <a:p>
+            <a:pPr marL="171450" indent="-171450">
+              <a:buFont typeface="Arial" panose="020B0604020202020204" pitchFamily="34" charset="0"/>
+              <a:buChar char="•"/>
+            </a:pPr>
+            <a:r>
+              <a:rPr lang="de-DE" dirty="0">
+                <a:ea typeface="ＭＳ Ｐゴシック" pitchFamily="34" charset="-128"/>
+              </a:rPr>
+              <a:t>Anders als beim synthetischen Beispiel werden die intrinsischen Kameraparameter durch zuvorige einzel-Kamerakalibrierung gewonnen.</a:t>
+            </a:r>
+          </a:p>
+          <a:p>
+            <a:pPr marL="171450" indent="-171450">
+              <a:buFont typeface="Arial" panose="020B0604020202020204" pitchFamily="34" charset="0"/>
+              <a:buChar char="•"/>
+            </a:pPr>
+            <a:r>
+              <a:rPr lang="de-DE" dirty="0">
+                <a:ea typeface="ＭＳ Ｐゴシック" pitchFamily="34" charset="-128"/>
+              </a:rPr>
+              <a:t>Danach startet erst das Prorgram</a:t>
+            </a:r>
+          </a:p>
+          <a:p>
+            <a:pPr marL="171450" indent="-171450">
+              <a:buFont typeface="Arial" panose="020B0604020202020204" pitchFamily="34" charset="0"/>
+              <a:buChar char="•"/>
+            </a:pPr>
+            <a:r>
+              <a:rPr lang="de-DE" dirty="0">
+                <a:ea typeface="ＭＳ Ｐゴシック" pitchFamily="34" charset="-128"/>
+              </a:rPr>
+              <a:t>Die Detektion wird von einem bereits existierenden Algorithmus Übernommen, welcher nach dem Surf Prinzip funktioniert (vllt kurz SURF erklären aber eig unnötig)</a:t>
+            </a:r>
+          </a:p>
+          <a:p>
+            <a:pPr marL="0" indent="0">
+              <a:buFont typeface="Arial" panose="020B0604020202020204" pitchFamily="34" charset="0"/>
+              <a:buNone/>
+            </a:pPr>
+            <a:endParaRPr lang="de-DE" dirty="0">
+              <a:ea typeface="ＭＳ Ｐゴシック" pitchFamily="34" charset="-128"/>
+            </a:endParaRPr>
+          </a:p>
+          <a:p>
+            <a:pPr marL="171450" indent="-171450">
+              <a:buFont typeface="Arial" panose="020B0604020202020204" pitchFamily="34" charset="0"/>
+              <a:buChar char="•"/>
+            </a:pPr>
+            <a:r>
+              <a:rPr lang="de-DE" dirty="0">
+                <a:ea typeface="ＭＳ Ｐゴシック" pitchFamily="34" charset="-128"/>
+              </a:rPr>
+              <a:t>Unterschied zum synthetischen Beispiel, die eingehenden Bilddaten werden normiert. Der Grund dahinter ist, dass sich die Koordinaten, welche in homogenen koordinaten angebgen sind, in ihren Zahlenwerten stark unterscheiden</a:t>
+            </a:r>
+          </a:p>
+          <a:p>
+            <a:pPr marL="628650" lvl="1" indent="-171450">
+              <a:buFont typeface="Arial" panose="020B0604020202020204" pitchFamily="34" charset="0"/>
+              <a:buChar char="•"/>
+            </a:pPr>
+            <a:r>
+              <a:rPr lang="de-DE" dirty="0">
+                <a:ea typeface="ＭＳ Ｐゴシック" pitchFamily="34" charset="-128"/>
+              </a:rPr>
+              <a:t>Die Punkte liegen meist 100 bis 1000 ende von Pixel außeinander. Das führt zu einer starken unausgeglichenheit innerhalb der Fundamentalmatrix, welche eine große Fehleranfälligkeit bei schon kleinsten Abweichungen mit sich bringt</a:t>
+            </a:r>
+          </a:p>
+          <a:p>
+            <a:pPr marL="1085850" lvl="2" indent="-171450">
+              <a:buFont typeface="Arial" panose="020B0604020202020204" pitchFamily="34" charset="0"/>
+              <a:buChar char="•"/>
+            </a:pPr>
+            <a:r>
+              <a:rPr lang="de-DE" dirty="0">
+                <a:ea typeface="ＭＳ Ｐゴシック" pitchFamily="34" charset="-128"/>
+              </a:rPr>
+              <a:t>Unausgefglichen bedeutet, dass die Einträge innerhalb der Fundamentalmatrix in stark unterschiedlichen Zehnerbereichen sich befinden.</a:t>
+            </a:r>
+          </a:p>
+          <a:p>
+            <a:pPr marL="628650" lvl="1" indent="-171450">
+              <a:buFont typeface="Arial" panose="020B0604020202020204" pitchFamily="34" charset="0"/>
+              <a:buChar char="•"/>
+            </a:pPr>
+            <a:r>
+              <a:rPr lang="de-DE" dirty="0">
+                <a:ea typeface="ＭＳ Ｐゴシック" pitchFamily="34" charset="-128"/>
+              </a:rPr>
+              <a:t>Die eingehenden Bilddaten werden deswegen so normiert, dass sich ihr durschnittlicher Abstand zum Ursprung bei sqrt(2) befindet.</a:t>
+            </a:r>
+          </a:p>
+          <a:p>
+            <a:pPr marL="628650" lvl="1" indent="-171450">
+              <a:buFont typeface="Arial" panose="020B0604020202020204" pitchFamily="34" charset="0"/>
+              <a:buChar char="•"/>
+            </a:pPr>
+            <a:r>
+              <a:rPr lang="de-DE" dirty="0">
+                <a:ea typeface="ＭＳ Ｐゴシック" pitchFamily="34" charset="-128"/>
+              </a:rPr>
+              <a:t>Die normierung ist des Weiteren wichtig für die Singulärwerte(anders einbauen)</a:t>
+            </a:r>
+          </a:p>
+          <a:p>
+            <a:pPr marL="171450" lvl="0" indent="-171450">
+              <a:buFont typeface="Arial" panose="020B0604020202020204" pitchFamily="34" charset="0"/>
+              <a:buChar char="•"/>
+            </a:pPr>
+            <a:r>
+              <a:rPr lang="de-DE" dirty="0">
+                <a:ea typeface="ＭＳ Ｐゴシック" pitchFamily="34" charset="-128"/>
+              </a:rPr>
+              <a:t>Nach der normierung der Bilddaten und der Findung der darauf folgenden Bestimmung der Fundamentalmatrix mit dem jetzt normierten Acht-Punkte-Algorithmus, wird zunächst noch überprüft, ob es sich bei F um eine singuläre 3x3 Matrix von Rang 2 handelt, ist dies nicht der Fall muss noch eine Modifizierung von F vorgenommen werden  welche gleich noch genauer aufgeführt wird.</a:t>
+            </a:r>
+          </a:p>
+          <a:p>
+            <a:pPr marL="171450" lvl="0" indent="-171450">
+              <a:buFont typeface="Arial" panose="020B0604020202020204" pitchFamily="34" charset="0"/>
+              <a:buChar char="•"/>
+            </a:pPr>
+            <a:r>
+              <a:rPr lang="de-DE" dirty="0">
+                <a:ea typeface="ＭＳ Ｐゴシック" pitchFamily="34" charset="-128"/>
+              </a:rPr>
+              <a:t>Danach kann wieder aus F die essentielle Matrix E ermittelt werden. Ist F von Rang 2 so ist auch E von Rang 2.  Bevor jedoch die Bestimmung der extrinsischen Kameraparameter wie inm synthetischen Beispiel, werden die singulärwerte der essentiellen noch überprüft (sagen, was genau erreicht werden soll mit diag(1,1,0) </a:t>
+            </a:r>
+          </a:p>
+          <a:p>
+            <a:pPr marL="171450" lvl="0" indent="-171450">
+              <a:buFont typeface="Arial" panose="020B0604020202020204" pitchFamily="34" charset="0"/>
+              <a:buChar char="•"/>
+            </a:pPr>
+            <a:endParaRPr lang="de-DE" dirty="0">
+              <a:ea typeface="ＭＳ Ｐゴシック" pitchFamily="34" charset="-128"/>
+            </a:endParaRPr>
+          </a:p>
+          <a:p>
+            <a:pPr marL="171450" lvl="0" indent="-171450">
+              <a:buFont typeface="Arial" panose="020B0604020202020204" pitchFamily="34" charset="0"/>
+              <a:buChar char="•"/>
+            </a:pPr>
+            <a:r>
+              <a:rPr lang="de-DE" dirty="0">
+                <a:ea typeface="ＭＳ Ｐゴシック" pitchFamily="34" charset="-128"/>
+              </a:rPr>
+              <a:t>HIER WEItER SCHREIBEN.</a:t>
+            </a:r>
+          </a:p>
+          <a:p>
+            <a:pPr marL="171450" indent="-171450">
+              <a:buFont typeface="Arial" panose="020B0604020202020204" pitchFamily="34" charset="0"/>
+              <a:buChar char="•"/>
+            </a:pPr>
             <a:endParaRPr lang="de-DE" dirty="0">
               <a:ea typeface="ＭＳ Ｐゴシック" pitchFamily="34" charset="-128"/>
             </a:endParaRPr>
@@ -6430,7 +6602,7 @@
               <a:rPr lang="de-DE" dirty="0">
                 <a:ea typeface="ＭＳ Ｐゴシック" pitchFamily="34" charset="-128"/>
               </a:rPr>
-              <a:t>die Fundamentalmatrix fasst die extrinsischen und intrinsischen Kameraparameter in sich zusammen </a:t>
+              <a:t>die Fundamentalmatrix ist eine 3x3-Matrix von Rang 2 und fasst die extrinsischen und intrinsischen Kameraparameter in sich zusammen </a:t>
             </a:r>
           </a:p>
           <a:p>
@@ -6454,7 +6626,7 @@
               <a:rPr lang="de-DE" dirty="0">
                 <a:ea typeface="ＭＳ Ｐゴシック" pitchFamily="34" charset="-128"/>
               </a:rPr>
-              <a:t>Bei der essentiellen Matrix werden die intrinsischen Kameraparameter aus der Fundementalmatrix rausgezogen und mit den Bildkoordinaten verrechnet</a:t>
+              <a:t>Bei der essentiellen Matrix ist auch eine 3x3 Matrix von Rang 2, bei ihr werden die intrinsischen Kameraparameter aus der Fundementalmatrix rausgezogen und mit den Bildkoordinaten verrechnet</a:t>
             </a:r>
           </a:p>
           <a:p>
@@ -12320,6 +12492,36 @@
           </a:p>
         </p:txBody>
       </p:sp>
+      <p:pic>
+        <p:nvPicPr>
+          <p:cNvPr id="2" name="Picture 1">
+            <a:extLst>
+              <a:ext uri="{FF2B5EF4-FFF2-40B4-BE49-F238E27FC236}">
+                <a16:creationId xmlns:a16="http://schemas.microsoft.com/office/drawing/2014/main" id="{1F32D46E-4861-4E59-BA27-2AF5E61C61CD}"/>
+              </a:ext>
+            </a:extLst>
+          </p:cNvPr>
+          <p:cNvPicPr>
+            <a:picLocks noChangeAspect="1"/>
+          </p:cNvPicPr>
+          <p:nvPr/>
+        </p:nvPicPr>
+        <p:blipFill>
+          <a:blip r:embed="rId4"/>
+          <a:stretch>
+            <a:fillRect/>
+          </a:stretch>
+        </p:blipFill>
+        <p:spPr>
+          <a:xfrm>
+            <a:off x="858421" y="2853508"/>
+            <a:ext cx="7427156" cy="1872208"/>
+          </a:xfrm>
+          <a:prstGeom prst="rect">
+            <a:avLst/>
+          </a:prstGeom>
+        </p:spPr>
+      </p:pic>
     </p:spTree>
     <p:extLst>
       <p:ext uri="{BB962C8B-B14F-4D97-AF65-F5344CB8AC3E}">
@@ -12330,6 +12532,126 @@
   <p:clrMapOvr>
     <a:masterClrMapping/>
   </p:clrMapOvr>
+  <p:timing>
+    <p:tnLst>
+      <p:par>
+        <p:cTn id="1" dur="indefinite" restart="never" nodeType="tmRoot">
+          <p:childTnLst>
+            <p:seq concurrent="1" nextAc="seek">
+              <p:cTn id="2" dur="indefinite" nodeType="mainSeq">
+                <p:childTnLst>
+                  <p:par>
+                    <p:cTn id="3" fill="hold">
+                      <p:stCondLst>
+                        <p:cond delay="indefinite"/>
+                      </p:stCondLst>
+                      <p:childTnLst>
+                        <p:par>
+                          <p:cTn id="4" fill="hold">
+                            <p:stCondLst>
+                              <p:cond delay="0"/>
+                            </p:stCondLst>
+                            <p:childTnLst>
+                              <p:par>
+                                <p:cTn id="5" presetID="1" presetClass="entr" presetSubtype="0" fill="hold" nodeType="clickEffect">
+                                  <p:stCondLst>
+                                    <p:cond delay="0"/>
+                                  </p:stCondLst>
+                                  <p:childTnLst>
+                                    <p:set>
+                                      <p:cBhvr>
+                                        <p:cTn id="6" dur="1" fill="hold">
+                                          <p:stCondLst>
+                                            <p:cond delay="0"/>
+                                          </p:stCondLst>
+                                        </p:cTn>
+                                        <p:tgtEl>
+                                          <p:spTgt spid="2"/>
+                                        </p:tgtEl>
+                                        <p:attrNameLst>
+                                          <p:attrName>style.visibility</p:attrName>
+                                        </p:attrNameLst>
+                                      </p:cBhvr>
+                                      <p:to>
+                                        <p:strVal val="visible"/>
+                                      </p:to>
+                                    </p:set>
+                                  </p:childTnLst>
+                                </p:cTn>
+                              </p:par>
+                            </p:childTnLst>
+                          </p:cTn>
+                        </p:par>
+                      </p:childTnLst>
+                    </p:cTn>
+                  </p:par>
+                  <p:par>
+                    <p:cTn id="7" fill="hold">
+                      <p:stCondLst>
+                        <p:cond delay="indefinite"/>
+                      </p:stCondLst>
+                      <p:childTnLst>
+                        <p:par>
+                          <p:cTn id="8" fill="hold">
+                            <p:stCondLst>
+                              <p:cond delay="0"/>
+                            </p:stCondLst>
+                            <p:childTnLst>
+                              <p:par>
+                                <p:cTn id="9" presetID="1" presetClass="exit" presetSubtype="0" fill="hold" nodeType="clickEffect">
+                                  <p:stCondLst>
+                                    <p:cond delay="0"/>
+                                  </p:stCondLst>
+                                  <p:childTnLst>
+                                    <p:set>
+                                      <p:cBhvr>
+                                        <p:cTn id="10" dur="1" fill="hold">
+                                          <p:stCondLst>
+                                            <p:cond delay="0"/>
+                                          </p:stCondLst>
+                                        </p:cTn>
+                                        <p:tgtEl>
+                                          <p:spTgt spid="2"/>
+                                        </p:tgtEl>
+                                        <p:attrNameLst>
+                                          <p:attrName>style.visibility</p:attrName>
+                                        </p:attrNameLst>
+                                      </p:cBhvr>
+                                      <p:to>
+                                        <p:strVal val="hidden"/>
+                                      </p:to>
+                                    </p:set>
+                                  </p:childTnLst>
+                                </p:cTn>
+                              </p:par>
+                            </p:childTnLst>
+                          </p:cTn>
+                        </p:par>
+                      </p:childTnLst>
+                    </p:cTn>
+                  </p:par>
+                </p:childTnLst>
+              </p:cTn>
+              <p:prevCondLst>
+                <p:cond evt="onPrev" delay="0">
+                  <p:tgtEl>
+                    <p:sldTgt/>
+                  </p:tgtEl>
+                </p:cond>
+              </p:prevCondLst>
+              <p:nextCondLst>
+                <p:cond evt="onNext" delay="0">
+                  <p:tgtEl>
+                    <p:sldTgt/>
+                  </p:tgtEl>
+                </p:cond>
+              </p:nextCondLst>
+            </p:seq>
+          </p:childTnLst>
+        </p:cTn>
+      </p:par>
+    </p:tnLst>
+  </p:timing>
 </p:sld>
 </file>
 
